--- a/Fall 2015/Lectures/Lecture 4 Sensitivity Analysis/Lecture 4 Intro Sensitivity Analysis.pptx
+++ b/Fall 2015/Lectures/Lecture 4 Sensitivity Analysis/Lecture 4 Intro Sensitivity Analysis.pptx
@@ -5,31 +5,33 @@
     <p:sldMasterId id="2147483648" r:id="rId1"/>
   </p:sldMasterIdLst>
   <p:notesMasterIdLst>
-    <p:notesMasterId r:id="rId21"/>
+    <p:notesMasterId r:id="rId23"/>
   </p:notesMasterIdLst>
   <p:handoutMasterIdLst>
-    <p:handoutMasterId r:id="rId22"/>
+    <p:handoutMasterId r:id="rId24"/>
   </p:handoutMasterIdLst>
   <p:sldIdLst>
     <p:sldId id="256" r:id="rId2"/>
-    <p:sldId id="289" r:id="rId3"/>
-    <p:sldId id="290" r:id="rId4"/>
-    <p:sldId id="258" r:id="rId5"/>
-    <p:sldId id="259" r:id="rId6"/>
-    <p:sldId id="285" r:id="rId7"/>
-    <p:sldId id="257" r:id="rId8"/>
-    <p:sldId id="260" r:id="rId9"/>
-    <p:sldId id="287" r:id="rId10"/>
-    <p:sldId id="261" r:id="rId11"/>
-    <p:sldId id="265" r:id="rId12"/>
-    <p:sldId id="269" r:id="rId13"/>
-    <p:sldId id="268" r:id="rId14"/>
-    <p:sldId id="264" r:id="rId15"/>
-    <p:sldId id="267" r:id="rId16"/>
-    <p:sldId id="278" r:id="rId17"/>
-    <p:sldId id="279" r:id="rId18"/>
-    <p:sldId id="286" r:id="rId19"/>
-    <p:sldId id="288" r:id="rId20"/>
+    <p:sldId id="292" r:id="rId3"/>
+    <p:sldId id="291" r:id="rId4"/>
+    <p:sldId id="289" r:id="rId5"/>
+    <p:sldId id="290" r:id="rId6"/>
+    <p:sldId id="258" r:id="rId7"/>
+    <p:sldId id="259" r:id="rId8"/>
+    <p:sldId id="285" r:id="rId9"/>
+    <p:sldId id="257" r:id="rId10"/>
+    <p:sldId id="260" r:id="rId11"/>
+    <p:sldId id="287" r:id="rId12"/>
+    <p:sldId id="261" r:id="rId13"/>
+    <p:sldId id="265" r:id="rId14"/>
+    <p:sldId id="269" r:id="rId15"/>
+    <p:sldId id="268" r:id="rId16"/>
+    <p:sldId id="264" r:id="rId17"/>
+    <p:sldId id="267" r:id="rId18"/>
+    <p:sldId id="278" r:id="rId19"/>
+    <p:sldId id="279" r:id="rId20"/>
+    <p:sldId id="286" r:id="rId21"/>
+    <p:sldId id="288" r:id="rId22"/>
   </p:sldIdLst>
   <p:sldSz cx="9144000" cy="6858000" type="screen4x3"/>
   <p:notesSz cx="7010400" cy="9296400"/>
@@ -933,7 +935,7 @@
             <a:fld id="{DDAEA29F-98EC-134C-9C43-B83D21DF2A65}" type="slidenum">
               <a:rPr lang="en-US"/>
               <a:pPr/>
-              <a:t>5</a:t>
+              <a:t>7</a:t>
             </a:fld>
             <a:endParaRPr lang="en-US"/>
           </a:p>
@@ -1215,13 +1217,13 @@
   <p:clrMapOvr>
     <a:masterClrMapping/>
   </p:clrMapOvr>
-  <p:transition>
+  <p:transition xmlns:p14="http://schemas.microsoft.com/office/powerpoint/2010/main">
     <p:random/>
   </p:transition>
   <p:timing>
     <p:tnLst>
       <p:par>
-        <p:cTn id="1" dur="indefinite" restart="never" nodeType="tmRoot"/>
+        <p:cTn xmlns:p14="http://schemas.microsoft.com/office/powerpoint/2010/main" id="1" dur="indefinite" restart="never" nodeType="tmRoot"/>
       </p:par>
     </p:tnLst>
   </p:timing>
@@ -1407,7 +1409,7 @@
   <p:clrMapOvr>
     <a:masterClrMapping/>
   </p:clrMapOvr>
-  <p:transition>
+  <p:transition xmlns:p14="http://schemas.microsoft.com/office/powerpoint/2010/main">
     <p:random/>
   </p:transition>
 </p:sldLayout>
@@ -1602,7 +1604,7 @@
   <p:clrMapOvr>
     <a:masterClrMapping/>
   </p:clrMapOvr>
-  <p:transition>
+  <p:transition xmlns:p14="http://schemas.microsoft.com/office/powerpoint/2010/main">
     <p:random/>
   </p:transition>
 </p:sldLayout>
@@ -1787,13 +1789,13 @@
   <p:clrMapOvr>
     <a:masterClrMapping/>
   </p:clrMapOvr>
-  <p:transition>
+  <p:transition xmlns:p14="http://schemas.microsoft.com/office/powerpoint/2010/main">
     <p:random/>
   </p:transition>
   <p:timing>
     <p:tnLst>
       <p:par>
-        <p:cTn id="1" dur="indefinite" restart="never" nodeType="tmRoot"/>
+        <p:cTn xmlns:p14="http://schemas.microsoft.com/office/powerpoint/2010/main" id="1" dur="indefinite" restart="never" nodeType="tmRoot"/>
       </p:par>
     </p:tnLst>
   </p:timing>
@@ -2001,13 +2003,13 @@
   <p:clrMapOvr>
     <a:masterClrMapping/>
   </p:clrMapOvr>
-  <p:transition>
+  <p:transition xmlns:p14="http://schemas.microsoft.com/office/powerpoint/2010/main">
     <p:random/>
   </p:transition>
   <p:timing>
     <p:tnLst>
       <p:par>
-        <p:cTn id="1" dur="indefinite" restart="never" nodeType="tmRoot"/>
+        <p:cTn xmlns:p14="http://schemas.microsoft.com/office/powerpoint/2010/main" id="1" dur="indefinite" restart="never" nodeType="tmRoot"/>
       </p:par>
     </p:tnLst>
   </p:timing>
@@ -2311,7 +2313,7 @@
   <p:clrMapOvr>
     <a:masterClrMapping/>
   </p:clrMapOvr>
-  <p:transition>
+  <p:transition xmlns:p14="http://schemas.microsoft.com/office/powerpoint/2010/main">
     <p:random/>
   </p:transition>
 </p:sldLayout>
@@ -2753,7 +2755,7 @@
   <p:clrMapOvr>
     <a:masterClrMapping/>
   </p:clrMapOvr>
-  <p:transition>
+  <p:transition xmlns:p14="http://schemas.microsoft.com/office/powerpoint/2010/main">
     <p:random/>
   </p:transition>
 </p:sldLayout>
@@ -2886,7 +2888,7 @@
   <p:clrMapOvr>
     <a:masterClrMapping/>
   </p:clrMapOvr>
-  <p:transition>
+  <p:transition xmlns:p14="http://schemas.microsoft.com/office/powerpoint/2010/main">
     <p:random/>
   </p:transition>
 </p:sldLayout>
@@ -2996,7 +2998,7 @@
   <p:clrMapOvr>
     <a:masterClrMapping/>
   </p:clrMapOvr>
-  <p:transition>
+  <p:transition xmlns:p14="http://schemas.microsoft.com/office/powerpoint/2010/main">
     <p:random/>
   </p:transition>
 </p:sldLayout>
@@ -3288,7 +3290,7 @@
   <p:clrMapOvr>
     <a:masterClrMapping/>
   </p:clrMapOvr>
-  <p:transition>
+  <p:transition xmlns:p14="http://schemas.microsoft.com/office/powerpoint/2010/main">
     <p:random/>
   </p:transition>
 </p:sldLayout>
@@ -3556,7 +3558,7 @@
   <p:clrMapOvr>
     <a:masterClrMapping/>
   </p:clrMapOvr>
-  <p:transition>
+  <p:transition xmlns:p14="http://schemas.microsoft.com/office/powerpoint/2010/main">
     <p:random/>
   </p:transition>
 </p:sldLayout>
@@ -3950,13 +3952,7 @@
               <a:rPr lang="en-US" sz="1200" dirty="0" smtClean="0">
                 <a:latin typeface="Century Gothic" pitchFamily="34" charset="0"/>
               </a:rPr>
-              <a:t>Fall </a:t>
-            </a:r>
-            <a:r>
-              <a:rPr lang="en-US" sz="1200" dirty="0" smtClean="0">
-                <a:latin typeface="Century Gothic" pitchFamily="34" charset="0"/>
-              </a:rPr>
-              <a:t>2013</a:t>
+              <a:t>Fall 2013</a:t>
             </a:r>
             <a:endParaRPr lang="en-US" sz="1200" dirty="0">
               <a:latin typeface="Century Gothic" pitchFamily="34" charset="0"/>
@@ -4054,13 +4050,13 @@
     <p:sldLayoutId id="2147483658" r:id="rId10"/>
     <p:sldLayoutId id="2147483659" r:id="rId11"/>
   </p:sldLayoutIdLst>
-  <p:transition>
+  <p:transition xmlns:p14="http://schemas.microsoft.com/office/powerpoint/2010/main">
     <p:random/>
   </p:transition>
   <p:timing>
     <p:tnLst>
       <p:par>
-        <p:cTn id="1" dur="indefinite" restart="never" nodeType="tmRoot"/>
+        <p:cTn xmlns:p14="http://schemas.microsoft.com/office/powerpoint/2010/main" id="1" dur="indefinite" restart="never" nodeType="tmRoot"/>
       </p:par>
     </p:tnLst>
   </p:timing>
@@ -4618,13 +4614,13 @@
   <p:clrMapOvr>
     <a:masterClrMapping/>
   </p:clrMapOvr>
-  <p:transition>
+  <p:transition xmlns:p14="http://schemas.microsoft.com/office/powerpoint/2010/main">
     <p:random/>
   </p:transition>
   <p:timing>
     <p:tnLst>
       <p:par>
-        <p:cTn id="1" dur="indefinite" restart="never" nodeType="tmRoot"/>
+        <p:cTn xmlns:p14="http://schemas.microsoft.com/office/powerpoint/2010/main" id="1" dur="indefinite" restart="never" nodeType="tmRoot"/>
       </p:par>
     </p:tnLst>
   </p:timing>
@@ -4632,6 +4628,2433 @@
 </file>
 
 <file path=ppt/slides/slide10.xml><?xml version="1.0" encoding="utf-8"?>
+<p:sld xmlns:a="http://schemas.openxmlformats.org/drawingml/2006/main" xmlns:r="http://schemas.openxmlformats.org/officeDocument/2006/relationships" xmlns:p="http://schemas.openxmlformats.org/presentationml/2006/main">
+  <p:cSld>
+    <p:spTree>
+      <p:nvGrpSpPr>
+        <p:cNvPr id="1" name=""/>
+        <p:cNvGrpSpPr/>
+        <p:nvPr/>
+      </p:nvGrpSpPr>
+      <p:grpSpPr>
+        <a:xfrm>
+          <a:off x="0" y="0"/>
+          <a:ext cx="0" cy="0"/>
+          <a:chOff x="0" y="0"/>
+          <a:chExt cx="0" cy="0"/>
+        </a:xfrm>
+      </p:grpSpPr>
+      <p:sp>
+        <p:nvSpPr>
+          <p:cNvPr id="15" name="Slide Number Placeholder 5"/>
+          <p:cNvSpPr>
+            <a:spLocks noGrp="1"/>
+          </p:cNvSpPr>
+          <p:nvPr>
+            <p:ph type="sldNum" sz="quarter" idx="12"/>
+          </p:nvPr>
+        </p:nvSpPr>
+        <p:spPr/>
+        <p:txBody>
+          <a:bodyPr/>
+          <a:lstStyle/>
+          <a:p>
+            <a:fld id="{2B69D648-43A7-CA49-9480-734E3BCE3906}" type="slidenum">
+              <a:rPr lang="en-US"/>
+              <a:pPr/>
+              <a:t>10</a:t>
+            </a:fld>
+            <a:endParaRPr lang="en-US"/>
+          </a:p>
+        </p:txBody>
+      </p:sp>
+      <p:sp>
+        <p:nvSpPr>
+          <p:cNvPr id="84994" name="Rectangle 2"/>
+          <p:cNvSpPr>
+            <a:spLocks noGrp="1" noChangeArrowheads="1"/>
+          </p:cNvSpPr>
+          <p:nvPr>
+            <p:ph type="title"/>
+          </p:nvPr>
+        </p:nvSpPr>
+        <p:spPr/>
+        <p:txBody>
+          <a:bodyPr/>
+          <a:lstStyle/>
+          <a:p>
+            <a:r>
+              <a:rPr lang="en-US" sz="2800"/>
+              <a:t>Change in OBJ Function Coefficient</a:t>
+            </a:r>
+          </a:p>
+        </p:txBody>
+      </p:sp>
+      <p:sp>
+        <p:nvSpPr>
+          <p:cNvPr id="84996" name="Text Box 4"/>
+          <p:cNvSpPr txBox="1">
+            <a:spLocks noChangeArrowheads="1"/>
+          </p:cNvSpPr>
+          <p:nvPr/>
+        </p:nvSpPr>
+        <p:spPr bwMode="auto">
+          <a:xfrm>
+            <a:off x="2057400" y="1828800"/>
+            <a:ext cx="4921443" cy="1384995"/>
+          </a:xfrm>
+          <a:prstGeom prst="rect">
+            <a:avLst/>
+          </a:prstGeom>
+          <a:noFill/>
+          <a:ln w="9525">
+            <a:noFill/>
+            <a:miter lim="800000"/>
+            <a:headEnd/>
+            <a:tailEnd/>
+          </a:ln>
+          <a:effectLst/>
+        </p:spPr>
+        <p:txBody>
+          <a:bodyPr wrap="none" anchor="ctr">
+            <a:prstTxWarp prst="textNoShape">
+              <a:avLst/>
+            </a:prstTxWarp>
+            <a:spAutoFit/>
+          </a:bodyPr>
+          <a:lstStyle/>
+          <a:p>
+            <a:pPr algn="l"/>
+            <a:r>
+              <a:rPr lang="en-US" sz="1400" dirty="0">
+                <a:latin typeface="Lucida Sans" charset="0"/>
+              </a:rPr>
+              <a:t>                      Max</a:t>
+            </a:r>
+            <a:r>
+              <a:rPr lang="en-US" sz="1400" dirty="0">
+                <a:solidFill>
+                  <a:schemeClr val="accent2"/>
+                </a:solidFill>
+                <a:latin typeface="Lucida Sans" charset="0"/>
+              </a:rPr>
+              <a:t>                </a:t>
+            </a:r>
+            <a:r>
+              <a:rPr lang="en-US" sz="1400" b="1" i="1" dirty="0">
+                <a:solidFill>
+                  <a:schemeClr val="accent2"/>
+                </a:solidFill>
+                <a:latin typeface="Lucida Sans" charset="0"/>
+              </a:rPr>
+              <a:t>10 x</a:t>
+            </a:r>
+            <a:r>
+              <a:rPr lang="en-US" sz="1400" b="1" i="1" baseline="-25000" dirty="0">
+                <a:solidFill>
+                  <a:schemeClr val="accent2"/>
+                </a:solidFill>
+                <a:latin typeface="Lucida Sans" charset="0"/>
+              </a:rPr>
+              <a:t>1</a:t>
+            </a:r>
+            <a:r>
+              <a:rPr lang="en-US" sz="1400" b="1" i="1" dirty="0">
+                <a:solidFill>
+                  <a:schemeClr val="accent2"/>
+                </a:solidFill>
+                <a:latin typeface="Lucida Sans" charset="0"/>
+              </a:rPr>
+              <a:t> +    </a:t>
+            </a:r>
+            <a:r>
+              <a:rPr lang="en-US" sz="1400" b="1" i="1" dirty="0">
+                <a:solidFill>
+                  <a:srgbClr val="0000FF"/>
+                </a:solidFill>
+                <a:latin typeface="Lucida Sans" charset="0"/>
+              </a:rPr>
+              <a:t>9</a:t>
+            </a:r>
+            <a:r>
+              <a:rPr lang="en-US" sz="1400" b="1" i="1" dirty="0">
+                <a:solidFill>
+                  <a:schemeClr val="accent2"/>
+                </a:solidFill>
+                <a:latin typeface="Lucida Sans" charset="0"/>
+              </a:rPr>
+              <a:t>   x</a:t>
+            </a:r>
+            <a:r>
+              <a:rPr lang="en-US" sz="1400" b="1" i="1" baseline="-25000" dirty="0">
+                <a:solidFill>
+                  <a:schemeClr val="accent2"/>
+                </a:solidFill>
+                <a:latin typeface="Lucida Sans" charset="0"/>
+              </a:rPr>
+              <a:t>2</a:t>
+            </a:r>
+            <a:endParaRPr lang="en-US" sz="1400" dirty="0">
+              <a:latin typeface="Lucida Sans" charset="0"/>
+            </a:endParaRPr>
+          </a:p>
+          <a:p>
+            <a:pPr algn="l"/>
+            <a:r>
+              <a:rPr lang="en-US" sz="1400" dirty="0">
+                <a:latin typeface="Lucida Sans" charset="0"/>
+              </a:rPr>
+              <a:t>Cutting &amp; Dyeing 	    </a:t>
+            </a:r>
+            <a:r>
+              <a:rPr lang="en-US" sz="1400" i="1" dirty="0">
+                <a:solidFill>
+                  <a:schemeClr val="accent2"/>
+                </a:solidFill>
+                <a:latin typeface="Lucida Sans" charset="0"/>
+              </a:rPr>
+              <a:t>7/10 x</a:t>
+            </a:r>
+            <a:r>
+              <a:rPr lang="en-US" sz="1400" i="1" baseline="-25000" dirty="0">
+                <a:solidFill>
+                  <a:schemeClr val="accent2"/>
+                </a:solidFill>
+                <a:latin typeface="Lucida Sans" charset="0"/>
+              </a:rPr>
+              <a:t>1</a:t>
+            </a:r>
+            <a:r>
+              <a:rPr lang="en-US" sz="1400" i="1" dirty="0">
+                <a:solidFill>
+                  <a:schemeClr val="accent2"/>
+                </a:solidFill>
+                <a:latin typeface="Lucida Sans" charset="0"/>
+              </a:rPr>
+              <a:t>  +       x</a:t>
+            </a:r>
+            <a:r>
+              <a:rPr lang="en-US" sz="1400" i="1" baseline="-25000" dirty="0">
+                <a:solidFill>
+                  <a:schemeClr val="accent2"/>
+                </a:solidFill>
+                <a:latin typeface="Lucida Sans" charset="0"/>
+              </a:rPr>
+              <a:t>2</a:t>
+            </a:r>
+            <a:r>
+              <a:rPr lang="en-US" sz="1400" i="1" dirty="0">
+                <a:solidFill>
+                  <a:schemeClr val="accent2"/>
+                </a:solidFill>
+                <a:latin typeface="Lucida Sans" charset="0"/>
+              </a:rPr>
+              <a:t> </a:t>
+            </a:r>
+            <a:r>
+              <a:rPr lang="en-US" sz="1400" i="1" dirty="0" smtClean="0">
+                <a:solidFill>
+                  <a:schemeClr val="accent2"/>
+                </a:solidFill>
+                <a:latin typeface="Lucida Sans" charset="0"/>
+              </a:rPr>
+              <a:t> ≤</a:t>
+            </a:r>
+            <a:r>
+              <a:rPr lang="en-US" sz="1400" dirty="0" smtClean="0">
+                <a:solidFill>
+                  <a:schemeClr val="accent2"/>
+                </a:solidFill>
+                <a:latin typeface="Lucida Sans" charset="0"/>
+                <a:sym typeface="Symbol" charset="2"/>
+              </a:rPr>
+              <a:t>  </a:t>
+            </a:r>
+            <a:r>
+              <a:rPr lang="en-US" sz="1400" i="1" dirty="0">
+                <a:solidFill>
+                  <a:schemeClr val="accent2"/>
+                </a:solidFill>
+                <a:latin typeface="Lucida Sans" charset="0"/>
+                <a:sym typeface="Symbol" charset="2"/>
+              </a:rPr>
+              <a:t>630</a:t>
+            </a:r>
+            <a:endParaRPr lang="en-US" sz="1400" dirty="0">
+              <a:latin typeface="Lucida Sans" charset="0"/>
+              <a:sym typeface="Symbol" charset="2"/>
+            </a:endParaRPr>
+          </a:p>
+          <a:p>
+            <a:pPr algn="l"/>
+            <a:r>
+              <a:rPr lang="en-US" sz="1400" dirty="0">
+                <a:latin typeface="Lucida Sans" charset="0"/>
+                <a:sym typeface="Symbol" charset="2"/>
+              </a:rPr>
+              <a:t>Sewing                                  </a:t>
+            </a:r>
+            <a:r>
+              <a:rPr lang="en-US" sz="1400" i="1" dirty="0">
+                <a:solidFill>
+                  <a:schemeClr val="accent2"/>
+                </a:solidFill>
+                <a:latin typeface="Lucida Sans" charset="0"/>
+              </a:rPr>
+              <a:t>1/2 x</a:t>
+            </a:r>
+            <a:r>
+              <a:rPr lang="en-US" sz="1400" i="1" baseline="-25000" dirty="0">
+                <a:solidFill>
+                  <a:schemeClr val="accent2"/>
+                </a:solidFill>
+                <a:latin typeface="Lucida Sans" charset="0"/>
+              </a:rPr>
+              <a:t>1</a:t>
+            </a:r>
+            <a:r>
+              <a:rPr lang="en-US" sz="1400" i="1" dirty="0">
+                <a:solidFill>
+                  <a:schemeClr val="accent2"/>
+                </a:solidFill>
+                <a:latin typeface="Lucida Sans" charset="0"/>
+              </a:rPr>
+              <a:t>    + 5/6 x</a:t>
+            </a:r>
+            <a:r>
+              <a:rPr lang="en-US" sz="1400" i="1" baseline="-25000" dirty="0">
+                <a:solidFill>
+                  <a:schemeClr val="accent2"/>
+                </a:solidFill>
+                <a:latin typeface="Lucida Sans" charset="0"/>
+              </a:rPr>
+              <a:t>2</a:t>
+            </a:r>
+            <a:r>
+              <a:rPr lang="en-US" sz="1400" i="1" dirty="0" smtClean="0">
+                <a:solidFill>
+                  <a:schemeClr val="accent2"/>
+                </a:solidFill>
+                <a:latin typeface="Lucida Sans" charset="0"/>
+              </a:rPr>
+              <a:t> ≤</a:t>
+            </a:r>
+            <a:r>
+              <a:rPr lang="en-US" sz="1400" dirty="0" smtClean="0">
+                <a:solidFill>
+                  <a:schemeClr val="accent2"/>
+                </a:solidFill>
+                <a:latin typeface="Lucida Sans" charset="0"/>
+                <a:sym typeface="Symbol" charset="2"/>
+              </a:rPr>
+              <a:t> </a:t>
+            </a:r>
+            <a:r>
+              <a:rPr lang="en-US" sz="1400" i="1" dirty="0">
+                <a:solidFill>
+                  <a:schemeClr val="accent2"/>
+                </a:solidFill>
+                <a:latin typeface="Lucida Sans" charset="0"/>
+                <a:sym typeface="Symbol" charset="2"/>
+              </a:rPr>
+              <a:t>600</a:t>
+            </a:r>
+            <a:endParaRPr lang="en-US" sz="1400" i="1" dirty="0">
+              <a:latin typeface="Lucida Sans" charset="0"/>
+              <a:sym typeface="Symbol" charset="2"/>
+            </a:endParaRPr>
+          </a:p>
+          <a:p>
+            <a:pPr algn="l"/>
+            <a:r>
+              <a:rPr lang="en-US" sz="1400" dirty="0">
+                <a:latin typeface="Lucida Sans" charset="0"/>
+                <a:sym typeface="Symbol" charset="2"/>
+              </a:rPr>
+              <a:t>Finishing                        </a:t>
+            </a:r>
+            <a:r>
+              <a:rPr lang="en-US" sz="1400" dirty="0">
+                <a:latin typeface="Lucida Sans" charset="0"/>
+              </a:rPr>
+              <a:t>             </a:t>
+            </a:r>
+            <a:r>
+              <a:rPr lang="en-US" sz="1400" i="1" dirty="0">
+                <a:solidFill>
+                  <a:schemeClr val="accent2"/>
+                </a:solidFill>
+                <a:latin typeface="Lucida Sans" charset="0"/>
+              </a:rPr>
+              <a:t>x</a:t>
+            </a:r>
+            <a:r>
+              <a:rPr lang="en-US" sz="1400" i="1" baseline="-25000" dirty="0">
+                <a:solidFill>
+                  <a:schemeClr val="accent2"/>
+                </a:solidFill>
+                <a:latin typeface="Lucida Sans" charset="0"/>
+              </a:rPr>
+              <a:t>1</a:t>
+            </a:r>
+            <a:r>
+              <a:rPr lang="en-US" sz="1400" i="1" dirty="0">
+                <a:solidFill>
+                  <a:schemeClr val="accent2"/>
+                </a:solidFill>
+                <a:latin typeface="Lucida Sans" charset="0"/>
+              </a:rPr>
+              <a:t>    + 2/3 x</a:t>
+            </a:r>
+            <a:r>
+              <a:rPr lang="en-US" sz="1400" i="1" baseline="-25000" dirty="0">
+                <a:solidFill>
+                  <a:schemeClr val="accent2"/>
+                </a:solidFill>
+                <a:latin typeface="Lucida Sans" charset="0"/>
+              </a:rPr>
+              <a:t>2</a:t>
+            </a:r>
+            <a:r>
+              <a:rPr lang="en-US" sz="1400" i="1" dirty="0" smtClean="0">
+                <a:solidFill>
+                  <a:schemeClr val="accent2"/>
+                </a:solidFill>
+                <a:latin typeface="Lucida Sans" charset="0"/>
+              </a:rPr>
+              <a:t> ≤</a:t>
+            </a:r>
+            <a:r>
+              <a:rPr lang="en-US" sz="1400" dirty="0" smtClean="0">
+                <a:solidFill>
+                  <a:schemeClr val="accent2"/>
+                </a:solidFill>
+                <a:latin typeface="Lucida Sans" charset="0"/>
+                <a:sym typeface="Symbol" charset="2"/>
+              </a:rPr>
+              <a:t> </a:t>
+            </a:r>
+            <a:r>
+              <a:rPr lang="en-US" sz="1400" i="1" dirty="0">
+                <a:solidFill>
+                  <a:schemeClr val="accent2"/>
+                </a:solidFill>
+                <a:latin typeface="Lucida Sans" charset="0"/>
+                <a:sym typeface="Symbol" charset="2"/>
+              </a:rPr>
+              <a:t>708</a:t>
+            </a:r>
+            <a:endParaRPr lang="en-US" sz="1400" dirty="0">
+              <a:latin typeface="Lucida Sans" charset="0"/>
+              <a:sym typeface="Symbol" charset="2"/>
+            </a:endParaRPr>
+          </a:p>
+          <a:p>
+            <a:pPr algn="l"/>
+            <a:r>
+              <a:rPr lang="en-US" sz="1400" dirty="0">
+                <a:latin typeface="Lucida Sans" charset="0"/>
+                <a:sym typeface="Symbol" charset="2"/>
+              </a:rPr>
+              <a:t>Inspection &amp; Packaging      </a:t>
+            </a:r>
+            <a:r>
+              <a:rPr lang="en-US" sz="1400" i="1" dirty="0">
+                <a:solidFill>
+                  <a:schemeClr val="accent2"/>
+                </a:solidFill>
+                <a:latin typeface="Lucida Sans" charset="0"/>
+                <a:sym typeface="Symbol" charset="2"/>
+              </a:rPr>
+              <a:t>1</a:t>
+            </a:r>
+            <a:r>
+              <a:rPr lang="en-US" sz="1400" i="1" dirty="0">
+                <a:solidFill>
+                  <a:schemeClr val="accent2"/>
+                </a:solidFill>
+                <a:latin typeface="Lucida Sans" charset="0"/>
+              </a:rPr>
+              <a:t>/10 x</a:t>
+            </a:r>
+            <a:r>
+              <a:rPr lang="en-US" sz="1400" i="1" baseline="-25000" dirty="0">
+                <a:solidFill>
+                  <a:schemeClr val="accent2"/>
+                </a:solidFill>
+                <a:latin typeface="Lucida Sans" charset="0"/>
+              </a:rPr>
+              <a:t>1</a:t>
+            </a:r>
+            <a:r>
+              <a:rPr lang="en-US" sz="1400" i="1" dirty="0">
+                <a:solidFill>
+                  <a:schemeClr val="accent2"/>
+                </a:solidFill>
+                <a:latin typeface="Lucida Sans" charset="0"/>
+              </a:rPr>
+              <a:t>   + 1/4 x</a:t>
+            </a:r>
+            <a:r>
+              <a:rPr lang="en-US" sz="1400" i="1" baseline="-25000" dirty="0">
+                <a:solidFill>
+                  <a:schemeClr val="accent2"/>
+                </a:solidFill>
+                <a:latin typeface="Lucida Sans" charset="0"/>
+              </a:rPr>
+              <a:t>2</a:t>
+            </a:r>
+            <a:r>
+              <a:rPr lang="en-US" sz="1400" i="1" dirty="0" smtClean="0">
+                <a:solidFill>
+                  <a:schemeClr val="accent2"/>
+                </a:solidFill>
+                <a:latin typeface="Lucida Sans" charset="0"/>
+              </a:rPr>
+              <a:t> ≤</a:t>
+            </a:r>
+            <a:r>
+              <a:rPr lang="en-US" sz="1400" dirty="0" smtClean="0">
+                <a:solidFill>
+                  <a:schemeClr val="accent2"/>
+                </a:solidFill>
+                <a:latin typeface="Lucida Sans" charset="0"/>
+                <a:sym typeface="Symbol" charset="2"/>
+              </a:rPr>
+              <a:t> </a:t>
+            </a:r>
+            <a:r>
+              <a:rPr lang="en-US" sz="1400" i="1" dirty="0">
+                <a:solidFill>
+                  <a:schemeClr val="accent2"/>
+                </a:solidFill>
+                <a:latin typeface="Lucida Sans" charset="0"/>
+                <a:sym typeface="Symbol" charset="2"/>
+              </a:rPr>
+              <a:t>135</a:t>
+            </a:r>
+          </a:p>
+          <a:p>
+            <a:pPr algn="l"/>
+            <a:r>
+              <a:rPr lang="en-US" sz="1400" i="1" dirty="0">
+                <a:solidFill>
+                  <a:schemeClr val="accent2"/>
+                </a:solidFill>
+                <a:latin typeface="Lucida Sans" charset="0"/>
+                <a:sym typeface="Symbol" charset="2"/>
+              </a:rPr>
+              <a:t>                                               </a:t>
+            </a:r>
+            <a:r>
+              <a:rPr lang="en-US" sz="1400" i="1" dirty="0" smtClean="0">
+                <a:solidFill>
+                  <a:schemeClr val="accent2"/>
+                </a:solidFill>
+                <a:latin typeface="Lucida Sans" charset="0"/>
+                <a:sym typeface="Symbol" charset="2"/>
+              </a:rPr>
+              <a:t>x</a:t>
+            </a:r>
+            <a:r>
+              <a:rPr lang="en-US" sz="1400" i="1" baseline="-25000" dirty="0" smtClean="0">
+                <a:solidFill>
+                  <a:schemeClr val="accent2"/>
+                </a:solidFill>
+                <a:latin typeface="Lucida Sans" charset="0"/>
+                <a:sym typeface="Symbol" charset="2"/>
+              </a:rPr>
+              <a:t>1</a:t>
+            </a:r>
+            <a:r>
+              <a:rPr lang="en-US" sz="1400" i="1" dirty="0" smtClean="0">
+                <a:solidFill>
+                  <a:schemeClr val="accent2"/>
+                </a:solidFill>
+                <a:latin typeface="Lucida Sans" charset="0"/>
+                <a:sym typeface="Symbol" charset="2"/>
+              </a:rPr>
+              <a:t> ≥ 0</a:t>
+            </a:r>
+            <a:r>
+              <a:rPr lang="en-US" sz="1400" i="1" dirty="0">
+                <a:solidFill>
+                  <a:schemeClr val="accent2"/>
+                </a:solidFill>
+                <a:latin typeface="Lucida Sans" charset="0"/>
+                <a:sym typeface="Symbol" charset="2"/>
+              </a:rPr>
+              <a:t>,   </a:t>
+            </a:r>
+            <a:r>
+              <a:rPr lang="en-US" sz="1400" i="1" dirty="0" smtClean="0">
+                <a:solidFill>
+                  <a:schemeClr val="accent2"/>
+                </a:solidFill>
+                <a:latin typeface="Lucida Sans" charset="0"/>
+                <a:sym typeface="Symbol" charset="2"/>
+              </a:rPr>
+              <a:t>x</a:t>
+            </a:r>
+            <a:r>
+              <a:rPr lang="en-US" sz="1400" i="1" baseline="-25000" dirty="0" smtClean="0">
+                <a:solidFill>
+                  <a:schemeClr val="accent2"/>
+                </a:solidFill>
+                <a:latin typeface="Lucida Sans" charset="0"/>
+                <a:sym typeface="Symbol" charset="2"/>
+              </a:rPr>
+              <a:t>2</a:t>
+            </a:r>
+            <a:r>
+              <a:rPr lang="en-US" sz="1400" i="1" dirty="0">
+                <a:solidFill>
+                  <a:schemeClr val="accent2"/>
+                </a:solidFill>
+                <a:latin typeface="Lucida Sans" charset="0"/>
+                <a:sym typeface="Symbol" charset="2"/>
+              </a:rPr>
+              <a:t> </a:t>
+            </a:r>
+            <a:r>
+              <a:rPr lang="en-US" sz="1400" i="1" dirty="0" smtClean="0">
+                <a:solidFill>
+                  <a:schemeClr val="accent2"/>
+                </a:solidFill>
+                <a:latin typeface="Lucida Sans" charset="0"/>
+                <a:sym typeface="Symbol" charset="2"/>
+              </a:rPr>
+              <a:t>≥ 0</a:t>
+            </a:r>
+            <a:r>
+              <a:rPr lang="en-US" sz="1400" i="1" dirty="0">
+                <a:solidFill>
+                  <a:schemeClr val="accent2"/>
+                </a:solidFill>
+                <a:latin typeface="Lucida Sans" charset="0"/>
+                <a:sym typeface="Symbol" charset="2"/>
+              </a:rPr>
+              <a:t>, </a:t>
+            </a:r>
+          </a:p>
+        </p:txBody>
+      </p:sp>
+      <p:sp>
+        <p:nvSpPr>
+          <p:cNvPr id="84997" name="Text Box 5"/>
+          <p:cNvSpPr txBox="1">
+            <a:spLocks noChangeArrowheads="1"/>
+          </p:cNvSpPr>
+          <p:nvPr/>
+        </p:nvSpPr>
+        <p:spPr bwMode="auto">
+          <a:xfrm>
+            <a:off x="492125" y="1189038"/>
+            <a:ext cx="8040688" cy="606425"/>
+          </a:xfrm>
+          <a:prstGeom prst="rect">
+            <a:avLst/>
+          </a:prstGeom>
+          <a:noFill/>
+          <a:ln w="9525">
+            <a:noFill/>
+            <a:miter lim="800000"/>
+            <a:headEnd/>
+            <a:tailEnd/>
+          </a:ln>
+          <a:effectLst/>
+        </p:spPr>
+        <p:txBody>
+          <a:bodyPr wrap="none" anchor="ctr">
+            <a:prstTxWarp prst="textNoShape">
+              <a:avLst/>
+            </a:prstTxWarp>
+            <a:spAutoFit/>
+          </a:bodyPr>
+          <a:lstStyle/>
+          <a:p>
+            <a:pPr marL="457200" indent="-457200" algn="l"/>
+            <a:r>
+              <a:rPr lang="en-US" b="1">
+                <a:latin typeface="Century Gothic" charset="0"/>
+              </a:rPr>
+              <a:t>       Q1. What if the unit profit of the deluxe bag is $10  instead of $9?</a:t>
+            </a:r>
+          </a:p>
+          <a:p>
+            <a:pPr marL="457200" indent="-457200" algn="l">
+              <a:lnSpc>
+                <a:spcPct val="90000"/>
+              </a:lnSpc>
+              <a:spcBef>
+                <a:spcPct val="20000"/>
+              </a:spcBef>
+            </a:pPr>
+            <a:r>
+              <a:rPr lang="en-US" b="1">
+                <a:latin typeface="Century Gothic" charset="0"/>
+              </a:rPr>
+              <a:t>              What will happen to the optimal production plan and the optimal profit?</a:t>
+            </a:r>
+          </a:p>
+        </p:txBody>
+      </p:sp>
+      <p:grpSp>
+        <p:nvGrpSpPr>
+          <p:cNvPr id="85022" name="Group 30"/>
+          <p:cNvGrpSpPr>
+            <a:grpSpLocks/>
+          </p:cNvGrpSpPr>
+          <p:nvPr/>
+        </p:nvGrpSpPr>
+        <p:grpSpPr bwMode="auto">
+          <a:xfrm>
+            <a:off x="6234113" y="1828800"/>
+            <a:ext cx="1843087" cy="304800"/>
+            <a:chOff x="3840" y="1152"/>
+            <a:chExt cx="1161" cy="192"/>
+          </a:xfrm>
+        </p:grpSpPr>
+        <p:sp>
+          <p:nvSpPr>
+            <p:cNvPr id="85000" name="Text Box 8"/>
+            <p:cNvSpPr txBox="1">
+              <a:spLocks noChangeArrowheads="1"/>
+            </p:cNvSpPr>
+            <p:nvPr/>
+          </p:nvSpPr>
+          <p:spPr bwMode="auto">
+            <a:xfrm>
+              <a:off x="4052" y="1152"/>
+              <a:ext cx="949" cy="192"/>
+            </a:xfrm>
+            <a:prstGeom prst="rect">
+              <a:avLst/>
+            </a:prstGeom>
+            <a:noFill/>
+            <a:ln w="9525">
+              <a:noFill/>
+              <a:miter lim="800000"/>
+              <a:headEnd/>
+              <a:tailEnd/>
+            </a:ln>
+            <a:effectLst/>
+          </p:spPr>
+          <p:txBody>
+            <a:bodyPr wrap="none" anchor="ctr">
+              <a:prstTxWarp prst="textNoShape">
+                <a:avLst/>
+              </a:prstTxWarp>
+              <a:spAutoFit/>
+            </a:bodyPr>
+            <a:lstStyle/>
+            <a:p>
+              <a:r>
+                <a:rPr lang="en-US" sz="1400" b="1" i="1">
+                  <a:solidFill>
+                    <a:schemeClr val="accent2"/>
+                  </a:solidFill>
+                  <a:latin typeface="Lucida Sans" charset="0"/>
+                </a:rPr>
+                <a:t>10 x</a:t>
+              </a:r>
+              <a:r>
+                <a:rPr lang="en-US" sz="1400" b="1" i="1" baseline="-25000">
+                  <a:solidFill>
+                    <a:schemeClr val="accent2"/>
+                  </a:solidFill>
+                  <a:latin typeface="Lucida Sans" charset="0"/>
+                </a:rPr>
+                <a:t>1</a:t>
+              </a:r>
+              <a:r>
+                <a:rPr lang="en-US" sz="1400" b="1" i="1">
+                  <a:solidFill>
+                    <a:schemeClr val="accent2"/>
+                  </a:solidFill>
+                  <a:latin typeface="Lucida Sans" charset="0"/>
+                </a:rPr>
+                <a:t> + </a:t>
+              </a:r>
+              <a:r>
+                <a:rPr lang="en-US" sz="1400" b="1" i="1">
+                  <a:solidFill>
+                    <a:srgbClr val="FF3300"/>
+                  </a:solidFill>
+                  <a:latin typeface="Lucida Sans" charset="0"/>
+                </a:rPr>
+                <a:t>10  </a:t>
+              </a:r>
+              <a:r>
+                <a:rPr lang="en-US" sz="1400" b="1" i="1">
+                  <a:solidFill>
+                    <a:schemeClr val="hlink"/>
+                  </a:solidFill>
+                  <a:latin typeface="Lucida Sans" charset="0"/>
+                </a:rPr>
+                <a:t> </a:t>
+              </a:r>
+              <a:r>
+                <a:rPr lang="en-US" sz="1400" b="1" i="1">
+                  <a:solidFill>
+                    <a:schemeClr val="accent2"/>
+                  </a:solidFill>
+                  <a:latin typeface="Lucida Sans" charset="0"/>
+                </a:rPr>
+                <a:t>x</a:t>
+              </a:r>
+              <a:r>
+                <a:rPr lang="en-US" sz="1400" b="1" i="1" baseline="-25000">
+                  <a:solidFill>
+                    <a:schemeClr val="accent2"/>
+                  </a:solidFill>
+                  <a:latin typeface="Lucida Sans" charset="0"/>
+                </a:rPr>
+                <a:t>2</a:t>
+              </a:r>
+            </a:p>
+          </p:txBody>
+        </p:sp>
+        <p:sp>
+          <p:nvSpPr>
+            <p:cNvPr id="85001" name="Line 9"/>
+            <p:cNvSpPr>
+              <a:spLocks noChangeShapeType="1"/>
+            </p:cNvSpPr>
+            <p:nvPr/>
+          </p:nvSpPr>
+          <p:spPr bwMode="auto">
+            <a:xfrm>
+              <a:off x="3840" y="1248"/>
+              <a:ext cx="288" cy="0"/>
+            </a:xfrm>
+            <a:prstGeom prst="line">
+              <a:avLst/>
+            </a:prstGeom>
+            <a:noFill/>
+            <a:ln w="9525">
+              <a:solidFill>
+                <a:schemeClr val="tx1"/>
+              </a:solidFill>
+              <a:round/>
+              <a:headEnd/>
+              <a:tailEnd type="triangle" w="med" len="med"/>
+            </a:ln>
+            <a:effectLst/>
+          </p:spPr>
+          <p:txBody>
+            <a:bodyPr wrap="none" anchor="ctr">
+              <a:prstTxWarp prst="textNoShape">
+                <a:avLst/>
+              </a:prstTxWarp>
+            </a:bodyPr>
+            <a:lstStyle/>
+            <a:p>
+              <a:endParaRPr lang="en-US"/>
+            </a:p>
+          </p:txBody>
+        </p:sp>
+      </p:grpSp>
+      <p:sp>
+        <p:nvSpPr>
+          <p:cNvPr id="85005" name="Text Box 13"/>
+          <p:cNvSpPr txBox="1">
+            <a:spLocks noChangeArrowheads="1"/>
+          </p:cNvSpPr>
+          <p:nvPr/>
+        </p:nvSpPr>
+        <p:spPr bwMode="auto">
+          <a:xfrm>
+            <a:off x="1295400" y="5867400"/>
+            <a:ext cx="7007485" cy="923330"/>
+          </a:xfrm>
+          <a:prstGeom prst="rect">
+            <a:avLst/>
+          </a:prstGeom>
+          <a:solidFill>
+            <a:srgbClr val="FFFF00"/>
+          </a:solidFill>
+          <a:ln w="9525">
+            <a:solidFill>
+              <a:srgbClr val="FF3300"/>
+            </a:solidFill>
+            <a:miter lim="800000"/>
+            <a:headEnd/>
+            <a:tailEnd/>
+          </a:ln>
+          <a:effectLst>
+            <a:outerShdw blurRad="63500" dist="107763" dir="2700000" algn="ctr" rotWithShape="0">
+              <a:schemeClr val="bg2">
+                <a:alpha val="50000"/>
+              </a:schemeClr>
+            </a:outerShdw>
+          </a:effectLst>
+        </p:spPr>
+        <p:txBody>
+          <a:bodyPr wrap="none" anchor="ctr">
+            <a:prstTxWarp prst="textNoShape">
+              <a:avLst/>
+            </a:prstTxWarp>
+            <a:spAutoFit/>
+          </a:bodyPr>
+          <a:lstStyle/>
+          <a:p>
+            <a:pPr algn="l"/>
+            <a:r>
+              <a:rPr lang="en-US" sz="1800" b="1" dirty="0">
+                <a:solidFill>
+                  <a:schemeClr val="hlink"/>
+                </a:solidFill>
+                <a:latin typeface="Century Gothic" charset="0"/>
+                <a:sym typeface="Symbol" charset="2"/>
+              </a:rPr>
+              <a:t>10</a:t>
+            </a:r>
+            <a:r>
+              <a:rPr lang="en-US" sz="1800" b="1" dirty="0" smtClean="0">
+                <a:solidFill>
+                  <a:schemeClr val="hlink"/>
+                </a:solidFill>
+                <a:latin typeface="Century Gothic" charset="0"/>
+                <a:sym typeface="Symbol" charset="2"/>
+              </a:rPr>
+              <a:t> -9 ≤  </a:t>
+            </a:r>
+            <a:r>
+              <a:rPr lang="en-US" sz="1800" b="1" dirty="0">
+                <a:solidFill>
+                  <a:schemeClr val="hlink"/>
+                </a:solidFill>
+                <a:latin typeface="Century Gothic" charset="0"/>
+                <a:sym typeface="Symbol" charset="2"/>
+              </a:rPr>
+              <a:t>5.29 (the allowable increase of the coefficient of </a:t>
+            </a:r>
+            <a:r>
+              <a:rPr lang="en-US" sz="1800" b="1" i="1" dirty="0">
+                <a:solidFill>
+                  <a:schemeClr val="hlink"/>
+                </a:solidFill>
+                <a:latin typeface="Century Gothic" charset="0"/>
+                <a:sym typeface="Symbol" charset="2"/>
+              </a:rPr>
+              <a:t>x</a:t>
+            </a:r>
+            <a:r>
+              <a:rPr lang="en-US" sz="1800" b="1" i="1" baseline="-25000" dirty="0">
+                <a:solidFill>
+                  <a:schemeClr val="hlink"/>
+                </a:solidFill>
+                <a:latin typeface="Century Gothic" charset="0"/>
+                <a:sym typeface="Symbol" charset="2"/>
+              </a:rPr>
+              <a:t>2</a:t>
+            </a:r>
+            <a:r>
+              <a:rPr lang="en-US" sz="1800" b="1" dirty="0">
+                <a:solidFill>
+                  <a:schemeClr val="hlink"/>
+                </a:solidFill>
+                <a:latin typeface="Century Gothic" charset="0"/>
+                <a:sym typeface="Symbol" charset="2"/>
+              </a:rPr>
+              <a:t> ) </a:t>
+            </a:r>
+            <a:endParaRPr lang="en-US" sz="1800" b="1" dirty="0" smtClean="0">
+              <a:solidFill>
+                <a:schemeClr val="hlink"/>
+              </a:solidFill>
+              <a:latin typeface="Century Gothic" charset="0"/>
+              <a:sym typeface="Symbol" charset="2"/>
+            </a:endParaRPr>
+          </a:p>
+          <a:p>
+            <a:pPr algn="l"/>
+            <a:r>
+              <a:rPr lang="en-US" sz="1800" b="1" dirty="0" smtClean="0">
+                <a:solidFill>
+                  <a:schemeClr val="hlink"/>
+                </a:solidFill>
+                <a:latin typeface="Century Gothic" charset="0"/>
+                <a:sym typeface="Symbol" charset="2"/>
+              </a:rPr>
+              <a:t>=&gt;  </a:t>
+            </a:r>
+            <a:r>
+              <a:rPr lang="en-US" sz="1800" b="1" dirty="0">
+                <a:solidFill>
+                  <a:schemeClr val="hlink"/>
+                </a:solidFill>
+                <a:latin typeface="Century Gothic" charset="0"/>
+              </a:rPr>
+              <a:t>Solution (540, 252) does NOT change</a:t>
+            </a:r>
+          </a:p>
+          <a:p>
+            <a:pPr algn="l"/>
+            <a:r>
+              <a:rPr lang="en-US" sz="1800" b="1" dirty="0">
+                <a:solidFill>
+                  <a:schemeClr val="hlink"/>
+                </a:solidFill>
+                <a:latin typeface="Century Gothic" charset="0"/>
+              </a:rPr>
+              <a:t>New profit = old profit + (10-9</a:t>
+            </a:r>
+            <a:r>
+              <a:rPr lang="en-US" sz="1800" b="1" dirty="0" smtClean="0">
+                <a:solidFill>
+                  <a:schemeClr val="hlink"/>
+                </a:solidFill>
+                <a:latin typeface="Century Gothic" charset="0"/>
+              </a:rPr>
+              <a:t>)×252 </a:t>
+            </a:r>
+            <a:r>
+              <a:rPr lang="en-US" sz="1800" b="1" dirty="0">
+                <a:solidFill>
+                  <a:schemeClr val="hlink"/>
+                </a:solidFill>
+                <a:latin typeface="Century Gothic" charset="0"/>
+              </a:rPr>
+              <a:t>= 7668+252=7920</a:t>
+            </a:r>
+          </a:p>
+        </p:txBody>
+      </p:sp>
+      <p:pic>
+        <p:nvPicPr>
+          <p:cNvPr id="85021" name="Picture 29" descr="parsensitivity"/>
+          <p:cNvPicPr>
+            <a:picLocks noChangeAspect="1" noChangeArrowheads="1"/>
+          </p:cNvPicPr>
+          <p:nvPr/>
+        </p:nvPicPr>
+        <p:blipFill>
+          <a:blip r:embed="rId2"/>
+          <a:srcRect/>
+          <a:stretch>
+            <a:fillRect/>
+          </a:stretch>
+        </p:blipFill>
+        <p:spPr bwMode="auto">
+          <a:xfrm>
+            <a:off x="1295400" y="3162300"/>
+            <a:ext cx="7029450" cy="2628900"/>
+          </a:xfrm>
+          <a:prstGeom prst="rect">
+            <a:avLst/>
+          </a:prstGeom>
+          <a:noFill/>
+        </p:spPr>
+      </p:pic>
+      <p:sp>
+        <p:nvSpPr>
+          <p:cNvPr id="85025" name="AutoShape 33"/>
+          <p:cNvSpPr>
+            <a:spLocks noChangeArrowheads="1"/>
+          </p:cNvSpPr>
+          <p:nvPr/>
+        </p:nvSpPr>
+        <p:spPr bwMode="auto">
+          <a:xfrm>
+            <a:off x="5486400" y="1828800"/>
+            <a:ext cx="228600" cy="304800"/>
+          </a:xfrm>
+          <a:prstGeom prst="roundRect">
+            <a:avLst>
+              <a:gd name="adj" fmla="val 16667"/>
+            </a:avLst>
+          </a:prstGeom>
+          <a:noFill/>
+          <a:ln w="38100">
+            <a:solidFill>
+              <a:srgbClr val="FF0000"/>
+            </a:solidFill>
+            <a:round/>
+            <a:headEnd/>
+            <a:tailEnd/>
+          </a:ln>
+          <a:effectLst/>
+        </p:spPr>
+        <p:txBody>
+          <a:bodyPr wrap="none" anchor="ctr">
+            <a:prstTxWarp prst="textNoShape">
+              <a:avLst/>
+            </a:prstTxWarp>
+          </a:bodyPr>
+          <a:lstStyle/>
+          <a:p>
+            <a:endParaRPr lang="en-US"/>
+          </a:p>
+        </p:txBody>
+      </p:sp>
+      <p:sp>
+        <p:nvSpPr>
+          <p:cNvPr id="85026" name="AutoShape 34"/>
+          <p:cNvSpPr>
+            <a:spLocks noChangeArrowheads="1"/>
+          </p:cNvSpPr>
+          <p:nvPr/>
+        </p:nvSpPr>
+        <p:spPr bwMode="auto">
+          <a:xfrm>
+            <a:off x="7391400" y="1828800"/>
+            <a:ext cx="304800" cy="304800"/>
+          </a:xfrm>
+          <a:prstGeom prst="roundRect">
+            <a:avLst>
+              <a:gd name="adj" fmla="val 16667"/>
+            </a:avLst>
+          </a:prstGeom>
+          <a:noFill/>
+          <a:ln w="38100">
+            <a:solidFill>
+              <a:srgbClr val="FF0000"/>
+            </a:solidFill>
+            <a:round/>
+            <a:headEnd/>
+            <a:tailEnd/>
+          </a:ln>
+          <a:effectLst/>
+        </p:spPr>
+        <p:txBody>
+          <a:bodyPr wrap="none" anchor="ctr">
+            <a:prstTxWarp prst="textNoShape">
+              <a:avLst/>
+            </a:prstTxWarp>
+          </a:bodyPr>
+          <a:lstStyle/>
+          <a:p>
+            <a:endParaRPr lang="en-US"/>
+          </a:p>
+        </p:txBody>
+      </p:sp>
+      <p:sp>
+        <p:nvSpPr>
+          <p:cNvPr id="85027" name="AutoShape 35"/>
+          <p:cNvSpPr>
+            <a:spLocks noChangeArrowheads="1"/>
+          </p:cNvSpPr>
+          <p:nvPr/>
+        </p:nvSpPr>
+        <p:spPr bwMode="auto">
+          <a:xfrm>
+            <a:off x="6400800" y="3975100"/>
+            <a:ext cx="990600" cy="228600"/>
+          </a:xfrm>
+          <a:prstGeom prst="roundRect">
+            <a:avLst>
+              <a:gd name="adj" fmla="val 16667"/>
+            </a:avLst>
+          </a:prstGeom>
+          <a:noFill/>
+          <a:ln w="38100">
+            <a:solidFill>
+              <a:srgbClr val="FF0000"/>
+            </a:solidFill>
+            <a:round/>
+            <a:headEnd/>
+            <a:tailEnd/>
+          </a:ln>
+          <a:effectLst/>
+        </p:spPr>
+        <p:txBody>
+          <a:bodyPr wrap="none" anchor="ctr">
+            <a:prstTxWarp prst="textNoShape">
+              <a:avLst/>
+            </a:prstTxWarp>
+          </a:bodyPr>
+          <a:lstStyle/>
+          <a:p>
+            <a:endParaRPr lang="en-US"/>
+          </a:p>
+        </p:txBody>
+      </p:sp>
+    </p:spTree>
+  </p:cSld>
+  <p:clrMapOvr>
+    <a:masterClrMapping/>
+  </p:clrMapOvr>
+  <p:transition xmlns:p14="http://schemas.microsoft.com/office/powerpoint/2010/main">
+    <p:random/>
+  </p:transition>
+  <p:timing>
+    <p:tnLst>
+      <p:par>
+        <p:cTn xmlns:p14="http://schemas.microsoft.com/office/powerpoint/2010/main" id="1" dur="indefinite" restart="never" nodeType="tmRoot">
+          <p:childTnLst>
+            <p:seq concurrent="1" nextAc="seek">
+              <p:cTn id="2" dur="indefinite" nodeType="mainSeq">
+                <p:childTnLst>
+                  <p:par>
+                    <p:cTn id="3" fill="hold">
+                      <p:stCondLst>
+                        <p:cond delay="indefinite"/>
+                      </p:stCondLst>
+                      <p:childTnLst>
+                        <p:par>
+                          <p:cTn id="4" fill="hold">
+                            <p:stCondLst>
+                              <p:cond delay="0"/>
+                            </p:stCondLst>
+                            <p:childTnLst>
+                              <p:par>
+                                <p:cTn id="5" presetID="23" presetClass="entr" presetSubtype="16" fill="hold" grpId="0" nodeType="clickEffect">
+                                  <p:stCondLst>
+                                    <p:cond delay="0"/>
+                                  </p:stCondLst>
+                                  <p:childTnLst>
+                                    <p:set>
+                                      <p:cBhvr>
+                                        <p:cTn id="6" dur="1" fill="hold">
+                                          <p:stCondLst>
+                                            <p:cond delay="0"/>
+                                          </p:stCondLst>
+                                        </p:cTn>
+                                        <p:tgtEl>
+                                          <p:spTgt spid="84994"/>
+                                        </p:tgtEl>
+                                        <p:attrNameLst>
+                                          <p:attrName>style.visibility</p:attrName>
+                                        </p:attrNameLst>
+                                      </p:cBhvr>
+                                      <p:to>
+                                        <p:strVal val="visible"/>
+                                      </p:to>
+                                    </p:set>
+                                    <p:anim calcmode="lin" valueType="num">
+                                      <p:cBhvr>
+                                        <p:cTn id="7" dur="500" fill="hold"/>
+                                        <p:tgtEl>
+                                          <p:spTgt spid="84994"/>
+                                        </p:tgtEl>
+                                        <p:attrNameLst>
+                                          <p:attrName>ppt_w</p:attrName>
+                                        </p:attrNameLst>
+                                      </p:cBhvr>
+                                      <p:tavLst>
+                                        <p:tav tm="0">
+                                          <p:val>
+                                            <p:fltVal val="0"/>
+                                          </p:val>
+                                        </p:tav>
+                                        <p:tav tm="100000">
+                                          <p:val>
+                                            <p:strVal val="#ppt_w"/>
+                                          </p:val>
+                                        </p:tav>
+                                      </p:tavLst>
+                                    </p:anim>
+                                    <p:anim calcmode="lin" valueType="num">
+                                      <p:cBhvr>
+                                        <p:cTn id="8" dur="500" fill="hold"/>
+                                        <p:tgtEl>
+                                          <p:spTgt spid="84994"/>
+                                        </p:tgtEl>
+                                        <p:attrNameLst>
+                                          <p:attrName>ppt_h</p:attrName>
+                                        </p:attrNameLst>
+                                      </p:cBhvr>
+                                      <p:tavLst>
+                                        <p:tav tm="0">
+                                          <p:val>
+                                            <p:fltVal val="0"/>
+                                          </p:val>
+                                        </p:tav>
+                                        <p:tav tm="100000">
+                                          <p:val>
+                                            <p:strVal val="#ppt_h"/>
+                                          </p:val>
+                                        </p:tav>
+                                      </p:tavLst>
+                                    </p:anim>
+                                  </p:childTnLst>
+                                </p:cTn>
+                              </p:par>
+                              <p:par>
+                                <p:cTn id="9" presetID="22" presetClass="entr" presetSubtype="8" fill="hold" nodeType="withEffect">
+                                  <p:stCondLst>
+                                    <p:cond delay="0"/>
+                                  </p:stCondLst>
+                                  <p:childTnLst>
+                                    <p:set>
+                                      <p:cBhvr>
+                                        <p:cTn id="10" dur="1" fill="hold">
+                                          <p:stCondLst>
+                                            <p:cond delay="0"/>
+                                          </p:stCondLst>
+                                        </p:cTn>
+                                        <p:tgtEl>
+                                          <p:spTgt spid="85022"/>
+                                        </p:tgtEl>
+                                        <p:attrNameLst>
+                                          <p:attrName>style.visibility</p:attrName>
+                                        </p:attrNameLst>
+                                      </p:cBhvr>
+                                      <p:to>
+                                        <p:strVal val="visible"/>
+                                      </p:to>
+                                    </p:set>
+                                    <p:animEffect transition="in" filter="wipe(left)">
+                                      <p:cBhvr>
+                                        <p:cTn id="11" dur="500"/>
+                                        <p:tgtEl>
+                                          <p:spTgt spid="85022"/>
+                                        </p:tgtEl>
+                                      </p:cBhvr>
+                                    </p:animEffect>
+                                  </p:childTnLst>
+                                </p:cTn>
+                              </p:par>
+                            </p:childTnLst>
+                          </p:cTn>
+                        </p:par>
+                      </p:childTnLst>
+                    </p:cTn>
+                  </p:par>
+                  <p:par>
+                    <p:cTn id="12" fill="hold">
+                      <p:stCondLst>
+                        <p:cond delay="indefinite"/>
+                      </p:stCondLst>
+                      <p:childTnLst>
+                        <p:par>
+                          <p:cTn id="13" fill="hold">
+                            <p:stCondLst>
+                              <p:cond delay="0"/>
+                            </p:stCondLst>
+                            <p:childTnLst>
+                              <p:par>
+                                <p:cTn id="14" presetID="23" presetClass="entr" presetSubtype="16" fill="hold" grpId="0" nodeType="clickEffect">
+                                  <p:stCondLst>
+                                    <p:cond delay="0"/>
+                                  </p:stCondLst>
+                                  <p:childTnLst>
+                                    <p:set>
+                                      <p:cBhvr>
+                                        <p:cTn id="15" dur="1" fill="hold">
+                                          <p:stCondLst>
+                                            <p:cond delay="0"/>
+                                          </p:stCondLst>
+                                        </p:cTn>
+                                        <p:tgtEl>
+                                          <p:spTgt spid="85025"/>
+                                        </p:tgtEl>
+                                        <p:attrNameLst>
+                                          <p:attrName>style.visibility</p:attrName>
+                                        </p:attrNameLst>
+                                      </p:cBhvr>
+                                      <p:to>
+                                        <p:strVal val="visible"/>
+                                      </p:to>
+                                    </p:set>
+                                    <p:anim calcmode="lin" valueType="num">
+                                      <p:cBhvr>
+                                        <p:cTn id="16" dur="500" fill="hold"/>
+                                        <p:tgtEl>
+                                          <p:spTgt spid="85025"/>
+                                        </p:tgtEl>
+                                        <p:attrNameLst>
+                                          <p:attrName>ppt_w</p:attrName>
+                                        </p:attrNameLst>
+                                      </p:cBhvr>
+                                      <p:tavLst>
+                                        <p:tav tm="0">
+                                          <p:val>
+                                            <p:fltVal val="0"/>
+                                          </p:val>
+                                        </p:tav>
+                                        <p:tav tm="100000">
+                                          <p:val>
+                                            <p:strVal val="#ppt_w"/>
+                                          </p:val>
+                                        </p:tav>
+                                      </p:tavLst>
+                                    </p:anim>
+                                    <p:anim calcmode="lin" valueType="num">
+                                      <p:cBhvr>
+                                        <p:cTn id="17" dur="500" fill="hold"/>
+                                        <p:tgtEl>
+                                          <p:spTgt spid="85025"/>
+                                        </p:tgtEl>
+                                        <p:attrNameLst>
+                                          <p:attrName>ppt_h</p:attrName>
+                                        </p:attrNameLst>
+                                      </p:cBhvr>
+                                      <p:tavLst>
+                                        <p:tav tm="0">
+                                          <p:val>
+                                            <p:fltVal val="0"/>
+                                          </p:val>
+                                        </p:tav>
+                                        <p:tav tm="100000">
+                                          <p:val>
+                                            <p:strVal val="#ppt_h"/>
+                                          </p:val>
+                                        </p:tav>
+                                      </p:tavLst>
+                                    </p:anim>
+                                  </p:childTnLst>
+                                </p:cTn>
+                              </p:par>
+                              <p:par>
+                                <p:cTn id="18" presetID="23" presetClass="entr" presetSubtype="16" fill="hold" grpId="0" nodeType="withEffect">
+                                  <p:stCondLst>
+                                    <p:cond delay="0"/>
+                                  </p:stCondLst>
+                                  <p:childTnLst>
+                                    <p:set>
+                                      <p:cBhvr>
+                                        <p:cTn id="19" dur="1" fill="hold">
+                                          <p:stCondLst>
+                                            <p:cond delay="0"/>
+                                          </p:stCondLst>
+                                        </p:cTn>
+                                        <p:tgtEl>
+                                          <p:spTgt spid="85026"/>
+                                        </p:tgtEl>
+                                        <p:attrNameLst>
+                                          <p:attrName>style.visibility</p:attrName>
+                                        </p:attrNameLst>
+                                      </p:cBhvr>
+                                      <p:to>
+                                        <p:strVal val="visible"/>
+                                      </p:to>
+                                    </p:set>
+                                    <p:anim calcmode="lin" valueType="num">
+                                      <p:cBhvr>
+                                        <p:cTn id="20" dur="500" fill="hold"/>
+                                        <p:tgtEl>
+                                          <p:spTgt spid="85026"/>
+                                        </p:tgtEl>
+                                        <p:attrNameLst>
+                                          <p:attrName>ppt_w</p:attrName>
+                                        </p:attrNameLst>
+                                      </p:cBhvr>
+                                      <p:tavLst>
+                                        <p:tav tm="0">
+                                          <p:val>
+                                            <p:fltVal val="0"/>
+                                          </p:val>
+                                        </p:tav>
+                                        <p:tav tm="100000">
+                                          <p:val>
+                                            <p:strVal val="#ppt_w"/>
+                                          </p:val>
+                                        </p:tav>
+                                      </p:tavLst>
+                                    </p:anim>
+                                    <p:anim calcmode="lin" valueType="num">
+                                      <p:cBhvr>
+                                        <p:cTn id="21" dur="500" fill="hold"/>
+                                        <p:tgtEl>
+                                          <p:spTgt spid="85026"/>
+                                        </p:tgtEl>
+                                        <p:attrNameLst>
+                                          <p:attrName>ppt_h</p:attrName>
+                                        </p:attrNameLst>
+                                      </p:cBhvr>
+                                      <p:tavLst>
+                                        <p:tav tm="0">
+                                          <p:val>
+                                            <p:fltVal val="0"/>
+                                          </p:val>
+                                        </p:tav>
+                                        <p:tav tm="100000">
+                                          <p:val>
+                                            <p:strVal val="#ppt_h"/>
+                                          </p:val>
+                                        </p:tav>
+                                      </p:tavLst>
+                                    </p:anim>
+                                  </p:childTnLst>
+                                </p:cTn>
+                              </p:par>
+                            </p:childTnLst>
+                          </p:cTn>
+                        </p:par>
+                      </p:childTnLst>
+                    </p:cTn>
+                  </p:par>
+                  <p:par>
+                    <p:cTn id="22" fill="hold">
+                      <p:stCondLst>
+                        <p:cond delay="indefinite"/>
+                      </p:stCondLst>
+                      <p:childTnLst>
+                        <p:par>
+                          <p:cTn id="23" fill="hold">
+                            <p:stCondLst>
+                              <p:cond delay="0"/>
+                            </p:stCondLst>
+                            <p:childTnLst>
+                              <p:par>
+                                <p:cTn id="24" presetID="23" presetClass="entr" presetSubtype="16" fill="hold" grpId="0" nodeType="clickEffect">
+                                  <p:stCondLst>
+                                    <p:cond delay="0"/>
+                                  </p:stCondLst>
+                                  <p:childTnLst>
+                                    <p:set>
+                                      <p:cBhvr>
+                                        <p:cTn id="25" dur="1" fill="hold">
+                                          <p:stCondLst>
+                                            <p:cond delay="0"/>
+                                          </p:stCondLst>
+                                        </p:cTn>
+                                        <p:tgtEl>
+                                          <p:spTgt spid="85027"/>
+                                        </p:tgtEl>
+                                        <p:attrNameLst>
+                                          <p:attrName>style.visibility</p:attrName>
+                                        </p:attrNameLst>
+                                      </p:cBhvr>
+                                      <p:to>
+                                        <p:strVal val="visible"/>
+                                      </p:to>
+                                    </p:set>
+                                    <p:anim calcmode="lin" valueType="num">
+                                      <p:cBhvr>
+                                        <p:cTn id="26" dur="500" fill="hold"/>
+                                        <p:tgtEl>
+                                          <p:spTgt spid="85027"/>
+                                        </p:tgtEl>
+                                        <p:attrNameLst>
+                                          <p:attrName>ppt_w</p:attrName>
+                                        </p:attrNameLst>
+                                      </p:cBhvr>
+                                      <p:tavLst>
+                                        <p:tav tm="0">
+                                          <p:val>
+                                            <p:fltVal val="0"/>
+                                          </p:val>
+                                        </p:tav>
+                                        <p:tav tm="100000">
+                                          <p:val>
+                                            <p:strVal val="#ppt_w"/>
+                                          </p:val>
+                                        </p:tav>
+                                      </p:tavLst>
+                                    </p:anim>
+                                    <p:anim calcmode="lin" valueType="num">
+                                      <p:cBhvr>
+                                        <p:cTn id="27" dur="500" fill="hold"/>
+                                        <p:tgtEl>
+                                          <p:spTgt spid="85027"/>
+                                        </p:tgtEl>
+                                        <p:attrNameLst>
+                                          <p:attrName>ppt_h</p:attrName>
+                                        </p:attrNameLst>
+                                      </p:cBhvr>
+                                      <p:tavLst>
+                                        <p:tav tm="0">
+                                          <p:val>
+                                            <p:fltVal val="0"/>
+                                          </p:val>
+                                        </p:tav>
+                                        <p:tav tm="100000">
+                                          <p:val>
+                                            <p:strVal val="#ppt_h"/>
+                                          </p:val>
+                                        </p:tav>
+                                      </p:tavLst>
+                                    </p:anim>
+                                  </p:childTnLst>
+                                </p:cTn>
+                              </p:par>
+                            </p:childTnLst>
+                          </p:cTn>
+                        </p:par>
+                      </p:childTnLst>
+                    </p:cTn>
+                  </p:par>
+                  <p:par>
+                    <p:cTn id="28" fill="hold">
+                      <p:stCondLst>
+                        <p:cond delay="indefinite"/>
+                      </p:stCondLst>
+                      <p:childTnLst>
+                        <p:par>
+                          <p:cTn id="29" fill="hold">
+                            <p:stCondLst>
+                              <p:cond delay="0"/>
+                            </p:stCondLst>
+                            <p:childTnLst>
+                              <p:par>
+                                <p:cTn id="30" presetID="22" presetClass="entr" presetSubtype="8" fill="hold" grpId="0" nodeType="clickEffect">
+                                  <p:stCondLst>
+                                    <p:cond delay="0"/>
+                                  </p:stCondLst>
+                                  <p:childTnLst>
+                                    <p:set>
+                                      <p:cBhvr>
+                                        <p:cTn id="31" dur="1" fill="hold">
+                                          <p:stCondLst>
+                                            <p:cond delay="0"/>
+                                          </p:stCondLst>
+                                        </p:cTn>
+                                        <p:tgtEl>
+                                          <p:spTgt spid="85005"/>
+                                        </p:tgtEl>
+                                        <p:attrNameLst>
+                                          <p:attrName>style.visibility</p:attrName>
+                                        </p:attrNameLst>
+                                      </p:cBhvr>
+                                      <p:to>
+                                        <p:strVal val="visible"/>
+                                      </p:to>
+                                    </p:set>
+                                    <p:animEffect transition="in" filter="wipe(left)">
+                                      <p:cBhvr>
+                                        <p:cTn id="32" dur="500"/>
+                                        <p:tgtEl>
+                                          <p:spTgt spid="85005"/>
+                                        </p:tgtEl>
+                                      </p:cBhvr>
+                                    </p:animEffect>
+                                  </p:childTnLst>
+                                </p:cTn>
+                              </p:par>
+                            </p:childTnLst>
+                          </p:cTn>
+                        </p:par>
+                      </p:childTnLst>
+                    </p:cTn>
+                  </p:par>
+                </p:childTnLst>
+              </p:cTn>
+              <p:prevCondLst>
+                <p:cond evt="onPrev" delay="0">
+                  <p:tgtEl>
+                    <p:sldTgt/>
+                  </p:tgtEl>
+                </p:cond>
+              </p:prevCondLst>
+              <p:nextCondLst>
+                <p:cond evt="onNext" delay="0">
+                  <p:tgtEl>
+                    <p:sldTgt/>
+                  </p:tgtEl>
+                </p:cond>
+              </p:nextCondLst>
+            </p:seq>
+          </p:childTnLst>
+        </p:cTn>
+      </p:par>
+    </p:tnLst>
+    <p:bldLst>
+      <p:bldP spid="84994" grpId="0"/>
+      <p:bldP spid="85005" grpId="0" animBg="1" autoUpdateAnimBg="0"/>
+      <p:bldP spid="85025" grpId="0" animBg="1"/>
+      <p:bldP spid="85026" grpId="0" animBg="1"/>
+      <p:bldP spid="85027" grpId="0" animBg="1"/>
+    </p:bldLst>
+  </p:timing>
+</p:sld>
+</file>
+
+<file path=ppt/slides/slide11.xml><?xml version="1.0" encoding="utf-8"?>
+<p:sld xmlns:a="http://schemas.openxmlformats.org/drawingml/2006/main" xmlns:r="http://schemas.openxmlformats.org/officeDocument/2006/relationships" xmlns:p="http://schemas.openxmlformats.org/presentationml/2006/main">
+  <p:cSld>
+    <p:spTree>
+      <p:nvGrpSpPr>
+        <p:cNvPr id="1" name=""/>
+        <p:cNvGrpSpPr/>
+        <p:nvPr/>
+      </p:nvGrpSpPr>
+      <p:grpSpPr>
+        <a:xfrm>
+          <a:off x="0" y="0"/>
+          <a:ext cx="0" cy="0"/>
+          <a:chOff x="0" y="0"/>
+          <a:chExt cx="0" cy="0"/>
+        </a:xfrm>
+      </p:grpSpPr>
+      <p:sp>
+        <p:nvSpPr>
+          <p:cNvPr id="7" name="Date Placeholder 3"/>
+          <p:cNvSpPr>
+            <a:spLocks noGrp="1"/>
+          </p:cNvSpPr>
+          <p:nvPr>
+            <p:ph type="dt" sz="half" idx="10"/>
+          </p:nvPr>
+        </p:nvSpPr>
+        <p:spPr/>
+        <p:txBody>
+          <a:bodyPr/>
+          <a:lstStyle/>
+          <a:p>
+            <a:r>
+              <a:rPr lang="en-US" smtClean="0"/>
+              <a:t>9/23/2013,         9/25/2013</a:t>
+            </a:r>
+            <a:endParaRPr lang="en-US" dirty="0"/>
+          </a:p>
+        </p:txBody>
+      </p:sp>
+      <p:sp>
+        <p:nvSpPr>
+          <p:cNvPr id="9" name="Slide Number Placeholder 5"/>
+          <p:cNvSpPr>
+            <a:spLocks noGrp="1"/>
+          </p:cNvSpPr>
+          <p:nvPr>
+            <p:ph type="sldNum" sz="quarter" idx="12"/>
+          </p:nvPr>
+        </p:nvSpPr>
+        <p:spPr/>
+        <p:txBody>
+          <a:bodyPr/>
+          <a:lstStyle/>
+          <a:p>
+            <a:fld id="{77CB5C25-6CFA-434F-ABF0-5AB179A89595}" type="slidenum">
+              <a:rPr lang="en-US"/>
+              <a:pPr/>
+              <a:t>11</a:t>
+            </a:fld>
+            <a:endParaRPr lang="en-US" dirty="0"/>
+          </a:p>
+        </p:txBody>
+      </p:sp>
+      <p:sp>
+        <p:nvSpPr>
+          <p:cNvPr id="120834" name="Rectangle 2"/>
+          <p:cNvSpPr>
+            <a:spLocks noGrp="1" noChangeArrowheads="1"/>
+          </p:cNvSpPr>
+          <p:nvPr>
+            <p:ph type="title"/>
+          </p:nvPr>
+        </p:nvSpPr>
+        <p:spPr/>
+        <p:txBody>
+          <a:bodyPr/>
+          <a:lstStyle/>
+          <a:p>
+            <a:r>
+              <a:rPr lang="en-US" sz="2400"/>
+              <a:t>“Allowable Increase” and </a:t>
+            </a:r>
+            <a:br>
+              <a:rPr lang="en-US" sz="2400"/>
+            </a:br>
+            <a:r>
+              <a:rPr lang="en-US" sz="2400"/>
+              <a:t>“Allowable Decrease” in the “Adjustable Cells”</a:t>
+            </a:r>
+          </a:p>
+        </p:txBody>
+      </p:sp>
+      <p:sp>
+        <p:nvSpPr>
+          <p:cNvPr id="120835" name="Rectangle 3"/>
+          <p:cNvSpPr>
+            <a:spLocks noGrp="1" noChangeArrowheads="1"/>
+          </p:cNvSpPr>
+          <p:nvPr>
+            <p:ph type="body" idx="1"/>
+          </p:nvPr>
+        </p:nvSpPr>
+        <p:spPr>
+          <a:xfrm>
+            <a:off x="609600" y="1371600"/>
+            <a:ext cx="8229600" cy="4800600"/>
+          </a:xfrm>
+          <a:noFill/>
+        </p:spPr>
+        <p:txBody>
+          <a:bodyPr/>
+          <a:lstStyle/>
+          <a:p>
+            <a:pPr>
+              <a:buFontTx/>
+              <a:buNone/>
+            </a:pPr>
+            <a:r>
+              <a:rPr lang="en-US" sz="2000" dirty="0"/>
+              <a:t> Suppose                                Let     </a:t>
+            </a:r>
+          </a:p>
+          <a:p>
+            <a:endParaRPr lang="en-US" sz="2000" u="sng" dirty="0"/>
+          </a:p>
+          <a:p>
+            <a:r>
+              <a:rPr lang="en-US" sz="2000" dirty="0"/>
+              <a:t>“</a:t>
+            </a:r>
+            <a:r>
+              <a:rPr lang="en-US" sz="2000" b="1" dirty="0"/>
+              <a:t>Allowable” ranges</a:t>
+            </a:r>
+            <a:r>
+              <a:rPr lang="en-US" sz="1800" dirty="0"/>
+              <a:t> </a:t>
+            </a:r>
+            <a:r>
+              <a:rPr lang="en-US" sz="2000" dirty="0"/>
+              <a:t>tell you how much the </a:t>
+            </a:r>
+            <a:r>
+              <a:rPr lang="en-US" sz="2000" b="1" dirty="0"/>
+              <a:t>coefficient of a given decision variable</a:t>
+            </a:r>
+            <a:r>
+              <a:rPr lang="en-US" sz="2000" dirty="0"/>
+              <a:t> in the objective function </a:t>
+            </a:r>
+            <a:r>
+              <a:rPr lang="en-US" sz="2000" b="1" dirty="0"/>
+              <a:t>may be increased or decreased </a:t>
+            </a:r>
+            <a:r>
+              <a:rPr lang="en-US" sz="2000" b="1" u="sng" dirty="0"/>
+              <a:t>without changing the optimal solution</a:t>
+            </a:r>
+            <a:r>
+              <a:rPr lang="en-US" sz="2000" u="sng" dirty="0"/>
+              <a:t> </a:t>
+            </a:r>
+            <a:r>
+              <a:rPr lang="en-US" sz="2000" dirty="0"/>
+              <a:t>(the value of the decision </a:t>
+            </a:r>
+            <a:r>
+              <a:rPr lang="en-US" sz="2000" dirty="0" smtClean="0"/>
+              <a:t>variables x</a:t>
+            </a:r>
+            <a:r>
+              <a:rPr lang="en-US" sz="2000" baseline="-25000" dirty="0" smtClean="0"/>
+              <a:t>i</a:t>
+            </a:r>
+            <a:r>
+              <a:rPr lang="en-US" sz="2000" dirty="0" smtClean="0"/>
+              <a:t>*), </a:t>
+            </a:r>
+            <a:r>
+              <a:rPr lang="en-US" sz="2000" dirty="0"/>
+              <a:t>where all other data are assumed to be fixed</a:t>
+            </a:r>
+            <a:r>
+              <a:rPr lang="en-US" sz="2000" dirty="0" smtClean="0"/>
+              <a:t>. </a:t>
+            </a:r>
+          </a:p>
+          <a:p>
+            <a:endParaRPr lang="en-US" sz="2000" dirty="0"/>
+          </a:p>
+          <a:p>
+            <a:r>
+              <a:rPr lang="en-US" sz="2000" b="1" dirty="0"/>
+              <a:t>Calculate the new Objective Function Value (</a:t>
+            </a:r>
+            <a:r>
+              <a:rPr lang="en-US" sz="2000" b="1" dirty="0" err="1"/>
+              <a:t>OV</a:t>
+            </a:r>
+            <a:r>
+              <a:rPr lang="en-US" sz="2000" b="1" baseline="-25000" dirty="0" err="1"/>
+              <a:t>new</a:t>
+            </a:r>
+            <a:r>
+              <a:rPr lang="en-US" sz="2000" b="1" dirty="0"/>
+              <a:t>)</a:t>
+            </a:r>
+            <a:endParaRPr lang="en-US" sz="2000" b="1" dirty="0">
+              <a:solidFill>
+                <a:schemeClr val="hlink"/>
+              </a:solidFill>
+            </a:endParaRPr>
+          </a:p>
+          <a:p>
+            <a:pPr lvl="1"/>
+            <a:r>
+              <a:rPr lang="en-US" sz="1800" b="1" dirty="0" smtClean="0">
+                <a:solidFill>
+                  <a:srgbClr val="FF0000"/>
+                </a:solidFill>
+              </a:rPr>
+              <a:t>When </a:t>
+            </a:r>
+            <a:r>
+              <a:rPr lang="en-US" sz="1800" b="1" dirty="0" smtClean="0">
+                <a:solidFill>
+                  <a:srgbClr val="FF0000"/>
+                </a:solidFill>
+                <a:sym typeface="Symbol"/>
+              </a:rPr>
+              <a:t></a:t>
+            </a:r>
+            <a:r>
+              <a:rPr lang="en-US" sz="1800" b="1" dirty="0" err="1" smtClean="0">
+                <a:solidFill>
+                  <a:srgbClr val="FF0000"/>
+                </a:solidFill>
+                <a:sym typeface="Symbol"/>
+              </a:rPr>
+              <a:t>C</a:t>
+            </a:r>
+            <a:r>
+              <a:rPr lang="en-US" sz="1800" b="1" baseline="-25000" dirty="0" err="1" smtClean="0">
+                <a:solidFill>
+                  <a:srgbClr val="FF0000"/>
+                </a:solidFill>
+                <a:sym typeface="Symbol"/>
+              </a:rPr>
+              <a:t>i</a:t>
+            </a:r>
+            <a:r>
+              <a:rPr lang="en-US" sz="1800" b="1" dirty="0" smtClean="0">
+                <a:solidFill>
+                  <a:srgbClr val="FF0000"/>
+                </a:solidFill>
+                <a:sym typeface="Symbol"/>
+              </a:rPr>
+              <a:t> </a:t>
+            </a:r>
+            <a:r>
+              <a:rPr lang="en-US" sz="1800" b="1" dirty="0" smtClean="0">
+                <a:solidFill>
+                  <a:schemeClr val="hlink"/>
+                </a:solidFill>
+                <a:sym typeface="Symbol"/>
+              </a:rPr>
+              <a:t>is </a:t>
+            </a:r>
+            <a:r>
+              <a:rPr lang="en-US" sz="1800" b="1" u="sng" dirty="0" smtClean="0">
+                <a:solidFill>
+                  <a:schemeClr val="hlink"/>
+                </a:solidFill>
+              </a:rPr>
+              <a:t>within</a:t>
+            </a:r>
+            <a:r>
+              <a:rPr lang="en-US" sz="1800" b="1" dirty="0" smtClean="0">
+                <a:solidFill>
+                  <a:schemeClr val="hlink"/>
+                </a:solidFill>
+              </a:rPr>
+              <a:t> </a:t>
+            </a:r>
+            <a:r>
+              <a:rPr lang="en-US" sz="1800" b="1" dirty="0">
+                <a:solidFill>
+                  <a:schemeClr val="hlink"/>
+                </a:solidFill>
+              </a:rPr>
+              <a:t>the “Allowable” range</a:t>
+            </a:r>
+            <a:r>
+              <a:rPr lang="en-US" sz="1800" dirty="0">
+                <a:solidFill>
+                  <a:schemeClr val="hlink"/>
+                </a:solidFill>
+              </a:rPr>
+              <a:t>:   </a:t>
+            </a:r>
+            <a:r>
+              <a:rPr lang="en-US" sz="1800" b="1" dirty="0" err="1">
+                <a:solidFill>
+                  <a:schemeClr val="hlink"/>
+                </a:solidFill>
+              </a:rPr>
+              <a:t>x</a:t>
+            </a:r>
+            <a:r>
+              <a:rPr lang="en-US" sz="1800" b="1" baseline="-25000" dirty="0" err="1">
+                <a:solidFill>
+                  <a:schemeClr val="hlink"/>
+                </a:solidFill>
+              </a:rPr>
+              <a:t>new</a:t>
+            </a:r>
+            <a:r>
+              <a:rPr lang="en-US" sz="1800" b="1" baseline="30000" dirty="0">
+                <a:solidFill>
+                  <a:schemeClr val="hlink"/>
+                </a:solidFill>
+              </a:rPr>
+              <a:t>* </a:t>
+            </a:r>
+            <a:r>
+              <a:rPr lang="en-US" sz="1800" b="1" dirty="0">
+                <a:solidFill>
+                  <a:schemeClr val="hlink"/>
+                </a:solidFill>
+              </a:rPr>
+              <a:t>=</a:t>
+            </a:r>
+            <a:r>
+              <a:rPr lang="en-US" sz="1800" b="1" dirty="0" err="1">
+                <a:solidFill>
+                  <a:schemeClr val="hlink"/>
+                </a:solidFill>
+              </a:rPr>
+              <a:t>x</a:t>
+            </a:r>
+            <a:r>
+              <a:rPr lang="en-US" sz="1800" b="1" baseline="-25000" dirty="0" err="1">
+                <a:solidFill>
+                  <a:schemeClr val="hlink"/>
+                </a:solidFill>
+              </a:rPr>
+              <a:t>old</a:t>
+            </a:r>
+            <a:r>
+              <a:rPr lang="en-US" sz="1800" b="1" baseline="30000" dirty="0">
+                <a:solidFill>
+                  <a:schemeClr val="hlink"/>
+                </a:solidFill>
+              </a:rPr>
+              <a:t>*</a:t>
+            </a:r>
+          </a:p>
+          <a:p>
+            <a:pPr lvl="1"/>
+            <a:endParaRPr lang="en-US" sz="1800" b="1" baseline="30000" dirty="0">
+              <a:solidFill>
+                <a:schemeClr val="hlink"/>
+              </a:solidFill>
+            </a:endParaRPr>
+          </a:p>
+          <a:p>
+            <a:pPr lvl="1"/>
+            <a:endParaRPr lang="en-US" sz="1800" baseline="30000" dirty="0">
+              <a:solidFill>
+                <a:schemeClr val="hlink"/>
+              </a:solidFill>
+            </a:endParaRPr>
+          </a:p>
+          <a:p>
+            <a:pPr>
+              <a:buFontTx/>
+              <a:buNone/>
+            </a:pPr>
+            <a:r>
+              <a:rPr lang="en-US" sz="2000" baseline="30000" dirty="0">
+                <a:solidFill>
+                  <a:schemeClr val="hlink"/>
+                </a:solidFill>
+              </a:rPr>
+              <a:t> </a:t>
+            </a:r>
+          </a:p>
+          <a:p>
+            <a:pPr lvl="1"/>
+            <a:r>
+              <a:rPr lang="en-US" sz="1800" b="1" dirty="0">
+                <a:solidFill>
+                  <a:srgbClr val="FF0000"/>
+                </a:solidFill>
+              </a:rPr>
+              <a:t>When </a:t>
+            </a:r>
+            <a:r>
+              <a:rPr lang="en-US" sz="1800" b="1" dirty="0">
+                <a:solidFill>
+                  <a:srgbClr val="FF0000"/>
+                </a:solidFill>
+                <a:sym typeface="Symbol"/>
+              </a:rPr>
+              <a:t></a:t>
+            </a:r>
+            <a:r>
+              <a:rPr lang="en-US" sz="1800" b="1" dirty="0" err="1">
+                <a:solidFill>
+                  <a:srgbClr val="FF0000"/>
+                </a:solidFill>
+                <a:sym typeface="Symbol"/>
+              </a:rPr>
+              <a:t>C</a:t>
+            </a:r>
+            <a:r>
+              <a:rPr lang="en-US" sz="1800" b="1" baseline="-25000" dirty="0" err="1">
+                <a:solidFill>
+                  <a:srgbClr val="FF0000"/>
+                </a:solidFill>
+                <a:sym typeface="Symbol"/>
+              </a:rPr>
+              <a:t>i</a:t>
+            </a:r>
+            <a:r>
+              <a:rPr lang="en-US" sz="1800" b="1" dirty="0">
+                <a:solidFill>
+                  <a:srgbClr val="FF0000"/>
+                </a:solidFill>
+                <a:sym typeface="Symbol"/>
+              </a:rPr>
+              <a:t> </a:t>
+            </a:r>
+            <a:r>
+              <a:rPr lang="en-US" sz="1800" b="1" dirty="0">
+                <a:solidFill>
+                  <a:schemeClr val="hlink"/>
+                </a:solidFill>
+                <a:sym typeface="Symbol"/>
+              </a:rPr>
+              <a:t>is </a:t>
+            </a:r>
+            <a:r>
+              <a:rPr lang="en-US" sz="1800" b="1" u="sng" dirty="0" smtClean="0">
+                <a:solidFill>
+                  <a:schemeClr val="hlink"/>
+                </a:solidFill>
+              </a:rPr>
+              <a:t>outside</a:t>
+            </a:r>
+            <a:r>
+              <a:rPr lang="en-US" sz="1800" b="1" dirty="0" smtClean="0">
+                <a:solidFill>
+                  <a:schemeClr val="hlink"/>
+                </a:solidFill>
+              </a:rPr>
+              <a:t> </a:t>
+            </a:r>
+            <a:r>
+              <a:rPr lang="en-US" sz="1800" b="1" dirty="0">
+                <a:solidFill>
+                  <a:schemeClr val="hlink"/>
+                </a:solidFill>
+              </a:rPr>
+              <a:t>the “Allowable” range</a:t>
+            </a:r>
+            <a:r>
+              <a:rPr lang="en-US" sz="1800" dirty="0">
+                <a:solidFill>
+                  <a:schemeClr val="hlink"/>
+                </a:solidFill>
+              </a:rPr>
+              <a:t>: </a:t>
+            </a:r>
+            <a:r>
+              <a:rPr lang="en-US" sz="1800" dirty="0" err="1">
+                <a:solidFill>
+                  <a:schemeClr val="hlink"/>
+                </a:solidFill>
+              </a:rPr>
+              <a:t>x</a:t>
+            </a:r>
+            <a:r>
+              <a:rPr lang="en-US" sz="1800" baseline="-25000" dirty="0" err="1">
+                <a:solidFill>
+                  <a:schemeClr val="hlink"/>
+                </a:solidFill>
+              </a:rPr>
+              <a:t>new</a:t>
+            </a:r>
+            <a:r>
+              <a:rPr lang="en-US" sz="1800" baseline="30000" dirty="0">
+                <a:solidFill>
+                  <a:schemeClr val="hlink"/>
+                </a:solidFill>
+              </a:rPr>
+              <a:t>* </a:t>
+            </a:r>
+            <a:r>
+              <a:rPr lang="en-US" sz="1800" dirty="0">
+                <a:solidFill>
+                  <a:schemeClr val="hlink"/>
+                </a:solidFill>
+              </a:rPr>
+              <a:t> ≠ </a:t>
+            </a:r>
+            <a:r>
+              <a:rPr lang="en-US" sz="1800" dirty="0" err="1">
+                <a:solidFill>
+                  <a:schemeClr val="hlink"/>
+                </a:solidFill>
+              </a:rPr>
+              <a:t>x</a:t>
+            </a:r>
+            <a:r>
+              <a:rPr lang="en-US" sz="1800" baseline="-25000" dirty="0" err="1">
+                <a:solidFill>
+                  <a:schemeClr val="hlink"/>
+                </a:solidFill>
+              </a:rPr>
+              <a:t>old</a:t>
+            </a:r>
+            <a:r>
+              <a:rPr lang="en-US" sz="1800" baseline="30000" dirty="0">
+                <a:solidFill>
+                  <a:schemeClr val="hlink"/>
+                </a:solidFill>
+              </a:rPr>
+              <a:t>*, </a:t>
+            </a:r>
+            <a:r>
+              <a:rPr lang="en-US" sz="1800" b="1" dirty="0">
+                <a:solidFill>
+                  <a:schemeClr val="hlink"/>
+                </a:solidFill>
+              </a:rPr>
+              <a:t>re-formulate LP and resolve</a:t>
+            </a:r>
+            <a:r>
+              <a:rPr lang="en-US" sz="1800" dirty="0">
+                <a:solidFill>
+                  <a:schemeClr val="hlink"/>
+                </a:solidFill>
+              </a:rPr>
+              <a:t>!</a:t>
+            </a:r>
+          </a:p>
+        </p:txBody>
+      </p:sp>
+      <p:graphicFrame>
+        <p:nvGraphicFramePr>
+          <p:cNvPr id="120836" name="Object 4"/>
+          <p:cNvGraphicFramePr>
+            <a:graphicFrameLocks noChangeAspect="1"/>
+          </p:cNvGraphicFramePr>
+          <p:nvPr/>
+        </p:nvGraphicFramePr>
+        <p:xfrm>
+          <a:off x="2133600" y="4800600"/>
+          <a:ext cx="3505200" cy="609600"/>
+        </p:xfrm>
+        <a:graphic>
+          <a:graphicData uri="http://schemas.openxmlformats.org/presentationml/2006/ole">
+            <mc:AlternateContent xmlns:mc="http://schemas.openxmlformats.org/markup-compatibility/2006">
+              <mc:Choice xmlns:v="urn:schemas-microsoft-com:vml" Requires="v">
+                <p:oleObj spid="_x0000_s120892" name="Equation" r:id="rId3" imgW="1460160" imgH="253800" progId="Equation.DSMT4">
+                  <p:embed/>
+                </p:oleObj>
+              </mc:Choice>
+              <mc:Fallback>
+                <p:oleObj name="Equation" r:id="rId3" imgW="1460160" imgH="253800" progId="Equation.DSMT4">
+                  <p:embed/>
+                  <p:pic>
+                    <p:nvPicPr>
+                      <p:cNvPr id="0" name="Picture 4"/>
+                      <p:cNvPicPr>
+                        <a:picLocks noChangeAspect="1" noChangeArrowheads="1"/>
+                      </p:cNvPicPr>
+                      <p:nvPr/>
+                    </p:nvPicPr>
+                    <p:blipFill>
+                      <a:blip r:embed="rId4">
+                        <a:extLst>
+                          <a:ext uri="{28A0092B-C50C-407E-A947-70E740481C1C}">
+                            <a14:useLocalDpi xmlns:a14="http://schemas.microsoft.com/office/drawing/2010/main" val="0"/>
+                          </a:ext>
+                        </a:extLst>
+                      </a:blip>
+                      <a:srcRect/>
+                      <a:stretch>
+                        <a:fillRect/>
+                      </a:stretch>
+                    </p:blipFill>
+                    <p:spPr bwMode="auto">
+                      <a:xfrm>
+                        <a:off x="2133600" y="4800600"/>
+                        <a:ext cx="3505200" cy="609600"/>
+                      </a:xfrm>
+                      <a:prstGeom prst="rect">
+                        <a:avLst/>
+                      </a:prstGeom>
+                      <a:noFill/>
+                      <a:extLst>
+                        <a:ext uri="{909E8E84-426E-40dd-AFC4-6F175D3DCCD1}">
+                          <a14:hiddenFill xmlns:a14="http://schemas.microsoft.com/office/drawing/2010/main">
+                            <a:solidFill>
+                              <a:srgbClr val="FFFFFF"/>
+                            </a:solidFill>
+                          </a14:hiddenFill>
+                        </a:ext>
+                      </a:extLst>
+                    </p:spPr>
+                  </p:pic>
+                </p:oleObj>
+              </mc:Fallback>
+            </mc:AlternateContent>
+          </a:graphicData>
+        </a:graphic>
+      </p:graphicFrame>
+      <p:graphicFrame>
+        <p:nvGraphicFramePr>
+          <p:cNvPr id="120838" name="Object 6"/>
+          <p:cNvGraphicFramePr>
+            <a:graphicFrameLocks noChangeAspect="1"/>
+          </p:cNvGraphicFramePr>
+          <p:nvPr/>
+        </p:nvGraphicFramePr>
+        <p:xfrm>
+          <a:off x="1828800" y="1295400"/>
+          <a:ext cx="1981200" cy="533400"/>
+        </p:xfrm>
+        <a:graphic>
+          <a:graphicData uri="http://schemas.openxmlformats.org/presentationml/2006/ole">
+            <mc:AlternateContent xmlns:mc="http://schemas.openxmlformats.org/markup-compatibility/2006">
+              <mc:Choice xmlns:v="urn:schemas-microsoft-com:vml" Requires="v">
+                <p:oleObj spid="_x0000_s120893" name="Equation" r:id="rId5" imgW="749160" imgH="228600" progId="Equation.DSMT4">
+                  <p:embed/>
+                </p:oleObj>
+              </mc:Choice>
+              <mc:Fallback>
+                <p:oleObj name="Equation" r:id="rId5" imgW="749160" imgH="228600" progId="Equation.DSMT4">
+                  <p:embed/>
+                  <p:pic>
+                    <p:nvPicPr>
+                      <p:cNvPr id="0" name="Picture 6"/>
+                      <p:cNvPicPr>
+                        <a:picLocks noChangeAspect="1" noChangeArrowheads="1"/>
+                      </p:cNvPicPr>
+                      <p:nvPr/>
+                    </p:nvPicPr>
+                    <p:blipFill>
+                      <a:blip r:embed="rId6">
+                        <a:extLst>
+                          <a:ext uri="{28A0092B-C50C-407E-A947-70E740481C1C}">
+                            <a14:useLocalDpi xmlns:a14="http://schemas.microsoft.com/office/drawing/2010/main" val="0"/>
+                          </a:ext>
+                        </a:extLst>
+                      </a:blip>
+                      <a:srcRect/>
+                      <a:stretch>
+                        <a:fillRect/>
+                      </a:stretch>
+                    </p:blipFill>
+                    <p:spPr bwMode="auto">
+                      <a:xfrm>
+                        <a:off x="1828800" y="1295400"/>
+                        <a:ext cx="1981200" cy="533400"/>
+                      </a:xfrm>
+                      <a:prstGeom prst="rect">
+                        <a:avLst/>
+                      </a:prstGeom>
+                      <a:noFill/>
+                      <a:extLst>
+                        <a:ext uri="{909E8E84-426E-40dd-AFC4-6F175D3DCCD1}">
+                          <a14:hiddenFill xmlns:a14="http://schemas.microsoft.com/office/drawing/2010/main">
+                            <a:solidFill>
+                              <a:srgbClr val="FFFFFF"/>
+                            </a:solidFill>
+                          </a14:hiddenFill>
+                        </a:ext>
+                      </a:extLst>
+                    </p:spPr>
+                  </p:pic>
+                </p:oleObj>
+              </mc:Fallback>
+            </mc:AlternateContent>
+          </a:graphicData>
+        </a:graphic>
+      </p:graphicFrame>
+      <p:graphicFrame>
+        <p:nvGraphicFramePr>
+          <p:cNvPr id="120839" name="Object 7"/>
+          <p:cNvGraphicFramePr>
+            <a:graphicFrameLocks noChangeAspect="1"/>
+          </p:cNvGraphicFramePr>
+          <p:nvPr/>
+        </p:nvGraphicFramePr>
+        <p:xfrm>
+          <a:off x="4572000" y="1362075"/>
+          <a:ext cx="2438400" cy="542925"/>
+        </p:xfrm>
+        <a:graphic>
+          <a:graphicData uri="http://schemas.openxmlformats.org/presentationml/2006/ole">
+            <mc:AlternateContent xmlns:mc="http://schemas.openxmlformats.org/markup-compatibility/2006">
+              <mc:Choice xmlns:v="urn:schemas-microsoft-com:vml" Requires="v">
+                <p:oleObj spid="_x0000_s120894" name="Equation" r:id="rId7" imgW="1028520" imgH="228600" progId="Equation.DSMT4">
+                  <p:embed/>
+                </p:oleObj>
+              </mc:Choice>
+              <mc:Fallback>
+                <p:oleObj name="Equation" r:id="rId7" imgW="1028520" imgH="228600" progId="Equation.DSMT4">
+                  <p:embed/>
+                  <p:pic>
+                    <p:nvPicPr>
+                      <p:cNvPr id="0" name="Picture 7"/>
+                      <p:cNvPicPr>
+                        <a:picLocks noChangeAspect="1" noChangeArrowheads="1"/>
+                      </p:cNvPicPr>
+                      <p:nvPr/>
+                    </p:nvPicPr>
+                    <p:blipFill>
+                      <a:blip r:embed="rId8">
+                        <a:extLst>
+                          <a:ext uri="{28A0092B-C50C-407E-A947-70E740481C1C}">
+                            <a14:useLocalDpi xmlns:a14="http://schemas.microsoft.com/office/drawing/2010/main" val="0"/>
+                          </a:ext>
+                        </a:extLst>
+                      </a:blip>
+                      <a:srcRect/>
+                      <a:stretch>
+                        <a:fillRect/>
+                      </a:stretch>
+                    </p:blipFill>
+                    <p:spPr bwMode="auto">
+                      <a:xfrm>
+                        <a:off x="4572000" y="1362075"/>
+                        <a:ext cx="2438400" cy="542925"/>
+                      </a:xfrm>
+                      <a:prstGeom prst="rect">
+                        <a:avLst/>
+                      </a:prstGeom>
+                      <a:noFill/>
+                      <a:extLst>
+                        <a:ext uri="{909E8E84-426E-40dd-AFC4-6F175D3DCCD1}">
+                          <a14:hiddenFill xmlns:a14="http://schemas.microsoft.com/office/drawing/2010/main">
+                            <a:solidFill>
+                              <a:srgbClr val="FFFFFF"/>
+                            </a:solidFill>
+                          </a14:hiddenFill>
+                        </a:ext>
+                      </a:extLst>
+                    </p:spPr>
+                  </p:pic>
+                </p:oleObj>
+              </mc:Fallback>
+            </mc:AlternateContent>
+          </a:graphicData>
+        </a:graphic>
+      </p:graphicFrame>
+      <p:sp>
+        <p:nvSpPr>
+          <p:cNvPr id="10" name="Footer Placeholder 9"/>
+          <p:cNvSpPr>
+            <a:spLocks noGrp="1"/>
+          </p:cNvSpPr>
+          <p:nvPr>
+            <p:ph type="ftr" sz="quarter" idx="11"/>
+          </p:nvPr>
+        </p:nvSpPr>
+        <p:spPr/>
+        <p:txBody>
+          <a:bodyPr/>
+          <a:lstStyle/>
+          <a:p>
+            <a:r>
+              <a:rPr lang="en-US" smtClean="0"/>
+              <a:t>Professor Dong Washington University in St. Louis, MO</a:t>
+            </a:r>
+            <a:endParaRPr lang="en-US" dirty="0"/>
+          </a:p>
+        </p:txBody>
+      </p:sp>
+    </p:spTree>
+  </p:cSld>
+  <p:clrMapOvr>
+    <a:masterClrMapping/>
+  </p:clrMapOvr>
+  <p:transition xmlns:p14="http://schemas.microsoft.com/office/powerpoint/2010/main">
+    <p:random/>
+  </p:transition>
+  <p:timing>
+    <p:tnLst>
+      <p:par>
+        <p:cTn xmlns:p14="http://schemas.microsoft.com/office/powerpoint/2010/main" id="1" dur="indefinite" restart="never" nodeType="tmRoot"/>
+      </p:par>
+    </p:tnLst>
+  </p:timing>
+</p:sld>
+</file>
+
+<file path=ppt/slides/slide12.xml><?xml version="1.0" encoding="utf-8"?>
 <p:sld xmlns:a="http://schemas.openxmlformats.org/drawingml/2006/main" xmlns:r="http://schemas.openxmlformats.org/officeDocument/2006/relationships" xmlns:p="http://schemas.openxmlformats.org/presentationml/2006/main" showMasterPhAnim="0">
   <p:cSld>
     <p:spTree>
@@ -4689,7 +7112,7 @@
             <a:fld id="{3575E038-8EFF-1D4C-8581-ABFDA3352DDE}" type="slidenum">
               <a:rPr lang="en-US"/>
               <a:pPr/>
-              <a:t>10</a:t>
+              <a:t>12</a:t>
             </a:fld>
             <a:endParaRPr lang="en-US"/>
           </a:p>
@@ -5488,13 +7911,13 @@
   <p:clrMapOvr>
     <a:masterClrMapping/>
   </p:clrMapOvr>
-  <p:transition>
+  <p:transition xmlns:p14="http://schemas.microsoft.com/office/powerpoint/2010/main">
     <p:random/>
   </p:transition>
   <p:timing>
     <p:tnLst>
       <p:par>
-        <p:cTn id="1" dur="indefinite" restart="never" nodeType="tmRoot">
+        <p:cTn xmlns:p14="http://schemas.microsoft.com/office/powerpoint/2010/main" id="1" dur="indefinite" restart="never" nodeType="tmRoot">
           <p:childTnLst>
             <p:seq concurrent="1" nextAc="seek">
               <p:cTn id="2" dur="indefinite" nodeType="mainSeq">
@@ -5618,7 +8041,7 @@
 </p:sld>
 </file>
 
-<file path=ppt/slides/slide11.xml><?xml version="1.0" encoding="utf-8"?>
+<file path=ppt/slides/slide13.xml><?xml version="1.0" encoding="utf-8"?>
 <p:sld xmlns:a="http://schemas.openxmlformats.org/drawingml/2006/main" xmlns:r="http://schemas.openxmlformats.org/officeDocument/2006/relationships" xmlns:p="http://schemas.openxmlformats.org/presentationml/2006/main" showMasterPhAnim="0">
   <p:cSld>
     <p:spTree>
@@ -5653,7 +8076,7 @@
             <a:fld id="{0E7AF3DC-F378-684E-83B4-594B2E258B7D}" type="slidenum">
               <a:rPr lang="en-US"/>
               <a:pPr/>
-              <a:t>11</a:t>
+              <a:t>13</a:t>
             </a:fld>
             <a:endParaRPr lang="en-US"/>
           </a:p>
@@ -6942,13 +9365,13 @@
   <p:clrMapOvr>
     <a:masterClrMapping/>
   </p:clrMapOvr>
-  <p:transition>
+  <p:transition xmlns:p14="http://schemas.microsoft.com/office/powerpoint/2010/main">
     <p:random/>
   </p:transition>
   <p:timing>
     <p:tnLst>
       <p:par>
-        <p:cTn id="1" dur="indefinite" restart="never" nodeType="tmRoot">
+        <p:cTn xmlns:p14="http://schemas.microsoft.com/office/powerpoint/2010/main" id="1" dur="indefinite" restart="never" nodeType="tmRoot">
           <p:childTnLst>
             <p:seq concurrent="1" nextAc="seek">
               <p:cTn id="2" dur="indefinite" nodeType="mainSeq">
@@ -7419,7 +9842,7 @@
 </p:sld>
 </file>
 
-<file path=ppt/slides/slide12.xml><?xml version="1.0" encoding="utf-8"?>
+<file path=ppt/slides/slide14.xml><?xml version="1.0" encoding="utf-8"?>
 <p:sld xmlns:a="http://schemas.openxmlformats.org/drawingml/2006/main" xmlns:r="http://schemas.openxmlformats.org/officeDocument/2006/relationships" xmlns:p="http://schemas.openxmlformats.org/presentationml/2006/main">
   <p:cSld>
     <p:spTree>
@@ -7990,7 +10413,7 @@
           <a:graphicData uri="http://schemas.openxmlformats.org/presentationml/2006/ole">
             <mc:AlternateContent xmlns:mc="http://schemas.openxmlformats.org/markup-compatibility/2006">
               <mc:Choice xmlns:v="urn:schemas-microsoft-com:vml" Requires="v">
-                <p:oleObj spid="_x0000_s94265" name="Equation" r:id="rId3" imgW="876240" imgH="241200" progId="Equation.DSMT4">
+                <p:oleObj spid="_x0000_s94272" name="Equation" r:id="rId3" imgW="876240" imgH="241200" progId="Equation.DSMT4">
                   <p:embed/>
                 </p:oleObj>
               </mc:Choice>
@@ -8028,7 +10451,7 @@
                       </a:prstGeom>
                       <a:noFill/>
                       <a:extLst>
-                        <a:ext uri="{909E8E84-426E-40DD-AFC4-6F175D3DCCD1}">
+                        <a:ext uri="{909E8E84-426E-40dd-AFC4-6F175D3DCCD1}">
                           <a14:hiddenFill xmlns:a14="http://schemas.microsoft.com/office/drawing/2010/main">
                             <a:solidFill>
                               <a:srgbClr val="FFFFFF"/>
@@ -8066,7 +10489,7 @@
           <a:graphicData uri="http://schemas.openxmlformats.org/presentationml/2006/ole">
             <mc:AlternateContent xmlns:mc="http://schemas.openxmlformats.org/markup-compatibility/2006">
               <mc:Choice xmlns:v="urn:schemas-microsoft-com:vml" Requires="v">
-                <p:oleObj spid="_x0000_s94266" name="Equation" r:id="rId5" imgW="1180800" imgH="241200" progId="Equation.DSMT4">
+                <p:oleObj spid="_x0000_s94273" name="Equation" r:id="rId5" imgW="1180800" imgH="241200" progId="Equation.DSMT4">
                   <p:embed/>
                 </p:oleObj>
               </mc:Choice>
@@ -8104,7 +10527,7 @@
                       </a:prstGeom>
                       <a:noFill/>
                       <a:extLst>
-                        <a:ext uri="{909E8E84-426E-40DD-AFC4-6F175D3DCCD1}">
+                        <a:ext uri="{909E8E84-426E-40dd-AFC4-6F175D3DCCD1}">
                           <a14:hiddenFill xmlns:a14="http://schemas.microsoft.com/office/drawing/2010/main">
                             <a:solidFill>
                               <a:srgbClr val="FFFFFF"/>
@@ -8142,7 +10565,7 @@
           <a:graphicData uri="http://schemas.openxmlformats.org/presentationml/2006/ole">
             <mc:AlternateContent xmlns:mc="http://schemas.openxmlformats.org/markup-compatibility/2006">
               <mc:Choice xmlns:v="urn:schemas-microsoft-com:vml" Requires="v">
-                <p:oleObj spid="_x0000_s94267" name="Equation" r:id="rId7" imgW="914400" imgH="198720" progId="Equation.DSMT4">
+                <p:oleObj spid="_x0000_s94274" name="Equation" r:id="rId7" imgW="914400" imgH="198720" progId="Equation.DSMT4">
                   <p:embed/>
                 </p:oleObj>
               </mc:Choice>
@@ -8180,7 +10603,7 @@
                       </a:prstGeom>
                       <a:noFill/>
                       <a:extLst>
-                        <a:ext uri="{909E8E84-426E-40DD-AFC4-6F175D3DCCD1}">
+                        <a:ext uri="{909E8E84-426E-40dd-AFC4-6F175D3DCCD1}">
                           <a14:hiddenFill xmlns:a14="http://schemas.microsoft.com/office/drawing/2010/main">
                             <a:solidFill>
                               <a:srgbClr val="FFFFFF"/>
@@ -8201,20 +10624,20 @@
   <p:clrMapOvr>
     <a:masterClrMapping/>
   </p:clrMapOvr>
-  <p:transition>
+  <p:transition xmlns:p14="http://schemas.microsoft.com/office/powerpoint/2010/main">
     <p:random/>
   </p:transition>
   <p:timing>
     <p:tnLst>
       <p:par>
-        <p:cTn id="1" dur="indefinite" restart="never" nodeType="tmRoot"/>
+        <p:cTn xmlns:p14="http://schemas.microsoft.com/office/powerpoint/2010/main" id="1" dur="indefinite" restart="never" nodeType="tmRoot"/>
       </p:par>
     </p:tnLst>
   </p:timing>
 </p:sld>
 </file>
 
-<file path=ppt/slides/slide13.xml><?xml version="1.0" encoding="utf-8"?>
+<file path=ppt/slides/slide15.xml><?xml version="1.0" encoding="utf-8"?>
 <p:sld xmlns:a="http://schemas.openxmlformats.org/drawingml/2006/main" xmlns:r="http://schemas.openxmlformats.org/officeDocument/2006/relationships" xmlns:p="http://schemas.openxmlformats.org/presentationml/2006/main">
   <p:cSld>
     <p:spTree>
@@ -8272,7 +10695,7 @@
             <a:fld id="{B8E6EFB5-91BE-1142-89D3-E15F8DBF1388}" type="slidenum">
               <a:rPr lang="en-US"/>
               <a:pPr/>
-              <a:t>13</a:t>
+              <a:t>15</a:t>
             </a:fld>
             <a:endParaRPr lang="en-US"/>
           </a:p>
@@ -9378,13 +11801,13 @@
   <p:clrMapOvr>
     <a:masterClrMapping/>
   </p:clrMapOvr>
-  <p:transition>
+  <p:transition xmlns:p14="http://schemas.microsoft.com/office/powerpoint/2010/main">
     <p:random/>
   </p:transition>
   <p:timing>
     <p:tnLst>
       <p:par>
-        <p:cTn id="1" dur="indefinite" restart="never" nodeType="tmRoot">
+        <p:cTn xmlns:p14="http://schemas.microsoft.com/office/powerpoint/2010/main" id="1" dur="indefinite" restart="never" nodeType="tmRoot">
           <p:childTnLst>
             <p:seq concurrent="1" nextAc="seek">
               <p:cTn id="2" dur="indefinite" nodeType="mainSeq">
@@ -10105,7 +12528,7 @@
 </p:sld>
 </file>
 
-<file path=ppt/slides/slide14.xml><?xml version="1.0" encoding="utf-8"?>
+<file path=ppt/slides/slide16.xml><?xml version="1.0" encoding="utf-8"?>
 <p:sld xmlns:a="http://schemas.openxmlformats.org/drawingml/2006/main" xmlns:r="http://schemas.openxmlformats.org/officeDocument/2006/relationships" xmlns:p="http://schemas.openxmlformats.org/presentationml/2006/main">
   <p:cSld>
     <p:spTree>
@@ -10140,7 +12563,7 @@
             <a:fld id="{A4ED2BC5-1581-E44D-B2C3-ED92AD4A6196}" type="slidenum">
               <a:rPr lang="en-US"/>
               <a:pPr/>
-              <a:t>14</a:t>
+              <a:t>16</a:t>
             </a:fld>
             <a:endParaRPr lang="en-US"/>
           </a:p>
@@ -11013,13 +13436,13 @@
   <p:clrMapOvr>
     <a:masterClrMapping/>
   </p:clrMapOvr>
-  <p:transition>
+  <p:transition xmlns:p14="http://schemas.microsoft.com/office/powerpoint/2010/main">
     <p:random/>
   </p:transition>
   <p:timing>
     <p:tnLst>
       <p:par>
-        <p:cTn id="1" dur="indefinite" restart="never" nodeType="tmRoot">
+        <p:cTn xmlns:p14="http://schemas.microsoft.com/office/powerpoint/2010/main" id="1" dur="indefinite" restart="never" nodeType="tmRoot">
           <p:childTnLst>
             <p:seq concurrent="1" nextAc="seek">
               <p:cTn id="2" dur="indefinite" nodeType="mainSeq">
@@ -11289,7 +13712,7 @@
 </p:sld>
 </file>
 
-<file path=ppt/slides/slide15.xml><?xml version="1.0" encoding="utf-8"?>
+<file path=ppt/slides/slide17.xml><?xml version="1.0" encoding="utf-8"?>
 <p:sld xmlns:a="http://schemas.openxmlformats.org/drawingml/2006/main" xmlns:r="http://schemas.openxmlformats.org/officeDocument/2006/relationships" xmlns:p="http://schemas.openxmlformats.org/presentationml/2006/main">
   <p:cSld>
     <p:spTree>
@@ -11972,13 +14395,13 @@
   <p:clrMapOvr>
     <a:masterClrMapping/>
   </p:clrMapOvr>
-  <p:transition>
+  <p:transition xmlns:p14="http://schemas.microsoft.com/office/powerpoint/2010/main">
     <p:random/>
   </p:transition>
   <p:timing>
     <p:tnLst>
       <p:par>
-        <p:cTn id="1" dur="indefinite" restart="never" nodeType="tmRoot">
+        <p:cTn xmlns:p14="http://schemas.microsoft.com/office/powerpoint/2010/main" id="1" dur="indefinite" restart="never" nodeType="tmRoot">
           <p:childTnLst>
             <p:seq concurrent="1" nextAc="seek">
               <p:cTn id="2" dur="indefinite" nodeType="mainSeq">
@@ -12153,7 +14576,7 @@
 </p:sld>
 </file>
 
-<file path=ppt/slides/slide16.xml><?xml version="1.0" encoding="utf-8"?>
+<file path=ppt/slides/slide18.xml><?xml version="1.0" encoding="utf-8"?>
 <p:sld xmlns:a="http://schemas.openxmlformats.org/drawingml/2006/main" xmlns:r="http://schemas.openxmlformats.org/officeDocument/2006/relationships" xmlns:p="http://schemas.openxmlformats.org/presentationml/2006/main">
   <p:cSld>
     <p:spTree>
@@ -12211,7 +14634,7 @@
             <a:fld id="{E1AA9739-43B5-2E49-A159-BC722030897B}" type="slidenum">
               <a:rPr lang="en-US"/>
               <a:pPr/>
-              <a:t>16</a:t>
+              <a:t>18</a:t>
             </a:fld>
             <a:endParaRPr lang="en-US"/>
           </a:p>
@@ -12462,20 +14885,20 @@
   <p:clrMapOvr>
     <a:masterClrMapping/>
   </p:clrMapOvr>
-  <p:transition>
+  <p:transition xmlns:p14="http://schemas.microsoft.com/office/powerpoint/2010/main">
     <p:random/>
   </p:transition>
   <p:timing>
     <p:tnLst>
       <p:par>
-        <p:cTn id="1" dur="indefinite" restart="never" nodeType="tmRoot"/>
+        <p:cTn xmlns:p14="http://schemas.microsoft.com/office/powerpoint/2010/main" id="1" dur="indefinite" restart="never" nodeType="tmRoot"/>
       </p:par>
     </p:tnLst>
   </p:timing>
 </p:sld>
 </file>
 
-<file path=ppt/slides/slide17.xml><?xml version="1.0" encoding="utf-8"?>
+<file path=ppt/slides/slide19.xml><?xml version="1.0" encoding="utf-8"?>
 <p:sld xmlns:a="http://schemas.openxmlformats.org/drawingml/2006/main" xmlns:r="http://schemas.openxmlformats.org/officeDocument/2006/relationships" xmlns:p="http://schemas.openxmlformats.org/presentationml/2006/main">
   <p:cSld>
     <p:spTree>
@@ -12533,7 +14956,7 @@
             <a:fld id="{7D3955AE-B5AE-564F-B923-3F3859A54DE8}" type="slidenum">
               <a:rPr lang="en-US"/>
               <a:pPr/>
-              <a:t>17</a:t>
+              <a:t>19</a:t>
             </a:fld>
             <a:endParaRPr lang="en-US"/>
           </a:p>
@@ -12765,13 +15188,13 @@
   <p:clrMapOvr>
     <a:masterClrMapping/>
   </p:clrMapOvr>
-  <p:transition>
+  <p:transition xmlns:p14="http://schemas.microsoft.com/office/powerpoint/2010/main">
     <p:random/>
   </p:transition>
   <p:timing>
     <p:tnLst>
       <p:par>
-        <p:cTn id="1" dur="indefinite" restart="never" nodeType="tmRoot">
+        <p:cTn xmlns:p14="http://schemas.microsoft.com/office/powerpoint/2010/main" id="1" dur="indefinite" restart="never" nodeType="tmRoot">
           <p:childTnLst>
             <p:seq concurrent="1" nextAc="seek">
               <p:cTn id="2" dur="indefinite" nodeType="mainSeq">
@@ -13213,7 +15636,7 @@
 </p:sld>
 </file>
 
-<file path=ppt/slides/slide18.xml><?xml version="1.0" encoding="utf-8"?>
+<file path=ppt/slides/slide2.xml><?xml version="1.0" encoding="utf-8"?>
 <p:sld xmlns:a="http://schemas.openxmlformats.org/drawingml/2006/main" xmlns:r="http://schemas.openxmlformats.org/officeDocument/2006/relationships" xmlns:p="http://schemas.openxmlformats.org/presentationml/2006/main">
   <p:cSld>
     <p:spTree>
@@ -13232,6 +15655,167 @@
       </p:grpSpPr>
       <p:sp>
         <p:nvSpPr>
+          <p:cNvPr id="2" name="Title 1"/>
+          <p:cNvSpPr>
+            <a:spLocks noGrp="1"/>
+          </p:cNvSpPr>
+          <p:nvPr>
+            <p:ph type="title"/>
+          </p:nvPr>
+        </p:nvSpPr>
+        <p:spPr/>
+        <p:txBody>
+          <a:bodyPr/>
+          <a:lstStyle/>
+          <a:p>
+            <a:r>
+              <a:rPr lang="en-US" dirty="0" smtClean="0"/>
+              <a:t> </a:t>
+            </a:r>
+            <a:r>
+              <a:rPr lang="en-US" dirty="0" smtClean="0"/>
+              <a:t>Baseball Elimination</a:t>
+            </a:r>
+            <a:endParaRPr lang="en-US" dirty="0"/>
+          </a:p>
+        </p:txBody>
+      </p:sp>
+      <p:sp>
+        <p:nvSpPr>
+          <p:cNvPr id="4" name="Date Placeholder 3"/>
+          <p:cNvSpPr>
+            <a:spLocks noGrp="1"/>
+          </p:cNvSpPr>
+          <p:nvPr>
+            <p:ph type="dt" sz="half" idx="10"/>
+          </p:nvPr>
+        </p:nvSpPr>
+        <p:spPr/>
+        <p:txBody>
+          <a:bodyPr/>
+          <a:lstStyle/>
+          <a:p>
+            <a:r>
+              <a:rPr lang="en-US" smtClean="0"/>
+              <a:t>9/23/2013,         9/25/2013</a:t>
+            </a:r>
+            <a:endParaRPr lang="en-US" dirty="0"/>
+          </a:p>
+        </p:txBody>
+      </p:sp>
+      <p:sp>
+        <p:nvSpPr>
+          <p:cNvPr id="5" name="Slide Number Placeholder 4"/>
+          <p:cNvSpPr>
+            <a:spLocks noGrp="1"/>
+          </p:cNvSpPr>
+          <p:nvPr>
+            <p:ph type="sldNum" sz="quarter" idx="12"/>
+          </p:nvPr>
+        </p:nvSpPr>
+        <p:spPr/>
+        <p:txBody>
+          <a:bodyPr/>
+          <a:lstStyle/>
+          <a:p>
+            <a:fld id="{710C1083-1FD9-B948-8052-947AD402A083}" type="slidenum">
+              <a:rPr lang="en-US" smtClean="0"/>
+              <a:pPr/>
+              <a:t>2</a:t>
+            </a:fld>
+            <a:endParaRPr lang="en-US"/>
+          </a:p>
+        </p:txBody>
+      </p:sp>
+      <p:sp>
+        <p:nvSpPr>
+          <p:cNvPr id="6" name="Footer Placeholder 5"/>
+          <p:cNvSpPr>
+            <a:spLocks noGrp="1"/>
+          </p:cNvSpPr>
+          <p:nvPr>
+            <p:ph type="ftr" sz="quarter" idx="11"/>
+          </p:nvPr>
+        </p:nvSpPr>
+        <p:spPr/>
+        <p:txBody>
+          <a:bodyPr/>
+          <a:lstStyle/>
+          <a:p>
+            <a:r>
+              <a:rPr lang="en-US" smtClean="0"/>
+              <a:t>Professor Dong Washington University in St. Louis, MO</a:t>
+            </a:r>
+            <a:endParaRPr lang="en-US" dirty="0"/>
+          </a:p>
+        </p:txBody>
+      </p:sp>
+      <p:pic>
+        <p:nvPicPr>
+          <p:cNvPr id="3" name="Picture 2"/>
+          <p:cNvPicPr>
+            <a:picLocks noChangeAspect="1"/>
+          </p:cNvPicPr>
+          <p:nvPr/>
+        </p:nvPicPr>
+        <p:blipFill>
+          <a:blip r:embed="rId2"/>
+          <a:stretch>
+            <a:fillRect/>
+          </a:stretch>
+        </p:blipFill>
+        <p:spPr>
+          <a:xfrm>
+            <a:off x="825500" y="2171700"/>
+            <a:ext cx="7493000" cy="2501900"/>
+          </a:xfrm>
+          <a:prstGeom prst="rect">
+            <a:avLst/>
+          </a:prstGeom>
+        </p:spPr>
+      </p:pic>
+    </p:spTree>
+    <p:extLst>
+      <p:ext uri="{BB962C8B-B14F-4D97-AF65-F5344CB8AC3E}">
+        <p14:creationId xmlns:p14="http://schemas.microsoft.com/office/powerpoint/2010/main" val="4150893338"/>
+      </p:ext>
+    </p:extLst>
+  </p:cSld>
+  <p:clrMapOvr>
+    <a:masterClrMapping/>
+  </p:clrMapOvr>
+  <p:transition xmlns:p14="http://schemas.microsoft.com/office/powerpoint/2010/main">
+    <p:random/>
+  </p:transition>
+  <p:timing>
+    <p:tnLst>
+      <p:par>
+        <p:cTn xmlns:p14="http://schemas.microsoft.com/office/powerpoint/2010/main" id="1" dur="indefinite" restart="never" nodeType="tmRoot"/>
+      </p:par>
+    </p:tnLst>
+  </p:timing>
+</p:sld>
+</file>
+
+<file path=ppt/slides/slide20.xml><?xml version="1.0" encoding="utf-8"?>
+<p:sld xmlns:a="http://schemas.openxmlformats.org/drawingml/2006/main" xmlns:r="http://schemas.openxmlformats.org/officeDocument/2006/relationships" xmlns:p="http://schemas.openxmlformats.org/presentationml/2006/main">
+  <p:cSld>
+    <p:spTree>
+      <p:nvGrpSpPr>
+        <p:cNvPr id="1" name=""/>
+        <p:cNvGrpSpPr/>
+        <p:nvPr/>
+      </p:nvGrpSpPr>
+      <p:grpSpPr>
+        <a:xfrm>
+          <a:off x="0" y="0"/>
+          <a:ext cx="0" cy="0"/>
+          <a:chOff x="0" y="0"/>
+          <a:chExt cx="0" cy="0"/>
+        </a:xfrm>
+      </p:grpSpPr>
+      <p:sp>
+        <p:nvSpPr>
           <p:cNvPr id="11" name="Slide Number Placeholder 5"/>
           <p:cNvSpPr>
             <a:spLocks noGrp="1"/>
@@ -13248,7 +15832,7 @@
             <a:fld id="{47935BC4-AD1A-BE44-8E0E-3C80E30A4415}" type="slidenum">
               <a:rPr lang="en-US"/>
               <a:pPr/>
-              <a:t>18</a:t>
+              <a:t>20</a:t>
             </a:fld>
             <a:endParaRPr lang="en-US"/>
           </a:p>
@@ -13643,13 +16227,13 @@
   <p:clrMapOvr>
     <a:masterClrMapping/>
   </p:clrMapOvr>
-  <p:transition>
+  <p:transition xmlns:p14="http://schemas.microsoft.com/office/powerpoint/2010/main">
     <p:random/>
   </p:transition>
   <p:timing>
     <p:tnLst>
       <p:par>
-        <p:cTn id="1" dur="indefinite" restart="never" nodeType="tmRoot">
+        <p:cTn xmlns:p14="http://schemas.microsoft.com/office/powerpoint/2010/main" id="1" dur="indefinite" restart="never" nodeType="tmRoot">
           <p:childTnLst>
             <p:seq concurrent="1" nextAc="seek">
               <p:cTn id="2" dur="indefinite" nodeType="mainSeq">
@@ -13864,7 +16448,7 @@
 </p:sld>
 </file>
 
-<file path=ppt/slides/slide19.xml><?xml version="1.0" encoding="utf-8"?>
+<file path=ppt/slides/slide21.xml><?xml version="1.0" encoding="utf-8"?>
 <p:sld xmlns:a="http://schemas.openxmlformats.org/drawingml/2006/main" xmlns:r="http://schemas.openxmlformats.org/officeDocument/2006/relationships" xmlns:p="http://schemas.openxmlformats.org/presentationml/2006/main">
   <p:cSld>
     <p:spTree>
@@ -13922,7 +16506,7 @@
             <a:fld id="{7BF3968D-C92F-FC45-B095-33EC9EC93915}" type="slidenum">
               <a:rPr lang="en-US"/>
               <a:pPr/>
-              <a:t>19</a:t>
+              <a:t>21</a:t>
             </a:fld>
             <a:endParaRPr lang="en-US"/>
           </a:p>
@@ -13967,7 +16551,7 @@
           <a:graphicData uri="http://schemas.openxmlformats.org/presentationml/2006/ole">
             <mc:AlternateContent xmlns:mc="http://schemas.openxmlformats.org/markup-compatibility/2006">
               <mc:Choice xmlns:v="urn:schemas-microsoft-com:vml" Requires="v">
-                <p:oleObj spid="_x0000_s129046" name="Visio" r:id="rId3" imgW="9635947" imgH="6178296" progId="Visio.Drawing.11">
+                <p:oleObj spid="_x0000_s129049" name="Visio" r:id="rId3" imgW="9635947" imgH="6178296" progId="Visio.Drawing.11">
                   <p:embed/>
                 </p:oleObj>
               </mc:Choice>
@@ -14009,14 +16593,14 @@
                       </a:ln>
                       <a:effectLst/>
                       <a:extLst>
-                        <a:ext uri="{909E8E84-426E-40DD-AFC4-6F175D3DCCD1}">
+                        <a:ext uri="{909E8E84-426E-40dd-AFC4-6F175D3DCCD1}">
                           <a14:hiddenFill xmlns:a14="http://schemas.microsoft.com/office/drawing/2010/main">
                             <a:solidFill>
                               <a:schemeClr val="accent1"/>
                             </a:solidFill>
                           </a14:hiddenFill>
                         </a:ext>
-                        <a:ext uri="{91240B29-F687-4F45-9708-019B960494DF}">
+                        <a:ext uri="{91240B29-F687-4f45-9708-019B960494DF}">
                           <a14:hiddenLine xmlns:a14="http://schemas.microsoft.com/office/drawing/2010/main" w="9525">
                             <a:solidFill>
                               <a:schemeClr val="tx1"/>
@@ -14026,7 +16610,7 @@
                             <a:tailEnd/>
                           </a14:hiddenLine>
                         </a:ext>
-                        <a:ext uri="{AF507438-7753-43E0-B8FC-AC1667EBCBE1}">
+                        <a:ext uri="{AF507438-7753-43e0-B8FC-AC1667EBCBE1}">
                           <a14:hiddenEffects xmlns:a14="http://schemas.microsoft.com/office/drawing/2010/main">
                             <a:effectLst>
                               <a:outerShdw dist="35921" dir="2700000" algn="ctr" rotWithShape="0">
@@ -14072,20 +16656,20 @@
   <p:clrMapOvr>
     <a:masterClrMapping/>
   </p:clrMapOvr>
-  <p:transition>
+  <p:transition xmlns:p14="http://schemas.microsoft.com/office/powerpoint/2010/main">
     <p:random/>
   </p:transition>
   <p:timing>
     <p:tnLst>
       <p:par>
-        <p:cTn id="1" dur="indefinite" restart="never" nodeType="tmRoot"/>
+        <p:cTn xmlns:p14="http://schemas.microsoft.com/office/powerpoint/2010/main" id="1" dur="indefinite" restart="never" nodeType="tmRoot"/>
       </p:par>
     </p:tnLst>
   </p:timing>
 </p:sld>
 </file>
 
-<file path=ppt/slides/slide2.xml><?xml version="1.0" encoding="utf-8"?>
+<file path=ppt/slides/slide3.xml><?xml version="1.0" encoding="utf-8"?>
 <p:sld xmlns:a="http://schemas.openxmlformats.org/drawingml/2006/main" xmlns:r="http://schemas.openxmlformats.org/officeDocument/2006/relationships" xmlns:p="http://schemas.openxmlformats.org/presentationml/2006/main">
   <p:cSld>
     <p:spTree>
@@ -14119,6 +16703,167 @@
           <a:p>
             <a:r>
               <a:rPr lang="en-US" dirty="0" smtClean="0"/>
+              <a:t> </a:t>
+            </a:r>
+            <a:r>
+              <a:rPr lang="en-US" dirty="0" smtClean="0"/>
+              <a:t>Baseball Elimination</a:t>
+            </a:r>
+            <a:endParaRPr lang="en-US" dirty="0"/>
+          </a:p>
+        </p:txBody>
+      </p:sp>
+      <p:sp>
+        <p:nvSpPr>
+          <p:cNvPr id="4" name="Date Placeholder 3"/>
+          <p:cNvSpPr>
+            <a:spLocks noGrp="1"/>
+          </p:cNvSpPr>
+          <p:nvPr>
+            <p:ph type="dt" sz="half" idx="10"/>
+          </p:nvPr>
+        </p:nvSpPr>
+        <p:spPr/>
+        <p:txBody>
+          <a:bodyPr/>
+          <a:lstStyle/>
+          <a:p>
+            <a:r>
+              <a:rPr lang="en-US" smtClean="0"/>
+              <a:t>9/23/2013,         9/25/2013</a:t>
+            </a:r>
+            <a:endParaRPr lang="en-US" dirty="0"/>
+          </a:p>
+        </p:txBody>
+      </p:sp>
+      <p:sp>
+        <p:nvSpPr>
+          <p:cNvPr id="5" name="Slide Number Placeholder 4"/>
+          <p:cNvSpPr>
+            <a:spLocks noGrp="1"/>
+          </p:cNvSpPr>
+          <p:nvPr>
+            <p:ph type="sldNum" sz="quarter" idx="12"/>
+          </p:nvPr>
+        </p:nvSpPr>
+        <p:spPr/>
+        <p:txBody>
+          <a:bodyPr/>
+          <a:lstStyle/>
+          <a:p>
+            <a:fld id="{710C1083-1FD9-B948-8052-947AD402A083}" type="slidenum">
+              <a:rPr lang="en-US" smtClean="0"/>
+              <a:pPr/>
+              <a:t>3</a:t>
+            </a:fld>
+            <a:endParaRPr lang="en-US"/>
+          </a:p>
+        </p:txBody>
+      </p:sp>
+      <p:sp>
+        <p:nvSpPr>
+          <p:cNvPr id="6" name="Footer Placeholder 5"/>
+          <p:cNvSpPr>
+            <a:spLocks noGrp="1"/>
+          </p:cNvSpPr>
+          <p:nvPr>
+            <p:ph type="ftr" sz="quarter" idx="11"/>
+          </p:nvPr>
+        </p:nvSpPr>
+        <p:spPr/>
+        <p:txBody>
+          <a:bodyPr/>
+          <a:lstStyle/>
+          <a:p>
+            <a:r>
+              <a:rPr lang="en-US" smtClean="0"/>
+              <a:t>Professor Dong Washington University in St. Louis, MO</a:t>
+            </a:r>
+            <a:endParaRPr lang="en-US" dirty="0"/>
+          </a:p>
+        </p:txBody>
+      </p:sp>
+      <p:pic>
+        <p:nvPicPr>
+          <p:cNvPr id="8" name="Picture 7"/>
+          <p:cNvPicPr>
+            <a:picLocks noChangeAspect="1"/>
+          </p:cNvPicPr>
+          <p:nvPr/>
+        </p:nvPicPr>
+        <p:blipFill>
+          <a:blip r:embed="rId2"/>
+          <a:stretch>
+            <a:fillRect/>
+          </a:stretch>
+        </p:blipFill>
+        <p:spPr>
+          <a:xfrm>
+            <a:off x="1079500" y="1879600"/>
+            <a:ext cx="6972300" cy="3098800"/>
+          </a:xfrm>
+          <a:prstGeom prst="rect">
+            <a:avLst/>
+          </a:prstGeom>
+        </p:spPr>
+      </p:pic>
+    </p:spTree>
+    <p:extLst>
+      <p:ext uri="{BB962C8B-B14F-4D97-AF65-F5344CB8AC3E}">
+        <p14:creationId xmlns:p14="http://schemas.microsoft.com/office/powerpoint/2010/main" val="2769287043"/>
+      </p:ext>
+    </p:extLst>
+  </p:cSld>
+  <p:clrMapOvr>
+    <a:masterClrMapping/>
+  </p:clrMapOvr>
+  <p:transition xmlns:p14="http://schemas.microsoft.com/office/powerpoint/2010/main">
+    <p:random/>
+  </p:transition>
+  <p:timing>
+    <p:tnLst>
+      <p:par>
+        <p:cTn xmlns:p14="http://schemas.microsoft.com/office/powerpoint/2010/main" id="1" dur="indefinite" restart="never" nodeType="tmRoot"/>
+      </p:par>
+    </p:tnLst>
+  </p:timing>
+</p:sld>
+</file>
+
+<file path=ppt/slides/slide4.xml><?xml version="1.0" encoding="utf-8"?>
+<p:sld xmlns:a="http://schemas.openxmlformats.org/drawingml/2006/main" xmlns:r="http://schemas.openxmlformats.org/officeDocument/2006/relationships" xmlns:p="http://schemas.openxmlformats.org/presentationml/2006/main">
+  <p:cSld>
+    <p:spTree>
+      <p:nvGrpSpPr>
+        <p:cNvPr id="1" name=""/>
+        <p:cNvGrpSpPr/>
+        <p:nvPr/>
+      </p:nvGrpSpPr>
+      <p:grpSpPr>
+        <a:xfrm>
+          <a:off x="0" y="0"/>
+          <a:ext cx="0" cy="0"/>
+          <a:chOff x="0" y="0"/>
+          <a:chExt cx="0" cy="0"/>
+        </a:xfrm>
+      </p:grpSpPr>
+      <p:sp>
+        <p:nvSpPr>
+          <p:cNvPr id="2" name="Title 1"/>
+          <p:cNvSpPr>
+            <a:spLocks noGrp="1"/>
+          </p:cNvSpPr>
+          <p:nvPr>
+            <p:ph type="title"/>
+          </p:nvPr>
+        </p:nvSpPr>
+        <p:spPr/>
+        <p:txBody>
+          <a:bodyPr/>
+          <a:lstStyle/>
+          <a:p>
+            <a:r>
+              <a:rPr lang="en-US" dirty="0" smtClean="0"/>
               <a:t> Introduction</a:t>
             </a:r>
             <a:endParaRPr lang="en-US" dirty="0"/>
@@ -14217,7 +16962,7 @@
             <a:fld id="{710C1083-1FD9-B948-8052-947AD402A083}" type="slidenum">
               <a:rPr lang="en-US" smtClean="0"/>
               <a:pPr/>
-              <a:t>2</a:t>
+              <a:t>4</a:t>
             </a:fld>
             <a:endParaRPr lang="en-US"/>
           </a:p>
@@ -14251,13 +16996,13 @@
   <p:clrMapOvr>
     <a:masterClrMapping/>
   </p:clrMapOvr>
-  <p:transition>
+  <p:transition xmlns:p14="http://schemas.microsoft.com/office/powerpoint/2010/main">
     <p:random/>
   </p:transition>
   <p:timing>
     <p:tnLst>
       <p:par>
-        <p:cTn id="1" dur="indefinite" restart="never" nodeType="tmRoot">
+        <p:cTn xmlns:p14="http://schemas.microsoft.com/office/powerpoint/2010/main" id="1" dur="indefinite" restart="never" nodeType="tmRoot">
           <p:childTnLst>
             <p:seq concurrent="1" nextAc="seek">
               <p:cTn id="2" dur="indefinite" nodeType="mainSeq">
@@ -14874,7 +17619,7 @@
 </p:sld>
 </file>
 
-<file path=ppt/slides/slide3.xml><?xml version="1.0" encoding="utf-8"?>
+<file path=ppt/slides/slide5.xml><?xml version="1.0" encoding="utf-8"?>
 <p:sld xmlns:a="http://schemas.openxmlformats.org/drawingml/2006/main" xmlns:r="http://schemas.openxmlformats.org/officeDocument/2006/relationships" xmlns:p="http://schemas.openxmlformats.org/presentationml/2006/main">
   <p:cSld>
     <p:spTree>
@@ -15000,7 +17745,7 @@
             <a:fld id="{710C1083-1FD9-B948-8052-947AD402A083}" type="slidenum">
               <a:rPr lang="en-US" smtClean="0"/>
               <a:pPr/>
-              <a:t>3</a:t>
+              <a:t>5</a:t>
             </a:fld>
             <a:endParaRPr lang="en-US" dirty="0"/>
           </a:p>
@@ -15034,20 +17779,20 @@
   <p:clrMapOvr>
     <a:masterClrMapping/>
   </p:clrMapOvr>
-  <p:transition>
+  <p:transition xmlns:p14="http://schemas.microsoft.com/office/powerpoint/2010/main">
     <p:random/>
   </p:transition>
   <p:timing>
     <p:tnLst>
       <p:par>
-        <p:cTn id="1" dur="indefinite" restart="never" nodeType="tmRoot"/>
+        <p:cTn xmlns:p14="http://schemas.microsoft.com/office/powerpoint/2010/main" id="1" dur="indefinite" restart="never" nodeType="tmRoot"/>
       </p:par>
     </p:tnLst>
   </p:timing>
 </p:sld>
 </file>
 
-<file path=ppt/slides/slide4.xml><?xml version="1.0" encoding="utf-8"?>
+<file path=ppt/slides/slide6.xml><?xml version="1.0" encoding="utf-8"?>
 <p:sld xmlns:a="http://schemas.openxmlformats.org/drawingml/2006/main" xmlns:r="http://schemas.openxmlformats.org/officeDocument/2006/relationships" xmlns:p="http://schemas.openxmlformats.org/presentationml/2006/main">
   <p:cSld>
     <p:spTree>
@@ -15082,7 +17827,7 @@
             <a:fld id="{C8B1102B-C4FB-3D4A-A771-E52B583C90BA}" type="slidenum">
               <a:rPr lang="en-US"/>
               <a:pPr/>
-              <a:t>4</a:t>
+              <a:t>6</a:t>
             </a:fld>
             <a:endParaRPr lang="en-US"/>
           </a:p>
@@ -16921,13 +19666,13 @@
   <p:clrMapOvr>
     <a:masterClrMapping/>
   </p:clrMapOvr>
-  <p:transition>
+  <p:transition xmlns:p14="http://schemas.microsoft.com/office/powerpoint/2010/main">
     <p:random/>
   </p:transition>
   <p:timing>
     <p:tnLst>
       <p:par>
-        <p:cTn id="1" dur="indefinite" restart="never" nodeType="tmRoot">
+        <p:cTn xmlns:p14="http://schemas.microsoft.com/office/powerpoint/2010/main" id="1" dur="indefinite" restart="never" nodeType="tmRoot">
           <p:childTnLst>
             <p:seq concurrent="1" nextAc="seek">
               <p:cTn id="2" dur="indefinite" nodeType="mainSeq">
@@ -17753,7 +20498,7 @@
 </p:sld>
 </file>
 
-<file path=ppt/slides/slide5.xml><?xml version="1.0" encoding="utf-8"?>
+<file path=ppt/slides/slide7.xml><?xml version="1.0" encoding="utf-8"?>
 <p:sld xmlns:a="http://schemas.openxmlformats.org/drawingml/2006/main" xmlns:r="http://schemas.openxmlformats.org/officeDocument/2006/relationships" xmlns:p="http://schemas.openxmlformats.org/presentationml/2006/main">
   <p:cSld>
     <p:spTree>
@@ -17811,7 +20556,7 @@
             <a:fld id="{A621EC7D-BC86-F643-A662-1164907C2724}" type="slidenum">
               <a:rPr lang="en-US"/>
               <a:pPr/>
-              <a:t>5</a:t>
+              <a:t>7</a:t>
             </a:fld>
             <a:endParaRPr lang="en-US"/>
           </a:p>
@@ -19144,13 +21889,13 @@
   <p:clrMapOvr>
     <a:masterClrMapping/>
   </p:clrMapOvr>
-  <p:transition>
+  <p:transition xmlns:p14="http://schemas.microsoft.com/office/powerpoint/2010/main">
     <p:random/>
   </p:transition>
   <p:timing>
     <p:tnLst>
       <p:par>
-        <p:cTn id="1" dur="indefinite" restart="never" nodeType="tmRoot">
+        <p:cTn xmlns:p14="http://schemas.microsoft.com/office/powerpoint/2010/main" id="1" dur="indefinite" restart="never" nodeType="tmRoot">
           <p:childTnLst>
             <p:seq concurrent="1" nextAc="seek">
               <p:cTn id="2" dur="indefinite" nodeType="mainSeq">
@@ -19233,7 +21978,7 @@
 </p:sld>
 </file>
 
-<file path=ppt/slides/slide6.xml><?xml version="1.0" encoding="utf-8"?>
+<file path=ppt/slides/slide8.xml><?xml version="1.0" encoding="utf-8"?>
 <p:sld xmlns:a="http://schemas.openxmlformats.org/drawingml/2006/main" xmlns:r="http://schemas.openxmlformats.org/officeDocument/2006/relationships" xmlns:p="http://schemas.openxmlformats.org/presentationml/2006/main">
   <p:cSld>
     <p:spTree>
@@ -19268,7 +22013,7 @@
             <a:fld id="{589731D4-688B-9947-83CD-1BD647DEC113}" type="slidenum">
               <a:rPr lang="en-US"/>
               <a:pPr/>
-              <a:t>6</a:t>
+              <a:t>8</a:t>
             </a:fld>
             <a:endParaRPr lang="en-US"/>
           </a:p>
@@ -20249,1872 +22994,15 @@
   <p:clrMapOvr>
     <a:masterClrMapping/>
   </p:clrMapOvr>
-  <p:transition>
+  <p:transition xmlns:p14="http://schemas.microsoft.com/office/powerpoint/2010/main">
     <p:random/>
   </p:transition>
   <p:timing>
     <p:tnLst>
       <p:par>
-        <p:cTn id="1" dur="indefinite" restart="never" nodeType="tmRoot"/>
+        <p:cTn xmlns:p14="http://schemas.microsoft.com/office/powerpoint/2010/main" id="1" dur="indefinite" restart="never" nodeType="tmRoot"/>
       </p:par>
     </p:tnLst>
-  </p:timing>
-</p:sld>
-</file>
-
-<file path=ppt/slides/slide7.xml><?xml version="1.0" encoding="utf-8"?>
-<p:sld xmlns:a="http://schemas.openxmlformats.org/drawingml/2006/main" xmlns:r="http://schemas.openxmlformats.org/officeDocument/2006/relationships" xmlns:p="http://schemas.openxmlformats.org/presentationml/2006/main">
-  <p:cSld>
-    <p:spTree>
-      <p:nvGrpSpPr>
-        <p:cNvPr id="1" name=""/>
-        <p:cNvGrpSpPr/>
-        <p:nvPr/>
-      </p:nvGrpSpPr>
-      <p:grpSpPr>
-        <a:xfrm>
-          <a:off x="0" y="0"/>
-          <a:ext cx="0" cy="0"/>
-          <a:chOff x="0" y="0"/>
-          <a:chExt cx="0" cy="0"/>
-        </a:xfrm>
-      </p:grpSpPr>
-      <p:sp>
-        <p:nvSpPr>
-          <p:cNvPr id="4" name="Date Placeholder 3"/>
-          <p:cNvSpPr>
-            <a:spLocks noGrp="1"/>
-          </p:cNvSpPr>
-          <p:nvPr>
-            <p:ph type="dt" sz="half" idx="10"/>
-          </p:nvPr>
-        </p:nvSpPr>
-        <p:spPr/>
-        <p:txBody>
-          <a:bodyPr/>
-          <a:lstStyle/>
-          <a:p>
-            <a:r>
-              <a:rPr lang="en-US" smtClean="0"/>
-              <a:t>9/23/2013,         9/25/2013</a:t>
-            </a:r>
-            <a:endParaRPr lang="en-US" dirty="0"/>
-          </a:p>
-        </p:txBody>
-      </p:sp>
-      <p:sp>
-        <p:nvSpPr>
-          <p:cNvPr id="6" name="Slide Number Placeholder 5"/>
-          <p:cNvSpPr>
-            <a:spLocks noGrp="1"/>
-          </p:cNvSpPr>
-          <p:nvPr>
-            <p:ph type="sldNum" sz="quarter" idx="12"/>
-          </p:nvPr>
-        </p:nvSpPr>
-        <p:spPr/>
-        <p:txBody>
-          <a:bodyPr/>
-          <a:lstStyle/>
-          <a:p>
-            <a:fld id="{B3310979-2EAF-054A-98F1-7CDA66331002}" type="slidenum">
-              <a:rPr lang="en-US"/>
-              <a:pPr/>
-              <a:t>7</a:t>
-            </a:fld>
-            <a:endParaRPr lang="en-US"/>
-          </a:p>
-        </p:txBody>
-      </p:sp>
-      <p:sp>
-        <p:nvSpPr>
-          <p:cNvPr id="80898" name="Rectangle 2"/>
-          <p:cNvSpPr>
-            <a:spLocks noGrp="1" noChangeArrowheads="1"/>
-          </p:cNvSpPr>
-          <p:nvPr>
-            <p:ph type="title"/>
-          </p:nvPr>
-        </p:nvSpPr>
-        <p:spPr/>
-        <p:txBody>
-          <a:bodyPr/>
-          <a:lstStyle/>
-          <a:p>
-            <a:r>
-              <a:rPr lang="en-US"/>
-              <a:t>Agenda</a:t>
-            </a:r>
-          </a:p>
-        </p:txBody>
-      </p:sp>
-      <p:sp>
-        <p:nvSpPr>
-          <p:cNvPr id="80899" name="Rectangle 3"/>
-          <p:cNvSpPr>
-            <a:spLocks noGrp="1" noChangeArrowheads="1"/>
-          </p:cNvSpPr>
-          <p:nvPr>
-            <p:ph type="body" idx="1"/>
-          </p:nvPr>
-        </p:nvSpPr>
-        <p:spPr/>
-        <p:txBody>
-          <a:bodyPr/>
-          <a:lstStyle/>
-          <a:p>
-            <a:r>
-              <a:rPr lang="en-US" dirty="0"/>
-              <a:t>Example: Par </a:t>
-            </a:r>
-            <a:r>
-              <a:rPr lang="en-US" dirty="0" err="1"/>
-              <a:t>Inc</a:t>
-            </a:r>
-            <a:endParaRPr lang="en-US" dirty="0"/>
-          </a:p>
-          <a:p>
-            <a:pPr lvl="1"/>
-            <a:r>
-              <a:rPr lang="en-US" b="1" dirty="0">
-                <a:solidFill>
-                  <a:srgbClr val="0000FF"/>
-                </a:solidFill>
-              </a:rPr>
-              <a:t>Objective function: Change in coefficient</a:t>
-            </a:r>
-          </a:p>
-          <a:p>
-            <a:pPr lvl="2"/>
-            <a:r>
-              <a:rPr lang="en-US" dirty="0"/>
-              <a:t>“allowable increase” and “allowable decrease”</a:t>
-            </a:r>
-          </a:p>
-          <a:p>
-            <a:pPr lvl="2"/>
-            <a:r>
-              <a:rPr lang="en-US" dirty="0"/>
-              <a:t>“reduced cost”</a:t>
-            </a:r>
-          </a:p>
-          <a:p>
-            <a:pPr lvl="1"/>
-            <a:r>
-              <a:rPr lang="en-US" b="1" dirty="0">
-                <a:solidFill>
-                  <a:schemeClr val="accent2">
-                    <a:lumMod val="60000"/>
-                    <a:lumOff val="40000"/>
-                  </a:schemeClr>
-                </a:solidFill>
-              </a:rPr>
-              <a:t>Constraints: Change in right-hand-side constants</a:t>
-            </a:r>
-          </a:p>
-          <a:p>
-            <a:pPr lvl="2"/>
-            <a:r>
-              <a:rPr lang="en-US" dirty="0"/>
-              <a:t>“shadow price”</a:t>
-            </a:r>
-          </a:p>
-          <a:p>
-            <a:pPr lvl="2"/>
-            <a:r>
-              <a:rPr lang="en-US" dirty="0"/>
-              <a:t>“allowable increase” and “allowable decrease”</a:t>
-            </a:r>
-          </a:p>
-          <a:p>
-            <a:pPr lvl="1"/>
-            <a:r>
-              <a:rPr lang="en-US" b="1" dirty="0"/>
-              <a:t>Simultaneous changes</a:t>
-            </a:r>
-          </a:p>
-          <a:p>
-            <a:pPr lvl="2"/>
-            <a:r>
-              <a:rPr lang="en-US" dirty="0"/>
-              <a:t>“100% rule”</a:t>
-            </a:r>
-          </a:p>
-          <a:p>
-            <a:pPr lvl="1"/>
-            <a:endParaRPr lang="en-US" dirty="0"/>
-          </a:p>
-          <a:p>
-            <a:r>
-              <a:rPr lang="en-US" dirty="0"/>
-              <a:t>Summary</a:t>
-            </a:r>
-          </a:p>
-        </p:txBody>
-      </p:sp>
-      <p:sp>
-        <p:nvSpPr>
-          <p:cNvPr id="7" name="Footer Placeholder 6"/>
-          <p:cNvSpPr>
-            <a:spLocks noGrp="1"/>
-          </p:cNvSpPr>
-          <p:nvPr>
-            <p:ph type="ftr" sz="quarter" idx="11"/>
-          </p:nvPr>
-        </p:nvSpPr>
-        <p:spPr/>
-        <p:txBody>
-          <a:bodyPr/>
-          <a:lstStyle/>
-          <a:p>
-            <a:r>
-              <a:rPr lang="en-US" smtClean="0"/>
-              <a:t>Professor Dong Washington University in St. Louis, MO</a:t>
-            </a:r>
-            <a:endParaRPr lang="en-US" dirty="0"/>
-          </a:p>
-        </p:txBody>
-      </p:sp>
-    </p:spTree>
-  </p:cSld>
-  <p:clrMapOvr>
-    <a:masterClrMapping/>
-  </p:clrMapOvr>
-  <p:transition>
-    <p:random/>
-  </p:transition>
-  <p:timing>
-    <p:tnLst>
-      <p:par>
-        <p:cTn id="1" dur="indefinite" restart="never" nodeType="tmRoot"/>
-      </p:par>
-    </p:tnLst>
-  </p:timing>
-</p:sld>
-</file>
-
-<file path=ppt/slides/slide8.xml><?xml version="1.0" encoding="utf-8"?>
-<p:sld xmlns:a="http://schemas.openxmlformats.org/drawingml/2006/main" xmlns:r="http://schemas.openxmlformats.org/officeDocument/2006/relationships" xmlns:p="http://schemas.openxmlformats.org/presentationml/2006/main">
-  <p:cSld>
-    <p:spTree>
-      <p:nvGrpSpPr>
-        <p:cNvPr id="1" name=""/>
-        <p:cNvGrpSpPr/>
-        <p:nvPr/>
-      </p:nvGrpSpPr>
-      <p:grpSpPr>
-        <a:xfrm>
-          <a:off x="0" y="0"/>
-          <a:ext cx="0" cy="0"/>
-          <a:chOff x="0" y="0"/>
-          <a:chExt cx="0" cy="0"/>
-        </a:xfrm>
-      </p:grpSpPr>
-      <p:sp>
-        <p:nvSpPr>
-          <p:cNvPr id="15" name="Slide Number Placeholder 5"/>
-          <p:cNvSpPr>
-            <a:spLocks noGrp="1"/>
-          </p:cNvSpPr>
-          <p:nvPr>
-            <p:ph type="sldNum" sz="quarter" idx="12"/>
-          </p:nvPr>
-        </p:nvSpPr>
-        <p:spPr/>
-        <p:txBody>
-          <a:bodyPr/>
-          <a:lstStyle/>
-          <a:p>
-            <a:fld id="{2B69D648-43A7-CA49-9480-734E3BCE3906}" type="slidenum">
-              <a:rPr lang="en-US"/>
-              <a:pPr/>
-              <a:t>8</a:t>
-            </a:fld>
-            <a:endParaRPr lang="en-US"/>
-          </a:p>
-        </p:txBody>
-      </p:sp>
-      <p:sp>
-        <p:nvSpPr>
-          <p:cNvPr id="84994" name="Rectangle 2"/>
-          <p:cNvSpPr>
-            <a:spLocks noGrp="1" noChangeArrowheads="1"/>
-          </p:cNvSpPr>
-          <p:nvPr>
-            <p:ph type="title"/>
-          </p:nvPr>
-        </p:nvSpPr>
-        <p:spPr/>
-        <p:txBody>
-          <a:bodyPr/>
-          <a:lstStyle/>
-          <a:p>
-            <a:r>
-              <a:rPr lang="en-US" sz="2800"/>
-              <a:t>Change in OBJ Function Coefficient</a:t>
-            </a:r>
-          </a:p>
-        </p:txBody>
-      </p:sp>
-      <p:sp>
-        <p:nvSpPr>
-          <p:cNvPr id="84996" name="Text Box 4"/>
-          <p:cNvSpPr txBox="1">
-            <a:spLocks noChangeArrowheads="1"/>
-          </p:cNvSpPr>
-          <p:nvPr/>
-        </p:nvSpPr>
-        <p:spPr bwMode="auto">
-          <a:xfrm>
-            <a:off x="2057400" y="1828800"/>
-            <a:ext cx="4921443" cy="1384995"/>
-          </a:xfrm>
-          <a:prstGeom prst="rect">
-            <a:avLst/>
-          </a:prstGeom>
-          <a:noFill/>
-          <a:ln w="9525">
-            <a:noFill/>
-            <a:miter lim="800000"/>
-            <a:headEnd/>
-            <a:tailEnd/>
-          </a:ln>
-          <a:effectLst/>
-        </p:spPr>
-        <p:txBody>
-          <a:bodyPr wrap="none" anchor="ctr">
-            <a:prstTxWarp prst="textNoShape">
-              <a:avLst/>
-            </a:prstTxWarp>
-            <a:spAutoFit/>
-          </a:bodyPr>
-          <a:lstStyle/>
-          <a:p>
-            <a:pPr algn="l"/>
-            <a:r>
-              <a:rPr lang="en-US" sz="1400" dirty="0">
-                <a:latin typeface="Lucida Sans" charset="0"/>
-              </a:rPr>
-              <a:t>                      Max</a:t>
-            </a:r>
-            <a:r>
-              <a:rPr lang="en-US" sz="1400" dirty="0">
-                <a:solidFill>
-                  <a:schemeClr val="accent2"/>
-                </a:solidFill>
-                <a:latin typeface="Lucida Sans" charset="0"/>
-              </a:rPr>
-              <a:t>                </a:t>
-            </a:r>
-            <a:r>
-              <a:rPr lang="en-US" sz="1400" b="1" i="1" dirty="0">
-                <a:solidFill>
-                  <a:schemeClr val="accent2"/>
-                </a:solidFill>
-                <a:latin typeface="Lucida Sans" charset="0"/>
-              </a:rPr>
-              <a:t>10 x</a:t>
-            </a:r>
-            <a:r>
-              <a:rPr lang="en-US" sz="1400" b="1" i="1" baseline="-25000" dirty="0">
-                <a:solidFill>
-                  <a:schemeClr val="accent2"/>
-                </a:solidFill>
-                <a:latin typeface="Lucida Sans" charset="0"/>
-              </a:rPr>
-              <a:t>1</a:t>
-            </a:r>
-            <a:r>
-              <a:rPr lang="en-US" sz="1400" b="1" i="1" dirty="0">
-                <a:solidFill>
-                  <a:schemeClr val="accent2"/>
-                </a:solidFill>
-                <a:latin typeface="Lucida Sans" charset="0"/>
-              </a:rPr>
-              <a:t> +    </a:t>
-            </a:r>
-            <a:r>
-              <a:rPr lang="en-US" sz="1400" b="1" i="1" dirty="0">
-                <a:solidFill>
-                  <a:srgbClr val="0000FF"/>
-                </a:solidFill>
-                <a:latin typeface="Lucida Sans" charset="0"/>
-              </a:rPr>
-              <a:t>9</a:t>
-            </a:r>
-            <a:r>
-              <a:rPr lang="en-US" sz="1400" b="1" i="1" dirty="0">
-                <a:solidFill>
-                  <a:schemeClr val="accent2"/>
-                </a:solidFill>
-                <a:latin typeface="Lucida Sans" charset="0"/>
-              </a:rPr>
-              <a:t>   x</a:t>
-            </a:r>
-            <a:r>
-              <a:rPr lang="en-US" sz="1400" b="1" i="1" baseline="-25000" dirty="0">
-                <a:solidFill>
-                  <a:schemeClr val="accent2"/>
-                </a:solidFill>
-                <a:latin typeface="Lucida Sans" charset="0"/>
-              </a:rPr>
-              <a:t>2</a:t>
-            </a:r>
-            <a:endParaRPr lang="en-US" sz="1400" dirty="0">
-              <a:latin typeface="Lucida Sans" charset="0"/>
-            </a:endParaRPr>
-          </a:p>
-          <a:p>
-            <a:pPr algn="l"/>
-            <a:r>
-              <a:rPr lang="en-US" sz="1400" dirty="0">
-                <a:latin typeface="Lucida Sans" charset="0"/>
-              </a:rPr>
-              <a:t>Cutting &amp; Dyeing 	    </a:t>
-            </a:r>
-            <a:r>
-              <a:rPr lang="en-US" sz="1400" i="1" dirty="0">
-                <a:solidFill>
-                  <a:schemeClr val="accent2"/>
-                </a:solidFill>
-                <a:latin typeface="Lucida Sans" charset="0"/>
-              </a:rPr>
-              <a:t>7/10 x</a:t>
-            </a:r>
-            <a:r>
-              <a:rPr lang="en-US" sz="1400" i="1" baseline="-25000" dirty="0">
-                <a:solidFill>
-                  <a:schemeClr val="accent2"/>
-                </a:solidFill>
-                <a:latin typeface="Lucida Sans" charset="0"/>
-              </a:rPr>
-              <a:t>1</a:t>
-            </a:r>
-            <a:r>
-              <a:rPr lang="en-US" sz="1400" i="1" dirty="0">
-                <a:solidFill>
-                  <a:schemeClr val="accent2"/>
-                </a:solidFill>
-                <a:latin typeface="Lucida Sans" charset="0"/>
-              </a:rPr>
-              <a:t>  +       x</a:t>
-            </a:r>
-            <a:r>
-              <a:rPr lang="en-US" sz="1400" i="1" baseline="-25000" dirty="0">
-                <a:solidFill>
-                  <a:schemeClr val="accent2"/>
-                </a:solidFill>
-                <a:latin typeface="Lucida Sans" charset="0"/>
-              </a:rPr>
-              <a:t>2</a:t>
-            </a:r>
-            <a:r>
-              <a:rPr lang="en-US" sz="1400" i="1" dirty="0">
-                <a:solidFill>
-                  <a:schemeClr val="accent2"/>
-                </a:solidFill>
-                <a:latin typeface="Lucida Sans" charset="0"/>
-              </a:rPr>
-              <a:t> </a:t>
-            </a:r>
-            <a:r>
-              <a:rPr lang="en-US" sz="1400" i="1" dirty="0" smtClean="0">
-                <a:solidFill>
-                  <a:schemeClr val="accent2"/>
-                </a:solidFill>
-                <a:latin typeface="Lucida Sans" charset="0"/>
-              </a:rPr>
-              <a:t> ≤</a:t>
-            </a:r>
-            <a:r>
-              <a:rPr lang="en-US" sz="1400" dirty="0" smtClean="0">
-                <a:solidFill>
-                  <a:schemeClr val="accent2"/>
-                </a:solidFill>
-                <a:latin typeface="Lucida Sans" charset="0"/>
-                <a:sym typeface="Symbol" charset="2"/>
-              </a:rPr>
-              <a:t>  </a:t>
-            </a:r>
-            <a:r>
-              <a:rPr lang="en-US" sz="1400" i="1" dirty="0">
-                <a:solidFill>
-                  <a:schemeClr val="accent2"/>
-                </a:solidFill>
-                <a:latin typeface="Lucida Sans" charset="0"/>
-                <a:sym typeface="Symbol" charset="2"/>
-              </a:rPr>
-              <a:t>630</a:t>
-            </a:r>
-            <a:endParaRPr lang="en-US" sz="1400" dirty="0">
-              <a:latin typeface="Lucida Sans" charset="0"/>
-              <a:sym typeface="Symbol" charset="2"/>
-            </a:endParaRPr>
-          </a:p>
-          <a:p>
-            <a:pPr algn="l"/>
-            <a:r>
-              <a:rPr lang="en-US" sz="1400" dirty="0">
-                <a:latin typeface="Lucida Sans" charset="0"/>
-                <a:sym typeface="Symbol" charset="2"/>
-              </a:rPr>
-              <a:t>Sewing                                  </a:t>
-            </a:r>
-            <a:r>
-              <a:rPr lang="en-US" sz="1400" i="1" dirty="0">
-                <a:solidFill>
-                  <a:schemeClr val="accent2"/>
-                </a:solidFill>
-                <a:latin typeface="Lucida Sans" charset="0"/>
-              </a:rPr>
-              <a:t>1/2 x</a:t>
-            </a:r>
-            <a:r>
-              <a:rPr lang="en-US" sz="1400" i="1" baseline="-25000" dirty="0">
-                <a:solidFill>
-                  <a:schemeClr val="accent2"/>
-                </a:solidFill>
-                <a:latin typeface="Lucida Sans" charset="0"/>
-              </a:rPr>
-              <a:t>1</a:t>
-            </a:r>
-            <a:r>
-              <a:rPr lang="en-US" sz="1400" i="1" dirty="0">
-                <a:solidFill>
-                  <a:schemeClr val="accent2"/>
-                </a:solidFill>
-                <a:latin typeface="Lucida Sans" charset="0"/>
-              </a:rPr>
-              <a:t>    + 5/6 x</a:t>
-            </a:r>
-            <a:r>
-              <a:rPr lang="en-US" sz="1400" i="1" baseline="-25000" dirty="0">
-                <a:solidFill>
-                  <a:schemeClr val="accent2"/>
-                </a:solidFill>
-                <a:latin typeface="Lucida Sans" charset="0"/>
-              </a:rPr>
-              <a:t>2</a:t>
-            </a:r>
-            <a:r>
-              <a:rPr lang="en-US" sz="1400" i="1" dirty="0" smtClean="0">
-                <a:solidFill>
-                  <a:schemeClr val="accent2"/>
-                </a:solidFill>
-                <a:latin typeface="Lucida Sans" charset="0"/>
-              </a:rPr>
-              <a:t> ≤</a:t>
-            </a:r>
-            <a:r>
-              <a:rPr lang="en-US" sz="1400" dirty="0" smtClean="0">
-                <a:solidFill>
-                  <a:schemeClr val="accent2"/>
-                </a:solidFill>
-                <a:latin typeface="Lucida Sans" charset="0"/>
-                <a:sym typeface="Symbol" charset="2"/>
-              </a:rPr>
-              <a:t> </a:t>
-            </a:r>
-            <a:r>
-              <a:rPr lang="en-US" sz="1400" i="1" dirty="0">
-                <a:solidFill>
-                  <a:schemeClr val="accent2"/>
-                </a:solidFill>
-                <a:latin typeface="Lucida Sans" charset="0"/>
-                <a:sym typeface="Symbol" charset="2"/>
-              </a:rPr>
-              <a:t>600</a:t>
-            </a:r>
-            <a:endParaRPr lang="en-US" sz="1400" i="1" dirty="0">
-              <a:latin typeface="Lucida Sans" charset="0"/>
-              <a:sym typeface="Symbol" charset="2"/>
-            </a:endParaRPr>
-          </a:p>
-          <a:p>
-            <a:pPr algn="l"/>
-            <a:r>
-              <a:rPr lang="en-US" sz="1400" dirty="0">
-                <a:latin typeface="Lucida Sans" charset="0"/>
-                <a:sym typeface="Symbol" charset="2"/>
-              </a:rPr>
-              <a:t>Finishing                        </a:t>
-            </a:r>
-            <a:r>
-              <a:rPr lang="en-US" sz="1400" dirty="0">
-                <a:latin typeface="Lucida Sans" charset="0"/>
-              </a:rPr>
-              <a:t>             </a:t>
-            </a:r>
-            <a:r>
-              <a:rPr lang="en-US" sz="1400" i="1" dirty="0">
-                <a:solidFill>
-                  <a:schemeClr val="accent2"/>
-                </a:solidFill>
-                <a:latin typeface="Lucida Sans" charset="0"/>
-              </a:rPr>
-              <a:t>x</a:t>
-            </a:r>
-            <a:r>
-              <a:rPr lang="en-US" sz="1400" i="1" baseline="-25000" dirty="0">
-                <a:solidFill>
-                  <a:schemeClr val="accent2"/>
-                </a:solidFill>
-                <a:latin typeface="Lucida Sans" charset="0"/>
-              </a:rPr>
-              <a:t>1</a:t>
-            </a:r>
-            <a:r>
-              <a:rPr lang="en-US" sz="1400" i="1" dirty="0">
-                <a:solidFill>
-                  <a:schemeClr val="accent2"/>
-                </a:solidFill>
-                <a:latin typeface="Lucida Sans" charset="0"/>
-              </a:rPr>
-              <a:t>    + 2/3 x</a:t>
-            </a:r>
-            <a:r>
-              <a:rPr lang="en-US" sz="1400" i="1" baseline="-25000" dirty="0">
-                <a:solidFill>
-                  <a:schemeClr val="accent2"/>
-                </a:solidFill>
-                <a:latin typeface="Lucida Sans" charset="0"/>
-              </a:rPr>
-              <a:t>2</a:t>
-            </a:r>
-            <a:r>
-              <a:rPr lang="en-US" sz="1400" i="1" dirty="0" smtClean="0">
-                <a:solidFill>
-                  <a:schemeClr val="accent2"/>
-                </a:solidFill>
-                <a:latin typeface="Lucida Sans" charset="0"/>
-              </a:rPr>
-              <a:t> ≤</a:t>
-            </a:r>
-            <a:r>
-              <a:rPr lang="en-US" sz="1400" dirty="0" smtClean="0">
-                <a:solidFill>
-                  <a:schemeClr val="accent2"/>
-                </a:solidFill>
-                <a:latin typeface="Lucida Sans" charset="0"/>
-                <a:sym typeface="Symbol" charset="2"/>
-              </a:rPr>
-              <a:t> </a:t>
-            </a:r>
-            <a:r>
-              <a:rPr lang="en-US" sz="1400" i="1" dirty="0">
-                <a:solidFill>
-                  <a:schemeClr val="accent2"/>
-                </a:solidFill>
-                <a:latin typeface="Lucida Sans" charset="0"/>
-                <a:sym typeface="Symbol" charset="2"/>
-              </a:rPr>
-              <a:t>708</a:t>
-            </a:r>
-            <a:endParaRPr lang="en-US" sz="1400" dirty="0">
-              <a:latin typeface="Lucida Sans" charset="0"/>
-              <a:sym typeface="Symbol" charset="2"/>
-            </a:endParaRPr>
-          </a:p>
-          <a:p>
-            <a:pPr algn="l"/>
-            <a:r>
-              <a:rPr lang="en-US" sz="1400" dirty="0">
-                <a:latin typeface="Lucida Sans" charset="0"/>
-                <a:sym typeface="Symbol" charset="2"/>
-              </a:rPr>
-              <a:t>Inspection &amp; Packaging      </a:t>
-            </a:r>
-            <a:r>
-              <a:rPr lang="en-US" sz="1400" i="1" dirty="0">
-                <a:solidFill>
-                  <a:schemeClr val="accent2"/>
-                </a:solidFill>
-                <a:latin typeface="Lucida Sans" charset="0"/>
-                <a:sym typeface="Symbol" charset="2"/>
-              </a:rPr>
-              <a:t>1</a:t>
-            </a:r>
-            <a:r>
-              <a:rPr lang="en-US" sz="1400" i="1" dirty="0">
-                <a:solidFill>
-                  <a:schemeClr val="accent2"/>
-                </a:solidFill>
-                <a:latin typeface="Lucida Sans" charset="0"/>
-              </a:rPr>
-              <a:t>/10 x</a:t>
-            </a:r>
-            <a:r>
-              <a:rPr lang="en-US" sz="1400" i="1" baseline="-25000" dirty="0">
-                <a:solidFill>
-                  <a:schemeClr val="accent2"/>
-                </a:solidFill>
-                <a:latin typeface="Lucida Sans" charset="0"/>
-              </a:rPr>
-              <a:t>1</a:t>
-            </a:r>
-            <a:r>
-              <a:rPr lang="en-US" sz="1400" i="1" dirty="0">
-                <a:solidFill>
-                  <a:schemeClr val="accent2"/>
-                </a:solidFill>
-                <a:latin typeface="Lucida Sans" charset="0"/>
-              </a:rPr>
-              <a:t>   + 1/4 x</a:t>
-            </a:r>
-            <a:r>
-              <a:rPr lang="en-US" sz="1400" i="1" baseline="-25000" dirty="0">
-                <a:solidFill>
-                  <a:schemeClr val="accent2"/>
-                </a:solidFill>
-                <a:latin typeface="Lucida Sans" charset="0"/>
-              </a:rPr>
-              <a:t>2</a:t>
-            </a:r>
-            <a:r>
-              <a:rPr lang="en-US" sz="1400" i="1" dirty="0" smtClean="0">
-                <a:solidFill>
-                  <a:schemeClr val="accent2"/>
-                </a:solidFill>
-                <a:latin typeface="Lucida Sans" charset="0"/>
-              </a:rPr>
-              <a:t> ≤</a:t>
-            </a:r>
-            <a:r>
-              <a:rPr lang="en-US" sz="1400" dirty="0" smtClean="0">
-                <a:solidFill>
-                  <a:schemeClr val="accent2"/>
-                </a:solidFill>
-                <a:latin typeface="Lucida Sans" charset="0"/>
-                <a:sym typeface="Symbol" charset="2"/>
-              </a:rPr>
-              <a:t> </a:t>
-            </a:r>
-            <a:r>
-              <a:rPr lang="en-US" sz="1400" i="1" dirty="0">
-                <a:solidFill>
-                  <a:schemeClr val="accent2"/>
-                </a:solidFill>
-                <a:latin typeface="Lucida Sans" charset="0"/>
-                <a:sym typeface="Symbol" charset="2"/>
-              </a:rPr>
-              <a:t>135</a:t>
-            </a:r>
-          </a:p>
-          <a:p>
-            <a:pPr algn="l"/>
-            <a:r>
-              <a:rPr lang="en-US" sz="1400" i="1" dirty="0">
-                <a:solidFill>
-                  <a:schemeClr val="accent2"/>
-                </a:solidFill>
-                <a:latin typeface="Lucida Sans" charset="0"/>
-                <a:sym typeface="Symbol" charset="2"/>
-              </a:rPr>
-              <a:t>                                               </a:t>
-            </a:r>
-            <a:r>
-              <a:rPr lang="en-US" sz="1400" i="1" dirty="0" smtClean="0">
-                <a:solidFill>
-                  <a:schemeClr val="accent2"/>
-                </a:solidFill>
-                <a:latin typeface="Lucida Sans" charset="0"/>
-                <a:sym typeface="Symbol" charset="2"/>
-              </a:rPr>
-              <a:t>x</a:t>
-            </a:r>
-            <a:r>
-              <a:rPr lang="en-US" sz="1400" i="1" baseline="-25000" dirty="0" smtClean="0">
-                <a:solidFill>
-                  <a:schemeClr val="accent2"/>
-                </a:solidFill>
-                <a:latin typeface="Lucida Sans" charset="0"/>
-                <a:sym typeface="Symbol" charset="2"/>
-              </a:rPr>
-              <a:t>1</a:t>
-            </a:r>
-            <a:r>
-              <a:rPr lang="en-US" sz="1400" i="1" dirty="0" smtClean="0">
-                <a:solidFill>
-                  <a:schemeClr val="accent2"/>
-                </a:solidFill>
-                <a:latin typeface="Lucida Sans" charset="0"/>
-                <a:sym typeface="Symbol" charset="2"/>
-              </a:rPr>
-              <a:t> ≥ 0</a:t>
-            </a:r>
-            <a:r>
-              <a:rPr lang="en-US" sz="1400" i="1" dirty="0">
-                <a:solidFill>
-                  <a:schemeClr val="accent2"/>
-                </a:solidFill>
-                <a:latin typeface="Lucida Sans" charset="0"/>
-                <a:sym typeface="Symbol" charset="2"/>
-              </a:rPr>
-              <a:t>,   </a:t>
-            </a:r>
-            <a:r>
-              <a:rPr lang="en-US" sz="1400" i="1" dirty="0" smtClean="0">
-                <a:solidFill>
-                  <a:schemeClr val="accent2"/>
-                </a:solidFill>
-                <a:latin typeface="Lucida Sans" charset="0"/>
-                <a:sym typeface="Symbol" charset="2"/>
-              </a:rPr>
-              <a:t>x</a:t>
-            </a:r>
-            <a:r>
-              <a:rPr lang="en-US" sz="1400" i="1" baseline="-25000" dirty="0" smtClean="0">
-                <a:solidFill>
-                  <a:schemeClr val="accent2"/>
-                </a:solidFill>
-                <a:latin typeface="Lucida Sans" charset="0"/>
-                <a:sym typeface="Symbol" charset="2"/>
-              </a:rPr>
-              <a:t>2</a:t>
-            </a:r>
-            <a:r>
-              <a:rPr lang="en-US" sz="1400" i="1" dirty="0">
-                <a:solidFill>
-                  <a:schemeClr val="accent2"/>
-                </a:solidFill>
-                <a:latin typeface="Lucida Sans" charset="0"/>
-                <a:sym typeface="Symbol" charset="2"/>
-              </a:rPr>
-              <a:t> </a:t>
-            </a:r>
-            <a:r>
-              <a:rPr lang="en-US" sz="1400" i="1" dirty="0" smtClean="0">
-                <a:solidFill>
-                  <a:schemeClr val="accent2"/>
-                </a:solidFill>
-                <a:latin typeface="Lucida Sans" charset="0"/>
-                <a:sym typeface="Symbol" charset="2"/>
-              </a:rPr>
-              <a:t>≥ 0</a:t>
-            </a:r>
-            <a:r>
-              <a:rPr lang="en-US" sz="1400" i="1" dirty="0">
-                <a:solidFill>
-                  <a:schemeClr val="accent2"/>
-                </a:solidFill>
-                <a:latin typeface="Lucida Sans" charset="0"/>
-                <a:sym typeface="Symbol" charset="2"/>
-              </a:rPr>
-              <a:t>, </a:t>
-            </a:r>
-          </a:p>
-        </p:txBody>
-      </p:sp>
-      <p:sp>
-        <p:nvSpPr>
-          <p:cNvPr id="84997" name="Text Box 5"/>
-          <p:cNvSpPr txBox="1">
-            <a:spLocks noChangeArrowheads="1"/>
-          </p:cNvSpPr>
-          <p:nvPr/>
-        </p:nvSpPr>
-        <p:spPr bwMode="auto">
-          <a:xfrm>
-            <a:off x="492125" y="1189038"/>
-            <a:ext cx="8040688" cy="606425"/>
-          </a:xfrm>
-          <a:prstGeom prst="rect">
-            <a:avLst/>
-          </a:prstGeom>
-          <a:noFill/>
-          <a:ln w="9525">
-            <a:noFill/>
-            <a:miter lim="800000"/>
-            <a:headEnd/>
-            <a:tailEnd/>
-          </a:ln>
-          <a:effectLst/>
-        </p:spPr>
-        <p:txBody>
-          <a:bodyPr wrap="none" anchor="ctr">
-            <a:prstTxWarp prst="textNoShape">
-              <a:avLst/>
-            </a:prstTxWarp>
-            <a:spAutoFit/>
-          </a:bodyPr>
-          <a:lstStyle/>
-          <a:p>
-            <a:pPr marL="457200" indent="-457200" algn="l"/>
-            <a:r>
-              <a:rPr lang="en-US" b="1">
-                <a:latin typeface="Century Gothic" charset="0"/>
-              </a:rPr>
-              <a:t>       Q1. What if the unit profit of the deluxe bag is $10  instead of $9?</a:t>
-            </a:r>
-          </a:p>
-          <a:p>
-            <a:pPr marL="457200" indent="-457200" algn="l">
-              <a:lnSpc>
-                <a:spcPct val="90000"/>
-              </a:lnSpc>
-              <a:spcBef>
-                <a:spcPct val="20000"/>
-              </a:spcBef>
-            </a:pPr>
-            <a:r>
-              <a:rPr lang="en-US" b="1">
-                <a:latin typeface="Century Gothic" charset="0"/>
-              </a:rPr>
-              <a:t>              What will happen to the optimal production plan and the optimal profit?</a:t>
-            </a:r>
-          </a:p>
-        </p:txBody>
-      </p:sp>
-      <p:grpSp>
-        <p:nvGrpSpPr>
-          <p:cNvPr id="85022" name="Group 30"/>
-          <p:cNvGrpSpPr>
-            <a:grpSpLocks/>
-          </p:cNvGrpSpPr>
-          <p:nvPr/>
-        </p:nvGrpSpPr>
-        <p:grpSpPr bwMode="auto">
-          <a:xfrm>
-            <a:off x="6234113" y="1828800"/>
-            <a:ext cx="1843087" cy="304800"/>
-            <a:chOff x="3840" y="1152"/>
-            <a:chExt cx="1161" cy="192"/>
-          </a:xfrm>
-        </p:grpSpPr>
-        <p:sp>
-          <p:nvSpPr>
-            <p:cNvPr id="85000" name="Text Box 8"/>
-            <p:cNvSpPr txBox="1">
-              <a:spLocks noChangeArrowheads="1"/>
-            </p:cNvSpPr>
-            <p:nvPr/>
-          </p:nvSpPr>
-          <p:spPr bwMode="auto">
-            <a:xfrm>
-              <a:off x="4052" y="1152"/>
-              <a:ext cx="949" cy="192"/>
-            </a:xfrm>
-            <a:prstGeom prst="rect">
-              <a:avLst/>
-            </a:prstGeom>
-            <a:noFill/>
-            <a:ln w="9525">
-              <a:noFill/>
-              <a:miter lim="800000"/>
-              <a:headEnd/>
-              <a:tailEnd/>
-            </a:ln>
-            <a:effectLst/>
-          </p:spPr>
-          <p:txBody>
-            <a:bodyPr wrap="none" anchor="ctr">
-              <a:prstTxWarp prst="textNoShape">
-                <a:avLst/>
-              </a:prstTxWarp>
-              <a:spAutoFit/>
-            </a:bodyPr>
-            <a:lstStyle/>
-            <a:p>
-              <a:r>
-                <a:rPr lang="en-US" sz="1400" b="1" i="1">
-                  <a:solidFill>
-                    <a:schemeClr val="accent2"/>
-                  </a:solidFill>
-                  <a:latin typeface="Lucida Sans" charset="0"/>
-                </a:rPr>
-                <a:t>10 x</a:t>
-              </a:r>
-              <a:r>
-                <a:rPr lang="en-US" sz="1400" b="1" i="1" baseline="-25000">
-                  <a:solidFill>
-                    <a:schemeClr val="accent2"/>
-                  </a:solidFill>
-                  <a:latin typeface="Lucida Sans" charset="0"/>
-                </a:rPr>
-                <a:t>1</a:t>
-              </a:r>
-              <a:r>
-                <a:rPr lang="en-US" sz="1400" b="1" i="1">
-                  <a:solidFill>
-                    <a:schemeClr val="accent2"/>
-                  </a:solidFill>
-                  <a:latin typeface="Lucida Sans" charset="0"/>
-                </a:rPr>
-                <a:t> + </a:t>
-              </a:r>
-              <a:r>
-                <a:rPr lang="en-US" sz="1400" b="1" i="1">
-                  <a:solidFill>
-                    <a:srgbClr val="FF3300"/>
-                  </a:solidFill>
-                  <a:latin typeface="Lucida Sans" charset="0"/>
-                </a:rPr>
-                <a:t>10  </a:t>
-              </a:r>
-              <a:r>
-                <a:rPr lang="en-US" sz="1400" b="1" i="1">
-                  <a:solidFill>
-                    <a:schemeClr val="hlink"/>
-                  </a:solidFill>
-                  <a:latin typeface="Lucida Sans" charset="0"/>
-                </a:rPr>
-                <a:t> </a:t>
-              </a:r>
-              <a:r>
-                <a:rPr lang="en-US" sz="1400" b="1" i="1">
-                  <a:solidFill>
-                    <a:schemeClr val="accent2"/>
-                  </a:solidFill>
-                  <a:latin typeface="Lucida Sans" charset="0"/>
-                </a:rPr>
-                <a:t>x</a:t>
-              </a:r>
-              <a:r>
-                <a:rPr lang="en-US" sz="1400" b="1" i="1" baseline="-25000">
-                  <a:solidFill>
-                    <a:schemeClr val="accent2"/>
-                  </a:solidFill>
-                  <a:latin typeface="Lucida Sans" charset="0"/>
-                </a:rPr>
-                <a:t>2</a:t>
-              </a:r>
-            </a:p>
-          </p:txBody>
-        </p:sp>
-        <p:sp>
-          <p:nvSpPr>
-            <p:cNvPr id="85001" name="Line 9"/>
-            <p:cNvSpPr>
-              <a:spLocks noChangeShapeType="1"/>
-            </p:cNvSpPr>
-            <p:nvPr/>
-          </p:nvSpPr>
-          <p:spPr bwMode="auto">
-            <a:xfrm>
-              <a:off x="3840" y="1248"/>
-              <a:ext cx="288" cy="0"/>
-            </a:xfrm>
-            <a:prstGeom prst="line">
-              <a:avLst/>
-            </a:prstGeom>
-            <a:noFill/>
-            <a:ln w="9525">
-              <a:solidFill>
-                <a:schemeClr val="tx1"/>
-              </a:solidFill>
-              <a:round/>
-              <a:headEnd/>
-              <a:tailEnd type="triangle" w="med" len="med"/>
-            </a:ln>
-            <a:effectLst/>
-          </p:spPr>
-          <p:txBody>
-            <a:bodyPr wrap="none" anchor="ctr">
-              <a:prstTxWarp prst="textNoShape">
-                <a:avLst/>
-              </a:prstTxWarp>
-            </a:bodyPr>
-            <a:lstStyle/>
-            <a:p>
-              <a:endParaRPr lang="en-US"/>
-            </a:p>
-          </p:txBody>
-        </p:sp>
-      </p:grpSp>
-      <p:sp>
-        <p:nvSpPr>
-          <p:cNvPr id="85005" name="Text Box 13"/>
-          <p:cNvSpPr txBox="1">
-            <a:spLocks noChangeArrowheads="1"/>
-          </p:cNvSpPr>
-          <p:nvPr/>
-        </p:nvSpPr>
-        <p:spPr bwMode="auto">
-          <a:xfrm>
-            <a:off x="1295400" y="5867400"/>
-            <a:ext cx="7007485" cy="923330"/>
-          </a:xfrm>
-          <a:prstGeom prst="rect">
-            <a:avLst/>
-          </a:prstGeom>
-          <a:solidFill>
-            <a:srgbClr val="FFFF00"/>
-          </a:solidFill>
-          <a:ln w="9525">
-            <a:solidFill>
-              <a:srgbClr val="FF3300"/>
-            </a:solidFill>
-            <a:miter lim="800000"/>
-            <a:headEnd/>
-            <a:tailEnd/>
-          </a:ln>
-          <a:effectLst>
-            <a:outerShdw blurRad="63500" dist="107763" dir="2700000" algn="ctr" rotWithShape="0">
-              <a:schemeClr val="bg2">
-                <a:alpha val="50000"/>
-              </a:schemeClr>
-            </a:outerShdw>
-          </a:effectLst>
-        </p:spPr>
-        <p:txBody>
-          <a:bodyPr wrap="none" anchor="ctr">
-            <a:prstTxWarp prst="textNoShape">
-              <a:avLst/>
-            </a:prstTxWarp>
-            <a:spAutoFit/>
-          </a:bodyPr>
-          <a:lstStyle/>
-          <a:p>
-            <a:pPr algn="l"/>
-            <a:r>
-              <a:rPr lang="en-US" sz="1800" b="1" dirty="0">
-                <a:solidFill>
-                  <a:schemeClr val="hlink"/>
-                </a:solidFill>
-                <a:latin typeface="Century Gothic" charset="0"/>
-                <a:sym typeface="Symbol" charset="2"/>
-              </a:rPr>
-              <a:t>10</a:t>
-            </a:r>
-            <a:r>
-              <a:rPr lang="en-US" sz="1800" b="1" dirty="0" smtClean="0">
-                <a:solidFill>
-                  <a:schemeClr val="hlink"/>
-                </a:solidFill>
-                <a:latin typeface="Century Gothic" charset="0"/>
-                <a:sym typeface="Symbol" charset="2"/>
-              </a:rPr>
-              <a:t> -9 ≤  </a:t>
-            </a:r>
-            <a:r>
-              <a:rPr lang="en-US" sz="1800" b="1" dirty="0">
-                <a:solidFill>
-                  <a:schemeClr val="hlink"/>
-                </a:solidFill>
-                <a:latin typeface="Century Gothic" charset="0"/>
-                <a:sym typeface="Symbol" charset="2"/>
-              </a:rPr>
-              <a:t>5.29 (the allowable increase of the coefficient of </a:t>
-            </a:r>
-            <a:r>
-              <a:rPr lang="en-US" sz="1800" b="1" i="1" dirty="0">
-                <a:solidFill>
-                  <a:schemeClr val="hlink"/>
-                </a:solidFill>
-                <a:latin typeface="Century Gothic" charset="0"/>
-                <a:sym typeface="Symbol" charset="2"/>
-              </a:rPr>
-              <a:t>x</a:t>
-            </a:r>
-            <a:r>
-              <a:rPr lang="en-US" sz="1800" b="1" i="1" baseline="-25000" dirty="0">
-                <a:solidFill>
-                  <a:schemeClr val="hlink"/>
-                </a:solidFill>
-                <a:latin typeface="Century Gothic" charset="0"/>
-                <a:sym typeface="Symbol" charset="2"/>
-              </a:rPr>
-              <a:t>2</a:t>
-            </a:r>
-            <a:r>
-              <a:rPr lang="en-US" sz="1800" b="1" dirty="0">
-                <a:solidFill>
-                  <a:schemeClr val="hlink"/>
-                </a:solidFill>
-                <a:latin typeface="Century Gothic" charset="0"/>
-                <a:sym typeface="Symbol" charset="2"/>
-              </a:rPr>
-              <a:t> ) </a:t>
-            </a:r>
-            <a:endParaRPr lang="en-US" sz="1800" b="1" dirty="0" smtClean="0">
-              <a:solidFill>
-                <a:schemeClr val="hlink"/>
-              </a:solidFill>
-              <a:latin typeface="Century Gothic" charset="0"/>
-              <a:sym typeface="Symbol" charset="2"/>
-            </a:endParaRPr>
-          </a:p>
-          <a:p>
-            <a:pPr algn="l"/>
-            <a:r>
-              <a:rPr lang="en-US" sz="1800" b="1" dirty="0" smtClean="0">
-                <a:solidFill>
-                  <a:schemeClr val="hlink"/>
-                </a:solidFill>
-                <a:latin typeface="Century Gothic" charset="0"/>
-                <a:sym typeface="Symbol" charset="2"/>
-              </a:rPr>
-              <a:t>=&gt;  </a:t>
-            </a:r>
-            <a:r>
-              <a:rPr lang="en-US" sz="1800" b="1" dirty="0">
-                <a:solidFill>
-                  <a:schemeClr val="hlink"/>
-                </a:solidFill>
-                <a:latin typeface="Century Gothic" charset="0"/>
-              </a:rPr>
-              <a:t>Solution (540, 252) does NOT change</a:t>
-            </a:r>
-          </a:p>
-          <a:p>
-            <a:pPr algn="l"/>
-            <a:r>
-              <a:rPr lang="en-US" sz="1800" b="1" dirty="0">
-                <a:solidFill>
-                  <a:schemeClr val="hlink"/>
-                </a:solidFill>
-                <a:latin typeface="Century Gothic" charset="0"/>
-              </a:rPr>
-              <a:t>New profit = old profit + (10-9</a:t>
-            </a:r>
-            <a:r>
-              <a:rPr lang="en-US" sz="1800" b="1" dirty="0" smtClean="0">
-                <a:solidFill>
-                  <a:schemeClr val="hlink"/>
-                </a:solidFill>
-                <a:latin typeface="Century Gothic" charset="0"/>
-              </a:rPr>
-              <a:t>)×252 </a:t>
-            </a:r>
-            <a:r>
-              <a:rPr lang="en-US" sz="1800" b="1" dirty="0">
-                <a:solidFill>
-                  <a:schemeClr val="hlink"/>
-                </a:solidFill>
-                <a:latin typeface="Century Gothic" charset="0"/>
-              </a:rPr>
-              <a:t>= 7668+252=7920</a:t>
-            </a:r>
-          </a:p>
-        </p:txBody>
-      </p:sp>
-      <p:pic>
-        <p:nvPicPr>
-          <p:cNvPr id="85021" name="Picture 29" descr="parsensitivity"/>
-          <p:cNvPicPr>
-            <a:picLocks noChangeAspect="1" noChangeArrowheads="1"/>
-          </p:cNvPicPr>
-          <p:nvPr/>
-        </p:nvPicPr>
-        <p:blipFill>
-          <a:blip r:embed="rId2"/>
-          <a:srcRect/>
-          <a:stretch>
-            <a:fillRect/>
-          </a:stretch>
-        </p:blipFill>
-        <p:spPr bwMode="auto">
-          <a:xfrm>
-            <a:off x="1295400" y="3162300"/>
-            <a:ext cx="7029450" cy="2628900"/>
-          </a:xfrm>
-          <a:prstGeom prst="rect">
-            <a:avLst/>
-          </a:prstGeom>
-          <a:noFill/>
-        </p:spPr>
-      </p:pic>
-      <p:sp>
-        <p:nvSpPr>
-          <p:cNvPr id="85025" name="AutoShape 33"/>
-          <p:cNvSpPr>
-            <a:spLocks noChangeArrowheads="1"/>
-          </p:cNvSpPr>
-          <p:nvPr/>
-        </p:nvSpPr>
-        <p:spPr bwMode="auto">
-          <a:xfrm>
-            <a:off x="5486400" y="1828800"/>
-            <a:ext cx="228600" cy="304800"/>
-          </a:xfrm>
-          <a:prstGeom prst="roundRect">
-            <a:avLst>
-              <a:gd name="adj" fmla="val 16667"/>
-            </a:avLst>
-          </a:prstGeom>
-          <a:noFill/>
-          <a:ln w="38100">
-            <a:solidFill>
-              <a:srgbClr val="FF0000"/>
-            </a:solidFill>
-            <a:round/>
-            <a:headEnd/>
-            <a:tailEnd/>
-          </a:ln>
-          <a:effectLst/>
-        </p:spPr>
-        <p:txBody>
-          <a:bodyPr wrap="none" anchor="ctr">
-            <a:prstTxWarp prst="textNoShape">
-              <a:avLst/>
-            </a:prstTxWarp>
-          </a:bodyPr>
-          <a:lstStyle/>
-          <a:p>
-            <a:endParaRPr lang="en-US"/>
-          </a:p>
-        </p:txBody>
-      </p:sp>
-      <p:sp>
-        <p:nvSpPr>
-          <p:cNvPr id="85026" name="AutoShape 34"/>
-          <p:cNvSpPr>
-            <a:spLocks noChangeArrowheads="1"/>
-          </p:cNvSpPr>
-          <p:nvPr/>
-        </p:nvSpPr>
-        <p:spPr bwMode="auto">
-          <a:xfrm>
-            <a:off x="7391400" y="1828800"/>
-            <a:ext cx="304800" cy="304800"/>
-          </a:xfrm>
-          <a:prstGeom prst="roundRect">
-            <a:avLst>
-              <a:gd name="adj" fmla="val 16667"/>
-            </a:avLst>
-          </a:prstGeom>
-          <a:noFill/>
-          <a:ln w="38100">
-            <a:solidFill>
-              <a:srgbClr val="FF0000"/>
-            </a:solidFill>
-            <a:round/>
-            <a:headEnd/>
-            <a:tailEnd/>
-          </a:ln>
-          <a:effectLst/>
-        </p:spPr>
-        <p:txBody>
-          <a:bodyPr wrap="none" anchor="ctr">
-            <a:prstTxWarp prst="textNoShape">
-              <a:avLst/>
-            </a:prstTxWarp>
-          </a:bodyPr>
-          <a:lstStyle/>
-          <a:p>
-            <a:endParaRPr lang="en-US"/>
-          </a:p>
-        </p:txBody>
-      </p:sp>
-      <p:sp>
-        <p:nvSpPr>
-          <p:cNvPr id="85027" name="AutoShape 35"/>
-          <p:cNvSpPr>
-            <a:spLocks noChangeArrowheads="1"/>
-          </p:cNvSpPr>
-          <p:nvPr/>
-        </p:nvSpPr>
-        <p:spPr bwMode="auto">
-          <a:xfrm>
-            <a:off x="6400800" y="3975100"/>
-            <a:ext cx="990600" cy="228600"/>
-          </a:xfrm>
-          <a:prstGeom prst="roundRect">
-            <a:avLst>
-              <a:gd name="adj" fmla="val 16667"/>
-            </a:avLst>
-          </a:prstGeom>
-          <a:noFill/>
-          <a:ln w="38100">
-            <a:solidFill>
-              <a:srgbClr val="FF0000"/>
-            </a:solidFill>
-            <a:round/>
-            <a:headEnd/>
-            <a:tailEnd/>
-          </a:ln>
-          <a:effectLst/>
-        </p:spPr>
-        <p:txBody>
-          <a:bodyPr wrap="none" anchor="ctr">
-            <a:prstTxWarp prst="textNoShape">
-              <a:avLst/>
-            </a:prstTxWarp>
-          </a:bodyPr>
-          <a:lstStyle/>
-          <a:p>
-            <a:endParaRPr lang="en-US"/>
-          </a:p>
-        </p:txBody>
-      </p:sp>
-    </p:spTree>
-  </p:cSld>
-  <p:clrMapOvr>
-    <a:masterClrMapping/>
-  </p:clrMapOvr>
-  <p:transition>
-    <p:random/>
-  </p:transition>
-  <p:timing>
-    <p:tnLst>
-      <p:par>
-        <p:cTn id="1" dur="indefinite" restart="never" nodeType="tmRoot">
-          <p:childTnLst>
-            <p:seq concurrent="1" nextAc="seek">
-              <p:cTn id="2" dur="indefinite" nodeType="mainSeq">
-                <p:childTnLst>
-                  <p:par>
-                    <p:cTn id="3" fill="hold">
-                      <p:stCondLst>
-                        <p:cond delay="indefinite"/>
-                      </p:stCondLst>
-                      <p:childTnLst>
-                        <p:par>
-                          <p:cTn id="4" fill="hold">
-                            <p:stCondLst>
-                              <p:cond delay="0"/>
-                            </p:stCondLst>
-                            <p:childTnLst>
-                              <p:par>
-                                <p:cTn id="5" presetID="23" presetClass="entr" presetSubtype="16" fill="hold" grpId="0" nodeType="clickEffect">
-                                  <p:stCondLst>
-                                    <p:cond delay="0"/>
-                                  </p:stCondLst>
-                                  <p:childTnLst>
-                                    <p:set>
-                                      <p:cBhvr>
-                                        <p:cTn id="6" dur="1" fill="hold">
-                                          <p:stCondLst>
-                                            <p:cond delay="0"/>
-                                          </p:stCondLst>
-                                        </p:cTn>
-                                        <p:tgtEl>
-                                          <p:spTgt spid="84994"/>
-                                        </p:tgtEl>
-                                        <p:attrNameLst>
-                                          <p:attrName>style.visibility</p:attrName>
-                                        </p:attrNameLst>
-                                      </p:cBhvr>
-                                      <p:to>
-                                        <p:strVal val="visible"/>
-                                      </p:to>
-                                    </p:set>
-                                    <p:anim calcmode="lin" valueType="num">
-                                      <p:cBhvr>
-                                        <p:cTn id="7" dur="500" fill="hold"/>
-                                        <p:tgtEl>
-                                          <p:spTgt spid="84994"/>
-                                        </p:tgtEl>
-                                        <p:attrNameLst>
-                                          <p:attrName>ppt_w</p:attrName>
-                                        </p:attrNameLst>
-                                      </p:cBhvr>
-                                      <p:tavLst>
-                                        <p:tav tm="0">
-                                          <p:val>
-                                            <p:fltVal val="0"/>
-                                          </p:val>
-                                        </p:tav>
-                                        <p:tav tm="100000">
-                                          <p:val>
-                                            <p:strVal val="#ppt_w"/>
-                                          </p:val>
-                                        </p:tav>
-                                      </p:tavLst>
-                                    </p:anim>
-                                    <p:anim calcmode="lin" valueType="num">
-                                      <p:cBhvr>
-                                        <p:cTn id="8" dur="500" fill="hold"/>
-                                        <p:tgtEl>
-                                          <p:spTgt spid="84994"/>
-                                        </p:tgtEl>
-                                        <p:attrNameLst>
-                                          <p:attrName>ppt_h</p:attrName>
-                                        </p:attrNameLst>
-                                      </p:cBhvr>
-                                      <p:tavLst>
-                                        <p:tav tm="0">
-                                          <p:val>
-                                            <p:fltVal val="0"/>
-                                          </p:val>
-                                        </p:tav>
-                                        <p:tav tm="100000">
-                                          <p:val>
-                                            <p:strVal val="#ppt_h"/>
-                                          </p:val>
-                                        </p:tav>
-                                      </p:tavLst>
-                                    </p:anim>
-                                  </p:childTnLst>
-                                </p:cTn>
-                              </p:par>
-                              <p:par>
-                                <p:cTn id="9" presetID="22" presetClass="entr" presetSubtype="8" fill="hold" nodeType="withEffect">
-                                  <p:stCondLst>
-                                    <p:cond delay="0"/>
-                                  </p:stCondLst>
-                                  <p:childTnLst>
-                                    <p:set>
-                                      <p:cBhvr>
-                                        <p:cTn id="10" dur="1" fill="hold">
-                                          <p:stCondLst>
-                                            <p:cond delay="0"/>
-                                          </p:stCondLst>
-                                        </p:cTn>
-                                        <p:tgtEl>
-                                          <p:spTgt spid="85022"/>
-                                        </p:tgtEl>
-                                        <p:attrNameLst>
-                                          <p:attrName>style.visibility</p:attrName>
-                                        </p:attrNameLst>
-                                      </p:cBhvr>
-                                      <p:to>
-                                        <p:strVal val="visible"/>
-                                      </p:to>
-                                    </p:set>
-                                    <p:animEffect transition="in" filter="wipe(left)">
-                                      <p:cBhvr>
-                                        <p:cTn id="11" dur="500"/>
-                                        <p:tgtEl>
-                                          <p:spTgt spid="85022"/>
-                                        </p:tgtEl>
-                                      </p:cBhvr>
-                                    </p:animEffect>
-                                  </p:childTnLst>
-                                </p:cTn>
-                              </p:par>
-                            </p:childTnLst>
-                          </p:cTn>
-                        </p:par>
-                      </p:childTnLst>
-                    </p:cTn>
-                  </p:par>
-                  <p:par>
-                    <p:cTn id="12" fill="hold">
-                      <p:stCondLst>
-                        <p:cond delay="indefinite"/>
-                      </p:stCondLst>
-                      <p:childTnLst>
-                        <p:par>
-                          <p:cTn id="13" fill="hold">
-                            <p:stCondLst>
-                              <p:cond delay="0"/>
-                            </p:stCondLst>
-                            <p:childTnLst>
-                              <p:par>
-                                <p:cTn id="14" presetID="23" presetClass="entr" presetSubtype="16" fill="hold" grpId="0" nodeType="clickEffect">
-                                  <p:stCondLst>
-                                    <p:cond delay="0"/>
-                                  </p:stCondLst>
-                                  <p:childTnLst>
-                                    <p:set>
-                                      <p:cBhvr>
-                                        <p:cTn id="15" dur="1" fill="hold">
-                                          <p:stCondLst>
-                                            <p:cond delay="0"/>
-                                          </p:stCondLst>
-                                        </p:cTn>
-                                        <p:tgtEl>
-                                          <p:spTgt spid="85025"/>
-                                        </p:tgtEl>
-                                        <p:attrNameLst>
-                                          <p:attrName>style.visibility</p:attrName>
-                                        </p:attrNameLst>
-                                      </p:cBhvr>
-                                      <p:to>
-                                        <p:strVal val="visible"/>
-                                      </p:to>
-                                    </p:set>
-                                    <p:anim calcmode="lin" valueType="num">
-                                      <p:cBhvr>
-                                        <p:cTn id="16" dur="500" fill="hold"/>
-                                        <p:tgtEl>
-                                          <p:spTgt spid="85025"/>
-                                        </p:tgtEl>
-                                        <p:attrNameLst>
-                                          <p:attrName>ppt_w</p:attrName>
-                                        </p:attrNameLst>
-                                      </p:cBhvr>
-                                      <p:tavLst>
-                                        <p:tav tm="0">
-                                          <p:val>
-                                            <p:fltVal val="0"/>
-                                          </p:val>
-                                        </p:tav>
-                                        <p:tav tm="100000">
-                                          <p:val>
-                                            <p:strVal val="#ppt_w"/>
-                                          </p:val>
-                                        </p:tav>
-                                      </p:tavLst>
-                                    </p:anim>
-                                    <p:anim calcmode="lin" valueType="num">
-                                      <p:cBhvr>
-                                        <p:cTn id="17" dur="500" fill="hold"/>
-                                        <p:tgtEl>
-                                          <p:spTgt spid="85025"/>
-                                        </p:tgtEl>
-                                        <p:attrNameLst>
-                                          <p:attrName>ppt_h</p:attrName>
-                                        </p:attrNameLst>
-                                      </p:cBhvr>
-                                      <p:tavLst>
-                                        <p:tav tm="0">
-                                          <p:val>
-                                            <p:fltVal val="0"/>
-                                          </p:val>
-                                        </p:tav>
-                                        <p:tav tm="100000">
-                                          <p:val>
-                                            <p:strVal val="#ppt_h"/>
-                                          </p:val>
-                                        </p:tav>
-                                      </p:tavLst>
-                                    </p:anim>
-                                  </p:childTnLst>
-                                </p:cTn>
-                              </p:par>
-                              <p:par>
-                                <p:cTn id="18" presetID="23" presetClass="entr" presetSubtype="16" fill="hold" grpId="0" nodeType="withEffect">
-                                  <p:stCondLst>
-                                    <p:cond delay="0"/>
-                                  </p:stCondLst>
-                                  <p:childTnLst>
-                                    <p:set>
-                                      <p:cBhvr>
-                                        <p:cTn id="19" dur="1" fill="hold">
-                                          <p:stCondLst>
-                                            <p:cond delay="0"/>
-                                          </p:stCondLst>
-                                        </p:cTn>
-                                        <p:tgtEl>
-                                          <p:spTgt spid="85026"/>
-                                        </p:tgtEl>
-                                        <p:attrNameLst>
-                                          <p:attrName>style.visibility</p:attrName>
-                                        </p:attrNameLst>
-                                      </p:cBhvr>
-                                      <p:to>
-                                        <p:strVal val="visible"/>
-                                      </p:to>
-                                    </p:set>
-                                    <p:anim calcmode="lin" valueType="num">
-                                      <p:cBhvr>
-                                        <p:cTn id="20" dur="500" fill="hold"/>
-                                        <p:tgtEl>
-                                          <p:spTgt spid="85026"/>
-                                        </p:tgtEl>
-                                        <p:attrNameLst>
-                                          <p:attrName>ppt_w</p:attrName>
-                                        </p:attrNameLst>
-                                      </p:cBhvr>
-                                      <p:tavLst>
-                                        <p:tav tm="0">
-                                          <p:val>
-                                            <p:fltVal val="0"/>
-                                          </p:val>
-                                        </p:tav>
-                                        <p:tav tm="100000">
-                                          <p:val>
-                                            <p:strVal val="#ppt_w"/>
-                                          </p:val>
-                                        </p:tav>
-                                      </p:tavLst>
-                                    </p:anim>
-                                    <p:anim calcmode="lin" valueType="num">
-                                      <p:cBhvr>
-                                        <p:cTn id="21" dur="500" fill="hold"/>
-                                        <p:tgtEl>
-                                          <p:spTgt spid="85026"/>
-                                        </p:tgtEl>
-                                        <p:attrNameLst>
-                                          <p:attrName>ppt_h</p:attrName>
-                                        </p:attrNameLst>
-                                      </p:cBhvr>
-                                      <p:tavLst>
-                                        <p:tav tm="0">
-                                          <p:val>
-                                            <p:fltVal val="0"/>
-                                          </p:val>
-                                        </p:tav>
-                                        <p:tav tm="100000">
-                                          <p:val>
-                                            <p:strVal val="#ppt_h"/>
-                                          </p:val>
-                                        </p:tav>
-                                      </p:tavLst>
-                                    </p:anim>
-                                  </p:childTnLst>
-                                </p:cTn>
-                              </p:par>
-                            </p:childTnLst>
-                          </p:cTn>
-                        </p:par>
-                      </p:childTnLst>
-                    </p:cTn>
-                  </p:par>
-                  <p:par>
-                    <p:cTn id="22" fill="hold">
-                      <p:stCondLst>
-                        <p:cond delay="indefinite"/>
-                      </p:stCondLst>
-                      <p:childTnLst>
-                        <p:par>
-                          <p:cTn id="23" fill="hold">
-                            <p:stCondLst>
-                              <p:cond delay="0"/>
-                            </p:stCondLst>
-                            <p:childTnLst>
-                              <p:par>
-                                <p:cTn id="24" presetID="23" presetClass="entr" presetSubtype="16" fill="hold" grpId="0" nodeType="clickEffect">
-                                  <p:stCondLst>
-                                    <p:cond delay="0"/>
-                                  </p:stCondLst>
-                                  <p:childTnLst>
-                                    <p:set>
-                                      <p:cBhvr>
-                                        <p:cTn id="25" dur="1" fill="hold">
-                                          <p:stCondLst>
-                                            <p:cond delay="0"/>
-                                          </p:stCondLst>
-                                        </p:cTn>
-                                        <p:tgtEl>
-                                          <p:spTgt spid="85027"/>
-                                        </p:tgtEl>
-                                        <p:attrNameLst>
-                                          <p:attrName>style.visibility</p:attrName>
-                                        </p:attrNameLst>
-                                      </p:cBhvr>
-                                      <p:to>
-                                        <p:strVal val="visible"/>
-                                      </p:to>
-                                    </p:set>
-                                    <p:anim calcmode="lin" valueType="num">
-                                      <p:cBhvr>
-                                        <p:cTn id="26" dur="500" fill="hold"/>
-                                        <p:tgtEl>
-                                          <p:spTgt spid="85027"/>
-                                        </p:tgtEl>
-                                        <p:attrNameLst>
-                                          <p:attrName>ppt_w</p:attrName>
-                                        </p:attrNameLst>
-                                      </p:cBhvr>
-                                      <p:tavLst>
-                                        <p:tav tm="0">
-                                          <p:val>
-                                            <p:fltVal val="0"/>
-                                          </p:val>
-                                        </p:tav>
-                                        <p:tav tm="100000">
-                                          <p:val>
-                                            <p:strVal val="#ppt_w"/>
-                                          </p:val>
-                                        </p:tav>
-                                      </p:tavLst>
-                                    </p:anim>
-                                    <p:anim calcmode="lin" valueType="num">
-                                      <p:cBhvr>
-                                        <p:cTn id="27" dur="500" fill="hold"/>
-                                        <p:tgtEl>
-                                          <p:spTgt spid="85027"/>
-                                        </p:tgtEl>
-                                        <p:attrNameLst>
-                                          <p:attrName>ppt_h</p:attrName>
-                                        </p:attrNameLst>
-                                      </p:cBhvr>
-                                      <p:tavLst>
-                                        <p:tav tm="0">
-                                          <p:val>
-                                            <p:fltVal val="0"/>
-                                          </p:val>
-                                        </p:tav>
-                                        <p:tav tm="100000">
-                                          <p:val>
-                                            <p:strVal val="#ppt_h"/>
-                                          </p:val>
-                                        </p:tav>
-                                      </p:tavLst>
-                                    </p:anim>
-                                  </p:childTnLst>
-                                </p:cTn>
-                              </p:par>
-                            </p:childTnLst>
-                          </p:cTn>
-                        </p:par>
-                      </p:childTnLst>
-                    </p:cTn>
-                  </p:par>
-                  <p:par>
-                    <p:cTn id="28" fill="hold">
-                      <p:stCondLst>
-                        <p:cond delay="indefinite"/>
-                      </p:stCondLst>
-                      <p:childTnLst>
-                        <p:par>
-                          <p:cTn id="29" fill="hold">
-                            <p:stCondLst>
-                              <p:cond delay="0"/>
-                            </p:stCondLst>
-                            <p:childTnLst>
-                              <p:par>
-                                <p:cTn id="30" presetID="22" presetClass="entr" presetSubtype="8" fill="hold" grpId="0" nodeType="clickEffect">
-                                  <p:stCondLst>
-                                    <p:cond delay="0"/>
-                                  </p:stCondLst>
-                                  <p:childTnLst>
-                                    <p:set>
-                                      <p:cBhvr>
-                                        <p:cTn id="31" dur="1" fill="hold">
-                                          <p:stCondLst>
-                                            <p:cond delay="0"/>
-                                          </p:stCondLst>
-                                        </p:cTn>
-                                        <p:tgtEl>
-                                          <p:spTgt spid="85005"/>
-                                        </p:tgtEl>
-                                        <p:attrNameLst>
-                                          <p:attrName>style.visibility</p:attrName>
-                                        </p:attrNameLst>
-                                      </p:cBhvr>
-                                      <p:to>
-                                        <p:strVal val="visible"/>
-                                      </p:to>
-                                    </p:set>
-                                    <p:animEffect transition="in" filter="wipe(left)">
-                                      <p:cBhvr>
-                                        <p:cTn id="32" dur="500"/>
-                                        <p:tgtEl>
-                                          <p:spTgt spid="85005"/>
-                                        </p:tgtEl>
-                                      </p:cBhvr>
-                                    </p:animEffect>
-                                  </p:childTnLst>
-                                </p:cTn>
-                              </p:par>
-                            </p:childTnLst>
-                          </p:cTn>
-                        </p:par>
-                      </p:childTnLst>
-                    </p:cTn>
-                  </p:par>
-                </p:childTnLst>
-              </p:cTn>
-              <p:prevCondLst>
-                <p:cond evt="onPrev" delay="0">
-                  <p:tgtEl>
-                    <p:sldTgt/>
-                  </p:tgtEl>
-                </p:cond>
-              </p:prevCondLst>
-              <p:nextCondLst>
-                <p:cond evt="onNext" delay="0">
-                  <p:tgtEl>
-                    <p:sldTgt/>
-                  </p:tgtEl>
-                </p:cond>
-              </p:nextCondLst>
-            </p:seq>
-          </p:childTnLst>
-        </p:cTn>
-      </p:par>
-    </p:tnLst>
-    <p:bldLst>
-      <p:bldP spid="84994" grpId="0"/>
-      <p:bldP spid="85005" grpId="0" animBg="1" autoUpdateAnimBg="0"/>
-      <p:bldP spid="85025" grpId="0" animBg="1"/>
-      <p:bldP spid="85026" grpId="0" animBg="1"/>
-      <p:bldP spid="85027" grpId="0" animBg="1"/>
-    </p:bldLst>
   </p:timing>
 </p:sld>
 </file>
@@ -22138,7 +23026,7 @@
       </p:grpSpPr>
       <p:sp>
         <p:nvSpPr>
-          <p:cNvPr id="7" name="Date Placeholder 3"/>
+          <p:cNvPr id="4" name="Date Placeholder 3"/>
           <p:cNvSpPr>
             <a:spLocks noGrp="1"/>
           </p:cNvSpPr>
@@ -22161,7 +23049,7 @@
       </p:sp>
       <p:sp>
         <p:nvSpPr>
-          <p:cNvPr id="9" name="Slide Number Placeholder 5"/>
+          <p:cNvPr id="6" name="Slide Number Placeholder 5"/>
           <p:cNvSpPr>
             <a:spLocks noGrp="1"/>
           </p:cNvSpPr>
@@ -22174,18 +23062,18 @@
           <a:bodyPr/>
           <a:lstStyle/>
           <a:p>
-            <a:fld id="{77CB5C25-6CFA-434F-ABF0-5AB179A89595}" type="slidenum">
+            <a:fld id="{B3310979-2EAF-054A-98F1-7CDA66331002}" type="slidenum">
               <a:rPr lang="en-US"/>
               <a:pPr/>
               <a:t>9</a:t>
             </a:fld>
-            <a:endParaRPr lang="en-US" dirty="0"/>
+            <a:endParaRPr lang="en-US"/>
           </a:p>
         </p:txBody>
       </p:sp>
       <p:sp>
         <p:nvSpPr>
-          <p:cNvPr id="120834" name="Rectangle 2"/>
+          <p:cNvPr id="80898" name="Rectangle 2"/>
           <p:cNvSpPr>
             <a:spLocks noGrp="1" noChangeArrowheads="1"/>
           </p:cNvSpPr>
@@ -22199,22 +23087,15 @@
           <a:lstStyle/>
           <a:p>
             <a:r>
-              <a:rPr lang="en-US" sz="2400"/>
-              <a:t>“Allowable Increase” and </a:t>
-            </a:r>
-            <a:br>
-              <a:rPr lang="en-US" sz="2400"/>
-            </a:br>
-            <a:r>
-              <a:rPr lang="en-US" sz="2400"/>
-              <a:t>“Allowable Decrease” in the “Adjustable Cells”</a:t>
+              <a:rPr lang="en-US"/>
+              <a:t>Agenda</a:t>
             </a:r>
           </a:p>
         </p:txBody>
       </p:sp>
       <p:sp>
         <p:nvSpPr>
-          <p:cNvPr id="120835" name="Rectangle 3"/>
+          <p:cNvPr id="80899" name="Rectangle 3"/>
           <p:cNvSpPr>
             <a:spLocks noGrp="1" noChangeArrowheads="1"/>
           </p:cNvSpPr>
@@ -22222,666 +23103,103 @@
             <p:ph type="body" idx="1"/>
           </p:nvPr>
         </p:nvSpPr>
-        <p:spPr>
-          <a:xfrm>
-            <a:off x="609600" y="1371600"/>
-            <a:ext cx="8229600" cy="4800600"/>
-          </a:xfrm>
-          <a:noFill/>
-        </p:spPr>
+        <p:spPr/>
         <p:txBody>
           <a:bodyPr/>
           <a:lstStyle/>
           <a:p>
-            <a:pPr>
-              <a:buFontTx/>
-              <a:buNone/>
-            </a:pPr>
-            <a:r>
-              <a:rPr lang="en-US" sz="2000" dirty="0"/>
-              <a:t> Suppose                                Let     </a:t>
-            </a:r>
-          </a:p>
-          <a:p>
-            <a:endParaRPr lang="en-US" sz="2000" u="sng" dirty="0"/>
-          </a:p>
-          <a:p>
-            <a:r>
-              <a:rPr lang="en-US" sz="2000" dirty="0"/>
-              <a:t>“</a:t>
-            </a:r>
-            <a:r>
-              <a:rPr lang="en-US" sz="2000" b="1" dirty="0"/>
-              <a:t>Allowable” ranges</a:t>
-            </a:r>
-            <a:r>
-              <a:rPr lang="en-US" sz="1800" dirty="0"/>
-              <a:t> </a:t>
-            </a:r>
-            <a:r>
-              <a:rPr lang="en-US" sz="2000" dirty="0"/>
-              <a:t>tell you how much the </a:t>
-            </a:r>
-            <a:r>
-              <a:rPr lang="en-US" sz="2000" b="1" dirty="0"/>
-              <a:t>coefficient of a given decision variable</a:t>
-            </a:r>
-            <a:r>
-              <a:rPr lang="en-US" sz="2000" dirty="0"/>
-              <a:t> in the objective function </a:t>
-            </a:r>
-            <a:r>
-              <a:rPr lang="en-US" sz="2000" b="1" dirty="0"/>
-              <a:t>may be increased or decreased </a:t>
-            </a:r>
-            <a:r>
-              <a:rPr lang="en-US" sz="2000" b="1" u="sng" dirty="0"/>
-              <a:t>without changing the optimal solution</a:t>
-            </a:r>
-            <a:r>
-              <a:rPr lang="en-US" sz="2000" u="sng" dirty="0"/>
-              <a:t> </a:t>
-            </a:r>
-            <a:r>
-              <a:rPr lang="en-US" sz="2000" dirty="0"/>
-              <a:t>(the value of the decision </a:t>
-            </a:r>
-            <a:r>
-              <a:rPr lang="en-US" sz="2000" dirty="0" smtClean="0"/>
-              <a:t>variables x</a:t>
-            </a:r>
-            <a:r>
-              <a:rPr lang="en-US" sz="2000" baseline="-25000" dirty="0" smtClean="0"/>
-              <a:t>i</a:t>
-            </a:r>
-            <a:r>
-              <a:rPr lang="en-US" sz="2000" dirty="0" smtClean="0"/>
-              <a:t>*), </a:t>
-            </a:r>
-            <a:r>
-              <a:rPr lang="en-US" sz="2000" dirty="0"/>
-              <a:t>where all other data are assumed to be fixed</a:t>
-            </a:r>
-            <a:r>
-              <a:rPr lang="en-US" sz="2000" dirty="0" smtClean="0"/>
-              <a:t>. </a:t>
-            </a:r>
-          </a:p>
-          <a:p>
-            <a:endParaRPr lang="en-US" sz="2000" dirty="0"/>
-          </a:p>
-          <a:p>
-            <a:r>
-              <a:rPr lang="en-US" sz="2000" b="1" dirty="0"/>
-              <a:t>Calculate the new Objective Function Value (</a:t>
-            </a:r>
-            <a:r>
-              <a:rPr lang="en-US" sz="2000" b="1" dirty="0" err="1"/>
-              <a:t>OV</a:t>
-            </a:r>
-            <a:r>
-              <a:rPr lang="en-US" sz="2000" b="1" baseline="-25000" dirty="0" err="1"/>
-              <a:t>new</a:t>
-            </a:r>
-            <a:r>
-              <a:rPr lang="en-US" sz="2000" b="1" dirty="0"/>
-              <a:t>)</a:t>
-            </a:r>
-            <a:endParaRPr lang="en-US" sz="2000" b="1" dirty="0">
-              <a:solidFill>
-                <a:schemeClr val="hlink"/>
-              </a:solidFill>
-            </a:endParaRPr>
+            <a:r>
+              <a:rPr lang="en-US" dirty="0"/>
+              <a:t>Example: Par </a:t>
+            </a:r>
+            <a:r>
+              <a:rPr lang="en-US" dirty="0" err="1"/>
+              <a:t>Inc</a:t>
+            </a:r>
+            <a:endParaRPr lang="en-US" dirty="0"/>
           </a:p>
           <a:p>
             <a:pPr lvl="1"/>
             <a:r>
-              <a:rPr lang="en-US" sz="1800" b="1" dirty="0" smtClean="0">
-                <a:solidFill>
-                  <a:srgbClr val="FF0000"/>
-                </a:solidFill>
-              </a:rPr>
-              <a:t>When </a:t>
-            </a:r>
-            <a:r>
-              <a:rPr lang="en-US" sz="1800" b="1" dirty="0" smtClean="0">
-                <a:solidFill>
-                  <a:srgbClr val="FF0000"/>
-                </a:solidFill>
-                <a:sym typeface="Symbol"/>
-              </a:rPr>
-              <a:t></a:t>
-            </a:r>
-            <a:r>
-              <a:rPr lang="en-US" sz="1800" b="1" dirty="0" err="1" smtClean="0">
-                <a:solidFill>
-                  <a:srgbClr val="FF0000"/>
-                </a:solidFill>
-                <a:sym typeface="Symbol"/>
-              </a:rPr>
-              <a:t>C</a:t>
-            </a:r>
-            <a:r>
-              <a:rPr lang="en-US" sz="1800" b="1" baseline="-25000" dirty="0" err="1" smtClean="0">
-                <a:solidFill>
-                  <a:srgbClr val="FF0000"/>
-                </a:solidFill>
-                <a:sym typeface="Symbol"/>
-              </a:rPr>
-              <a:t>i</a:t>
-            </a:r>
-            <a:r>
-              <a:rPr lang="en-US" sz="1800" b="1" dirty="0" smtClean="0">
-                <a:solidFill>
-                  <a:srgbClr val="FF0000"/>
-                </a:solidFill>
-                <a:sym typeface="Symbol"/>
-              </a:rPr>
-              <a:t> </a:t>
-            </a:r>
-            <a:r>
-              <a:rPr lang="en-US" sz="1800" b="1" dirty="0" smtClean="0">
-                <a:solidFill>
-                  <a:schemeClr val="hlink"/>
-                </a:solidFill>
-                <a:sym typeface="Symbol"/>
-              </a:rPr>
-              <a:t>is </a:t>
-            </a:r>
-            <a:r>
-              <a:rPr lang="en-US" sz="1800" b="1" u="sng" dirty="0" smtClean="0">
-                <a:solidFill>
-                  <a:schemeClr val="hlink"/>
-                </a:solidFill>
-              </a:rPr>
-              <a:t>within</a:t>
-            </a:r>
-            <a:r>
-              <a:rPr lang="en-US" sz="1800" b="1" dirty="0" smtClean="0">
-                <a:solidFill>
-                  <a:schemeClr val="hlink"/>
-                </a:solidFill>
-              </a:rPr>
-              <a:t> </a:t>
-            </a:r>
-            <a:r>
-              <a:rPr lang="en-US" sz="1800" b="1" dirty="0">
-                <a:solidFill>
-                  <a:schemeClr val="hlink"/>
-                </a:solidFill>
-              </a:rPr>
-              <a:t>the “Allowable” range</a:t>
-            </a:r>
-            <a:r>
-              <a:rPr lang="en-US" sz="1800" dirty="0">
-                <a:solidFill>
-                  <a:schemeClr val="hlink"/>
-                </a:solidFill>
-              </a:rPr>
-              <a:t>:   </a:t>
-            </a:r>
-            <a:r>
-              <a:rPr lang="en-US" sz="1800" b="1" dirty="0" err="1">
-                <a:solidFill>
-                  <a:schemeClr val="hlink"/>
-                </a:solidFill>
-              </a:rPr>
-              <a:t>x</a:t>
-            </a:r>
-            <a:r>
-              <a:rPr lang="en-US" sz="1800" b="1" baseline="-25000" dirty="0" err="1">
-                <a:solidFill>
-                  <a:schemeClr val="hlink"/>
-                </a:solidFill>
-              </a:rPr>
-              <a:t>new</a:t>
-            </a:r>
-            <a:r>
-              <a:rPr lang="en-US" sz="1800" b="1" baseline="30000" dirty="0">
-                <a:solidFill>
-                  <a:schemeClr val="hlink"/>
-                </a:solidFill>
-              </a:rPr>
-              <a:t>* </a:t>
-            </a:r>
-            <a:r>
-              <a:rPr lang="en-US" sz="1800" b="1" dirty="0">
-                <a:solidFill>
-                  <a:schemeClr val="hlink"/>
-                </a:solidFill>
-              </a:rPr>
-              <a:t>=</a:t>
-            </a:r>
-            <a:r>
-              <a:rPr lang="en-US" sz="1800" b="1" dirty="0" err="1">
-                <a:solidFill>
-                  <a:schemeClr val="hlink"/>
-                </a:solidFill>
-              </a:rPr>
-              <a:t>x</a:t>
-            </a:r>
-            <a:r>
-              <a:rPr lang="en-US" sz="1800" b="1" baseline="-25000" dirty="0" err="1">
-                <a:solidFill>
-                  <a:schemeClr val="hlink"/>
-                </a:solidFill>
-              </a:rPr>
-              <a:t>old</a:t>
-            </a:r>
-            <a:r>
-              <a:rPr lang="en-US" sz="1800" b="1" baseline="30000" dirty="0">
-                <a:solidFill>
-                  <a:schemeClr val="hlink"/>
-                </a:solidFill>
-              </a:rPr>
-              <a:t>*</a:t>
+              <a:rPr lang="en-US" b="1" dirty="0">
+                <a:solidFill>
+                  <a:srgbClr val="0000FF"/>
+                </a:solidFill>
+              </a:rPr>
+              <a:t>Objective function: Change in coefficient</a:t>
+            </a:r>
+          </a:p>
+          <a:p>
+            <a:pPr lvl="2"/>
+            <a:r>
+              <a:rPr lang="en-US" dirty="0"/>
+              <a:t>“allowable increase” and “allowable decrease”</a:t>
+            </a:r>
+          </a:p>
+          <a:p>
+            <a:pPr lvl="2"/>
+            <a:r>
+              <a:rPr lang="en-US" dirty="0"/>
+              <a:t>“reduced cost”</a:t>
             </a:r>
           </a:p>
           <a:p>
             <a:pPr lvl="1"/>
-            <a:endParaRPr lang="en-US" sz="1800" b="1" baseline="30000" dirty="0">
-              <a:solidFill>
-                <a:schemeClr val="hlink"/>
-              </a:solidFill>
-            </a:endParaRPr>
+            <a:r>
+              <a:rPr lang="en-US" b="1" dirty="0">
+                <a:solidFill>
+                  <a:schemeClr val="accent2">
+                    <a:lumMod val="60000"/>
+                    <a:lumOff val="40000"/>
+                  </a:schemeClr>
+                </a:solidFill>
+              </a:rPr>
+              <a:t>Constraints: Change in right-hand-side constants</a:t>
+            </a:r>
+          </a:p>
+          <a:p>
+            <a:pPr lvl="2"/>
+            <a:r>
+              <a:rPr lang="en-US" dirty="0"/>
+              <a:t>“shadow price”</a:t>
+            </a:r>
+          </a:p>
+          <a:p>
+            <a:pPr lvl="2"/>
+            <a:r>
+              <a:rPr lang="en-US" dirty="0"/>
+              <a:t>“allowable increase” and “allowable decrease”</a:t>
+            </a:r>
           </a:p>
           <a:p>
             <a:pPr lvl="1"/>
-            <a:endParaRPr lang="en-US" sz="1800" baseline="30000" dirty="0">
-              <a:solidFill>
-                <a:schemeClr val="hlink"/>
-              </a:solidFill>
-            </a:endParaRPr>
-          </a:p>
-          <a:p>
-            <a:pPr>
-              <a:buFontTx/>
-              <a:buNone/>
-            </a:pPr>
-            <a:r>
-              <a:rPr lang="en-US" sz="2000" baseline="30000" dirty="0">
-                <a:solidFill>
-                  <a:schemeClr val="hlink"/>
-                </a:solidFill>
-              </a:rPr>
-              <a:t> </a:t>
+            <a:r>
+              <a:rPr lang="en-US" b="1" dirty="0"/>
+              <a:t>Simultaneous changes</a:t>
+            </a:r>
+          </a:p>
+          <a:p>
+            <a:pPr lvl="2"/>
+            <a:r>
+              <a:rPr lang="en-US" dirty="0"/>
+              <a:t>“100% rule”</a:t>
             </a:r>
           </a:p>
           <a:p>
             <a:pPr lvl="1"/>
-            <a:r>
-              <a:rPr lang="en-US" sz="1800" b="1" dirty="0">
-                <a:solidFill>
-                  <a:srgbClr val="FF0000"/>
-                </a:solidFill>
-              </a:rPr>
-              <a:t>When </a:t>
-            </a:r>
-            <a:r>
-              <a:rPr lang="en-US" sz="1800" b="1" dirty="0">
-                <a:solidFill>
-                  <a:srgbClr val="FF0000"/>
-                </a:solidFill>
-                <a:sym typeface="Symbol"/>
-              </a:rPr>
-              <a:t></a:t>
-            </a:r>
-            <a:r>
-              <a:rPr lang="en-US" sz="1800" b="1" dirty="0" err="1">
-                <a:solidFill>
-                  <a:srgbClr val="FF0000"/>
-                </a:solidFill>
-                <a:sym typeface="Symbol"/>
-              </a:rPr>
-              <a:t>C</a:t>
-            </a:r>
-            <a:r>
-              <a:rPr lang="en-US" sz="1800" b="1" baseline="-25000" dirty="0" err="1">
-                <a:solidFill>
-                  <a:srgbClr val="FF0000"/>
-                </a:solidFill>
-                <a:sym typeface="Symbol"/>
-              </a:rPr>
-              <a:t>i</a:t>
-            </a:r>
-            <a:r>
-              <a:rPr lang="en-US" sz="1800" b="1" dirty="0">
-                <a:solidFill>
-                  <a:srgbClr val="FF0000"/>
-                </a:solidFill>
-                <a:sym typeface="Symbol"/>
-              </a:rPr>
-              <a:t> </a:t>
-            </a:r>
-            <a:r>
-              <a:rPr lang="en-US" sz="1800" b="1" dirty="0">
-                <a:solidFill>
-                  <a:schemeClr val="hlink"/>
-                </a:solidFill>
-                <a:sym typeface="Symbol"/>
-              </a:rPr>
-              <a:t>is </a:t>
-            </a:r>
-            <a:r>
-              <a:rPr lang="en-US" sz="1800" b="1" u="sng" dirty="0" smtClean="0">
-                <a:solidFill>
-                  <a:schemeClr val="hlink"/>
-                </a:solidFill>
-              </a:rPr>
-              <a:t>outside</a:t>
-            </a:r>
-            <a:r>
-              <a:rPr lang="en-US" sz="1800" b="1" dirty="0" smtClean="0">
-                <a:solidFill>
-                  <a:schemeClr val="hlink"/>
-                </a:solidFill>
-              </a:rPr>
-              <a:t> </a:t>
-            </a:r>
-            <a:r>
-              <a:rPr lang="en-US" sz="1800" b="1" dirty="0">
-                <a:solidFill>
-                  <a:schemeClr val="hlink"/>
-                </a:solidFill>
-              </a:rPr>
-              <a:t>the “Allowable” range</a:t>
-            </a:r>
-            <a:r>
-              <a:rPr lang="en-US" sz="1800" dirty="0">
-                <a:solidFill>
-                  <a:schemeClr val="hlink"/>
-                </a:solidFill>
-              </a:rPr>
-              <a:t>: </a:t>
-            </a:r>
-            <a:r>
-              <a:rPr lang="en-US" sz="1800" dirty="0" err="1">
-                <a:solidFill>
-                  <a:schemeClr val="hlink"/>
-                </a:solidFill>
-              </a:rPr>
-              <a:t>x</a:t>
-            </a:r>
-            <a:r>
-              <a:rPr lang="en-US" sz="1800" baseline="-25000" dirty="0" err="1">
-                <a:solidFill>
-                  <a:schemeClr val="hlink"/>
-                </a:solidFill>
-              </a:rPr>
-              <a:t>new</a:t>
-            </a:r>
-            <a:r>
-              <a:rPr lang="en-US" sz="1800" baseline="30000" dirty="0">
-                <a:solidFill>
-                  <a:schemeClr val="hlink"/>
-                </a:solidFill>
-              </a:rPr>
-              <a:t>* </a:t>
-            </a:r>
-            <a:r>
-              <a:rPr lang="en-US" sz="1800" dirty="0">
-                <a:solidFill>
-                  <a:schemeClr val="hlink"/>
-                </a:solidFill>
-              </a:rPr>
-              <a:t> ≠ </a:t>
-            </a:r>
-            <a:r>
-              <a:rPr lang="en-US" sz="1800" dirty="0" err="1">
-                <a:solidFill>
-                  <a:schemeClr val="hlink"/>
-                </a:solidFill>
-              </a:rPr>
-              <a:t>x</a:t>
-            </a:r>
-            <a:r>
-              <a:rPr lang="en-US" sz="1800" baseline="-25000" dirty="0" err="1">
-                <a:solidFill>
-                  <a:schemeClr val="hlink"/>
-                </a:solidFill>
-              </a:rPr>
-              <a:t>old</a:t>
-            </a:r>
-            <a:r>
-              <a:rPr lang="en-US" sz="1800" baseline="30000" dirty="0">
-                <a:solidFill>
-                  <a:schemeClr val="hlink"/>
-                </a:solidFill>
-              </a:rPr>
-              <a:t>*, </a:t>
-            </a:r>
-            <a:r>
-              <a:rPr lang="en-US" sz="1800" b="1" dirty="0">
-                <a:solidFill>
-                  <a:schemeClr val="hlink"/>
-                </a:solidFill>
-              </a:rPr>
-              <a:t>re-formulate LP and resolve</a:t>
-            </a:r>
-            <a:r>
-              <a:rPr lang="en-US" sz="1800" dirty="0">
-                <a:solidFill>
-                  <a:schemeClr val="hlink"/>
-                </a:solidFill>
-              </a:rPr>
-              <a:t>!</a:t>
+            <a:endParaRPr lang="en-US" dirty="0"/>
+          </a:p>
+          <a:p>
+            <a:r>
+              <a:rPr lang="en-US" dirty="0"/>
+              <a:t>Summary</a:t>
             </a:r>
           </a:p>
         </p:txBody>
       </p:sp>
-      <p:graphicFrame>
-        <p:nvGraphicFramePr>
-          <p:cNvPr id="120836" name="Object 4"/>
-          <p:cNvGraphicFramePr>
-            <a:graphicFrameLocks noChangeAspect="1"/>
-          </p:cNvGraphicFramePr>
-          <p:nvPr/>
-        </p:nvGraphicFramePr>
-        <p:xfrm>
-          <a:off x="2133600" y="4800600"/>
-          <a:ext cx="3505200" cy="609600"/>
-        </p:xfrm>
-        <a:graphic>
-          <a:graphicData uri="http://schemas.openxmlformats.org/presentationml/2006/ole">
-            <mc:AlternateContent xmlns:mc="http://schemas.openxmlformats.org/markup-compatibility/2006">
-              <mc:Choice xmlns:v="urn:schemas-microsoft-com:vml" Requires="v">
-                <p:oleObj spid="_x0000_s120885" name="Equation" r:id="rId3" imgW="1460160" imgH="253800" progId="Equation.DSMT4">
-                  <p:embed/>
-                </p:oleObj>
-              </mc:Choice>
-              <mc:Fallback>
-                <p:oleObj name="Equation" r:id="rId3" imgW="1460160" imgH="253800" progId="Equation.DSMT4">
-                  <p:embed/>
-                  <p:pic>
-                    <p:nvPicPr>
-                      <p:cNvPr id="0" name="Picture 4"/>
-                      <p:cNvPicPr>
-                        <a:picLocks noChangeAspect="1" noChangeArrowheads="1"/>
-                      </p:cNvPicPr>
-                      <p:nvPr/>
-                    </p:nvPicPr>
-                    <p:blipFill>
-                      <a:blip r:embed="rId4">
-                        <a:extLst>
-                          <a:ext uri="{28A0092B-C50C-407E-A947-70E740481C1C}">
-                            <a14:useLocalDpi xmlns:a14="http://schemas.microsoft.com/office/drawing/2010/main" val="0"/>
-                          </a:ext>
-                        </a:extLst>
-                      </a:blip>
-                      <a:srcRect/>
-                      <a:stretch>
-                        <a:fillRect/>
-                      </a:stretch>
-                    </p:blipFill>
-                    <p:spPr bwMode="auto">
-                      <a:xfrm>
-                        <a:off x="2133600" y="4800600"/>
-                        <a:ext cx="3505200" cy="609600"/>
-                      </a:xfrm>
-                      <a:prstGeom prst="rect">
-                        <a:avLst/>
-                      </a:prstGeom>
-                      <a:noFill/>
-                      <a:extLst>
-                        <a:ext uri="{909E8E84-426E-40DD-AFC4-6F175D3DCCD1}">
-                          <a14:hiddenFill xmlns:a14="http://schemas.microsoft.com/office/drawing/2010/main">
-                            <a:solidFill>
-                              <a:srgbClr val="FFFFFF"/>
-                            </a:solidFill>
-                          </a14:hiddenFill>
-                        </a:ext>
-                      </a:extLst>
-                    </p:spPr>
-                  </p:pic>
-                </p:oleObj>
-              </mc:Fallback>
-            </mc:AlternateContent>
-          </a:graphicData>
-        </a:graphic>
-      </p:graphicFrame>
-      <p:graphicFrame>
-        <p:nvGraphicFramePr>
-          <p:cNvPr id="120838" name="Object 6"/>
-          <p:cNvGraphicFramePr>
-            <a:graphicFrameLocks noChangeAspect="1"/>
-          </p:cNvGraphicFramePr>
-          <p:nvPr/>
-        </p:nvGraphicFramePr>
-        <p:xfrm>
-          <a:off x="1828800" y="1295400"/>
-          <a:ext cx="1981200" cy="533400"/>
-        </p:xfrm>
-        <a:graphic>
-          <a:graphicData uri="http://schemas.openxmlformats.org/presentationml/2006/ole">
-            <mc:AlternateContent xmlns:mc="http://schemas.openxmlformats.org/markup-compatibility/2006">
-              <mc:Choice xmlns:v="urn:schemas-microsoft-com:vml" Requires="v">
-                <p:oleObj spid="_x0000_s120886" name="Equation" r:id="rId5" imgW="749160" imgH="228600" progId="Equation.DSMT4">
-                  <p:embed/>
-                </p:oleObj>
-              </mc:Choice>
-              <mc:Fallback>
-                <p:oleObj name="Equation" r:id="rId5" imgW="749160" imgH="228600" progId="Equation.DSMT4">
-                  <p:embed/>
-                  <p:pic>
-                    <p:nvPicPr>
-                      <p:cNvPr id="0" name="Picture 6"/>
-                      <p:cNvPicPr>
-                        <a:picLocks noChangeAspect="1" noChangeArrowheads="1"/>
-                      </p:cNvPicPr>
-                      <p:nvPr/>
-                    </p:nvPicPr>
-                    <p:blipFill>
-                      <a:blip r:embed="rId6">
-                        <a:extLst>
-                          <a:ext uri="{28A0092B-C50C-407E-A947-70E740481C1C}">
-                            <a14:useLocalDpi xmlns:a14="http://schemas.microsoft.com/office/drawing/2010/main" val="0"/>
-                          </a:ext>
-                        </a:extLst>
-                      </a:blip>
-                      <a:srcRect/>
-                      <a:stretch>
-                        <a:fillRect/>
-                      </a:stretch>
-                    </p:blipFill>
-                    <p:spPr bwMode="auto">
-                      <a:xfrm>
-                        <a:off x="1828800" y="1295400"/>
-                        <a:ext cx="1981200" cy="533400"/>
-                      </a:xfrm>
-                      <a:prstGeom prst="rect">
-                        <a:avLst/>
-                      </a:prstGeom>
-                      <a:noFill/>
-                      <a:extLst>
-                        <a:ext uri="{909E8E84-426E-40DD-AFC4-6F175D3DCCD1}">
-                          <a14:hiddenFill xmlns:a14="http://schemas.microsoft.com/office/drawing/2010/main">
-                            <a:solidFill>
-                              <a:srgbClr val="FFFFFF"/>
-                            </a:solidFill>
-                          </a14:hiddenFill>
-                        </a:ext>
-                      </a:extLst>
-                    </p:spPr>
-                  </p:pic>
-                </p:oleObj>
-              </mc:Fallback>
-            </mc:AlternateContent>
-          </a:graphicData>
-        </a:graphic>
-      </p:graphicFrame>
-      <p:graphicFrame>
-        <p:nvGraphicFramePr>
-          <p:cNvPr id="120839" name="Object 7"/>
-          <p:cNvGraphicFramePr>
-            <a:graphicFrameLocks noChangeAspect="1"/>
-          </p:cNvGraphicFramePr>
-          <p:nvPr/>
-        </p:nvGraphicFramePr>
-        <p:xfrm>
-          <a:off x="4572000" y="1362075"/>
-          <a:ext cx="2438400" cy="542925"/>
-        </p:xfrm>
-        <a:graphic>
-          <a:graphicData uri="http://schemas.openxmlformats.org/presentationml/2006/ole">
-            <mc:AlternateContent xmlns:mc="http://schemas.openxmlformats.org/markup-compatibility/2006">
-              <mc:Choice xmlns:v="urn:schemas-microsoft-com:vml" Requires="v">
-                <p:oleObj spid="_x0000_s120887" name="Equation" r:id="rId7" imgW="1028520" imgH="228600" progId="Equation.DSMT4">
-                  <p:embed/>
-                </p:oleObj>
-              </mc:Choice>
-              <mc:Fallback>
-                <p:oleObj name="Equation" r:id="rId7" imgW="1028520" imgH="228600" progId="Equation.DSMT4">
-                  <p:embed/>
-                  <p:pic>
-                    <p:nvPicPr>
-                      <p:cNvPr id="0" name="Picture 7"/>
-                      <p:cNvPicPr>
-                        <a:picLocks noChangeAspect="1" noChangeArrowheads="1"/>
-                      </p:cNvPicPr>
-                      <p:nvPr/>
-                    </p:nvPicPr>
-                    <p:blipFill>
-                      <a:blip r:embed="rId8">
-                        <a:extLst>
-                          <a:ext uri="{28A0092B-C50C-407E-A947-70E740481C1C}">
-                            <a14:useLocalDpi xmlns:a14="http://schemas.microsoft.com/office/drawing/2010/main" val="0"/>
-                          </a:ext>
-                        </a:extLst>
-                      </a:blip>
-                      <a:srcRect/>
-                      <a:stretch>
-                        <a:fillRect/>
-                      </a:stretch>
-                    </p:blipFill>
-                    <p:spPr bwMode="auto">
-                      <a:xfrm>
-                        <a:off x="4572000" y="1362075"/>
-                        <a:ext cx="2438400" cy="542925"/>
-                      </a:xfrm>
-                      <a:prstGeom prst="rect">
-                        <a:avLst/>
-                      </a:prstGeom>
-                      <a:noFill/>
-                      <a:extLst>
-                        <a:ext uri="{909E8E84-426E-40DD-AFC4-6F175D3DCCD1}">
-                          <a14:hiddenFill xmlns:a14="http://schemas.microsoft.com/office/drawing/2010/main">
-                            <a:solidFill>
-                              <a:srgbClr val="FFFFFF"/>
-                            </a:solidFill>
-                          </a14:hiddenFill>
-                        </a:ext>
-                      </a:extLst>
-                    </p:spPr>
-                  </p:pic>
-                </p:oleObj>
-              </mc:Fallback>
-            </mc:AlternateContent>
-          </a:graphicData>
-        </a:graphic>
-      </p:graphicFrame>
-      <p:sp>
-        <p:nvSpPr>
-          <p:cNvPr id="10" name="Footer Placeholder 9"/>
+      <p:sp>
+        <p:nvSpPr>
+          <p:cNvPr id="7" name="Footer Placeholder 6"/>
           <p:cNvSpPr>
             <a:spLocks noGrp="1"/>
           </p:cNvSpPr>
@@ -22907,13 +23225,13 @@
   <p:clrMapOvr>
     <a:masterClrMapping/>
   </p:clrMapOvr>
-  <p:transition>
+  <p:transition xmlns:p14="http://schemas.microsoft.com/office/powerpoint/2010/main">
     <p:random/>
   </p:transition>
   <p:timing>
     <p:tnLst>
       <p:par>
-        <p:cTn id="1" dur="indefinite" restart="never" nodeType="tmRoot"/>
+        <p:cTn xmlns:p14="http://schemas.microsoft.com/office/powerpoint/2010/main" id="1" dur="indefinite" restart="never" nodeType="tmRoot"/>
       </p:par>
     </p:tnLst>
   </p:timing>

--- a/Fall 2015/Lectures/Lecture 4 Sensitivity Analysis/Lecture 4 Intro Sensitivity Analysis.pptx
+++ b/Fall 2015/Lectures/Lecture 4 Sensitivity Analysis/Lecture 4 Intro Sensitivity Analysis.pptx
@@ -5,31 +5,33 @@
     <p:sldMasterId id="2147483648" r:id="rId1"/>
   </p:sldMasterIdLst>
   <p:notesMasterIdLst>
-    <p:notesMasterId r:id="rId21"/>
+    <p:notesMasterId r:id="rId23"/>
   </p:notesMasterIdLst>
   <p:handoutMasterIdLst>
-    <p:handoutMasterId r:id="rId22"/>
+    <p:handoutMasterId r:id="rId24"/>
   </p:handoutMasterIdLst>
   <p:sldIdLst>
     <p:sldId id="256" r:id="rId2"/>
     <p:sldId id="289" r:id="rId3"/>
-    <p:sldId id="290" r:id="rId4"/>
-    <p:sldId id="258" r:id="rId5"/>
-    <p:sldId id="259" r:id="rId6"/>
-    <p:sldId id="285" r:id="rId7"/>
-    <p:sldId id="257" r:id="rId8"/>
-    <p:sldId id="260" r:id="rId9"/>
-    <p:sldId id="287" r:id="rId10"/>
-    <p:sldId id="261" r:id="rId11"/>
-    <p:sldId id="265" r:id="rId12"/>
-    <p:sldId id="269" r:id="rId13"/>
-    <p:sldId id="268" r:id="rId14"/>
-    <p:sldId id="264" r:id="rId15"/>
-    <p:sldId id="267" r:id="rId16"/>
-    <p:sldId id="278" r:id="rId17"/>
-    <p:sldId id="279" r:id="rId18"/>
-    <p:sldId id="286" r:id="rId19"/>
-    <p:sldId id="288" r:id="rId20"/>
+    <p:sldId id="292" r:id="rId4"/>
+    <p:sldId id="293" r:id="rId5"/>
+    <p:sldId id="291" r:id="rId6"/>
+    <p:sldId id="290" r:id="rId7"/>
+    <p:sldId id="258" r:id="rId8"/>
+    <p:sldId id="285" r:id="rId9"/>
+    <p:sldId id="257" r:id="rId10"/>
+    <p:sldId id="260" r:id="rId11"/>
+    <p:sldId id="287" r:id="rId12"/>
+    <p:sldId id="261" r:id="rId13"/>
+    <p:sldId id="265" r:id="rId14"/>
+    <p:sldId id="269" r:id="rId15"/>
+    <p:sldId id="268" r:id="rId16"/>
+    <p:sldId id="264" r:id="rId17"/>
+    <p:sldId id="267" r:id="rId18"/>
+    <p:sldId id="278" r:id="rId19"/>
+    <p:sldId id="279" r:id="rId20"/>
+    <p:sldId id="286" r:id="rId21"/>
+    <p:sldId id="288" r:id="rId22"/>
   </p:sldIdLst>
   <p:sldSz cx="9144000" cy="6858000" type="screen4x3"/>
   <p:notesSz cx="7010400" cy="9296400"/>
@@ -896,128 +898,6 @@
 </p:notes>
 </file>
 
-<file path=ppt/notesSlides/notesSlide2.xml><?xml version="1.0" encoding="utf-8"?>
-<p:notes xmlns:a="http://schemas.openxmlformats.org/drawingml/2006/main" xmlns:r="http://schemas.openxmlformats.org/officeDocument/2006/relationships" xmlns:p="http://schemas.openxmlformats.org/presentationml/2006/main">
-  <p:cSld>
-    <p:spTree>
-      <p:nvGrpSpPr>
-        <p:cNvPr id="1" name=""/>
-        <p:cNvGrpSpPr/>
-        <p:nvPr/>
-      </p:nvGrpSpPr>
-      <p:grpSpPr>
-        <a:xfrm>
-          <a:off x="0" y="0"/>
-          <a:ext cx="0" cy="0"/>
-          <a:chOff x="0" y="0"/>
-          <a:chExt cx="0" cy="0"/>
-        </a:xfrm>
-      </p:grpSpPr>
-      <p:sp>
-        <p:nvSpPr>
-          <p:cNvPr id="7" name="Rectangle 7"/>
-          <p:cNvSpPr>
-            <a:spLocks noGrp="1" noChangeArrowheads="1"/>
-          </p:cNvSpPr>
-          <p:nvPr>
-            <p:ph type="sldNum" sz="quarter" idx="5"/>
-          </p:nvPr>
-        </p:nvSpPr>
-        <p:spPr>
-          <a:ln/>
-        </p:spPr>
-        <p:txBody>
-          <a:bodyPr/>
-          <a:lstStyle/>
-          <a:p>
-            <a:fld id="{DDAEA29F-98EC-134C-9C43-B83D21DF2A65}" type="slidenum">
-              <a:rPr lang="en-US"/>
-              <a:pPr/>
-              <a:t>5</a:t>
-            </a:fld>
-            <a:endParaRPr lang="en-US"/>
-          </a:p>
-        </p:txBody>
-      </p:sp>
-      <p:sp>
-        <p:nvSpPr>
-          <p:cNvPr id="83970" name="Rectangle 2"/>
-          <p:cNvSpPr>
-            <a:spLocks noGrp="1" noRot="1" noChangeAspect="1" noChangeArrowheads="1" noTextEdit="1"/>
-          </p:cNvSpPr>
-          <p:nvPr>
-            <p:ph type="sldImg"/>
-          </p:nvPr>
-        </p:nvSpPr>
-        <p:spPr>
-          <a:ln/>
-        </p:spPr>
-      </p:sp>
-      <p:sp>
-        <p:nvSpPr>
-          <p:cNvPr id="83971" name="Rectangle 3"/>
-          <p:cNvSpPr>
-            <a:spLocks noGrp="1" noChangeArrowheads="1"/>
-          </p:cNvSpPr>
-          <p:nvPr>
-            <p:ph type="body" idx="1"/>
-          </p:nvPr>
-        </p:nvSpPr>
-        <p:spPr>
-          <a:xfrm>
-            <a:off x="935145" y="4414520"/>
-            <a:ext cx="5141703" cy="4185605"/>
-          </a:xfrm>
-        </p:spPr>
-        <p:txBody>
-          <a:bodyPr anchor="t"/>
-          <a:lstStyle/>
-          <a:p>
-            <a:r>
-              <a:rPr lang="en-US"/>
-              <a:t>An example: PC industry, different distribution strategies </a:t>
-            </a:r>
-          </a:p>
-          <a:p>
-            <a:endParaRPr lang="en-US"/>
-          </a:p>
-          <a:p>
-            <a:r>
-              <a:rPr lang="en-US"/>
-              <a:t>Model: simple spreadsheet with some structure.</a:t>
-            </a:r>
-          </a:p>
-          <a:p>
-            <a:endParaRPr lang="en-US"/>
-          </a:p>
-          <a:p>
-            <a:r>
-              <a:rPr lang="en-US"/>
-              <a:t>Factors cannot be captured by model.</a:t>
-            </a:r>
-          </a:p>
-          <a:p>
-            <a:endParaRPr lang="en-US"/>
-          </a:p>
-          <a:p>
-            <a:endParaRPr lang="en-US"/>
-          </a:p>
-          <a:p>
-            <a:r>
-              <a:rPr lang="en-US"/>
-              <a:t>Qualitative and quantitative analysis reach final decision.</a:t>
-            </a:r>
-          </a:p>
-        </p:txBody>
-      </p:sp>
-    </p:spTree>
-  </p:cSld>
-  <p:clrMapOvr>
-    <a:masterClrMapping/>
-  </p:clrMapOvr>
-</p:notes>
-</file>
-
 <file path=ppt/slideLayouts/slideLayout1.xml><?xml version="1.0" encoding="utf-8"?>
 <p:sldLayout xmlns:a="http://schemas.openxmlformats.org/drawingml/2006/main" xmlns:r="http://schemas.openxmlformats.org/officeDocument/2006/relationships" xmlns:p="http://schemas.openxmlformats.org/presentationml/2006/main" type="title" preserve="1">
   <p:cSld name="Title Slide">
@@ -1215,13 +1095,13 @@
   <p:clrMapOvr>
     <a:masterClrMapping/>
   </p:clrMapOvr>
-  <p:transition>
+  <p:transition xmlns:p14="http://schemas.microsoft.com/office/powerpoint/2010/main">
     <p:random/>
   </p:transition>
   <p:timing>
     <p:tnLst>
       <p:par>
-        <p:cTn id="1" dur="indefinite" restart="never" nodeType="tmRoot"/>
+        <p:cTn xmlns:p14="http://schemas.microsoft.com/office/powerpoint/2010/main" id="1" dur="indefinite" restart="never" nodeType="tmRoot"/>
       </p:par>
     </p:tnLst>
   </p:timing>
@@ -1407,7 +1287,7 @@
   <p:clrMapOvr>
     <a:masterClrMapping/>
   </p:clrMapOvr>
-  <p:transition>
+  <p:transition xmlns:p14="http://schemas.microsoft.com/office/powerpoint/2010/main">
     <p:random/>
   </p:transition>
 </p:sldLayout>
@@ -1602,7 +1482,7 @@
   <p:clrMapOvr>
     <a:masterClrMapping/>
   </p:clrMapOvr>
-  <p:transition>
+  <p:transition xmlns:p14="http://schemas.microsoft.com/office/powerpoint/2010/main">
     <p:random/>
   </p:transition>
 </p:sldLayout>
@@ -1787,13 +1667,13 @@
   <p:clrMapOvr>
     <a:masterClrMapping/>
   </p:clrMapOvr>
-  <p:transition>
+  <p:transition xmlns:p14="http://schemas.microsoft.com/office/powerpoint/2010/main">
     <p:random/>
   </p:transition>
   <p:timing>
     <p:tnLst>
       <p:par>
-        <p:cTn id="1" dur="indefinite" restart="never" nodeType="tmRoot"/>
+        <p:cTn xmlns:p14="http://schemas.microsoft.com/office/powerpoint/2010/main" id="1" dur="indefinite" restart="never" nodeType="tmRoot"/>
       </p:par>
     </p:tnLst>
   </p:timing>
@@ -2001,13 +1881,13 @@
   <p:clrMapOvr>
     <a:masterClrMapping/>
   </p:clrMapOvr>
-  <p:transition>
+  <p:transition xmlns:p14="http://schemas.microsoft.com/office/powerpoint/2010/main">
     <p:random/>
   </p:transition>
   <p:timing>
     <p:tnLst>
       <p:par>
-        <p:cTn id="1" dur="indefinite" restart="never" nodeType="tmRoot"/>
+        <p:cTn xmlns:p14="http://schemas.microsoft.com/office/powerpoint/2010/main" id="1" dur="indefinite" restart="never" nodeType="tmRoot"/>
       </p:par>
     </p:tnLst>
   </p:timing>
@@ -2311,7 +2191,7 @@
   <p:clrMapOvr>
     <a:masterClrMapping/>
   </p:clrMapOvr>
-  <p:transition>
+  <p:transition xmlns:p14="http://schemas.microsoft.com/office/powerpoint/2010/main">
     <p:random/>
   </p:transition>
 </p:sldLayout>
@@ -2753,7 +2633,7 @@
   <p:clrMapOvr>
     <a:masterClrMapping/>
   </p:clrMapOvr>
-  <p:transition>
+  <p:transition xmlns:p14="http://schemas.microsoft.com/office/powerpoint/2010/main">
     <p:random/>
   </p:transition>
 </p:sldLayout>
@@ -2886,7 +2766,7 @@
   <p:clrMapOvr>
     <a:masterClrMapping/>
   </p:clrMapOvr>
-  <p:transition>
+  <p:transition xmlns:p14="http://schemas.microsoft.com/office/powerpoint/2010/main">
     <p:random/>
   </p:transition>
 </p:sldLayout>
@@ -2996,7 +2876,7 @@
   <p:clrMapOvr>
     <a:masterClrMapping/>
   </p:clrMapOvr>
-  <p:transition>
+  <p:transition xmlns:p14="http://schemas.microsoft.com/office/powerpoint/2010/main">
     <p:random/>
   </p:transition>
 </p:sldLayout>
@@ -3288,7 +3168,7 @@
   <p:clrMapOvr>
     <a:masterClrMapping/>
   </p:clrMapOvr>
-  <p:transition>
+  <p:transition xmlns:p14="http://schemas.microsoft.com/office/powerpoint/2010/main">
     <p:random/>
   </p:transition>
 </p:sldLayout>
@@ -3556,7 +3436,7 @@
   <p:clrMapOvr>
     <a:masterClrMapping/>
   </p:clrMapOvr>
-  <p:transition>
+  <p:transition xmlns:p14="http://schemas.microsoft.com/office/powerpoint/2010/main">
     <p:random/>
   </p:transition>
 </p:sldLayout>
@@ -3950,13 +3830,7 @@
               <a:rPr lang="en-US" sz="1200" dirty="0" smtClean="0">
                 <a:latin typeface="Century Gothic" pitchFamily="34" charset="0"/>
               </a:rPr>
-              <a:t>Fall </a:t>
-            </a:r>
-            <a:r>
-              <a:rPr lang="en-US" sz="1200" dirty="0" smtClean="0">
-                <a:latin typeface="Century Gothic" pitchFamily="34" charset="0"/>
-              </a:rPr>
-              <a:t>2013</a:t>
+              <a:t>Fall 2013</a:t>
             </a:r>
             <a:endParaRPr lang="en-US" sz="1200" dirty="0">
               <a:latin typeface="Century Gothic" pitchFamily="34" charset="0"/>
@@ -4054,13 +3928,13 @@
     <p:sldLayoutId id="2147483658" r:id="rId10"/>
     <p:sldLayoutId id="2147483659" r:id="rId11"/>
   </p:sldLayoutIdLst>
-  <p:transition>
+  <p:transition xmlns:p14="http://schemas.microsoft.com/office/powerpoint/2010/main">
     <p:random/>
   </p:transition>
   <p:timing>
     <p:tnLst>
       <p:par>
-        <p:cTn id="1" dur="indefinite" restart="never" nodeType="tmRoot"/>
+        <p:cTn xmlns:p14="http://schemas.microsoft.com/office/powerpoint/2010/main" id="1" dur="indefinite" restart="never" nodeType="tmRoot"/>
       </p:par>
     </p:tnLst>
   </p:timing>
@@ -4529,7 +4403,15 @@
             <a:pPr algn="ctr"/>
             <a:r>
               <a:rPr lang="en-US" dirty="0"/>
-              <a:t>Lecture 6 </a:t>
+              <a:t>Lecture </a:t>
+            </a:r>
+            <a:r>
+              <a:rPr lang="en-US" dirty="0" smtClean="0"/>
+              <a:t>4 </a:t>
+            </a:r>
+            <a:r>
+              <a:rPr lang="en-US" dirty="0"/>
+              <a:t/>
             </a:r>
             <a:br>
               <a:rPr lang="en-US" dirty="0"/>
@@ -4553,8 +4435,16 @@
               <a:rPr lang="en-US" dirty="0" smtClean="0"/>
             </a:br>
             <a:r>
+              <a:rPr lang="en-US" dirty="0" smtClean="0"/>
+              <a:t>Max Flows + </a:t>
+            </a:r>
+            <a:r>
+              <a:rPr lang="en-US" sz="2800" dirty="0" smtClean="0"/>
+              <a:t>Sensitivity </a:t>
+            </a:r>
+            <a:r>
               <a:rPr lang="en-US" sz="2800" dirty="0"/>
-              <a:t>Sensitivity Analysis</a:t>
+              <a:t>Analysis</a:t>
             </a:r>
             <a:endParaRPr lang="en-US" dirty="0"/>
           </a:p>
@@ -4618,13 +4508,13 @@
   <p:clrMapOvr>
     <a:masterClrMapping/>
   </p:clrMapOvr>
-  <p:transition>
+  <p:transition xmlns:p14="http://schemas.microsoft.com/office/powerpoint/2010/main">
     <p:random/>
   </p:transition>
   <p:timing>
     <p:tnLst>
       <p:par>
-        <p:cTn id="1" dur="indefinite" restart="never" nodeType="tmRoot"/>
+        <p:cTn xmlns:p14="http://schemas.microsoft.com/office/powerpoint/2010/main" id="1" dur="indefinite" restart="never" nodeType="tmRoot"/>
       </p:par>
     </p:tnLst>
   </p:timing>
@@ -4632,6 +4522,2433 @@
 </file>
 
 <file path=ppt/slides/slide10.xml><?xml version="1.0" encoding="utf-8"?>
+<p:sld xmlns:a="http://schemas.openxmlformats.org/drawingml/2006/main" xmlns:r="http://schemas.openxmlformats.org/officeDocument/2006/relationships" xmlns:p="http://schemas.openxmlformats.org/presentationml/2006/main">
+  <p:cSld>
+    <p:spTree>
+      <p:nvGrpSpPr>
+        <p:cNvPr id="1" name=""/>
+        <p:cNvGrpSpPr/>
+        <p:nvPr/>
+      </p:nvGrpSpPr>
+      <p:grpSpPr>
+        <a:xfrm>
+          <a:off x="0" y="0"/>
+          <a:ext cx="0" cy="0"/>
+          <a:chOff x="0" y="0"/>
+          <a:chExt cx="0" cy="0"/>
+        </a:xfrm>
+      </p:grpSpPr>
+      <p:sp>
+        <p:nvSpPr>
+          <p:cNvPr id="15" name="Slide Number Placeholder 5"/>
+          <p:cNvSpPr>
+            <a:spLocks noGrp="1"/>
+          </p:cNvSpPr>
+          <p:nvPr>
+            <p:ph type="sldNum" sz="quarter" idx="12"/>
+          </p:nvPr>
+        </p:nvSpPr>
+        <p:spPr/>
+        <p:txBody>
+          <a:bodyPr/>
+          <a:lstStyle/>
+          <a:p>
+            <a:fld id="{2B69D648-43A7-CA49-9480-734E3BCE3906}" type="slidenum">
+              <a:rPr lang="en-US"/>
+              <a:pPr/>
+              <a:t>10</a:t>
+            </a:fld>
+            <a:endParaRPr lang="en-US"/>
+          </a:p>
+        </p:txBody>
+      </p:sp>
+      <p:sp>
+        <p:nvSpPr>
+          <p:cNvPr id="84994" name="Rectangle 2"/>
+          <p:cNvSpPr>
+            <a:spLocks noGrp="1" noChangeArrowheads="1"/>
+          </p:cNvSpPr>
+          <p:nvPr>
+            <p:ph type="title"/>
+          </p:nvPr>
+        </p:nvSpPr>
+        <p:spPr/>
+        <p:txBody>
+          <a:bodyPr/>
+          <a:lstStyle/>
+          <a:p>
+            <a:r>
+              <a:rPr lang="en-US" sz="2800"/>
+              <a:t>Change in OBJ Function Coefficient</a:t>
+            </a:r>
+          </a:p>
+        </p:txBody>
+      </p:sp>
+      <p:sp>
+        <p:nvSpPr>
+          <p:cNvPr id="84996" name="Text Box 4"/>
+          <p:cNvSpPr txBox="1">
+            <a:spLocks noChangeArrowheads="1"/>
+          </p:cNvSpPr>
+          <p:nvPr/>
+        </p:nvSpPr>
+        <p:spPr bwMode="auto">
+          <a:xfrm>
+            <a:off x="2057400" y="1828800"/>
+            <a:ext cx="4921443" cy="1384995"/>
+          </a:xfrm>
+          <a:prstGeom prst="rect">
+            <a:avLst/>
+          </a:prstGeom>
+          <a:noFill/>
+          <a:ln w="9525">
+            <a:noFill/>
+            <a:miter lim="800000"/>
+            <a:headEnd/>
+            <a:tailEnd/>
+          </a:ln>
+          <a:effectLst/>
+        </p:spPr>
+        <p:txBody>
+          <a:bodyPr wrap="none" anchor="ctr">
+            <a:prstTxWarp prst="textNoShape">
+              <a:avLst/>
+            </a:prstTxWarp>
+            <a:spAutoFit/>
+          </a:bodyPr>
+          <a:lstStyle/>
+          <a:p>
+            <a:pPr algn="l"/>
+            <a:r>
+              <a:rPr lang="en-US" sz="1400" dirty="0">
+                <a:latin typeface="Lucida Sans" charset="0"/>
+              </a:rPr>
+              <a:t>                      Max</a:t>
+            </a:r>
+            <a:r>
+              <a:rPr lang="en-US" sz="1400" dirty="0">
+                <a:solidFill>
+                  <a:schemeClr val="accent2"/>
+                </a:solidFill>
+                <a:latin typeface="Lucida Sans" charset="0"/>
+              </a:rPr>
+              <a:t>                </a:t>
+            </a:r>
+            <a:r>
+              <a:rPr lang="en-US" sz="1400" b="1" i="1" dirty="0">
+                <a:solidFill>
+                  <a:schemeClr val="accent2"/>
+                </a:solidFill>
+                <a:latin typeface="Lucida Sans" charset="0"/>
+              </a:rPr>
+              <a:t>10 x</a:t>
+            </a:r>
+            <a:r>
+              <a:rPr lang="en-US" sz="1400" b="1" i="1" baseline="-25000" dirty="0">
+                <a:solidFill>
+                  <a:schemeClr val="accent2"/>
+                </a:solidFill>
+                <a:latin typeface="Lucida Sans" charset="0"/>
+              </a:rPr>
+              <a:t>1</a:t>
+            </a:r>
+            <a:r>
+              <a:rPr lang="en-US" sz="1400" b="1" i="1" dirty="0">
+                <a:solidFill>
+                  <a:schemeClr val="accent2"/>
+                </a:solidFill>
+                <a:latin typeface="Lucida Sans" charset="0"/>
+              </a:rPr>
+              <a:t> +    </a:t>
+            </a:r>
+            <a:r>
+              <a:rPr lang="en-US" sz="1400" b="1" i="1" dirty="0">
+                <a:solidFill>
+                  <a:srgbClr val="0000FF"/>
+                </a:solidFill>
+                <a:latin typeface="Lucida Sans" charset="0"/>
+              </a:rPr>
+              <a:t>9</a:t>
+            </a:r>
+            <a:r>
+              <a:rPr lang="en-US" sz="1400" b="1" i="1" dirty="0">
+                <a:solidFill>
+                  <a:schemeClr val="accent2"/>
+                </a:solidFill>
+                <a:latin typeface="Lucida Sans" charset="0"/>
+              </a:rPr>
+              <a:t>   x</a:t>
+            </a:r>
+            <a:r>
+              <a:rPr lang="en-US" sz="1400" b="1" i="1" baseline="-25000" dirty="0">
+                <a:solidFill>
+                  <a:schemeClr val="accent2"/>
+                </a:solidFill>
+                <a:latin typeface="Lucida Sans" charset="0"/>
+              </a:rPr>
+              <a:t>2</a:t>
+            </a:r>
+            <a:endParaRPr lang="en-US" sz="1400" dirty="0">
+              <a:latin typeface="Lucida Sans" charset="0"/>
+            </a:endParaRPr>
+          </a:p>
+          <a:p>
+            <a:pPr algn="l"/>
+            <a:r>
+              <a:rPr lang="en-US" sz="1400" dirty="0">
+                <a:latin typeface="Lucida Sans" charset="0"/>
+              </a:rPr>
+              <a:t>Cutting &amp; Dyeing 	    </a:t>
+            </a:r>
+            <a:r>
+              <a:rPr lang="en-US" sz="1400" i="1" dirty="0">
+                <a:solidFill>
+                  <a:schemeClr val="accent2"/>
+                </a:solidFill>
+                <a:latin typeface="Lucida Sans" charset="0"/>
+              </a:rPr>
+              <a:t>7/10 x</a:t>
+            </a:r>
+            <a:r>
+              <a:rPr lang="en-US" sz="1400" i="1" baseline="-25000" dirty="0">
+                <a:solidFill>
+                  <a:schemeClr val="accent2"/>
+                </a:solidFill>
+                <a:latin typeface="Lucida Sans" charset="0"/>
+              </a:rPr>
+              <a:t>1</a:t>
+            </a:r>
+            <a:r>
+              <a:rPr lang="en-US" sz="1400" i="1" dirty="0">
+                <a:solidFill>
+                  <a:schemeClr val="accent2"/>
+                </a:solidFill>
+                <a:latin typeface="Lucida Sans" charset="0"/>
+              </a:rPr>
+              <a:t>  +       x</a:t>
+            </a:r>
+            <a:r>
+              <a:rPr lang="en-US" sz="1400" i="1" baseline="-25000" dirty="0">
+                <a:solidFill>
+                  <a:schemeClr val="accent2"/>
+                </a:solidFill>
+                <a:latin typeface="Lucida Sans" charset="0"/>
+              </a:rPr>
+              <a:t>2</a:t>
+            </a:r>
+            <a:r>
+              <a:rPr lang="en-US" sz="1400" i="1" dirty="0">
+                <a:solidFill>
+                  <a:schemeClr val="accent2"/>
+                </a:solidFill>
+                <a:latin typeface="Lucida Sans" charset="0"/>
+              </a:rPr>
+              <a:t> </a:t>
+            </a:r>
+            <a:r>
+              <a:rPr lang="en-US" sz="1400" i="1" dirty="0" smtClean="0">
+                <a:solidFill>
+                  <a:schemeClr val="accent2"/>
+                </a:solidFill>
+                <a:latin typeface="Lucida Sans" charset="0"/>
+              </a:rPr>
+              <a:t> ≤</a:t>
+            </a:r>
+            <a:r>
+              <a:rPr lang="en-US" sz="1400" dirty="0" smtClean="0">
+                <a:solidFill>
+                  <a:schemeClr val="accent2"/>
+                </a:solidFill>
+                <a:latin typeface="Lucida Sans" charset="0"/>
+                <a:sym typeface="Symbol" charset="2"/>
+              </a:rPr>
+              <a:t>  </a:t>
+            </a:r>
+            <a:r>
+              <a:rPr lang="en-US" sz="1400" i="1" dirty="0">
+                <a:solidFill>
+                  <a:schemeClr val="accent2"/>
+                </a:solidFill>
+                <a:latin typeface="Lucida Sans" charset="0"/>
+                <a:sym typeface="Symbol" charset="2"/>
+              </a:rPr>
+              <a:t>630</a:t>
+            </a:r>
+            <a:endParaRPr lang="en-US" sz="1400" dirty="0">
+              <a:latin typeface="Lucida Sans" charset="0"/>
+              <a:sym typeface="Symbol" charset="2"/>
+            </a:endParaRPr>
+          </a:p>
+          <a:p>
+            <a:pPr algn="l"/>
+            <a:r>
+              <a:rPr lang="en-US" sz="1400" dirty="0">
+                <a:latin typeface="Lucida Sans" charset="0"/>
+                <a:sym typeface="Symbol" charset="2"/>
+              </a:rPr>
+              <a:t>Sewing                                  </a:t>
+            </a:r>
+            <a:r>
+              <a:rPr lang="en-US" sz="1400" i="1" dirty="0">
+                <a:solidFill>
+                  <a:schemeClr val="accent2"/>
+                </a:solidFill>
+                <a:latin typeface="Lucida Sans" charset="0"/>
+              </a:rPr>
+              <a:t>1/2 x</a:t>
+            </a:r>
+            <a:r>
+              <a:rPr lang="en-US" sz="1400" i="1" baseline="-25000" dirty="0">
+                <a:solidFill>
+                  <a:schemeClr val="accent2"/>
+                </a:solidFill>
+                <a:latin typeface="Lucida Sans" charset="0"/>
+              </a:rPr>
+              <a:t>1</a:t>
+            </a:r>
+            <a:r>
+              <a:rPr lang="en-US" sz="1400" i="1" dirty="0">
+                <a:solidFill>
+                  <a:schemeClr val="accent2"/>
+                </a:solidFill>
+                <a:latin typeface="Lucida Sans" charset="0"/>
+              </a:rPr>
+              <a:t>    + 5/6 x</a:t>
+            </a:r>
+            <a:r>
+              <a:rPr lang="en-US" sz="1400" i="1" baseline="-25000" dirty="0">
+                <a:solidFill>
+                  <a:schemeClr val="accent2"/>
+                </a:solidFill>
+                <a:latin typeface="Lucida Sans" charset="0"/>
+              </a:rPr>
+              <a:t>2</a:t>
+            </a:r>
+            <a:r>
+              <a:rPr lang="en-US" sz="1400" i="1" dirty="0" smtClean="0">
+                <a:solidFill>
+                  <a:schemeClr val="accent2"/>
+                </a:solidFill>
+                <a:latin typeface="Lucida Sans" charset="0"/>
+              </a:rPr>
+              <a:t> ≤</a:t>
+            </a:r>
+            <a:r>
+              <a:rPr lang="en-US" sz="1400" dirty="0" smtClean="0">
+                <a:solidFill>
+                  <a:schemeClr val="accent2"/>
+                </a:solidFill>
+                <a:latin typeface="Lucida Sans" charset="0"/>
+                <a:sym typeface="Symbol" charset="2"/>
+              </a:rPr>
+              <a:t> </a:t>
+            </a:r>
+            <a:r>
+              <a:rPr lang="en-US" sz="1400" i="1" dirty="0">
+                <a:solidFill>
+                  <a:schemeClr val="accent2"/>
+                </a:solidFill>
+                <a:latin typeface="Lucida Sans" charset="0"/>
+                <a:sym typeface="Symbol" charset="2"/>
+              </a:rPr>
+              <a:t>600</a:t>
+            </a:r>
+            <a:endParaRPr lang="en-US" sz="1400" i="1" dirty="0">
+              <a:latin typeface="Lucida Sans" charset="0"/>
+              <a:sym typeface="Symbol" charset="2"/>
+            </a:endParaRPr>
+          </a:p>
+          <a:p>
+            <a:pPr algn="l"/>
+            <a:r>
+              <a:rPr lang="en-US" sz="1400" dirty="0">
+                <a:latin typeface="Lucida Sans" charset="0"/>
+                <a:sym typeface="Symbol" charset="2"/>
+              </a:rPr>
+              <a:t>Finishing                        </a:t>
+            </a:r>
+            <a:r>
+              <a:rPr lang="en-US" sz="1400" dirty="0">
+                <a:latin typeface="Lucida Sans" charset="0"/>
+              </a:rPr>
+              <a:t>             </a:t>
+            </a:r>
+            <a:r>
+              <a:rPr lang="en-US" sz="1400" i="1" dirty="0">
+                <a:solidFill>
+                  <a:schemeClr val="accent2"/>
+                </a:solidFill>
+                <a:latin typeface="Lucida Sans" charset="0"/>
+              </a:rPr>
+              <a:t>x</a:t>
+            </a:r>
+            <a:r>
+              <a:rPr lang="en-US" sz="1400" i="1" baseline="-25000" dirty="0">
+                <a:solidFill>
+                  <a:schemeClr val="accent2"/>
+                </a:solidFill>
+                <a:latin typeface="Lucida Sans" charset="0"/>
+              </a:rPr>
+              <a:t>1</a:t>
+            </a:r>
+            <a:r>
+              <a:rPr lang="en-US" sz="1400" i="1" dirty="0">
+                <a:solidFill>
+                  <a:schemeClr val="accent2"/>
+                </a:solidFill>
+                <a:latin typeface="Lucida Sans" charset="0"/>
+              </a:rPr>
+              <a:t>    + 2/3 x</a:t>
+            </a:r>
+            <a:r>
+              <a:rPr lang="en-US" sz="1400" i="1" baseline="-25000" dirty="0">
+                <a:solidFill>
+                  <a:schemeClr val="accent2"/>
+                </a:solidFill>
+                <a:latin typeface="Lucida Sans" charset="0"/>
+              </a:rPr>
+              <a:t>2</a:t>
+            </a:r>
+            <a:r>
+              <a:rPr lang="en-US" sz="1400" i="1" dirty="0" smtClean="0">
+                <a:solidFill>
+                  <a:schemeClr val="accent2"/>
+                </a:solidFill>
+                <a:latin typeface="Lucida Sans" charset="0"/>
+              </a:rPr>
+              <a:t> ≤</a:t>
+            </a:r>
+            <a:r>
+              <a:rPr lang="en-US" sz="1400" dirty="0" smtClean="0">
+                <a:solidFill>
+                  <a:schemeClr val="accent2"/>
+                </a:solidFill>
+                <a:latin typeface="Lucida Sans" charset="0"/>
+                <a:sym typeface="Symbol" charset="2"/>
+              </a:rPr>
+              <a:t> </a:t>
+            </a:r>
+            <a:r>
+              <a:rPr lang="en-US" sz="1400" i="1" dirty="0">
+                <a:solidFill>
+                  <a:schemeClr val="accent2"/>
+                </a:solidFill>
+                <a:latin typeface="Lucida Sans" charset="0"/>
+                <a:sym typeface="Symbol" charset="2"/>
+              </a:rPr>
+              <a:t>708</a:t>
+            </a:r>
+            <a:endParaRPr lang="en-US" sz="1400" dirty="0">
+              <a:latin typeface="Lucida Sans" charset="0"/>
+              <a:sym typeface="Symbol" charset="2"/>
+            </a:endParaRPr>
+          </a:p>
+          <a:p>
+            <a:pPr algn="l"/>
+            <a:r>
+              <a:rPr lang="en-US" sz="1400" dirty="0">
+                <a:latin typeface="Lucida Sans" charset="0"/>
+                <a:sym typeface="Symbol" charset="2"/>
+              </a:rPr>
+              <a:t>Inspection &amp; Packaging      </a:t>
+            </a:r>
+            <a:r>
+              <a:rPr lang="en-US" sz="1400" i="1" dirty="0">
+                <a:solidFill>
+                  <a:schemeClr val="accent2"/>
+                </a:solidFill>
+                <a:latin typeface="Lucida Sans" charset="0"/>
+                <a:sym typeface="Symbol" charset="2"/>
+              </a:rPr>
+              <a:t>1</a:t>
+            </a:r>
+            <a:r>
+              <a:rPr lang="en-US" sz="1400" i="1" dirty="0">
+                <a:solidFill>
+                  <a:schemeClr val="accent2"/>
+                </a:solidFill>
+                <a:latin typeface="Lucida Sans" charset="0"/>
+              </a:rPr>
+              <a:t>/10 x</a:t>
+            </a:r>
+            <a:r>
+              <a:rPr lang="en-US" sz="1400" i="1" baseline="-25000" dirty="0">
+                <a:solidFill>
+                  <a:schemeClr val="accent2"/>
+                </a:solidFill>
+                <a:latin typeface="Lucida Sans" charset="0"/>
+              </a:rPr>
+              <a:t>1</a:t>
+            </a:r>
+            <a:r>
+              <a:rPr lang="en-US" sz="1400" i="1" dirty="0">
+                <a:solidFill>
+                  <a:schemeClr val="accent2"/>
+                </a:solidFill>
+                <a:latin typeface="Lucida Sans" charset="0"/>
+              </a:rPr>
+              <a:t>   + 1/4 x</a:t>
+            </a:r>
+            <a:r>
+              <a:rPr lang="en-US" sz="1400" i="1" baseline="-25000" dirty="0">
+                <a:solidFill>
+                  <a:schemeClr val="accent2"/>
+                </a:solidFill>
+                <a:latin typeface="Lucida Sans" charset="0"/>
+              </a:rPr>
+              <a:t>2</a:t>
+            </a:r>
+            <a:r>
+              <a:rPr lang="en-US" sz="1400" i="1" dirty="0" smtClean="0">
+                <a:solidFill>
+                  <a:schemeClr val="accent2"/>
+                </a:solidFill>
+                <a:latin typeface="Lucida Sans" charset="0"/>
+              </a:rPr>
+              <a:t> ≤</a:t>
+            </a:r>
+            <a:r>
+              <a:rPr lang="en-US" sz="1400" dirty="0" smtClean="0">
+                <a:solidFill>
+                  <a:schemeClr val="accent2"/>
+                </a:solidFill>
+                <a:latin typeface="Lucida Sans" charset="0"/>
+                <a:sym typeface="Symbol" charset="2"/>
+              </a:rPr>
+              <a:t> </a:t>
+            </a:r>
+            <a:r>
+              <a:rPr lang="en-US" sz="1400" i="1" dirty="0">
+                <a:solidFill>
+                  <a:schemeClr val="accent2"/>
+                </a:solidFill>
+                <a:latin typeface="Lucida Sans" charset="0"/>
+                <a:sym typeface="Symbol" charset="2"/>
+              </a:rPr>
+              <a:t>135</a:t>
+            </a:r>
+          </a:p>
+          <a:p>
+            <a:pPr algn="l"/>
+            <a:r>
+              <a:rPr lang="en-US" sz="1400" i="1" dirty="0">
+                <a:solidFill>
+                  <a:schemeClr val="accent2"/>
+                </a:solidFill>
+                <a:latin typeface="Lucida Sans" charset="0"/>
+                <a:sym typeface="Symbol" charset="2"/>
+              </a:rPr>
+              <a:t>                                               </a:t>
+            </a:r>
+            <a:r>
+              <a:rPr lang="en-US" sz="1400" i="1" dirty="0" smtClean="0">
+                <a:solidFill>
+                  <a:schemeClr val="accent2"/>
+                </a:solidFill>
+                <a:latin typeface="Lucida Sans" charset="0"/>
+                <a:sym typeface="Symbol" charset="2"/>
+              </a:rPr>
+              <a:t>x</a:t>
+            </a:r>
+            <a:r>
+              <a:rPr lang="en-US" sz="1400" i="1" baseline="-25000" dirty="0" smtClean="0">
+                <a:solidFill>
+                  <a:schemeClr val="accent2"/>
+                </a:solidFill>
+                <a:latin typeface="Lucida Sans" charset="0"/>
+                <a:sym typeface="Symbol" charset="2"/>
+              </a:rPr>
+              <a:t>1</a:t>
+            </a:r>
+            <a:r>
+              <a:rPr lang="en-US" sz="1400" i="1" dirty="0" smtClean="0">
+                <a:solidFill>
+                  <a:schemeClr val="accent2"/>
+                </a:solidFill>
+                <a:latin typeface="Lucida Sans" charset="0"/>
+                <a:sym typeface="Symbol" charset="2"/>
+              </a:rPr>
+              <a:t> ≥ 0</a:t>
+            </a:r>
+            <a:r>
+              <a:rPr lang="en-US" sz="1400" i="1" dirty="0">
+                <a:solidFill>
+                  <a:schemeClr val="accent2"/>
+                </a:solidFill>
+                <a:latin typeface="Lucida Sans" charset="0"/>
+                <a:sym typeface="Symbol" charset="2"/>
+              </a:rPr>
+              <a:t>,   </a:t>
+            </a:r>
+            <a:r>
+              <a:rPr lang="en-US" sz="1400" i="1" dirty="0" smtClean="0">
+                <a:solidFill>
+                  <a:schemeClr val="accent2"/>
+                </a:solidFill>
+                <a:latin typeface="Lucida Sans" charset="0"/>
+                <a:sym typeface="Symbol" charset="2"/>
+              </a:rPr>
+              <a:t>x</a:t>
+            </a:r>
+            <a:r>
+              <a:rPr lang="en-US" sz="1400" i="1" baseline="-25000" dirty="0" smtClean="0">
+                <a:solidFill>
+                  <a:schemeClr val="accent2"/>
+                </a:solidFill>
+                <a:latin typeface="Lucida Sans" charset="0"/>
+                <a:sym typeface="Symbol" charset="2"/>
+              </a:rPr>
+              <a:t>2</a:t>
+            </a:r>
+            <a:r>
+              <a:rPr lang="en-US" sz="1400" i="1" dirty="0">
+                <a:solidFill>
+                  <a:schemeClr val="accent2"/>
+                </a:solidFill>
+                <a:latin typeface="Lucida Sans" charset="0"/>
+                <a:sym typeface="Symbol" charset="2"/>
+              </a:rPr>
+              <a:t> </a:t>
+            </a:r>
+            <a:r>
+              <a:rPr lang="en-US" sz="1400" i="1" dirty="0" smtClean="0">
+                <a:solidFill>
+                  <a:schemeClr val="accent2"/>
+                </a:solidFill>
+                <a:latin typeface="Lucida Sans" charset="0"/>
+                <a:sym typeface="Symbol" charset="2"/>
+              </a:rPr>
+              <a:t>≥ 0</a:t>
+            </a:r>
+            <a:r>
+              <a:rPr lang="en-US" sz="1400" i="1" dirty="0">
+                <a:solidFill>
+                  <a:schemeClr val="accent2"/>
+                </a:solidFill>
+                <a:latin typeface="Lucida Sans" charset="0"/>
+                <a:sym typeface="Symbol" charset="2"/>
+              </a:rPr>
+              <a:t>, </a:t>
+            </a:r>
+          </a:p>
+        </p:txBody>
+      </p:sp>
+      <p:sp>
+        <p:nvSpPr>
+          <p:cNvPr id="84997" name="Text Box 5"/>
+          <p:cNvSpPr txBox="1">
+            <a:spLocks noChangeArrowheads="1"/>
+          </p:cNvSpPr>
+          <p:nvPr/>
+        </p:nvSpPr>
+        <p:spPr bwMode="auto">
+          <a:xfrm>
+            <a:off x="492125" y="1189038"/>
+            <a:ext cx="8040688" cy="606425"/>
+          </a:xfrm>
+          <a:prstGeom prst="rect">
+            <a:avLst/>
+          </a:prstGeom>
+          <a:noFill/>
+          <a:ln w="9525">
+            <a:noFill/>
+            <a:miter lim="800000"/>
+            <a:headEnd/>
+            <a:tailEnd/>
+          </a:ln>
+          <a:effectLst/>
+        </p:spPr>
+        <p:txBody>
+          <a:bodyPr wrap="none" anchor="ctr">
+            <a:prstTxWarp prst="textNoShape">
+              <a:avLst/>
+            </a:prstTxWarp>
+            <a:spAutoFit/>
+          </a:bodyPr>
+          <a:lstStyle/>
+          <a:p>
+            <a:pPr marL="457200" indent="-457200" algn="l"/>
+            <a:r>
+              <a:rPr lang="en-US" b="1">
+                <a:latin typeface="Century Gothic" charset="0"/>
+              </a:rPr>
+              <a:t>       Q1. What if the unit profit of the deluxe bag is $10  instead of $9?</a:t>
+            </a:r>
+          </a:p>
+          <a:p>
+            <a:pPr marL="457200" indent="-457200" algn="l">
+              <a:lnSpc>
+                <a:spcPct val="90000"/>
+              </a:lnSpc>
+              <a:spcBef>
+                <a:spcPct val="20000"/>
+              </a:spcBef>
+            </a:pPr>
+            <a:r>
+              <a:rPr lang="en-US" b="1">
+                <a:latin typeface="Century Gothic" charset="0"/>
+              </a:rPr>
+              <a:t>              What will happen to the optimal production plan and the optimal profit?</a:t>
+            </a:r>
+          </a:p>
+        </p:txBody>
+      </p:sp>
+      <p:grpSp>
+        <p:nvGrpSpPr>
+          <p:cNvPr id="85022" name="Group 30"/>
+          <p:cNvGrpSpPr>
+            <a:grpSpLocks/>
+          </p:cNvGrpSpPr>
+          <p:nvPr/>
+        </p:nvGrpSpPr>
+        <p:grpSpPr bwMode="auto">
+          <a:xfrm>
+            <a:off x="6234113" y="1828800"/>
+            <a:ext cx="1843087" cy="304800"/>
+            <a:chOff x="3840" y="1152"/>
+            <a:chExt cx="1161" cy="192"/>
+          </a:xfrm>
+        </p:grpSpPr>
+        <p:sp>
+          <p:nvSpPr>
+            <p:cNvPr id="85000" name="Text Box 8"/>
+            <p:cNvSpPr txBox="1">
+              <a:spLocks noChangeArrowheads="1"/>
+            </p:cNvSpPr>
+            <p:nvPr/>
+          </p:nvSpPr>
+          <p:spPr bwMode="auto">
+            <a:xfrm>
+              <a:off x="4052" y="1152"/>
+              <a:ext cx="949" cy="192"/>
+            </a:xfrm>
+            <a:prstGeom prst="rect">
+              <a:avLst/>
+            </a:prstGeom>
+            <a:noFill/>
+            <a:ln w="9525">
+              <a:noFill/>
+              <a:miter lim="800000"/>
+              <a:headEnd/>
+              <a:tailEnd/>
+            </a:ln>
+            <a:effectLst/>
+          </p:spPr>
+          <p:txBody>
+            <a:bodyPr wrap="none" anchor="ctr">
+              <a:prstTxWarp prst="textNoShape">
+                <a:avLst/>
+              </a:prstTxWarp>
+              <a:spAutoFit/>
+            </a:bodyPr>
+            <a:lstStyle/>
+            <a:p>
+              <a:r>
+                <a:rPr lang="en-US" sz="1400" b="1" i="1">
+                  <a:solidFill>
+                    <a:schemeClr val="accent2"/>
+                  </a:solidFill>
+                  <a:latin typeface="Lucida Sans" charset="0"/>
+                </a:rPr>
+                <a:t>10 x</a:t>
+              </a:r>
+              <a:r>
+                <a:rPr lang="en-US" sz="1400" b="1" i="1" baseline="-25000">
+                  <a:solidFill>
+                    <a:schemeClr val="accent2"/>
+                  </a:solidFill>
+                  <a:latin typeface="Lucida Sans" charset="0"/>
+                </a:rPr>
+                <a:t>1</a:t>
+              </a:r>
+              <a:r>
+                <a:rPr lang="en-US" sz="1400" b="1" i="1">
+                  <a:solidFill>
+                    <a:schemeClr val="accent2"/>
+                  </a:solidFill>
+                  <a:latin typeface="Lucida Sans" charset="0"/>
+                </a:rPr>
+                <a:t> + </a:t>
+              </a:r>
+              <a:r>
+                <a:rPr lang="en-US" sz="1400" b="1" i="1">
+                  <a:solidFill>
+                    <a:srgbClr val="FF3300"/>
+                  </a:solidFill>
+                  <a:latin typeface="Lucida Sans" charset="0"/>
+                </a:rPr>
+                <a:t>10  </a:t>
+              </a:r>
+              <a:r>
+                <a:rPr lang="en-US" sz="1400" b="1" i="1">
+                  <a:solidFill>
+                    <a:schemeClr val="hlink"/>
+                  </a:solidFill>
+                  <a:latin typeface="Lucida Sans" charset="0"/>
+                </a:rPr>
+                <a:t> </a:t>
+              </a:r>
+              <a:r>
+                <a:rPr lang="en-US" sz="1400" b="1" i="1">
+                  <a:solidFill>
+                    <a:schemeClr val="accent2"/>
+                  </a:solidFill>
+                  <a:latin typeface="Lucida Sans" charset="0"/>
+                </a:rPr>
+                <a:t>x</a:t>
+              </a:r>
+              <a:r>
+                <a:rPr lang="en-US" sz="1400" b="1" i="1" baseline="-25000">
+                  <a:solidFill>
+                    <a:schemeClr val="accent2"/>
+                  </a:solidFill>
+                  <a:latin typeface="Lucida Sans" charset="0"/>
+                </a:rPr>
+                <a:t>2</a:t>
+              </a:r>
+            </a:p>
+          </p:txBody>
+        </p:sp>
+        <p:sp>
+          <p:nvSpPr>
+            <p:cNvPr id="85001" name="Line 9"/>
+            <p:cNvSpPr>
+              <a:spLocks noChangeShapeType="1"/>
+            </p:cNvSpPr>
+            <p:nvPr/>
+          </p:nvSpPr>
+          <p:spPr bwMode="auto">
+            <a:xfrm>
+              <a:off x="3840" y="1248"/>
+              <a:ext cx="288" cy="0"/>
+            </a:xfrm>
+            <a:prstGeom prst="line">
+              <a:avLst/>
+            </a:prstGeom>
+            <a:noFill/>
+            <a:ln w="9525">
+              <a:solidFill>
+                <a:schemeClr val="tx1"/>
+              </a:solidFill>
+              <a:round/>
+              <a:headEnd/>
+              <a:tailEnd type="triangle" w="med" len="med"/>
+            </a:ln>
+            <a:effectLst/>
+          </p:spPr>
+          <p:txBody>
+            <a:bodyPr wrap="none" anchor="ctr">
+              <a:prstTxWarp prst="textNoShape">
+                <a:avLst/>
+              </a:prstTxWarp>
+            </a:bodyPr>
+            <a:lstStyle/>
+            <a:p>
+              <a:endParaRPr lang="en-US"/>
+            </a:p>
+          </p:txBody>
+        </p:sp>
+      </p:grpSp>
+      <p:sp>
+        <p:nvSpPr>
+          <p:cNvPr id="85005" name="Text Box 13"/>
+          <p:cNvSpPr txBox="1">
+            <a:spLocks noChangeArrowheads="1"/>
+          </p:cNvSpPr>
+          <p:nvPr/>
+        </p:nvSpPr>
+        <p:spPr bwMode="auto">
+          <a:xfrm>
+            <a:off x="1295400" y="5867400"/>
+            <a:ext cx="7007485" cy="923330"/>
+          </a:xfrm>
+          <a:prstGeom prst="rect">
+            <a:avLst/>
+          </a:prstGeom>
+          <a:solidFill>
+            <a:srgbClr val="FFFF00"/>
+          </a:solidFill>
+          <a:ln w="9525">
+            <a:solidFill>
+              <a:srgbClr val="FF3300"/>
+            </a:solidFill>
+            <a:miter lim="800000"/>
+            <a:headEnd/>
+            <a:tailEnd/>
+          </a:ln>
+          <a:effectLst>
+            <a:outerShdw blurRad="63500" dist="107763" dir="2700000" algn="ctr" rotWithShape="0">
+              <a:schemeClr val="bg2">
+                <a:alpha val="50000"/>
+              </a:schemeClr>
+            </a:outerShdw>
+          </a:effectLst>
+        </p:spPr>
+        <p:txBody>
+          <a:bodyPr wrap="none" anchor="ctr">
+            <a:prstTxWarp prst="textNoShape">
+              <a:avLst/>
+            </a:prstTxWarp>
+            <a:spAutoFit/>
+          </a:bodyPr>
+          <a:lstStyle/>
+          <a:p>
+            <a:pPr algn="l"/>
+            <a:r>
+              <a:rPr lang="en-US" sz="1800" b="1" dirty="0">
+                <a:solidFill>
+                  <a:schemeClr val="hlink"/>
+                </a:solidFill>
+                <a:latin typeface="Century Gothic" charset="0"/>
+                <a:sym typeface="Symbol" charset="2"/>
+              </a:rPr>
+              <a:t>10</a:t>
+            </a:r>
+            <a:r>
+              <a:rPr lang="en-US" sz="1800" b="1" dirty="0" smtClean="0">
+                <a:solidFill>
+                  <a:schemeClr val="hlink"/>
+                </a:solidFill>
+                <a:latin typeface="Century Gothic" charset="0"/>
+                <a:sym typeface="Symbol" charset="2"/>
+              </a:rPr>
+              <a:t> -9 ≤  </a:t>
+            </a:r>
+            <a:r>
+              <a:rPr lang="en-US" sz="1800" b="1" dirty="0">
+                <a:solidFill>
+                  <a:schemeClr val="hlink"/>
+                </a:solidFill>
+                <a:latin typeface="Century Gothic" charset="0"/>
+                <a:sym typeface="Symbol" charset="2"/>
+              </a:rPr>
+              <a:t>5.29 (the allowable increase of the coefficient of </a:t>
+            </a:r>
+            <a:r>
+              <a:rPr lang="en-US" sz="1800" b="1" i="1" dirty="0">
+                <a:solidFill>
+                  <a:schemeClr val="hlink"/>
+                </a:solidFill>
+                <a:latin typeface="Century Gothic" charset="0"/>
+                <a:sym typeface="Symbol" charset="2"/>
+              </a:rPr>
+              <a:t>x</a:t>
+            </a:r>
+            <a:r>
+              <a:rPr lang="en-US" sz="1800" b="1" i="1" baseline="-25000" dirty="0">
+                <a:solidFill>
+                  <a:schemeClr val="hlink"/>
+                </a:solidFill>
+                <a:latin typeface="Century Gothic" charset="0"/>
+                <a:sym typeface="Symbol" charset="2"/>
+              </a:rPr>
+              <a:t>2</a:t>
+            </a:r>
+            <a:r>
+              <a:rPr lang="en-US" sz="1800" b="1" dirty="0">
+                <a:solidFill>
+                  <a:schemeClr val="hlink"/>
+                </a:solidFill>
+                <a:latin typeface="Century Gothic" charset="0"/>
+                <a:sym typeface="Symbol" charset="2"/>
+              </a:rPr>
+              <a:t> ) </a:t>
+            </a:r>
+            <a:endParaRPr lang="en-US" sz="1800" b="1" dirty="0" smtClean="0">
+              <a:solidFill>
+                <a:schemeClr val="hlink"/>
+              </a:solidFill>
+              <a:latin typeface="Century Gothic" charset="0"/>
+              <a:sym typeface="Symbol" charset="2"/>
+            </a:endParaRPr>
+          </a:p>
+          <a:p>
+            <a:pPr algn="l"/>
+            <a:r>
+              <a:rPr lang="en-US" sz="1800" b="1" dirty="0" smtClean="0">
+                <a:solidFill>
+                  <a:schemeClr val="hlink"/>
+                </a:solidFill>
+                <a:latin typeface="Century Gothic" charset="0"/>
+                <a:sym typeface="Symbol" charset="2"/>
+              </a:rPr>
+              <a:t>=&gt;  </a:t>
+            </a:r>
+            <a:r>
+              <a:rPr lang="en-US" sz="1800" b="1" dirty="0">
+                <a:solidFill>
+                  <a:schemeClr val="hlink"/>
+                </a:solidFill>
+                <a:latin typeface="Century Gothic" charset="0"/>
+              </a:rPr>
+              <a:t>Solution (540, 252) does NOT change</a:t>
+            </a:r>
+          </a:p>
+          <a:p>
+            <a:pPr algn="l"/>
+            <a:r>
+              <a:rPr lang="en-US" sz="1800" b="1" dirty="0">
+                <a:solidFill>
+                  <a:schemeClr val="hlink"/>
+                </a:solidFill>
+                <a:latin typeface="Century Gothic" charset="0"/>
+              </a:rPr>
+              <a:t>New profit = old profit + (10-9</a:t>
+            </a:r>
+            <a:r>
+              <a:rPr lang="en-US" sz="1800" b="1" dirty="0" smtClean="0">
+                <a:solidFill>
+                  <a:schemeClr val="hlink"/>
+                </a:solidFill>
+                <a:latin typeface="Century Gothic" charset="0"/>
+              </a:rPr>
+              <a:t>)×252 </a:t>
+            </a:r>
+            <a:r>
+              <a:rPr lang="en-US" sz="1800" b="1" dirty="0">
+                <a:solidFill>
+                  <a:schemeClr val="hlink"/>
+                </a:solidFill>
+                <a:latin typeface="Century Gothic" charset="0"/>
+              </a:rPr>
+              <a:t>= 7668+252=7920</a:t>
+            </a:r>
+          </a:p>
+        </p:txBody>
+      </p:sp>
+      <p:pic>
+        <p:nvPicPr>
+          <p:cNvPr id="85021" name="Picture 29" descr="parsensitivity"/>
+          <p:cNvPicPr>
+            <a:picLocks noChangeAspect="1" noChangeArrowheads="1"/>
+          </p:cNvPicPr>
+          <p:nvPr/>
+        </p:nvPicPr>
+        <p:blipFill>
+          <a:blip r:embed="rId2"/>
+          <a:srcRect/>
+          <a:stretch>
+            <a:fillRect/>
+          </a:stretch>
+        </p:blipFill>
+        <p:spPr bwMode="auto">
+          <a:xfrm>
+            <a:off x="1295400" y="3162300"/>
+            <a:ext cx="7029450" cy="2628900"/>
+          </a:xfrm>
+          <a:prstGeom prst="rect">
+            <a:avLst/>
+          </a:prstGeom>
+          <a:noFill/>
+        </p:spPr>
+      </p:pic>
+      <p:sp>
+        <p:nvSpPr>
+          <p:cNvPr id="85025" name="AutoShape 33"/>
+          <p:cNvSpPr>
+            <a:spLocks noChangeArrowheads="1"/>
+          </p:cNvSpPr>
+          <p:nvPr/>
+        </p:nvSpPr>
+        <p:spPr bwMode="auto">
+          <a:xfrm>
+            <a:off x="5486400" y="1828800"/>
+            <a:ext cx="228600" cy="304800"/>
+          </a:xfrm>
+          <a:prstGeom prst="roundRect">
+            <a:avLst>
+              <a:gd name="adj" fmla="val 16667"/>
+            </a:avLst>
+          </a:prstGeom>
+          <a:noFill/>
+          <a:ln w="38100">
+            <a:solidFill>
+              <a:srgbClr val="FF0000"/>
+            </a:solidFill>
+            <a:round/>
+            <a:headEnd/>
+            <a:tailEnd/>
+          </a:ln>
+          <a:effectLst/>
+        </p:spPr>
+        <p:txBody>
+          <a:bodyPr wrap="none" anchor="ctr">
+            <a:prstTxWarp prst="textNoShape">
+              <a:avLst/>
+            </a:prstTxWarp>
+          </a:bodyPr>
+          <a:lstStyle/>
+          <a:p>
+            <a:endParaRPr lang="en-US"/>
+          </a:p>
+        </p:txBody>
+      </p:sp>
+      <p:sp>
+        <p:nvSpPr>
+          <p:cNvPr id="85026" name="AutoShape 34"/>
+          <p:cNvSpPr>
+            <a:spLocks noChangeArrowheads="1"/>
+          </p:cNvSpPr>
+          <p:nvPr/>
+        </p:nvSpPr>
+        <p:spPr bwMode="auto">
+          <a:xfrm>
+            <a:off x="7391400" y="1828800"/>
+            <a:ext cx="304800" cy="304800"/>
+          </a:xfrm>
+          <a:prstGeom prst="roundRect">
+            <a:avLst>
+              <a:gd name="adj" fmla="val 16667"/>
+            </a:avLst>
+          </a:prstGeom>
+          <a:noFill/>
+          <a:ln w="38100">
+            <a:solidFill>
+              <a:srgbClr val="FF0000"/>
+            </a:solidFill>
+            <a:round/>
+            <a:headEnd/>
+            <a:tailEnd/>
+          </a:ln>
+          <a:effectLst/>
+        </p:spPr>
+        <p:txBody>
+          <a:bodyPr wrap="none" anchor="ctr">
+            <a:prstTxWarp prst="textNoShape">
+              <a:avLst/>
+            </a:prstTxWarp>
+          </a:bodyPr>
+          <a:lstStyle/>
+          <a:p>
+            <a:endParaRPr lang="en-US"/>
+          </a:p>
+        </p:txBody>
+      </p:sp>
+      <p:sp>
+        <p:nvSpPr>
+          <p:cNvPr id="85027" name="AutoShape 35"/>
+          <p:cNvSpPr>
+            <a:spLocks noChangeArrowheads="1"/>
+          </p:cNvSpPr>
+          <p:nvPr/>
+        </p:nvSpPr>
+        <p:spPr bwMode="auto">
+          <a:xfrm>
+            <a:off x="6400800" y="3975100"/>
+            <a:ext cx="990600" cy="228600"/>
+          </a:xfrm>
+          <a:prstGeom prst="roundRect">
+            <a:avLst>
+              <a:gd name="adj" fmla="val 16667"/>
+            </a:avLst>
+          </a:prstGeom>
+          <a:noFill/>
+          <a:ln w="38100">
+            <a:solidFill>
+              <a:srgbClr val="FF0000"/>
+            </a:solidFill>
+            <a:round/>
+            <a:headEnd/>
+            <a:tailEnd/>
+          </a:ln>
+          <a:effectLst/>
+        </p:spPr>
+        <p:txBody>
+          <a:bodyPr wrap="none" anchor="ctr">
+            <a:prstTxWarp prst="textNoShape">
+              <a:avLst/>
+            </a:prstTxWarp>
+          </a:bodyPr>
+          <a:lstStyle/>
+          <a:p>
+            <a:endParaRPr lang="en-US"/>
+          </a:p>
+        </p:txBody>
+      </p:sp>
+    </p:spTree>
+  </p:cSld>
+  <p:clrMapOvr>
+    <a:masterClrMapping/>
+  </p:clrMapOvr>
+  <p:transition xmlns:p14="http://schemas.microsoft.com/office/powerpoint/2010/main">
+    <p:random/>
+  </p:transition>
+  <p:timing>
+    <p:tnLst>
+      <p:par>
+        <p:cTn xmlns:p14="http://schemas.microsoft.com/office/powerpoint/2010/main" id="1" dur="indefinite" restart="never" nodeType="tmRoot">
+          <p:childTnLst>
+            <p:seq concurrent="1" nextAc="seek">
+              <p:cTn id="2" dur="indefinite" nodeType="mainSeq">
+                <p:childTnLst>
+                  <p:par>
+                    <p:cTn id="3" fill="hold">
+                      <p:stCondLst>
+                        <p:cond delay="indefinite"/>
+                      </p:stCondLst>
+                      <p:childTnLst>
+                        <p:par>
+                          <p:cTn id="4" fill="hold">
+                            <p:stCondLst>
+                              <p:cond delay="0"/>
+                            </p:stCondLst>
+                            <p:childTnLst>
+                              <p:par>
+                                <p:cTn id="5" presetID="23" presetClass="entr" presetSubtype="16" fill="hold" grpId="0" nodeType="clickEffect">
+                                  <p:stCondLst>
+                                    <p:cond delay="0"/>
+                                  </p:stCondLst>
+                                  <p:childTnLst>
+                                    <p:set>
+                                      <p:cBhvr>
+                                        <p:cTn id="6" dur="1" fill="hold">
+                                          <p:stCondLst>
+                                            <p:cond delay="0"/>
+                                          </p:stCondLst>
+                                        </p:cTn>
+                                        <p:tgtEl>
+                                          <p:spTgt spid="84994"/>
+                                        </p:tgtEl>
+                                        <p:attrNameLst>
+                                          <p:attrName>style.visibility</p:attrName>
+                                        </p:attrNameLst>
+                                      </p:cBhvr>
+                                      <p:to>
+                                        <p:strVal val="visible"/>
+                                      </p:to>
+                                    </p:set>
+                                    <p:anim calcmode="lin" valueType="num">
+                                      <p:cBhvr>
+                                        <p:cTn id="7" dur="500" fill="hold"/>
+                                        <p:tgtEl>
+                                          <p:spTgt spid="84994"/>
+                                        </p:tgtEl>
+                                        <p:attrNameLst>
+                                          <p:attrName>ppt_w</p:attrName>
+                                        </p:attrNameLst>
+                                      </p:cBhvr>
+                                      <p:tavLst>
+                                        <p:tav tm="0">
+                                          <p:val>
+                                            <p:fltVal val="0"/>
+                                          </p:val>
+                                        </p:tav>
+                                        <p:tav tm="100000">
+                                          <p:val>
+                                            <p:strVal val="#ppt_w"/>
+                                          </p:val>
+                                        </p:tav>
+                                      </p:tavLst>
+                                    </p:anim>
+                                    <p:anim calcmode="lin" valueType="num">
+                                      <p:cBhvr>
+                                        <p:cTn id="8" dur="500" fill="hold"/>
+                                        <p:tgtEl>
+                                          <p:spTgt spid="84994"/>
+                                        </p:tgtEl>
+                                        <p:attrNameLst>
+                                          <p:attrName>ppt_h</p:attrName>
+                                        </p:attrNameLst>
+                                      </p:cBhvr>
+                                      <p:tavLst>
+                                        <p:tav tm="0">
+                                          <p:val>
+                                            <p:fltVal val="0"/>
+                                          </p:val>
+                                        </p:tav>
+                                        <p:tav tm="100000">
+                                          <p:val>
+                                            <p:strVal val="#ppt_h"/>
+                                          </p:val>
+                                        </p:tav>
+                                      </p:tavLst>
+                                    </p:anim>
+                                  </p:childTnLst>
+                                </p:cTn>
+                              </p:par>
+                              <p:par>
+                                <p:cTn id="9" presetID="22" presetClass="entr" presetSubtype="8" fill="hold" nodeType="withEffect">
+                                  <p:stCondLst>
+                                    <p:cond delay="0"/>
+                                  </p:stCondLst>
+                                  <p:childTnLst>
+                                    <p:set>
+                                      <p:cBhvr>
+                                        <p:cTn id="10" dur="1" fill="hold">
+                                          <p:stCondLst>
+                                            <p:cond delay="0"/>
+                                          </p:stCondLst>
+                                        </p:cTn>
+                                        <p:tgtEl>
+                                          <p:spTgt spid="85022"/>
+                                        </p:tgtEl>
+                                        <p:attrNameLst>
+                                          <p:attrName>style.visibility</p:attrName>
+                                        </p:attrNameLst>
+                                      </p:cBhvr>
+                                      <p:to>
+                                        <p:strVal val="visible"/>
+                                      </p:to>
+                                    </p:set>
+                                    <p:animEffect transition="in" filter="wipe(left)">
+                                      <p:cBhvr>
+                                        <p:cTn id="11" dur="500"/>
+                                        <p:tgtEl>
+                                          <p:spTgt spid="85022"/>
+                                        </p:tgtEl>
+                                      </p:cBhvr>
+                                    </p:animEffect>
+                                  </p:childTnLst>
+                                </p:cTn>
+                              </p:par>
+                            </p:childTnLst>
+                          </p:cTn>
+                        </p:par>
+                      </p:childTnLst>
+                    </p:cTn>
+                  </p:par>
+                  <p:par>
+                    <p:cTn id="12" fill="hold">
+                      <p:stCondLst>
+                        <p:cond delay="indefinite"/>
+                      </p:stCondLst>
+                      <p:childTnLst>
+                        <p:par>
+                          <p:cTn id="13" fill="hold">
+                            <p:stCondLst>
+                              <p:cond delay="0"/>
+                            </p:stCondLst>
+                            <p:childTnLst>
+                              <p:par>
+                                <p:cTn id="14" presetID="23" presetClass="entr" presetSubtype="16" fill="hold" grpId="0" nodeType="clickEffect">
+                                  <p:stCondLst>
+                                    <p:cond delay="0"/>
+                                  </p:stCondLst>
+                                  <p:childTnLst>
+                                    <p:set>
+                                      <p:cBhvr>
+                                        <p:cTn id="15" dur="1" fill="hold">
+                                          <p:stCondLst>
+                                            <p:cond delay="0"/>
+                                          </p:stCondLst>
+                                        </p:cTn>
+                                        <p:tgtEl>
+                                          <p:spTgt spid="85025"/>
+                                        </p:tgtEl>
+                                        <p:attrNameLst>
+                                          <p:attrName>style.visibility</p:attrName>
+                                        </p:attrNameLst>
+                                      </p:cBhvr>
+                                      <p:to>
+                                        <p:strVal val="visible"/>
+                                      </p:to>
+                                    </p:set>
+                                    <p:anim calcmode="lin" valueType="num">
+                                      <p:cBhvr>
+                                        <p:cTn id="16" dur="500" fill="hold"/>
+                                        <p:tgtEl>
+                                          <p:spTgt spid="85025"/>
+                                        </p:tgtEl>
+                                        <p:attrNameLst>
+                                          <p:attrName>ppt_w</p:attrName>
+                                        </p:attrNameLst>
+                                      </p:cBhvr>
+                                      <p:tavLst>
+                                        <p:tav tm="0">
+                                          <p:val>
+                                            <p:fltVal val="0"/>
+                                          </p:val>
+                                        </p:tav>
+                                        <p:tav tm="100000">
+                                          <p:val>
+                                            <p:strVal val="#ppt_w"/>
+                                          </p:val>
+                                        </p:tav>
+                                      </p:tavLst>
+                                    </p:anim>
+                                    <p:anim calcmode="lin" valueType="num">
+                                      <p:cBhvr>
+                                        <p:cTn id="17" dur="500" fill="hold"/>
+                                        <p:tgtEl>
+                                          <p:spTgt spid="85025"/>
+                                        </p:tgtEl>
+                                        <p:attrNameLst>
+                                          <p:attrName>ppt_h</p:attrName>
+                                        </p:attrNameLst>
+                                      </p:cBhvr>
+                                      <p:tavLst>
+                                        <p:tav tm="0">
+                                          <p:val>
+                                            <p:fltVal val="0"/>
+                                          </p:val>
+                                        </p:tav>
+                                        <p:tav tm="100000">
+                                          <p:val>
+                                            <p:strVal val="#ppt_h"/>
+                                          </p:val>
+                                        </p:tav>
+                                      </p:tavLst>
+                                    </p:anim>
+                                  </p:childTnLst>
+                                </p:cTn>
+                              </p:par>
+                              <p:par>
+                                <p:cTn id="18" presetID="23" presetClass="entr" presetSubtype="16" fill="hold" grpId="0" nodeType="withEffect">
+                                  <p:stCondLst>
+                                    <p:cond delay="0"/>
+                                  </p:stCondLst>
+                                  <p:childTnLst>
+                                    <p:set>
+                                      <p:cBhvr>
+                                        <p:cTn id="19" dur="1" fill="hold">
+                                          <p:stCondLst>
+                                            <p:cond delay="0"/>
+                                          </p:stCondLst>
+                                        </p:cTn>
+                                        <p:tgtEl>
+                                          <p:spTgt spid="85026"/>
+                                        </p:tgtEl>
+                                        <p:attrNameLst>
+                                          <p:attrName>style.visibility</p:attrName>
+                                        </p:attrNameLst>
+                                      </p:cBhvr>
+                                      <p:to>
+                                        <p:strVal val="visible"/>
+                                      </p:to>
+                                    </p:set>
+                                    <p:anim calcmode="lin" valueType="num">
+                                      <p:cBhvr>
+                                        <p:cTn id="20" dur="500" fill="hold"/>
+                                        <p:tgtEl>
+                                          <p:spTgt spid="85026"/>
+                                        </p:tgtEl>
+                                        <p:attrNameLst>
+                                          <p:attrName>ppt_w</p:attrName>
+                                        </p:attrNameLst>
+                                      </p:cBhvr>
+                                      <p:tavLst>
+                                        <p:tav tm="0">
+                                          <p:val>
+                                            <p:fltVal val="0"/>
+                                          </p:val>
+                                        </p:tav>
+                                        <p:tav tm="100000">
+                                          <p:val>
+                                            <p:strVal val="#ppt_w"/>
+                                          </p:val>
+                                        </p:tav>
+                                      </p:tavLst>
+                                    </p:anim>
+                                    <p:anim calcmode="lin" valueType="num">
+                                      <p:cBhvr>
+                                        <p:cTn id="21" dur="500" fill="hold"/>
+                                        <p:tgtEl>
+                                          <p:spTgt spid="85026"/>
+                                        </p:tgtEl>
+                                        <p:attrNameLst>
+                                          <p:attrName>ppt_h</p:attrName>
+                                        </p:attrNameLst>
+                                      </p:cBhvr>
+                                      <p:tavLst>
+                                        <p:tav tm="0">
+                                          <p:val>
+                                            <p:fltVal val="0"/>
+                                          </p:val>
+                                        </p:tav>
+                                        <p:tav tm="100000">
+                                          <p:val>
+                                            <p:strVal val="#ppt_h"/>
+                                          </p:val>
+                                        </p:tav>
+                                      </p:tavLst>
+                                    </p:anim>
+                                  </p:childTnLst>
+                                </p:cTn>
+                              </p:par>
+                            </p:childTnLst>
+                          </p:cTn>
+                        </p:par>
+                      </p:childTnLst>
+                    </p:cTn>
+                  </p:par>
+                  <p:par>
+                    <p:cTn id="22" fill="hold">
+                      <p:stCondLst>
+                        <p:cond delay="indefinite"/>
+                      </p:stCondLst>
+                      <p:childTnLst>
+                        <p:par>
+                          <p:cTn id="23" fill="hold">
+                            <p:stCondLst>
+                              <p:cond delay="0"/>
+                            </p:stCondLst>
+                            <p:childTnLst>
+                              <p:par>
+                                <p:cTn id="24" presetID="23" presetClass="entr" presetSubtype="16" fill="hold" grpId="0" nodeType="clickEffect">
+                                  <p:stCondLst>
+                                    <p:cond delay="0"/>
+                                  </p:stCondLst>
+                                  <p:childTnLst>
+                                    <p:set>
+                                      <p:cBhvr>
+                                        <p:cTn id="25" dur="1" fill="hold">
+                                          <p:stCondLst>
+                                            <p:cond delay="0"/>
+                                          </p:stCondLst>
+                                        </p:cTn>
+                                        <p:tgtEl>
+                                          <p:spTgt spid="85027"/>
+                                        </p:tgtEl>
+                                        <p:attrNameLst>
+                                          <p:attrName>style.visibility</p:attrName>
+                                        </p:attrNameLst>
+                                      </p:cBhvr>
+                                      <p:to>
+                                        <p:strVal val="visible"/>
+                                      </p:to>
+                                    </p:set>
+                                    <p:anim calcmode="lin" valueType="num">
+                                      <p:cBhvr>
+                                        <p:cTn id="26" dur="500" fill="hold"/>
+                                        <p:tgtEl>
+                                          <p:spTgt spid="85027"/>
+                                        </p:tgtEl>
+                                        <p:attrNameLst>
+                                          <p:attrName>ppt_w</p:attrName>
+                                        </p:attrNameLst>
+                                      </p:cBhvr>
+                                      <p:tavLst>
+                                        <p:tav tm="0">
+                                          <p:val>
+                                            <p:fltVal val="0"/>
+                                          </p:val>
+                                        </p:tav>
+                                        <p:tav tm="100000">
+                                          <p:val>
+                                            <p:strVal val="#ppt_w"/>
+                                          </p:val>
+                                        </p:tav>
+                                      </p:tavLst>
+                                    </p:anim>
+                                    <p:anim calcmode="lin" valueType="num">
+                                      <p:cBhvr>
+                                        <p:cTn id="27" dur="500" fill="hold"/>
+                                        <p:tgtEl>
+                                          <p:spTgt spid="85027"/>
+                                        </p:tgtEl>
+                                        <p:attrNameLst>
+                                          <p:attrName>ppt_h</p:attrName>
+                                        </p:attrNameLst>
+                                      </p:cBhvr>
+                                      <p:tavLst>
+                                        <p:tav tm="0">
+                                          <p:val>
+                                            <p:fltVal val="0"/>
+                                          </p:val>
+                                        </p:tav>
+                                        <p:tav tm="100000">
+                                          <p:val>
+                                            <p:strVal val="#ppt_h"/>
+                                          </p:val>
+                                        </p:tav>
+                                      </p:tavLst>
+                                    </p:anim>
+                                  </p:childTnLst>
+                                </p:cTn>
+                              </p:par>
+                            </p:childTnLst>
+                          </p:cTn>
+                        </p:par>
+                      </p:childTnLst>
+                    </p:cTn>
+                  </p:par>
+                  <p:par>
+                    <p:cTn id="28" fill="hold">
+                      <p:stCondLst>
+                        <p:cond delay="indefinite"/>
+                      </p:stCondLst>
+                      <p:childTnLst>
+                        <p:par>
+                          <p:cTn id="29" fill="hold">
+                            <p:stCondLst>
+                              <p:cond delay="0"/>
+                            </p:stCondLst>
+                            <p:childTnLst>
+                              <p:par>
+                                <p:cTn id="30" presetID="22" presetClass="entr" presetSubtype="8" fill="hold" grpId="0" nodeType="clickEffect">
+                                  <p:stCondLst>
+                                    <p:cond delay="0"/>
+                                  </p:stCondLst>
+                                  <p:childTnLst>
+                                    <p:set>
+                                      <p:cBhvr>
+                                        <p:cTn id="31" dur="1" fill="hold">
+                                          <p:stCondLst>
+                                            <p:cond delay="0"/>
+                                          </p:stCondLst>
+                                        </p:cTn>
+                                        <p:tgtEl>
+                                          <p:spTgt spid="85005"/>
+                                        </p:tgtEl>
+                                        <p:attrNameLst>
+                                          <p:attrName>style.visibility</p:attrName>
+                                        </p:attrNameLst>
+                                      </p:cBhvr>
+                                      <p:to>
+                                        <p:strVal val="visible"/>
+                                      </p:to>
+                                    </p:set>
+                                    <p:animEffect transition="in" filter="wipe(left)">
+                                      <p:cBhvr>
+                                        <p:cTn id="32" dur="500"/>
+                                        <p:tgtEl>
+                                          <p:spTgt spid="85005"/>
+                                        </p:tgtEl>
+                                      </p:cBhvr>
+                                    </p:animEffect>
+                                  </p:childTnLst>
+                                </p:cTn>
+                              </p:par>
+                            </p:childTnLst>
+                          </p:cTn>
+                        </p:par>
+                      </p:childTnLst>
+                    </p:cTn>
+                  </p:par>
+                </p:childTnLst>
+              </p:cTn>
+              <p:prevCondLst>
+                <p:cond evt="onPrev" delay="0">
+                  <p:tgtEl>
+                    <p:sldTgt/>
+                  </p:tgtEl>
+                </p:cond>
+              </p:prevCondLst>
+              <p:nextCondLst>
+                <p:cond evt="onNext" delay="0">
+                  <p:tgtEl>
+                    <p:sldTgt/>
+                  </p:tgtEl>
+                </p:cond>
+              </p:nextCondLst>
+            </p:seq>
+          </p:childTnLst>
+        </p:cTn>
+      </p:par>
+    </p:tnLst>
+    <p:bldLst>
+      <p:bldP spid="84994" grpId="0"/>
+      <p:bldP spid="85005" grpId="0" animBg="1" autoUpdateAnimBg="0"/>
+      <p:bldP spid="85025" grpId="0" animBg="1"/>
+      <p:bldP spid="85026" grpId="0" animBg="1"/>
+      <p:bldP spid="85027" grpId="0" animBg="1"/>
+    </p:bldLst>
+  </p:timing>
+</p:sld>
+</file>
+
+<file path=ppt/slides/slide11.xml><?xml version="1.0" encoding="utf-8"?>
+<p:sld xmlns:a="http://schemas.openxmlformats.org/drawingml/2006/main" xmlns:r="http://schemas.openxmlformats.org/officeDocument/2006/relationships" xmlns:p="http://schemas.openxmlformats.org/presentationml/2006/main">
+  <p:cSld>
+    <p:spTree>
+      <p:nvGrpSpPr>
+        <p:cNvPr id="1" name=""/>
+        <p:cNvGrpSpPr/>
+        <p:nvPr/>
+      </p:nvGrpSpPr>
+      <p:grpSpPr>
+        <a:xfrm>
+          <a:off x="0" y="0"/>
+          <a:ext cx="0" cy="0"/>
+          <a:chOff x="0" y="0"/>
+          <a:chExt cx="0" cy="0"/>
+        </a:xfrm>
+      </p:grpSpPr>
+      <p:sp>
+        <p:nvSpPr>
+          <p:cNvPr id="7" name="Date Placeholder 3"/>
+          <p:cNvSpPr>
+            <a:spLocks noGrp="1"/>
+          </p:cNvSpPr>
+          <p:nvPr>
+            <p:ph type="dt" sz="half" idx="10"/>
+          </p:nvPr>
+        </p:nvSpPr>
+        <p:spPr/>
+        <p:txBody>
+          <a:bodyPr/>
+          <a:lstStyle/>
+          <a:p>
+            <a:r>
+              <a:rPr lang="en-US" smtClean="0"/>
+              <a:t>9/23/2013,         9/25/2013</a:t>
+            </a:r>
+            <a:endParaRPr lang="en-US" dirty="0"/>
+          </a:p>
+        </p:txBody>
+      </p:sp>
+      <p:sp>
+        <p:nvSpPr>
+          <p:cNvPr id="9" name="Slide Number Placeholder 5"/>
+          <p:cNvSpPr>
+            <a:spLocks noGrp="1"/>
+          </p:cNvSpPr>
+          <p:nvPr>
+            <p:ph type="sldNum" sz="quarter" idx="12"/>
+          </p:nvPr>
+        </p:nvSpPr>
+        <p:spPr/>
+        <p:txBody>
+          <a:bodyPr/>
+          <a:lstStyle/>
+          <a:p>
+            <a:fld id="{77CB5C25-6CFA-434F-ABF0-5AB179A89595}" type="slidenum">
+              <a:rPr lang="en-US"/>
+              <a:pPr/>
+              <a:t>11</a:t>
+            </a:fld>
+            <a:endParaRPr lang="en-US" dirty="0"/>
+          </a:p>
+        </p:txBody>
+      </p:sp>
+      <p:sp>
+        <p:nvSpPr>
+          <p:cNvPr id="120834" name="Rectangle 2"/>
+          <p:cNvSpPr>
+            <a:spLocks noGrp="1" noChangeArrowheads="1"/>
+          </p:cNvSpPr>
+          <p:nvPr>
+            <p:ph type="title"/>
+          </p:nvPr>
+        </p:nvSpPr>
+        <p:spPr/>
+        <p:txBody>
+          <a:bodyPr/>
+          <a:lstStyle/>
+          <a:p>
+            <a:r>
+              <a:rPr lang="en-US" sz="2400"/>
+              <a:t>“Allowable Increase” and </a:t>
+            </a:r>
+            <a:br>
+              <a:rPr lang="en-US" sz="2400"/>
+            </a:br>
+            <a:r>
+              <a:rPr lang="en-US" sz="2400"/>
+              <a:t>“Allowable Decrease” in the “Adjustable Cells”</a:t>
+            </a:r>
+          </a:p>
+        </p:txBody>
+      </p:sp>
+      <p:sp>
+        <p:nvSpPr>
+          <p:cNvPr id="120835" name="Rectangle 3"/>
+          <p:cNvSpPr>
+            <a:spLocks noGrp="1" noChangeArrowheads="1"/>
+          </p:cNvSpPr>
+          <p:nvPr>
+            <p:ph type="body" idx="1"/>
+          </p:nvPr>
+        </p:nvSpPr>
+        <p:spPr>
+          <a:xfrm>
+            <a:off x="609600" y="1371600"/>
+            <a:ext cx="8229600" cy="4800600"/>
+          </a:xfrm>
+          <a:noFill/>
+        </p:spPr>
+        <p:txBody>
+          <a:bodyPr/>
+          <a:lstStyle/>
+          <a:p>
+            <a:pPr>
+              <a:buFontTx/>
+              <a:buNone/>
+            </a:pPr>
+            <a:r>
+              <a:rPr lang="en-US" sz="2000" dirty="0"/>
+              <a:t> Suppose                                Let     </a:t>
+            </a:r>
+          </a:p>
+          <a:p>
+            <a:endParaRPr lang="en-US" sz="2000" u="sng" dirty="0"/>
+          </a:p>
+          <a:p>
+            <a:r>
+              <a:rPr lang="en-US" sz="2000" dirty="0"/>
+              <a:t>“</a:t>
+            </a:r>
+            <a:r>
+              <a:rPr lang="en-US" sz="2000" b="1" dirty="0"/>
+              <a:t>Allowable” ranges</a:t>
+            </a:r>
+            <a:r>
+              <a:rPr lang="en-US" sz="1800" dirty="0"/>
+              <a:t> </a:t>
+            </a:r>
+            <a:r>
+              <a:rPr lang="en-US" sz="2000" dirty="0"/>
+              <a:t>tell you how much the </a:t>
+            </a:r>
+            <a:r>
+              <a:rPr lang="en-US" sz="2000" b="1" dirty="0"/>
+              <a:t>coefficient of a given decision variable</a:t>
+            </a:r>
+            <a:r>
+              <a:rPr lang="en-US" sz="2000" dirty="0"/>
+              <a:t> in the objective function </a:t>
+            </a:r>
+            <a:r>
+              <a:rPr lang="en-US" sz="2000" b="1" dirty="0"/>
+              <a:t>may be increased or decreased </a:t>
+            </a:r>
+            <a:r>
+              <a:rPr lang="en-US" sz="2000" b="1" u="sng" dirty="0"/>
+              <a:t>without changing the optimal solution</a:t>
+            </a:r>
+            <a:r>
+              <a:rPr lang="en-US" sz="2000" u="sng" dirty="0"/>
+              <a:t> </a:t>
+            </a:r>
+            <a:r>
+              <a:rPr lang="en-US" sz="2000" dirty="0"/>
+              <a:t>(the value of the decision </a:t>
+            </a:r>
+            <a:r>
+              <a:rPr lang="en-US" sz="2000" dirty="0" smtClean="0"/>
+              <a:t>variables x</a:t>
+            </a:r>
+            <a:r>
+              <a:rPr lang="en-US" sz="2000" baseline="-25000" dirty="0" smtClean="0"/>
+              <a:t>i</a:t>
+            </a:r>
+            <a:r>
+              <a:rPr lang="en-US" sz="2000" dirty="0" smtClean="0"/>
+              <a:t>*), </a:t>
+            </a:r>
+            <a:r>
+              <a:rPr lang="en-US" sz="2000" dirty="0"/>
+              <a:t>where all other data are assumed to be fixed</a:t>
+            </a:r>
+            <a:r>
+              <a:rPr lang="en-US" sz="2000" dirty="0" smtClean="0"/>
+              <a:t>. </a:t>
+            </a:r>
+          </a:p>
+          <a:p>
+            <a:endParaRPr lang="en-US" sz="2000" dirty="0"/>
+          </a:p>
+          <a:p>
+            <a:r>
+              <a:rPr lang="en-US" sz="2000" b="1" dirty="0"/>
+              <a:t>Calculate the new Objective Function Value (</a:t>
+            </a:r>
+            <a:r>
+              <a:rPr lang="en-US" sz="2000" b="1" dirty="0" err="1"/>
+              <a:t>OV</a:t>
+            </a:r>
+            <a:r>
+              <a:rPr lang="en-US" sz="2000" b="1" baseline="-25000" dirty="0" err="1"/>
+              <a:t>new</a:t>
+            </a:r>
+            <a:r>
+              <a:rPr lang="en-US" sz="2000" b="1" dirty="0"/>
+              <a:t>)</a:t>
+            </a:r>
+            <a:endParaRPr lang="en-US" sz="2000" b="1" dirty="0">
+              <a:solidFill>
+                <a:schemeClr val="hlink"/>
+              </a:solidFill>
+            </a:endParaRPr>
+          </a:p>
+          <a:p>
+            <a:pPr lvl="1"/>
+            <a:r>
+              <a:rPr lang="en-US" sz="1800" b="1" dirty="0" smtClean="0">
+                <a:solidFill>
+                  <a:srgbClr val="FF0000"/>
+                </a:solidFill>
+              </a:rPr>
+              <a:t>When </a:t>
+            </a:r>
+            <a:r>
+              <a:rPr lang="en-US" sz="1800" b="1" dirty="0" smtClean="0">
+                <a:solidFill>
+                  <a:srgbClr val="FF0000"/>
+                </a:solidFill>
+                <a:sym typeface="Symbol"/>
+              </a:rPr>
+              <a:t></a:t>
+            </a:r>
+            <a:r>
+              <a:rPr lang="en-US" sz="1800" b="1" dirty="0" err="1" smtClean="0">
+                <a:solidFill>
+                  <a:srgbClr val="FF0000"/>
+                </a:solidFill>
+                <a:sym typeface="Symbol"/>
+              </a:rPr>
+              <a:t>C</a:t>
+            </a:r>
+            <a:r>
+              <a:rPr lang="en-US" sz="1800" b="1" baseline="-25000" dirty="0" err="1" smtClean="0">
+                <a:solidFill>
+                  <a:srgbClr val="FF0000"/>
+                </a:solidFill>
+                <a:sym typeface="Symbol"/>
+              </a:rPr>
+              <a:t>i</a:t>
+            </a:r>
+            <a:r>
+              <a:rPr lang="en-US" sz="1800" b="1" dirty="0" smtClean="0">
+                <a:solidFill>
+                  <a:srgbClr val="FF0000"/>
+                </a:solidFill>
+                <a:sym typeface="Symbol"/>
+              </a:rPr>
+              <a:t> </a:t>
+            </a:r>
+            <a:r>
+              <a:rPr lang="en-US" sz="1800" b="1" dirty="0" smtClean="0">
+                <a:solidFill>
+                  <a:schemeClr val="hlink"/>
+                </a:solidFill>
+                <a:sym typeface="Symbol"/>
+              </a:rPr>
+              <a:t>is </a:t>
+            </a:r>
+            <a:r>
+              <a:rPr lang="en-US" sz="1800" b="1" u="sng" dirty="0" smtClean="0">
+                <a:solidFill>
+                  <a:schemeClr val="hlink"/>
+                </a:solidFill>
+              </a:rPr>
+              <a:t>within</a:t>
+            </a:r>
+            <a:r>
+              <a:rPr lang="en-US" sz="1800" b="1" dirty="0" smtClean="0">
+                <a:solidFill>
+                  <a:schemeClr val="hlink"/>
+                </a:solidFill>
+              </a:rPr>
+              <a:t> </a:t>
+            </a:r>
+            <a:r>
+              <a:rPr lang="en-US" sz="1800" b="1" dirty="0">
+                <a:solidFill>
+                  <a:schemeClr val="hlink"/>
+                </a:solidFill>
+              </a:rPr>
+              <a:t>the “Allowable” range</a:t>
+            </a:r>
+            <a:r>
+              <a:rPr lang="en-US" sz="1800" dirty="0">
+                <a:solidFill>
+                  <a:schemeClr val="hlink"/>
+                </a:solidFill>
+              </a:rPr>
+              <a:t>:   </a:t>
+            </a:r>
+            <a:r>
+              <a:rPr lang="en-US" sz="1800" b="1" dirty="0" err="1">
+                <a:solidFill>
+                  <a:schemeClr val="hlink"/>
+                </a:solidFill>
+              </a:rPr>
+              <a:t>x</a:t>
+            </a:r>
+            <a:r>
+              <a:rPr lang="en-US" sz="1800" b="1" baseline="-25000" dirty="0" err="1">
+                <a:solidFill>
+                  <a:schemeClr val="hlink"/>
+                </a:solidFill>
+              </a:rPr>
+              <a:t>new</a:t>
+            </a:r>
+            <a:r>
+              <a:rPr lang="en-US" sz="1800" b="1" baseline="30000" dirty="0">
+                <a:solidFill>
+                  <a:schemeClr val="hlink"/>
+                </a:solidFill>
+              </a:rPr>
+              <a:t>* </a:t>
+            </a:r>
+            <a:r>
+              <a:rPr lang="en-US" sz="1800" b="1" dirty="0">
+                <a:solidFill>
+                  <a:schemeClr val="hlink"/>
+                </a:solidFill>
+              </a:rPr>
+              <a:t>=</a:t>
+            </a:r>
+            <a:r>
+              <a:rPr lang="en-US" sz="1800" b="1" dirty="0" err="1">
+                <a:solidFill>
+                  <a:schemeClr val="hlink"/>
+                </a:solidFill>
+              </a:rPr>
+              <a:t>x</a:t>
+            </a:r>
+            <a:r>
+              <a:rPr lang="en-US" sz="1800" b="1" baseline="-25000" dirty="0" err="1">
+                <a:solidFill>
+                  <a:schemeClr val="hlink"/>
+                </a:solidFill>
+              </a:rPr>
+              <a:t>old</a:t>
+            </a:r>
+            <a:r>
+              <a:rPr lang="en-US" sz="1800" b="1" baseline="30000" dirty="0">
+                <a:solidFill>
+                  <a:schemeClr val="hlink"/>
+                </a:solidFill>
+              </a:rPr>
+              <a:t>*</a:t>
+            </a:r>
+          </a:p>
+          <a:p>
+            <a:pPr lvl="1"/>
+            <a:endParaRPr lang="en-US" sz="1800" b="1" baseline="30000" dirty="0">
+              <a:solidFill>
+                <a:schemeClr val="hlink"/>
+              </a:solidFill>
+            </a:endParaRPr>
+          </a:p>
+          <a:p>
+            <a:pPr lvl="1"/>
+            <a:endParaRPr lang="en-US" sz="1800" baseline="30000" dirty="0">
+              <a:solidFill>
+                <a:schemeClr val="hlink"/>
+              </a:solidFill>
+            </a:endParaRPr>
+          </a:p>
+          <a:p>
+            <a:pPr>
+              <a:buFontTx/>
+              <a:buNone/>
+            </a:pPr>
+            <a:r>
+              <a:rPr lang="en-US" sz="2000" baseline="30000" dirty="0">
+                <a:solidFill>
+                  <a:schemeClr val="hlink"/>
+                </a:solidFill>
+              </a:rPr>
+              <a:t> </a:t>
+            </a:r>
+          </a:p>
+          <a:p>
+            <a:pPr lvl="1"/>
+            <a:r>
+              <a:rPr lang="en-US" sz="1800" b="1" dirty="0">
+                <a:solidFill>
+                  <a:srgbClr val="FF0000"/>
+                </a:solidFill>
+              </a:rPr>
+              <a:t>When </a:t>
+            </a:r>
+            <a:r>
+              <a:rPr lang="en-US" sz="1800" b="1" dirty="0">
+                <a:solidFill>
+                  <a:srgbClr val="FF0000"/>
+                </a:solidFill>
+                <a:sym typeface="Symbol"/>
+              </a:rPr>
+              <a:t></a:t>
+            </a:r>
+            <a:r>
+              <a:rPr lang="en-US" sz="1800" b="1" dirty="0" err="1">
+                <a:solidFill>
+                  <a:srgbClr val="FF0000"/>
+                </a:solidFill>
+                <a:sym typeface="Symbol"/>
+              </a:rPr>
+              <a:t>C</a:t>
+            </a:r>
+            <a:r>
+              <a:rPr lang="en-US" sz="1800" b="1" baseline="-25000" dirty="0" err="1">
+                <a:solidFill>
+                  <a:srgbClr val="FF0000"/>
+                </a:solidFill>
+                <a:sym typeface="Symbol"/>
+              </a:rPr>
+              <a:t>i</a:t>
+            </a:r>
+            <a:r>
+              <a:rPr lang="en-US" sz="1800" b="1" dirty="0">
+                <a:solidFill>
+                  <a:srgbClr val="FF0000"/>
+                </a:solidFill>
+                <a:sym typeface="Symbol"/>
+              </a:rPr>
+              <a:t> </a:t>
+            </a:r>
+            <a:r>
+              <a:rPr lang="en-US" sz="1800" b="1" dirty="0">
+                <a:solidFill>
+                  <a:schemeClr val="hlink"/>
+                </a:solidFill>
+                <a:sym typeface="Symbol"/>
+              </a:rPr>
+              <a:t>is </a:t>
+            </a:r>
+            <a:r>
+              <a:rPr lang="en-US" sz="1800" b="1" u="sng" dirty="0" smtClean="0">
+                <a:solidFill>
+                  <a:schemeClr val="hlink"/>
+                </a:solidFill>
+              </a:rPr>
+              <a:t>outside</a:t>
+            </a:r>
+            <a:r>
+              <a:rPr lang="en-US" sz="1800" b="1" dirty="0" smtClean="0">
+                <a:solidFill>
+                  <a:schemeClr val="hlink"/>
+                </a:solidFill>
+              </a:rPr>
+              <a:t> </a:t>
+            </a:r>
+            <a:r>
+              <a:rPr lang="en-US" sz="1800" b="1" dirty="0">
+                <a:solidFill>
+                  <a:schemeClr val="hlink"/>
+                </a:solidFill>
+              </a:rPr>
+              <a:t>the “Allowable” range</a:t>
+            </a:r>
+            <a:r>
+              <a:rPr lang="en-US" sz="1800" dirty="0">
+                <a:solidFill>
+                  <a:schemeClr val="hlink"/>
+                </a:solidFill>
+              </a:rPr>
+              <a:t>: </a:t>
+            </a:r>
+            <a:r>
+              <a:rPr lang="en-US" sz="1800" dirty="0" err="1">
+                <a:solidFill>
+                  <a:schemeClr val="hlink"/>
+                </a:solidFill>
+              </a:rPr>
+              <a:t>x</a:t>
+            </a:r>
+            <a:r>
+              <a:rPr lang="en-US" sz="1800" baseline="-25000" dirty="0" err="1">
+                <a:solidFill>
+                  <a:schemeClr val="hlink"/>
+                </a:solidFill>
+              </a:rPr>
+              <a:t>new</a:t>
+            </a:r>
+            <a:r>
+              <a:rPr lang="en-US" sz="1800" baseline="30000" dirty="0">
+                <a:solidFill>
+                  <a:schemeClr val="hlink"/>
+                </a:solidFill>
+              </a:rPr>
+              <a:t>* </a:t>
+            </a:r>
+            <a:r>
+              <a:rPr lang="en-US" sz="1800" dirty="0">
+                <a:solidFill>
+                  <a:schemeClr val="hlink"/>
+                </a:solidFill>
+              </a:rPr>
+              <a:t> ≠ </a:t>
+            </a:r>
+            <a:r>
+              <a:rPr lang="en-US" sz="1800" dirty="0" err="1">
+                <a:solidFill>
+                  <a:schemeClr val="hlink"/>
+                </a:solidFill>
+              </a:rPr>
+              <a:t>x</a:t>
+            </a:r>
+            <a:r>
+              <a:rPr lang="en-US" sz="1800" baseline="-25000" dirty="0" err="1">
+                <a:solidFill>
+                  <a:schemeClr val="hlink"/>
+                </a:solidFill>
+              </a:rPr>
+              <a:t>old</a:t>
+            </a:r>
+            <a:r>
+              <a:rPr lang="en-US" sz="1800" baseline="30000" dirty="0">
+                <a:solidFill>
+                  <a:schemeClr val="hlink"/>
+                </a:solidFill>
+              </a:rPr>
+              <a:t>*, </a:t>
+            </a:r>
+            <a:r>
+              <a:rPr lang="en-US" sz="1800" b="1" dirty="0">
+                <a:solidFill>
+                  <a:schemeClr val="hlink"/>
+                </a:solidFill>
+              </a:rPr>
+              <a:t>re-formulate LP and resolve</a:t>
+            </a:r>
+            <a:r>
+              <a:rPr lang="en-US" sz="1800" dirty="0">
+                <a:solidFill>
+                  <a:schemeClr val="hlink"/>
+                </a:solidFill>
+              </a:rPr>
+              <a:t>!</a:t>
+            </a:r>
+          </a:p>
+        </p:txBody>
+      </p:sp>
+      <p:graphicFrame>
+        <p:nvGraphicFramePr>
+          <p:cNvPr id="120836" name="Object 4"/>
+          <p:cNvGraphicFramePr>
+            <a:graphicFrameLocks noChangeAspect="1"/>
+          </p:cNvGraphicFramePr>
+          <p:nvPr/>
+        </p:nvGraphicFramePr>
+        <p:xfrm>
+          <a:off x="2133600" y="4800600"/>
+          <a:ext cx="3505200" cy="609600"/>
+        </p:xfrm>
+        <a:graphic>
+          <a:graphicData uri="http://schemas.openxmlformats.org/presentationml/2006/ole">
+            <mc:AlternateContent xmlns:mc="http://schemas.openxmlformats.org/markup-compatibility/2006">
+              <mc:Choice xmlns:v="urn:schemas-microsoft-com:vml" Requires="v">
+                <p:oleObj spid="_x0000_s120892" name="Equation" r:id="rId3" imgW="1460160" imgH="253800" progId="Equation.DSMT4">
+                  <p:embed/>
+                </p:oleObj>
+              </mc:Choice>
+              <mc:Fallback>
+                <p:oleObj name="Equation" r:id="rId3" imgW="1460160" imgH="253800" progId="Equation.DSMT4">
+                  <p:embed/>
+                  <p:pic>
+                    <p:nvPicPr>
+                      <p:cNvPr id="0" name="Picture 4"/>
+                      <p:cNvPicPr>
+                        <a:picLocks noChangeAspect="1" noChangeArrowheads="1"/>
+                      </p:cNvPicPr>
+                      <p:nvPr/>
+                    </p:nvPicPr>
+                    <p:blipFill>
+                      <a:blip r:embed="rId4">
+                        <a:extLst>
+                          <a:ext uri="{28A0092B-C50C-407E-A947-70E740481C1C}">
+                            <a14:useLocalDpi xmlns:a14="http://schemas.microsoft.com/office/drawing/2010/main" val="0"/>
+                          </a:ext>
+                        </a:extLst>
+                      </a:blip>
+                      <a:srcRect/>
+                      <a:stretch>
+                        <a:fillRect/>
+                      </a:stretch>
+                    </p:blipFill>
+                    <p:spPr bwMode="auto">
+                      <a:xfrm>
+                        <a:off x="2133600" y="4800600"/>
+                        <a:ext cx="3505200" cy="609600"/>
+                      </a:xfrm>
+                      <a:prstGeom prst="rect">
+                        <a:avLst/>
+                      </a:prstGeom>
+                      <a:noFill/>
+                      <a:extLst>
+                        <a:ext uri="{909E8E84-426E-40dd-AFC4-6F175D3DCCD1}">
+                          <a14:hiddenFill xmlns:a14="http://schemas.microsoft.com/office/drawing/2010/main">
+                            <a:solidFill>
+                              <a:srgbClr val="FFFFFF"/>
+                            </a:solidFill>
+                          </a14:hiddenFill>
+                        </a:ext>
+                      </a:extLst>
+                    </p:spPr>
+                  </p:pic>
+                </p:oleObj>
+              </mc:Fallback>
+            </mc:AlternateContent>
+          </a:graphicData>
+        </a:graphic>
+      </p:graphicFrame>
+      <p:graphicFrame>
+        <p:nvGraphicFramePr>
+          <p:cNvPr id="120838" name="Object 6"/>
+          <p:cNvGraphicFramePr>
+            <a:graphicFrameLocks noChangeAspect="1"/>
+          </p:cNvGraphicFramePr>
+          <p:nvPr/>
+        </p:nvGraphicFramePr>
+        <p:xfrm>
+          <a:off x="1828800" y="1295400"/>
+          <a:ext cx="1981200" cy="533400"/>
+        </p:xfrm>
+        <a:graphic>
+          <a:graphicData uri="http://schemas.openxmlformats.org/presentationml/2006/ole">
+            <mc:AlternateContent xmlns:mc="http://schemas.openxmlformats.org/markup-compatibility/2006">
+              <mc:Choice xmlns:v="urn:schemas-microsoft-com:vml" Requires="v">
+                <p:oleObj spid="_x0000_s120893" name="Equation" r:id="rId5" imgW="749160" imgH="228600" progId="Equation.DSMT4">
+                  <p:embed/>
+                </p:oleObj>
+              </mc:Choice>
+              <mc:Fallback>
+                <p:oleObj name="Equation" r:id="rId5" imgW="749160" imgH="228600" progId="Equation.DSMT4">
+                  <p:embed/>
+                  <p:pic>
+                    <p:nvPicPr>
+                      <p:cNvPr id="0" name="Picture 6"/>
+                      <p:cNvPicPr>
+                        <a:picLocks noChangeAspect="1" noChangeArrowheads="1"/>
+                      </p:cNvPicPr>
+                      <p:nvPr/>
+                    </p:nvPicPr>
+                    <p:blipFill>
+                      <a:blip r:embed="rId6">
+                        <a:extLst>
+                          <a:ext uri="{28A0092B-C50C-407E-A947-70E740481C1C}">
+                            <a14:useLocalDpi xmlns:a14="http://schemas.microsoft.com/office/drawing/2010/main" val="0"/>
+                          </a:ext>
+                        </a:extLst>
+                      </a:blip>
+                      <a:srcRect/>
+                      <a:stretch>
+                        <a:fillRect/>
+                      </a:stretch>
+                    </p:blipFill>
+                    <p:spPr bwMode="auto">
+                      <a:xfrm>
+                        <a:off x="1828800" y="1295400"/>
+                        <a:ext cx="1981200" cy="533400"/>
+                      </a:xfrm>
+                      <a:prstGeom prst="rect">
+                        <a:avLst/>
+                      </a:prstGeom>
+                      <a:noFill/>
+                      <a:extLst>
+                        <a:ext uri="{909E8E84-426E-40dd-AFC4-6F175D3DCCD1}">
+                          <a14:hiddenFill xmlns:a14="http://schemas.microsoft.com/office/drawing/2010/main">
+                            <a:solidFill>
+                              <a:srgbClr val="FFFFFF"/>
+                            </a:solidFill>
+                          </a14:hiddenFill>
+                        </a:ext>
+                      </a:extLst>
+                    </p:spPr>
+                  </p:pic>
+                </p:oleObj>
+              </mc:Fallback>
+            </mc:AlternateContent>
+          </a:graphicData>
+        </a:graphic>
+      </p:graphicFrame>
+      <p:graphicFrame>
+        <p:nvGraphicFramePr>
+          <p:cNvPr id="120839" name="Object 7"/>
+          <p:cNvGraphicFramePr>
+            <a:graphicFrameLocks noChangeAspect="1"/>
+          </p:cNvGraphicFramePr>
+          <p:nvPr/>
+        </p:nvGraphicFramePr>
+        <p:xfrm>
+          <a:off x="4572000" y="1362075"/>
+          <a:ext cx="2438400" cy="542925"/>
+        </p:xfrm>
+        <a:graphic>
+          <a:graphicData uri="http://schemas.openxmlformats.org/presentationml/2006/ole">
+            <mc:AlternateContent xmlns:mc="http://schemas.openxmlformats.org/markup-compatibility/2006">
+              <mc:Choice xmlns:v="urn:schemas-microsoft-com:vml" Requires="v">
+                <p:oleObj spid="_x0000_s120894" name="Equation" r:id="rId7" imgW="1028520" imgH="228600" progId="Equation.DSMT4">
+                  <p:embed/>
+                </p:oleObj>
+              </mc:Choice>
+              <mc:Fallback>
+                <p:oleObj name="Equation" r:id="rId7" imgW="1028520" imgH="228600" progId="Equation.DSMT4">
+                  <p:embed/>
+                  <p:pic>
+                    <p:nvPicPr>
+                      <p:cNvPr id="0" name="Picture 7"/>
+                      <p:cNvPicPr>
+                        <a:picLocks noChangeAspect="1" noChangeArrowheads="1"/>
+                      </p:cNvPicPr>
+                      <p:nvPr/>
+                    </p:nvPicPr>
+                    <p:blipFill>
+                      <a:blip r:embed="rId8">
+                        <a:extLst>
+                          <a:ext uri="{28A0092B-C50C-407E-A947-70E740481C1C}">
+                            <a14:useLocalDpi xmlns:a14="http://schemas.microsoft.com/office/drawing/2010/main" val="0"/>
+                          </a:ext>
+                        </a:extLst>
+                      </a:blip>
+                      <a:srcRect/>
+                      <a:stretch>
+                        <a:fillRect/>
+                      </a:stretch>
+                    </p:blipFill>
+                    <p:spPr bwMode="auto">
+                      <a:xfrm>
+                        <a:off x="4572000" y="1362075"/>
+                        <a:ext cx="2438400" cy="542925"/>
+                      </a:xfrm>
+                      <a:prstGeom prst="rect">
+                        <a:avLst/>
+                      </a:prstGeom>
+                      <a:noFill/>
+                      <a:extLst>
+                        <a:ext uri="{909E8E84-426E-40dd-AFC4-6F175D3DCCD1}">
+                          <a14:hiddenFill xmlns:a14="http://schemas.microsoft.com/office/drawing/2010/main">
+                            <a:solidFill>
+                              <a:srgbClr val="FFFFFF"/>
+                            </a:solidFill>
+                          </a14:hiddenFill>
+                        </a:ext>
+                      </a:extLst>
+                    </p:spPr>
+                  </p:pic>
+                </p:oleObj>
+              </mc:Fallback>
+            </mc:AlternateContent>
+          </a:graphicData>
+        </a:graphic>
+      </p:graphicFrame>
+      <p:sp>
+        <p:nvSpPr>
+          <p:cNvPr id="10" name="Footer Placeholder 9"/>
+          <p:cNvSpPr>
+            <a:spLocks noGrp="1"/>
+          </p:cNvSpPr>
+          <p:nvPr>
+            <p:ph type="ftr" sz="quarter" idx="11"/>
+          </p:nvPr>
+        </p:nvSpPr>
+        <p:spPr/>
+        <p:txBody>
+          <a:bodyPr/>
+          <a:lstStyle/>
+          <a:p>
+            <a:r>
+              <a:rPr lang="en-US" smtClean="0"/>
+              <a:t>Professor Dong Washington University in St. Louis, MO</a:t>
+            </a:r>
+            <a:endParaRPr lang="en-US" dirty="0"/>
+          </a:p>
+        </p:txBody>
+      </p:sp>
+    </p:spTree>
+  </p:cSld>
+  <p:clrMapOvr>
+    <a:masterClrMapping/>
+  </p:clrMapOvr>
+  <p:transition xmlns:p14="http://schemas.microsoft.com/office/powerpoint/2010/main">
+    <p:random/>
+  </p:transition>
+  <p:timing>
+    <p:tnLst>
+      <p:par>
+        <p:cTn xmlns:p14="http://schemas.microsoft.com/office/powerpoint/2010/main" id="1" dur="indefinite" restart="never" nodeType="tmRoot"/>
+      </p:par>
+    </p:tnLst>
+  </p:timing>
+</p:sld>
+</file>
+
+<file path=ppt/slides/slide12.xml><?xml version="1.0" encoding="utf-8"?>
 <p:sld xmlns:a="http://schemas.openxmlformats.org/drawingml/2006/main" xmlns:r="http://schemas.openxmlformats.org/officeDocument/2006/relationships" xmlns:p="http://schemas.openxmlformats.org/presentationml/2006/main" showMasterPhAnim="0">
   <p:cSld>
     <p:spTree>
@@ -4689,7 +7006,7 @@
             <a:fld id="{3575E038-8EFF-1D4C-8581-ABFDA3352DDE}" type="slidenum">
               <a:rPr lang="en-US"/>
               <a:pPr/>
-              <a:t>10</a:t>
+              <a:t>12</a:t>
             </a:fld>
             <a:endParaRPr lang="en-US"/>
           </a:p>
@@ -5488,13 +7805,13 @@
   <p:clrMapOvr>
     <a:masterClrMapping/>
   </p:clrMapOvr>
-  <p:transition>
+  <p:transition xmlns:p14="http://schemas.microsoft.com/office/powerpoint/2010/main">
     <p:random/>
   </p:transition>
   <p:timing>
     <p:tnLst>
       <p:par>
-        <p:cTn id="1" dur="indefinite" restart="never" nodeType="tmRoot">
+        <p:cTn xmlns:p14="http://schemas.microsoft.com/office/powerpoint/2010/main" id="1" dur="indefinite" restart="never" nodeType="tmRoot">
           <p:childTnLst>
             <p:seq concurrent="1" nextAc="seek">
               <p:cTn id="2" dur="indefinite" nodeType="mainSeq">
@@ -5618,7 +7935,7 @@
 </p:sld>
 </file>
 
-<file path=ppt/slides/slide11.xml><?xml version="1.0" encoding="utf-8"?>
+<file path=ppt/slides/slide13.xml><?xml version="1.0" encoding="utf-8"?>
 <p:sld xmlns:a="http://schemas.openxmlformats.org/drawingml/2006/main" xmlns:r="http://schemas.openxmlformats.org/officeDocument/2006/relationships" xmlns:p="http://schemas.openxmlformats.org/presentationml/2006/main" showMasterPhAnim="0">
   <p:cSld>
     <p:spTree>
@@ -5653,7 +7970,7 @@
             <a:fld id="{0E7AF3DC-F378-684E-83B4-594B2E258B7D}" type="slidenum">
               <a:rPr lang="en-US"/>
               <a:pPr/>
-              <a:t>11</a:t>
+              <a:t>13</a:t>
             </a:fld>
             <a:endParaRPr lang="en-US"/>
           </a:p>
@@ -6942,13 +9259,13 @@
   <p:clrMapOvr>
     <a:masterClrMapping/>
   </p:clrMapOvr>
-  <p:transition>
+  <p:transition xmlns:p14="http://schemas.microsoft.com/office/powerpoint/2010/main">
     <p:random/>
   </p:transition>
   <p:timing>
     <p:tnLst>
       <p:par>
-        <p:cTn id="1" dur="indefinite" restart="never" nodeType="tmRoot">
+        <p:cTn xmlns:p14="http://schemas.microsoft.com/office/powerpoint/2010/main" id="1" dur="indefinite" restart="never" nodeType="tmRoot">
           <p:childTnLst>
             <p:seq concurrent="1" nextAc="seek">
               <p:cTn id="2" dur="indefinite" nodeType="mainSeq">
@@ -7419,7 +9736,7 @@
 </p:sld>
 </file>
 
-<file path=ppt/slides/slide12.xml><?xml version="1.0" encoding="utf-8"?>
+<file path=ppt/slides/slide14.xml><?xml version="1.0" encoding="utf-8"?>
 <p:sld xmlns:a="http://schemas.openxmlformats.org/drawingml/2006/main" xmlns:r="http://schemas.openxmlformats.org/officeDocument/2006/relationships" xmlns:p="http://schemas.openxmlformats.org/presentationml/2006/main">
   <p:cSld>
     <p:spTree>
@@ -7990,7 +10307,7 @@
           <a:graphicData uri="http://schemas.openxmlformats.org/presentationml/2006/ole">
             <mc:AlternateContent xmlns:mc="http://schemas.openxmlformats.org/markup-compatibility/2006">
               <mc:Choice xmlns:v="urn:schemas-microsoft-com:vml" Requires="v">
-                <p:oleObj spid="_x0000_s94265" name="Equation" r:id="rId3" imgW="876240" imgH="241200" progId="Equation.DSMT4">
+                <p:oleObj spid="_x0000_s94272" name="Equation" r:id="rId3" imgW="876240" imgH="241200" progId="Equation.DSMT4">
                   <p:embed/>
                 </p:oleObj>
               </mc:Choice>
@@ -8028,7 +10345,7 @@
                       </a:prstGeom>
                       <a:noFill/>
                       <a:extLst>
-                        <a:ext uri="{909E8E84-426E-40DD-AFC4-6F175D3DCCD1}">
+                        <a:ext uri="{909E8E84-426E-40dd-AFC4-6F175D3DCCD1}">
                           <a14:hiddenFill xmlns:a14="http://schemas.microsoft.com/office/drawing/2010/main">
                             <a:solidFill>
                               <a:srgbClr val="FFFFFF"/>
@@ -8066,7 +10383,7 @@
           <a:graphicData uri="http://schemas.openxmlformats.org/presentationml/2006/ole">
             <mc:AlternateContent xmlns:mc="http://schemas.openxmlformats.org/markup-compatibility/2006">
               <mc:Choice xmlns:v="urn:schemas-microsoft-com:vml" Requires="v">
-                <p:oleObj spid="_x0000_s94266" name="Equation" r:id="rId5" imgW="1180800" imgH="241200" progId="Equation.DSMT4">
+                <p:oleObj spid="_x0000_s94273" name="Equation" r:id="rId5" imgW="1180800" imgH="241200" progId="Equation.DSMT4">
                   <p:embed/>
                 </p:oleObj>
               </mc:Choice>
@@ -8104,7 +10421,7 @@
                       </a:prstGeom>
                       <a:noFill/>
                       <a:extLst>
-                        <a:ext uri="{909E8E84-426E-40DD-AFC4-6F175D3DCCD1}">
+                        <a:ext uri="{909E8E84-426E-40dd-AFC4-6F175D3DCCD1}">
                           <a14:hiddenFill xmlns:a14="http://schemas.microsoft.com/office/drawing/2010/main">
                             <a:solidFill>
                               <a:srgbClr val="FFFFFF"/>
@@ -8142,7 +10459,7 @@
           <a:graphicData uri="http://schemas.openxmlformats.org/presentationml/2006/ole">
             <mc:AlternateContent xmlns:mc="http://schemas.openxmlformats.org/markup-compatibility/2006">
               <mc:Choice xmlns:v="urn:schemas-microsoft-com:vml" Requires="v">
-                <p:oleObj spid="_x0000_s94267" name="Equation" r:id="rId7" imgW="914400" imgH="198720" progId="Equation.DSMT4">
+                <p:oleObj spid="_x0000_s94274" name="Equation" r:id="rId7" imgW="914400" imgH="198720" progId="Equation.DSMT4">
                   <p:embed/>
                 </p:oleObj>
               </mc:Choice>
@@ -8180,7 +10497,7 @@
                       </a:prstGeom>
                       <a:noFill/>
                       <a:extLst>
-                        <a:ext uri="{909E8E84-426E-40DD-AFC4-6F175D3DCCD1}">
+                        <a:ext uri="{909E8E84-426E-40dd-AFC4-6F175D3DCCD1}">
                           <a14:hiddenFill xmlns:a14="http://schemas.microsoft.com/office/drawing/2010/main">
                             <a:solidFill>
                               <a:srgbClr val="FFFFFF"/>
@@ -8201,20 +10518,20 @@
   <p:clrMapOvr>
     <a:masterClrMapping/>
   </p:clrMapOvr>
-  <p:transition>
+  <p:transition xmlns:p14="http://schemas.microsoft.com/office/powerpoint/2010/main">
     <p:random/>
   </p:transition>
   <p:timing>
     <p:tnLst>
       <p:par>
-        <p:cTn id="1" dur="indefinite" restart="never" nodeType="tmRoot"/>
+        <p:cTn xmlns:p14="http://schemas.microsoft.com/office/powerpoint/2010/main" id="1" dur="indefinite" restart="never" nodeType="tmRoot"/>
       </p:par>
     </p:tnLst>
   </p:timing>
 </p:sld>
 </file>
 
-<file path=ppt/slides/slide13.xml><?xml version="1.0" encoding="utf-8"?>
+<file path=ppt/slides/slide15.xml><?xml version="1.0" encoding="utf-8"?>
 <p:sld xmlns:a="http://schemas.openxmlformats.org/drawingml/2006/main" xmlns:r="http://schemas.openxmlformats.org/officeDocument/2006/relationships" xmlns:p="http://schemas.openxmlformats.org/presentationml/2006/main">
   <p:cSld>
     <p:spTree>
@@ -8272,7 +10589,7 @@
             <a:fld id="{B8E6EFB5-91BE-1142-89D3-E15F8DBF1388}" type="slidenum">
               <a:rPr lang="en-US"/>
               <a:pPr/>
-              <a:t>13</a:t>
+              <a:t>15</a:t>
             </a:fld>
             <a:endParaRPr lang="en-US"/>
           </a:p>
@@ -9378,13 +11695,13 @@
   <p:clrMapOvr>
     <a:masterClrMapping/>
   </p:clrMapOvr>
-  <p:transition>
+  <p:transition xmlns:p14="http://schemas.microsoft.com/office/powerpoint/2010/main">
     <p:random/>
   </p:transition>
   <p:timing>
     <p:tnLst>
       <p:par>
-        <p:cTn id="1" dur="indefinite" restart="never" nodeType="tmRoot">
+        <p:cTn xmlns:p14="http://schemas.microsoft.com/office/powerpoint/2010/main" id="1" dur="indefinite" restart="never" nodeType="tmRoot">
           <p:childTnLst>
             <p:seq concurrent="1" nextAc="seek">
               <p:cTn id="2" dur="indefinite" nodeType="mainSeq">
@@ -10105,7 +12422,7 @@
 </p:sld>
 </file>
 
-<file path=ppt/slides/slide14.xml><?xml version="1.0" encoding="utf-8"?>
+<file path=ppt/slides/slide16.xml><?xml version="1.0" encoding="utf-8"?>
 <p:sld xmlns:a="http://schemas.openxmlformats.org/drawingml/2006/main" xmlns:r="http://schemas.openxmlformats.org/officeDocument/2006/relationships" xmlns:p="http://schemas.openxmlformats.org/presentationml/2006/main">
   <p:cSld>
     <p:spTree>
@@ -10140,7 +12457,7 @@
             <a:fld id="{A4ED2BC5-1581-E44D-B2C3-ED92AD4A6196}" type="slidenum">
               <a:rPr lang="en-US"/>
               <a:pPr/>
-              <a:t>14</a:t>
+              <a:t>16</a:t>
             </a:fld>
             <a:endParaRPr lang="en-US"/>
           </a:p>
@@ -11013,13 +13330,13 @@
   <p:clrMapOvr>
     <a:masterClrMapping/>
   </p:clrMapOvr>
-  <p:transition>
+  <p:transition xmlns:p14="http://schemas.microsoft.com/office/powerpoint/2010/main">
     <p:random/>
   </p:transition>
   <p:timing>
     <p:tnLst>
       <p:par>
-        <p:cTn id="1" dur="indefinite" restart="never" nodeType="tmRoot">
+        <p:cTn xmlns:p14="http://schemas.microsoft.com/office/powerpoint/2010/main" id="1" dur="indefinite" restart="never" nodeType="tmRoot">
           <p:childTnLst>
             <p:seq concurrent="1" nextAc="seek">
               <p:cTn id="2" dur="indefinite" nodeType="mainSeq">
@@ -11289,7 +13606,7 @@
 </p:sld>
 </file>
 
-<file path=ppt/slides/slide15.xml><?xml version="1.0" encoding="utf-8"?>
+<file path=ppt/slides/slide17.xml><?xml version="1.0" encoding="utf-8"?>
 <p:sld xmlns:a="http://schemas.openxmlformats.org/drawingml/2006/main" xmlns:r="http://schemas.openxmlformats.org/officeDocument/2006/relationships" xmlns:p="http://schemas.openxmlformats.org/presentationml/2006/main">
   <p:cSld>
     <p:spTree>
@@ -11972,13 +14289,13 @@
   <p:clrMapOvr>
     <a:masterClrMapping/>
   </p:clrMapOvr>
-  <p:transition>
+  <p:transition xmlns:p14="http://schemas.microsoft.com/office/powerpoint/2010/main">
     <p:random/>
   </p:transition>
   <p:timing>
     <p:tnLst>
       <p:par>
-        <p:cTn id="1" dur="indefinite" restart="never" nodeType="tmRoot">
+        <p:cTn xmlns:p14="http://schemas.microsoft.com/office/powerpoint/2010/main" id="1" dur="indefinite" restart="never" nodeType="tmRoot">
           <p:childTnLst>
             <p:seq concurrent="1" nextAc="seek">
               <p:cTn id="2" dur="indefinite" nodeType="mainSeq">
@@ -12153,7 +14470,7 @@
 </p:sld>
 </file>
 
-<file path=ppt/slides/slide16.xml><?xml version="1.0" encoding="utf-8"?>
+<file path=ppt/slides/slide18.xml><?xml version="1.0" encoding="utf-8"?>
 <p:sld xmlns:a="http://schemas.openxmlformats.org/drawingml/2006/main" xmlns:r="http://schemas.openxmlformats.org/officeDocument/2006/relationships" xmlns:p="http://schemas.openxmlformats.org/presentationml/2006/main">
   <p:cSld>
     <p:spTree>
@@ -12211,7 +14528,7 @@
             <a:fld id="{E1AA9739-43B5-2E49-A159-BC722030897B}" type="slidenum">
               <a:rPr lang="en-US"/>
               <a:pPr/>
-              <a:t>16</a:t>
+              <a:t>18</a:t>
             </a:fld>
             <a:endParaRPr lang="en-US"/>
           </a:p>
@@ -12462,20 +14779,20 @@
   <p:clrMapOvr>
     <a:masterClrMapping/>
   </p:clrMapOvr>
-  <p:transition>
+  <p:transition xmlns:p14="http://schemas.microsoft.com/office/powerpoint/2010/main">
     <p:random/>
   </p:transition>
   <p:timing>
     <p:tnLst>
       <p:par>
-        <p:cTn id="1" dur="indefinite" restart="never" nodeType="tmRoot"/>
+        <p:cTn xmlns:p14="http://schemas.microsoft.com/office/powerpoint/2010/main" id="1" dur="indefinite" restart="never" nodeType="tmRoot"/>
       </p:par>
     </p:tnLst>
   </p:timing>
 </p:sld>
 </file>
 
-<file path=ppt/slides/slide17.xml><?xml version="1.0" encoding="utf-8"?>
+<file path=ppt/slides/slide19.xml><?xml version="1.0" encoding="utf-8"?>
 <p:sld xmlns:a="http://schemas.openxmlformats.org/drawingml/2006/main" xmlns:r="http://schemas.openxmlformats.org/officeDocument/2006/relationships" xmlns:p="http://schemas.openxmlformats.org/presentationml/2006/main">
   <p:cSld>
     <p:spTree>
@@ -12533,7 +14850,7 @@
             <a:fld id="{7D3955AE-B5AE-564F-B923-3F3859A54DE8}" type="slidenum">
               <a:rPr lang="en-US"/>
               <a:pPr/>
-              <a:t>17</a:t>
+              <a:t>19</a:t>
             </a:fld>
             <a:endParaRPr lang="en-US"/>
           </a:p>
@@ -12765,13 +15082,13 @@
   <p:clrMapOvr>
     <a:masterClrMapping/>
   </p:clrMapOvr>
-  <p:transition>
+  <p:transition xmlns:p14="http://schemas.microsoft.com/office/powerpoint/2010/main">
     <p:random/>
   </p:transition>
   <p:timing>
     <p:tnLst>
       <p:par>
-        <p:cTn id="1" dur="indefinite" restart="never" nodeType="tmRoot">
+        <p:cTn xmlns:p14="http://schemas.microsoft.com/office/powerpoint/2010/main" id="1" dur="indefinite" restart="never" nodeType="tmRoot">
           <p:childTnLst>
             <p:seq concurrent="1" nextAc="seek">
               <p:cTn id="2" dur="indefinite" nodeType="mainSeq">
@@ -13213,7 +15530,7 @@
 </p:sld>
 </file>
 
-<file path=ppt/slides/slide18.xml><?xml version="1.0" encoding="utf-8"?>
+<file path=ppt/slides/slide2.xml><?xml version="1.0" encoding="utf-8"?>
 <p:sld xmlns:a="http://schemas.openxmlformats.org/drawingml/2006/main" xmlns:r="http://schemas.openxmlformats.org/officeDocument/2006/relationships" xmlns:p="http://schemas.openxmlformats.org/presentationml/2006/main">
   <p:cSld>
     <p:spTree>
@@ -13232,6 +15549,162 @@
       </p:grpSpPr>
       <p:sp>
         <p:nvSpPr>
+          <p:cNvPr id="2" name="Title 1"/>
+          <p:cNvSpPr>
+            <a:spLocks noGrp="1"/>
+          </p:cNvSpPr>
+          <p:nvPr>
+            <p:ph type="title"/>
+          </p:nvPr>
+        </p:nvSpPr>
+        <p:spPr/>
+        <p:txBody>
+          <a:bodyPr/>
+          <a:lstStyle/>
+          <a:p>
+            <a:r>
+              <a:rPr lang="en-US" dirty="0" smtClean="0"/>
+              <a:t> </a:t>
+            </a:r>
+            <a:r>
+              <a:rPr lang="en-US" dirty="0" smtClean="0"/>
+              <a:t>Warm Up</a:t>
+            </a:r>
+            <a:endParaRPr lang="en-US" dirty="0"/>
+          </a:p>
+        </p:txBody>
+      </p:sp>
+      <p:sp>
+        <p:nvSpPr>
+          <p:cNvPr id="4" name="Date Placeholder 3"/>
+          <p:cNvSpPr>
+            <a:spLocks noGrp="1"/>
+          </p:cNvSpPr>
+          <p:nvPr>
+            <p:ph type="dt" sz="half" idx="10"/>
+          </p:nvPr>
+        </p:nvSpPr>
+        <p:spPr/>
+        <p:txBody>
+          <a:bodyPr/>
+          <a:lstStyle/>
+          <a:p>
+            <a:r>
+              <a:rPr lang="en-US" smtClean="0"/>
+              <a:t>9/23/2013,         9/25/2013</a:t>
+            </a:r>
+            <a:endParaRPr lang="en-US" dirty="0"/>
+          </a:p>
+        </p:txBody>
+      </p:sp>
+      <p:sp>
+        <p:nvSpPr>
+          <p:cNvPr id="5" name="Slide Number Placeholder 4"/>
+          <p:cNvSpPr>
+            <a:spLocks noGrp="1"/>
+          </p:cNvSpPr>
+          <p:nvPr>
+            <p:ph type="sldNum" sz="quarter" idx="12"/>
+          </p:nvPr>
+        </p:nvSpPr>
+        <p:spPr/>
+        <p:txBody>
+          <a:bodyPr/>
+          <a:lstStyle/>
+          <a:p>
+            <a:fld id="{710C1083-1FD9-B948-8052-947AD402A083}" type="slidenum">
+              <a:rPr lang="en-US" smtClean="0"/>
+              <a:pPr/>
+              <a:t>2</a:t>
+            </a:fld>
+            <a:endParaRPr lang="en-US"/>
+          </a:p>
+        </p:txBody>
+      </p:sp>
+      <p:sp>
+        <p:nvSpPr>
+          <p:cNvPr id="6" name="Footer Placeholder 5"/>
+          <p:cNvSpPr>
+            <a:spLocks noGrp="1"/>
+          </p:cNvSpPr>
+          <p:nvPr>
+            <p:ph type="ftr" sz="quarter" idx="11"/>
+          </p:nvPr>
+        </p:nvSpPr>
+        <p:spPr/>
+        <p:txBody>
+          <a:bodyPr/>
+          <a:lstStyle/>
+          <a:p>
+            <a:r>
+              <a:rPr lang="en-US" smtClean="0"/>
+              <a:t>Professor Dong Washington University in St. Louis, MO</a:t>
+            </a:r>
+            <a:endParaRPr lang="en-US" dirty="0"/>
+          </a:p>
+        </p:txBody>
+      </p:sp>
+      <p:pic>
+        <p:nvPicPr>
+          <p:cNvPr id="9" name="Picture 8"/>
+          <p:cNvPicPr>
+            <a:picLocks noChangeAspect="1"/>
+          </p:cNvPicPr>
+          <p:nvPr/>
+        </p:nvPicPr>
+        <p:blipFill>
+          <a:blip r:embed="rId2"/>
+          <a:stretch>
+            <a:fillRect/>
+          </a:stretch>
+        </p:blipFill>
+        <p:spPr>
+          <a:xfrm>
+            <a:off x="1498600" y="1790700"/>
+            <a:ext cx="6146800" cy="3263900"/>
+          </a:xfrm>
+          <a:prstGeom prst="rect">
+            <a:avLst/>
+          </a:prstGeom>
+        </p:spPr>
+      </p:pic>
+    </p:spTree>
+  </p:cSld>
+  <p:clrMapOvr>
+    <a:masterClrMapping/>
+  </p:clrMapOvr>
+  <p:transition xmlns:p14="http://schemas.microsoft.com/office/powerpoint/2010/main">
+    <p:random/>
+  </p:transition>
+  <p:timing>
+    <p:tnLst>
+      <p:par>
+        <p:cTn xmlns:p14="http://schemas.microsoft.com/office/powerpoint/2010/main" id="1" dur="indefinite" restart="never" nodeType="tmRoot"/>
+      </p:par>
+    </p:tnLst>
+  </p:timing>
+</p:sld>
+</file>
+
+<file path=ppt/slides/slide20.xml><?xml version="1.0" encoding="utf-8"?>
+<p:sld xmlns:a="http://schemas.openxmlformats.org/drawingml/2006/main" xmlns:r="http://schemas.openxmlformats.org/officeDocument/2006/relationships" xmlns:p="http://schemas.openxmlformats.org/presentationml/2006/main">
+  <p:cSld>
+    <p:spTree>
+      <p:nvGrpSpPr>
+        <p:cNvPr id="1" name=""/>
+        <p:cNvGrpSpPr/>
+        <p:nvPr/>
+      </p:nvGrpSpPr>
+      <p:grpSpPr>
+        <a:xfrm>
+          <a:off x="0" y="0"/>
+          <a:ext cx="0" cy="0"/>
+          <a:chOff x="0" y="0"/>
+          <a:chExt cx="0" cy="0"/>
+        </a:xfrm>
+      </p:grpSpPr>
+      <p:sp>
+        <p:nvSpPr>
           <p:cNvPr id="11" name="Slide Number Placeholder 5"/>
           <p:cNvSpPr>
             <a:spLocks noGrp="1"/>
@@ -13248,7 +15721,7 @@
             <a:fld id="{47935BC4-AD1A-BE44-8E0E-3C80E30A4415}" type="slidenum">
               <a:rPr lang="en-US"/>
               <a:pPr/>
-              <a:t>18</a:t>
+              <a:t>20</a:t>
             </a:fld>
             <a:endParaRPr lang="en-US"/>
           </a:p>
@@ -13643,13 +16116,13 @@
   <p:clrMapOvr>
     <a:masterClrMapping/>
   </p:clrMapOvr>
-  <p:transition>
+  <p:transition xmlns:p14="http://schemas.microsoft.com/office/powerpoint/2010/main">
     <p:random/>
   </p:transition>
   <p:timing>
     <p:tnLst>
       <p:par>
-        <p:cTn id="1" dur="indefinite" restart="never" nodeType="tmRoot">
+        <p:cTn xmlns:p14="http://schemas.microsoft.com/office/powerpoint/2010/main" id="1" dur="indefinite" restart="never" nodeType="tmRoot">
           <p:childTnLst>
             <p:seq concurrent="1" nextAc="seek">
               <p:cTn id="2" dur="indefinite" nodeType="mainSeq">
@@ -13864,7 +16337,7 @@
 </p:sld>
 </file>
 
-<file path=ppt/slides/slide19.xml><?xml version="1.0" encoding="utf-8"?>
+<file path=ppt/slides/slide21.xml><?xml version="1.0" encoding="utf-8"?>
 <p:sld xmlns:a="http://schemas.openxmlformats.org/drawingml/2006/main" xmlns:r="http://schemas.openxmlformats.org/officeDocument/2006/relationships" xmlns:p="http://schemas.openxmlformats.org/presentationml/2006/main">
   <p:cSld>
     <p:spTree>
@@ -13922,7 +16395,7 @@
             <a:fld id="{7BF3968D-C92F-FC45-B095-33EC9EC93915}" type="slidenum">
               <a:rPr lang="en-US"/>
               <a:pPr/>
-              <a:t>19</a:t>
+              <a:t>21</a:t>
             </a:fld>
             <a:endParaRPr lang="en-US"/>
           </a:p>
@@ -13967,7 +16440,7 @@
           <a:graphicData uri="http://schemas.openxmlformats.org/presentationml/2006/ole">
             <mc:AlternateContent xmlns:mc="http://schemas.openxmlformats.org/markup-compatibility/2006">
               <mc:Choice xmlns:v="urn:schemas-microsoft-com:vml" Requires="v">
-                <p:oleObj spid="_x0000_s129046" name="Visio" r:id="rId3" imgW="9635947" imgH="6178296" progId="Visio.Drawing.11">
+                <p:oleObj spid="_x0000_s129049" name="Visio" r:id="rId3" imgW="9635947" imgH="6178296" progId="Visio.Drawing.11">
                   <p:embed/>
                 </p:oleObj>
               </mc:Choice>
@@ -14009,14 +16482,14 @@
                       </a:ln>
                       <a:effectLst/>
                       <a:extLst>
-                        <a:ext uri="{909E8E84-426E-40DD-AFC4-6F175D3DCCD1}">
+                        <a:ext uri="{909E8E84-426E-40dd-AFC4-6F175D3DCCD1}">
                           <a14:hiddenFill xmlns:a14="http://schemas.microsoft.com/office/drawing/2010/main">
                             <a:solidFill>
                               <a:schemeClr val="accent1"/>
                             </a:solidFill>
                           </a14:hiddenFill>
                         </a:ext>
-                        <a:ext uri="{91240B29-F687-4F45-9708-019B960494DF}">
+                        <a:ext uri="{91240B29-F687-4f45-9708-019B960494DF}">
                           <a14:hiddenLine xmlns:a14="http://schemas.microsoft.com/office/drawing/2010/main" w="9525">
                             <a:solidFill>
                               <a:schemeClr val="tx1"/>
@@ -14026,7 +16499,7 @@
                             <a:tailEnd/>
                           </a14:hiddenLine>
                         </a:ext>
-                        <a:ext uri="{AF507438-7753-43E0-B8FC-AC1667EBCBE1}">
+                        <a:ext uri="{AF507438-7753-43e0-B8FC-AC1667EBCBE1}">
                           <a14:hiddenEffects xmlns:a14="http://schemas.microsoft.com/office/drawing/2010/main">
                             <a:effectLst>
                               <a:outerShdw dist="35921" dir="2700000" algn="ctr" rotWithShape="0">
@@ -14072,20 +16545,20 @@
   <p:clrMapOvr>
     <a:masterClrMapping/>
   </p:clrMapOvr>
-  <p:transition>
+  <p:transition xmlns:p14="http://schemas.microsoft.com/office/powerpoint/2010/main">
     <p:random/>
   </p:transition>
   <p:timing>
     <p:tnLst>
       <p:par>
-        <p:cTn id="1" dur="indefinite" restart="never" nodeType="tmRoot"/>
+        <p:cTn xmlns:p14="http://schemas.microsoft.com/office/powerpoint/2010/main" id="1" dur="indefinite" restart="never" nodeType="tmRoot"/>
       </p:par>
     </p:tnLst>
   </p:timing>
 </p:sld>
 </file>
 
-<file path=ppt/slides/slide2.xml><?xml version="1.0" encoding="utf-8"?>
+<file path=ppt/slides/slide3.xml><?xml version="1.0" encoding="utf-8"?>
 <p:sld xmlns:a="http://schemas.openxmlformats.org/drawingml/2006/main" xmlns:r="http://schemas.openxmlformats.org/officeDocument/2006/relationships" xmlns:p="http://schemas.openxmlformats.org/presentationml/2006/main">
   <p:cSld>
     <p:spTree>
@@ -14119,7 +16592,363 @@
           <a:p>
             <a:r>
               <a:rPr lang="en-US" dirty="0" smtClean="0"/>
-              <a:t> Introduction</a:t>
+              <a:t> </a:t>
+            </a:r>
+            <a:r>
+              <a:rPr lang="en-US" dirty="0" smtClean="0"/>
+              <a:t>Baseball Elimination Problem</a:t>
+            </a:r>
+            <a:endParaRPr lang="en-US" dirty="0"/>
+          </a:p>
+        </p:txBody>
+      </p:sp>
+      <p:sp>
+        <p:nvSpPr>
+          <p:cNvPr id="4" name="Date Placeholder 3"/>
+          <p:cNvSpPr>
+            <a:spLocks noGrp="1"/>
+          </p:cNvSpPr>
+          <p:nvPr>
+            <p:ph type="dt" sz="half" idx="10"/>
+          </p:nvPr>
+        </p:nvSpPr>
+        <p:spPr/>
+        <p:txBody>
+          <a:bodyPr/>
+          <a:lstStyle/>
+          <a:p>
+            <a:r>
+              <a:rPr lang="en-US" smtClean="0"/>
+              <a:t>9/23/2013,         9/25/2013</a:t>
+            </a:r>
+            <a:endParaRPr lang="en-US" dirty="0"/>
+          </a:p>
+        </p:txBody>
+      </p:sp>
+      <p:sp>
+        <p:nvSpPr>
+          <p:cNvPr id="5" name="Slide Number Placeholder 4"/>
+          <p:cNvSpPr>
+            <a:spLocks noGrp="1"/>
+          </p:cNvSpPr>
+          <p:nvPr>
+            <p:ph type="sldNum" sz="quarter" idx="12"/>
+          </p:nvPr>
+        </p:nvSpPr>
+        <p:spPr/>
+        <p:txBody>
+          <a:bodyPr/>
+          <a:lstStyle/>
+          <a:p>
+            <a:fld id="{710C1083-1FD9-B948-8052-947AD402A083}" type="slidenum">
+              <a:rPr lang="en-US" smtClean="0"/>
+              <a:pPr/>
+              <a:t>3</a:t>
+            </a:fld>
+            <a:endParaRPr lang="en-US"/>
+          </a:p>
+        </p:txBody>
+      </p:sp>
+      <p:sp>
+        <p:nvSpPr>
+          <p:cNvPr id="6" name="Footer Placeholder 5"/>
+          <p:cNvSpPr>
+            <a:spLocks noGrp="1"/>
+          </p:cNvSpPr>
+          <p:nvPr>
+            <p:ph type="ftr" sz="quarter" idx="11"/>
+          </p:nvPr>
+        </p:nvSpPr>
+        <p:spPr/>
+        <p:txBody>
+          <a:bodyPr/>
+          <a:lstStyle/>
+          <a:p>
+            <a:r>
+              <a:rPr lang="en-US" smtClean="0"/>
+              <a:t>Professor Dong Washington University in St. Louis, MO</a:t>
+            </a:r>
+            <a:endParaRPr lang="en-US" dirty="0"/>
+          </a:p>
+        </p:txBody>
+      </p:sp>
+      <p:pic>
+        <p:nvPicPr>
+          <p:cNvPr id="8" name="Picture 7"/>
+          <p:cNvPicPr>
+            <a:picLocks noChangeAspect="1"/>
+          </p:cNvPicPr>
+          <p:nvPr/>
+        </p:nvPicPr>
+        <p:blipFill>
+          <a:blip r:embed="rId2"/>
+          <a:stretch>
+            <a:fillRect/>
+          </a:stretch>
+        </p:blipFill>
+        <p:spPr>
+          <a:xfrm>
+            <a:off x="0" y="2006600"/>
+            <a:ext cx="9144000" cy="2844800"/>
+          </a:xfrm>
+          <a:prstGeom prst="rect">
+            <a:avLst/>
+          </a:prstGeom>
+        </p:spPr>
+      </p:pic>
+      <p:sp>
+        <p:nvSpPr>
+          <p:cNvPr id="10" name="TextBox 9"/>
+          <p:cNvSpPr txBox="1"/>
+          <p:nvPr/>
+        </p:nvSpPr>
+        <p:spPr>
+          <a:xfrm>
+            <a:off x="762000" y="5334000"/>
+            <a:ext cx="8382000" cy="830997"/>
+          </a:xfrm>
+          <a:prstGeom prst="rect">
+            <a:avLst/>
+          </a:prstGeom>
+          <a:noFill/>
+        </p:spPr>
+        <p:txBody>
+          <a:bodyPr wrap="square" rtlCol="0">
+            <a:spAutoFit/>
+          </a:bodyPr>
+          <a:lstStyle/>
+          <a:p>
+            <a:r>
+              <a:rPr lang="en-US" sz="2400" dirty="0" smtClean="0"/>
+              <a:t>Can Detroit Still Win the Division?  We can answer this question using Max Flow!</a:t>
+            </a:r>
+            <a:endParaRPr lang="en-US" sz="2400" dirty="0"/>
+          </a:p>
+        </p:txBody>
+      </p:sp>
+    </p:spTree>
+    <p:extLst>
+      <p:ext uri="{BB962C8B-B14F-4D97-AF65-F5344CB8AC3E}">
+        <p14:creationId xmlns:p14="http://schemas.microsoft.com/office/powerpoint/2010/main" val="3351439812"/>
+      </p:ext>
+    </p:extLst>
+  </p:cSld>
+  <p:clrMapOvr>
+    <a:masterClrMapping/>
+  </p:clrMapOvr>
+  <p:transition xmlns:p14="http://schemas.microsoft.com/office/powerpoint/2010/main">
+    <p:random/>
+  </p:transition>
+  <p:timing>
+    <p:tnLst>
+      <p:par>
+        <p:cTn xmlns:p14="http://schemas.microsoft.com/office/powerpoint/2010/main" id="1" dur="indefinite" restart="never" nodeType="tmRoot"/>
+      </p:par>
+    </p:tnLst>
+  </p:timing>
+</p:sld>
+</file>
+
+<file path=ppt/slides/slide4.xml><?xml version="1.0" encoding="utf-8"?>
+<p:sld xmlns:a="http://schemas.openxmlformats.org/drawingml/2006/main" xmlns:r="http://schemas.openxmlformats.org/officeDocument/2006/relationships" xmlns:p="http://schemas.openxmlformats.org/presentationml/2006/main">
+  <p:cSld>
+    <p:spTree>
+      <p:nvGrpSpPr>
+        <p:cNvPr id="1" name=""/>
+        <p:cNvGrpSpPr/>
+        <p:nvPr/>
+      </p:nvGrpSpPr>
+      <p:grpSpPr>
+        <a:xfrm>
+          <a:off x="0" y="0"/>
+          <a:ext cx="0" cy="0"/>
+          <a:chOff x="0" y="0"/>
+          <a:chExt cx="0" cy="0"/>
+        </a:xfrm>
+      </p:grpSpPr>
+      <p:sp>
+        <p:nvSpPr>
+          <p:cNvPr id="2" name="Title 1"/>
+          <p:cNvSpPr>
+            <a:spLocks noGrp="1"/>
+          </p:cNvSpPr>
+          <p:nvPr>
+            <p:ph type="title"/>
+          </p:nvPr>
+        </p:nvSpPr>
+        <p:spPr/>
+        <p:txBody>
+          <a:bodyPr/>
+          <a:lstStyle/>
+          <a:p>
+            <a:r>
+              <a:rPr lang="en-US" dirty="0" smtClean="0"/>
+              <a:t> </a:t>
+            </a:r>
+            <a:r>
+              <a:rPr lang="en-US" dirty="0" smtClean="0"/>
+              <a:t>Baseball Elimination Problem</a:t>
+            </a:r>
+            <a:endParaRPr lang="en-US" dirty="0"/>
+          </a:p>
+        </p:txBody>
+      </p:sp>
+      <p:sp>
+        <p:nvSpPr>
+          <p:cNvPr id="4" name="Date Placeholder 3"/>
+          <p:cNvSpPr>
+            <a:spLocks noGrp="1"/>
+          </p:cNvSpPr>
+          <p:nvPr>
+            <p:ph type="dt" sz="half" idx="10"/>
+          </p:nvPr>
+        </p:nvSpPr>
+        <p:spPr/>
+        <p:txBody>
+          <a:bodyPr/>
+          <a:lstStyle/>
+          <a:p>
+            <a:r>
+              <a:rPr lang="en-US" smtClean="0"/>
+              <a:t>9/23/2013,         9/25/2013</a:t>
+            </a:r>
+            <a:endParaRPr lang="en-US" dirty="0"/>
+          </a:p>
+        </p:txBody>
+      </p:sp>
+      <p:sp>
+        <p:nvSpPr>
+          <p:cNvPr id="5" name="Slide Number Placeholder 4"/>
+          <p:cNvSpPr>
+            <a:spLocks noGrp="1"/>
+          </p:cNvSpPr>
+          <p:nvPr>
+            <p:ph type="sldNum" sz="quarter" idx="12"/>
+          </p:nvPr>
+        </p:nvSpPr>
+        <p:spPr/>
+        <p:txBody>
+          <a:bodyPr/>
+          <a:lstStyle/>
+          <a:p>
+            <a:fld id="{710C1083-1FD9-B948-8052-947AD402A083}" type="slidenum">
+              <a:rPr lang="en-US" smtClean="0"/>
+              <a:pPr/>
+              <a:t>4</a:t>
+            </a:fld>
+            <a:endParaRPr lang="en-US"/>
+          </a:p>
+        </p:txBody>
+      </p:sp>
+      <p:sp>
+        <p:nvSpPr>
+          <p:cNvPr id="6" name="Footer Placeholder 5"/>
+          <p:cNvSpPr>
+            <a:spLocks noGrp="1"/>
+          </p:cNvSpPr>
+          <p:nvPr>
+            <p:ph type="ftr" sz="quarter" idx="11"/>
+          </p:nvPr>
+        </p:nvSpPr>
+        <p:spPr/>
+        <p:txBody>
+          <a:bodyPr/>
+          <a:lstStyle/>
+          <a:p>
+            <a:r>
+              <a:rPr lang="en-US" smtClean="0"/>
+              <a:t>Professor Dong Washington University in St. Louis, MO</a:t>
+            </a:r>
+            <a:endParaRPr lang="en-US" dirty="0"/>
+          </a:p>
+        </p:txBody>
+      </p:sp>
+      <p:pic>
+        <p:nvPicPr>
+          <p:cNvPr id="7" name="Picture 6"/>
+          <p:cNvPicPr>
+            <a:picLocks noChangeAspect="1"/>
+          </p:cNvPicPr>
+          <p:nvPr/>
+        </p:nvPicPr>
+        <p:blipFill>
+          <a:blip r:embed="rId2"/>
+          <a:stretch>
+            <a:fillRect/>
+          </a:stretch>
+        </p:blipFill>
+        <p:spPr>
+          <a:xfrm>
+            <a:off x="0" y="1892300"/>
+            <a:ext cx="9144000" cy="3441700"/>
+          </a:xfrm>
+          <a:prstGeom prst="rect">
+            <a:avLst/>
+          </a:prstGeom>
+        </p:spPr>
+      </p:pic>
+    </p:spTree>
+    <p:extLst>
+      <p:ext uri="{BB962C8B-B14F-4D97-AF65-F5344CB8AC3E}">
+        <p14:creationId xmlns:p14="http://schemas.microsoft.com/office/powerpoint/2010/main" val="1830363797"/>
+      </p:ext>
+    </p:extLst>
+  </p:cSld>
+  <p:clrMapOvr>
+    <a:masterClrMapping/>
+  </p:clrMapOvr>
+  <p:transition xmlns:p14="http://schemas.microsoft.com/office/powerpoint/2010/main">
+    <p:random/>
+  </p:transition>
+  <p:timing>
+    <p:tnLst>
+      <p:par>
+        <p:cTn xmlns:p14="http://schemas.microsoft.com/office/powerpoint/2010/main" id="1" dur="indefinite" restart="never" nodeType="tmRoot"/>
+      </p:par>
+    </p:tnLst>
+  </p:timing>
+</p:sld>
+</file>
+
+<file path=ppt/slides/slide5.xml><?xml version="1.0" encoding="utf-8"?>
+<p:sld xmlns:a="http://schemas.openxmlformats.org/drawingml/2006/main" xmlns:r="http://schemas.openxmlformats.org/officeDocument/2006/relationships" xmlns:p="http://schemas.openxmlformats.org/presentationml/2006/main">
+  <p:cSld>
+    <p:spTree>
+      <p:nvGrpSpPr>
+        <p:cNvPr id="1" name=""/>
+        <p:cNvGrpSpPr/>
+        <p:nvPr/>
+      </p:nvGrpSpPr>
+      <p:grpSpPr>
+        <a:xfrm>
+          <a:off x="0" y="0"/>
+          <a:ext cx="0" cy="0"/>
+          <a:chOff x="0" y="0"/>
+          <a:chExt cx="0" cy="0"/>
+        </a:xfrm>
+      </p:grpSpPr>
+      <p:sp>
+        <p:nvSpPr>
+          <p:cNvPr id="2" name="Title 1"/>
+          <p:cNvSpPr>
+            <a:spLocks noGrp="1"/>
+          </p:cNvSpPr>
+          <p:nvPr>
+            <p:ph type="title"/>
+          </p:nvPr>
+        </p:nvSpPr>
+        <p:spPr/>
+        <p:txBody>
+          <a:bodyPr/>
+          <a:lstStyle/>
+          <a:p>
+            <a:r>
+              <a:rPr lang="en-US" dirty="0" smtClean="0"/>
+              <a:t> </a:t>
+            </a:r>
+            <a:r>
+              <a:rPr lang="en-US" dirty="0" smtClean="0"/>
+              <a:t>Introduction – Sensitivity Analysis</a:t>
             </a:r>
             <a:endParaRPr lang="en-US" dirty="0"/>
           </a:p>
@@ -14217,7 +17046,7 @@
             <a:fld id="{710C1083-1FD9-B948-8052-947AD402A083}" type="slidenum">
               <a:rPr lang="en-US" smtClean="0"/>
               <a:pPr/>
-              <a:t>2</a:t>
+              <a:t>5</a:t>
             </a:fld>
             <a:endParaRPr lang="en-US"/>
           </a:p>
@@ -14247,17 +17076,22 @@
         </p:txBody>
       </p:sp>
     </p:spTree>
+    <p:extLst>
+      <p:ext uri="{BB962C8B-B14F-4D97-AF65-F5344CB8AC3E}">
+        <p14:creationId xmlns:p14="http://schemas.microsoft.com/office/powerpoint/2010/main" val="3984063781"/>
+      </p:ext>
+    </p:extLst>
   </p:cSld>
   <p:clrMapOvr>
     <a:masterClrMapping/>
   </p:clrMapOvr>
-  <p:transition>
+  <p:transition xmlns:p14="http://schemas.microsoft.com/office/powerpoint/2010/main">
     <p:random/>
   </p:transition>
   <p:timing>
     <p:tnLst>
       <p:par>
-        <p:cTn id="1" dur="indefinite" restart="never" nodeType="tmRoot">
+        <p:cTn xmlns:p14="http://schemas.microsoft.com/office/powerpoint/2010/main" id="1" dur="indefinite" restart="never" nodeType="tmRoot">
           <p:childTnLst>
             <p:seq concurrent="1" nextAc="seek">
               <p:cTn id="2" dur="indefinite" nodeType="mainSeq">
@@ -14874,7 +17708,7 @@
 </p:sld>
 </file>
 
-<file path=ppt/slides/slide3.xml><?xml version="1.0" encoding="utf-8"?>
+<file path=ppt/slides/slide6.xml><?xml version="1.0" encoding="utf-8"?>
 <p:sld xmlns:a="http://schemas.openxmlformats.org/drawingml/2006/main" xmlns:r="http://schemas.openxmlformats.org/officeDocument/2006/relationships" xmlns:p="http://schemas.openxmlformats.org/presentationml/2006/main">
   <p:cSld>
     <p:spTree>
@@ -15000,7 +17834,7 @@
             <a:fld id="{710C1083-1FD9-B948-8052-947AD402A083}" type="slidenum">
               <a:rPr lang="en-US" smtClean="0"/>
               <a:pPr/>
-              <a:t>3</a:t>
+              <a:t>6</a:t>
             </a:fld>
             <a:endParaRPr lang="en-US" dirty="0"/>
           </a:p>
@@ -15034,20 +17868,20 @@
   <p:clrMapOvr>
     <a:masterClrMapping/>
   </p:clrMapOvr>
-  <p:transition>
+  <p:transition xmlns:p14="http://schemas.microsoft.com/office/powerpoint/2010/main">
     <p:random/>
   </p:transition>
   <p:timing>
     <p:tnLst>
       <p:par>
-        <p:cTn id="1" dur="indefinite" restart="never" nodeType="tmRoot"/>
+        <p:cTn xmlns:p14="http://schemas.microsoft.com/office/powerpoint/2010/main" id="1" dur="indefinite" restart="never" nodeType="tmRoot"/>
       </p:par>
     </p:tnLst>
   </p:timing>
 </p:sld>
 </file>
 
-<file path=ppt/slides/slide4.xml><?xml version="1.0" encoding="utf-8"?>
+<file path=ppt/slides/slide7.xml><?xml version="1.0" encoding="utf-8"?>
 <p:sld xmlns:a="http://schemas.openxmlformats.org/drawingml/2006/main" xmlns:r="http://schemas.openxmlformats.org/officeDocument/2006/relationships" xmlns:p="http://schemas.openxmlformats.org/presentationml/2006/main">
   <p:cSld>
     <p:spTree>
@@ -15082,7 +17916,7 @@
             <a:fld id="{C8B1102B-C4FB-3D4A-A771-E52B583C90BA}" type="slidenum">
               <a:rPr lang="en-US"/>
               <a:pPr/>
-              <a:t>4</a:t>
+              <a:t>7</a:t>
             </a:fld>
             <a:endParaRPr lang="en-US"/>
           </a:p>
@@ -16921,13 +19755,13 @@
   <p:clrMapOvr>
     <a:masterClrMapping/>
   </p:clrMapOvr>
-  <p:transition>
+  <p:transition xmlns:p14="http://schemas.microsoft.com/office/powerpoint/2010/main">
     <p:random/>
   </p:transition>
   <p:timing>
     <p:tnLst>
       <p:par>
-        <p:cTn id="1" dur="indefinite" restart="never" nodeType="tmRoot">
+        <p:cTn xmlns:p14="http://schemas.microsoft.com/office/powerpoint/2010/main" id="1" dur="indefinite" restart="never" nodeType="tmRoot">
           <p:childTnLst>
             <p:seq concurrent="1" nextAc="seek">
               <p:cTn id="2" dur="indefinite" nodeType="mainSeq">
@@ -17753,7 +20587,7 @@
 </p:sld>
 </file>
 
-<file path=ppt/slides/slide5.xml><?xml version="1.0" encoding="utf-8"?>
+<file path=ppt/slides/slide8.xml><?xml version="1.0" encoding="utf-8"?>
 <p:sld xmlns:a="http://schemas.openxmlformats.org/drawingml/2006/main" xmlns:r="http://schemas.openxmlformats.org/officeDocument/2006/relationships" xmlns:p="http://schemas.openxmlformats.org/presentationml/2006/main">
   <p:cSld>
     <p:spTree>
@@ -17772,1486 +20606,6 @@
       </p:grpSpPr>
       <p:sp>
         <p:nvSpPr>
-          <p:cNvPr id="33" name="Date Placeholder 2"/>
-          <p:cNvSpPr>
-            <a:spLocks noGrp="1"/>
-          </p:cNvSpPr>
-          <p:nvPr>
-            <p:ph type="dt" sz="half" idx="10"/>
-          </p:nvPr>
-        </p:nvSpPr>
-        <p:spPr/>
-        <p:txBody>
-          <a:bodyPr/>
-          <a:lstStyle/>
-          <a:p>
-            <a:r>
-              <a:rPr lang="en-US" smtClean="0"/>
-              <a:t>9/23/2013,         9/25/2013</a:t>
-            </a:r>
-            <a:endParaRPr lang="en-US" dirty="0"/>
-          </a:p>
-        </p:txBody>
-      </p:sp>
-      <p:sp>
-        <p:nvSpPr>
-          <p:cNvPr id="35" name="Slide Number Placeholder 4"/>
-          <p:cNvSpPr>
-            <a:spLocks noGrp="1"/>
-          </p:cNvSpPr>
-          <p:nvPr>
-            <p:ph type="sldNum" sz="quarter" idx="12"/>
-          </p:nvPr>
-        </p:nvSpPr>
-        <p:spPr/>
-        <p:txBody>
-          <a:bodyPr/>
-          <a:lstStyle/>
-          <a:p>
-            <a:fld id="{A621EC7D-BC86-F643-A662-1164907C2724}" type="slidenum">
-              <a:rPr lang="en-US"/>
-              <a:pPr/>
-              <a:t>5</a:t>
-            </a:fld>
-            <a:endParaRPr lang="en-US"/>
-          </a:p>
-        </p:txBody>
-      </p:sp>
-      <p:sp>
-        <p:nvSpPr>
-          <p:cNvPr id="82976" name="Rectangle 32"/>
-          <p:cNvSpPr>
-            <a:spLocks noChangeArrowheads="1"/>
-          </p:cNvSpPr>
-          <p:nvPr/>
-        </p:nvSpPr>
-        <p:spPr bwMode="auto">
-          <a:xfrm>
-            <a:off x="228600" y="1447800"/>
-            <a:ext cx="8763000" cy="4343400"/>
-          </a:xfrm>
-          <a:prstGeom prst="rect">
-            <a:avLst/>
-          </a:prstGeom>
-          <a:noFill/>
-          <a:ln w="9525">
-            <a:noFill/>
-            <a:miter lim="800000"/>
-            <a:headEnd/>
-            <a:tailEnd/>
-          </a:ln>
-          <a:effectLst/>
-        </p:spPr>
-        <p:txBody>
-          <a:bodyPr wrap="none" anchor="ctr">
-            <a:prstTxWarp prst="textNoShape">
-              <a:avLst/>
-            </a:prstTxWarp>
-          </a:bodyPr>
-          <a:lstStyle/>
-          <a:p>
-            <a:endParaRPr lang="en-US" sz="1800">
-              <a:latin typeface="Lucida Sans" charset="0"/>
-            </a:endParaRPr>
-          </a:p>
-        </p:txBody>
-      </p:sp>
-      <p:sp>
-        <p:nvSpPr>
-          <p:cNvPr id="82946" name="Rectangle 2"/>
-          <p:cNvSpPr>
-            <a:spLocks noGrp="1" noChangeArrowheads="1"/>
-          </p:cNvSpPr>
-          <p:nvPr>
-            <p:ph type="title"/>
-          </p:nvPr>
-        </p:nvSpPr>
-        <p:spPr>
-          <a:xfrm>
-            <a:off x="685800" y="228600"/>
-            <a:ext cx="8305800" cy="1143000"/>
-          </a:xfrm>
-        </p:spPr>
-        <p:txBody>
-          <a:bodyPr/>
-          <a:lstStyle/>
-          <a:p>
-            <a:r>
-              <a:rPr lang="en-US" sz="2800"/>
-              <a:t>   Why Sensitivity Analysis ?</a:t>
-            </a:r>
-          </a:p>
-        </p:txBody>
-      </p:sp>
-      <p:sp>
-        <p:nvSpPr>
-          <p:cNvPr id="82947" name="AutoShape 3"/>
-          <p:cNvSpPr>
-            <a:spLocks noChangeAspect="1" noChangeArrowheads="1"/>
-          </p:cNvSpPr>
-          <p:nvPr/>
-        </p:nvSpPr>
-        <p:spPr bwMode="auto">
-          <a:xfrm>
-            <a:off x="1219200" y="4537075"/>
-            <a:ext cx="1576388" cy="611188"/>
-          </a:xfrm>
-          <a:prstGeom prst="roundRect">
-            <a:avLst>
-              <a:gd name="adj" fmla="val 16667"/>
-            </a:avLst>
-          </a:prstGeom>
-          <a:solidFill>
-            <a:srgbClr val="99FF33"/>
-          </a:solidFill>
-          <a:ln w="9525">
-            <a:noFill/>
-            <a:round/>
-            <a:headEnd/>
-            <a:tailEnd/>
-          </a:ln>
-          <a:effectLst/>
-        </p:spPr>
-        <p:txBody>
-          <a:bodyPr wrap="none" anchor="ctr">
-            <a:prstTxWarp prst="textNoShape">
-              <a:avLst/>
-            </a:prstTxWarp>
-          </a:bodyPr>
-          <a:lstStyle/>
-          <a:p>
-            <a:r>
-              <a:rPr lang="en-US" sz="1800" b="1">
-                <a:latin typeface="Century Gothic" charset="0"/>
-              </a:rPr>
-              <a:t>Management </a:t>
-            </a:r>
-          </a:p>
-          <a:p>
-            <a:r>
-              <a:rPr lang="en-US" sz="1800" b="1">
-                <a:latin typeface="Century Gothic" charset="0"/>
-              </a:rPr>
-              <a:t>Situation</a:t>
-            </a:r>
-            <a:endParaRPr lang="en-US" sz="2400" b="1">
-              <a:latin typeface="Century Gothic" charset="0"/>
-            </a:endParaRPr>
-          </a:p>
-        </p:txBody>
-      </p:sp>
-      <p:sp>
-        <p:nvSpPr>
-          <p:cNvPr id="82949" name="Text Box 5"/>
-          <p:cNvSpPr txBox="1">
-            <a:spLocks noChangeAspect="1" noChangeArrowheads="1"/>
-          </p:cNvSpPr>
-          <p:nvPr/>
-        </p:nvSpPr>
-        <p:spPr bwMode="auto">
-          <a:xfrm>
-            <a:off x="3200400" y="3322638"/>
-            <a:ext cx="1460500" cy="641350"/>
-          </a:xfrm>
-          <a:prstGeom prst="rect">
-            <a:avLst/>
-          </a:prstGeom>
-          <a:noFill/>
-          <a:ln w="9525">
-            <a:noFill/>
-            <a:miter lim="800000"/>
-            <a:headEnd/>
-            <a:tailEnd/>
-          </a:ln>
-          <a:effectLst/>
-        </p:spPr>
-        <p:txBody>
-          <a:bodyPr wrap="none">
-            <a:prstTxWarp prst="textNoShape">
-              <a:avLst/>
-            </a:prstTxWarp>
-            <a:spAutoFit/>
-          </a:bodyPr>
-          <a:lstStyle/>
-          <a:p>
-            <a:pPr algn="l"/>
-            <a:r>
-              <a:rPr lang="en-US" sz="1800" b="1" i="1">
-                <a:latin typeface="Century Gothic" charset="0"/>
-              </a:rPr>
-              <a:t>Managerial</a:t>
-            </a:r>
-          </a:p>
-          <a:p>
-            <a:pPr algn="l"/>
-            <a:r>
-              <a:rPr lang="en-US" sz="1800" b="1" i="1">
-                <a:latin typeface="Century Gothic" charset="0"/>
-              </a:rPr>
-              <a:t>Judgement</a:t>
-            </a:r>
-          </a:p>
-        </p:txBody>
-      </p:sp>
-      <p:sp>
-        <p:nvSpPr>
-          <p:cNvPr id="82950" name="Line 6"/>
-          <p:cNvSpPr>
-            <a:spLocks noChangeShapeType="1"/>
-          </p:cNvSpPr>
-          <p:nvPr/>
-        </p:nvSpPr>
-        <p:spPr bwMode="auto">
-          <a:xfrm>
-            <a:off x="4598988" y="3668713"/>
-            <a:ext cx="1160462" cy="0"/>
-          </a:xfrm>
-          <a:prstGeom prst="line">
-            <a:avLst/>
-          </a:prstGeom>
-          <a:noFill/>
-          <a:ln w="38100">
-            <a:solidFill>
-              <a:srgbClr val="FF3300"/>
-            </a:solidFill>
-            <a:round/>
-            <a:headEnd/>
-            <a:tailEnd type="triangle" w="med" len="med"/>
-          </a:ln>
-          <a:effectLst/>
-        </p:spPr>
-        <p:txBody>
-          <a:bodyPr wrap="none" anchor="ctr">
-            <a:prstTxWarp prst="textNoShape">
-              <a:avLst/>
-            </a:prstTxWarp>
-          </a:bodyPr>
-          <a:lstStyle/>
-          <a:p>
-            <a:endParaRPr lang="en-US"/>
-          </a:p>
-        </p:txBody>
-      </p:sp>
-      <p:sp>
-        <p:nvSpPr>
-          <p:cNvPr id="82951" name="Line 7"/>
-          <p:cNvSpPr>
-            <a:spLocks noChangeShapeType="1"/>
-          </p:cNvSpPr>
-          <p:nvPr/>
-        </p:nvSpPr>
-        <p:spPr bwMode="auto">
-          <a:xfrm>
-            <a:off x="2119313" y="3668713"/>
-            <a:ext cx="1160462" cy="0"/>
-          </a:xfrm>
-          <a:prstGeom prst="line">
-            <a:avLst/>
-          </a:prstGeom>
-          <a:noFill/>
-          <a:ln w="38100">
-            <a:solidFill>
-              <a:srgbClr val="FF3300"/>
-            </a:solidFill>
-            <a:round/>
-            <a:headEnd type="triangle" w="med" len="med"/>
-            <a:tailEnd/>
-          </a:ln>
-          <a:effectLst/>
-        </p:spPr>
-        <p:txBody>
-          <a:bodyPr wrap="none" anchor="ctr">
-            <a:prstTxWarp prst="textNoShape">
-              <a:avLst/>
-            </a:prstTxWarp>
-          </a:bodyPr>
-          <a:lstStyle/>
-          <a:p>
-            <a:endParaRPr lang="en-US"/>
-          </a:p>
-        </p:txBody>
-      </p:sp>
-      <p:sp>
-        <p:nvSpPr>
-          <p:cNvPr id="82952" name="Line 8"/>
-          <p:cNvSpPr>
-            <a:spLocks noChangeShapeType="1"/>
-          </p:cNvSpPr>
-          <p:nvPr/>
-        </p:nvSpPr>
-        <p:spPr bwMode="auto">
-          <a:xfrm>
-            <a:off x="3860800" y="3959225"/>
-            <a:ext cx="0" cy="466725"/>
-          </a:xfrm>
-          <a:prstGeom prst="line">
-            <a:avLst/>
-          </a:prstGeom>
-          <a:noFill/>
-          <a:ln w="38100">
-            <a:solidFill>
-              <a:srgbClr val="FF3300"/>
-            </a:solidFill>
-            <a:round/>
-            <a:headEnd/>
-            <a:tailEnd type="triangle" w="med" len="med"/>
-          </a:ln>
-          <a:effectLst/>
-        </p:spPr>
-        <p:txBody>
-          <a:bodyPr wrap="none" anchor="ctr">
-            <a:prstTxWarp prst="textNoShape">
-              <a:avLst/>
-            </a:prstTxWarp>
-          </a:bodyPr>
-          <a:lstStyle/>
-          <a:p>
-            <a:endParaRPr lang="en-US"/>
-          </a:p>
-        </p:txBody>
-      </p:sp>
-      <p:sp>
-        <p:nvSpPr>
-          <p:cNvPr id="82953" name="Line 9"/>
-          <p:cNvSpPr>
-            <a:spLocks noChangeShapeType="1"/>
-          </p:cNvSpPr>
-          <p:nvPr/>
-        </p:nvSpPr>
-        <p:spPr bwMode="auto">
-          <a:xfrm>
-            <a:off x="3860800" y="2678113"/>
-            <a:ext cx="0" cy="466725"/>
-          </a:xfrm>
-          <a:prstGeom prst="line">
-            <a:avLst/>
-          </a:prstGeom>
-          <a:noFill/>
-          <a:ln w="38100">
-            <a:solidFill>
-              <a:srgbClr val="FF3300"/>
-            </a:solidFill>
-            <a:round/>
-            <a:headEnd type="triangle" w="med" len="med"/>
-            <a:tailEnd/>
-          </a:ln>
-          <a:effectLst/>
-        </p:spPr>
-        <p:txBody>
-          <a:bodyPr wrap="none" anchor="ctr">
-            <a:prstTxWarp prst="textNoShape">
-              <a:avLst/>
-            </a:prstTxWarp>
-          </a:bodyPr>
-          <a:lstStyle/>
-          <a:p>
-            <a:endParaRPr lang="en-US"/>
-          </a:p>
-        </p:txBody>
-      </p:sp>
-      <p:grpSp>
-        <p:nvGrpSpPr>
-          <p:cNvPr id="82954" name="Group 10"/>
-          <p:cNvGrpSpPr>
-            <a:grpSpLocks/>
-          </p:cNvGrpSpPr>
-          <p:nvPr/>
-        </p:nvGrpSpPr>
-        <p:grpSpPr bwMode="auto">
-          <a:xfrm>
-            <a:off x="2805113" y="4537075"/>
-            <a:ext cx="3684587" cy="571500"/>
-            <a:chOff x="2160" y="3130"/>
-            <a:chExt cx="3352" cy="470"/>
-          </a:xfrm>
-        </p:grpSpPr>
-        <p:sp>
-          <p:nvSpPr>
-            <p:cNvPr id="82955" name="Text Box 11"/>
-            <p:cNvSpPr txBox="1">
-              <a:spLocks noChangeAspect="1" noChangeArrowheads="1"/>
-            </p:cNvSpPr>
-            <p:nvPr/>
-          </p:nvSpPr>
-          <p:spPr bwMode="auto">
-            <a:xfrm>
-              <a:off x="2738" y="3143"/>
-              <a:ext cx="957" cy="302"/>
-            </a:xfrm>
-            <a:prstGeom prst="rect">
-              <a:avLst/>
-            </a:prstGeom>
-            <a:noFill/>
-            <a:ln w="9525">
-              <a:noFill/>
-              <a:miter lim="800000"/>
-              <a:headEnd/>
-              <a:tailEnd/>
-            </a:ln>
-            <a:effectLst/>
-          </p:spPr>
-          <p:txBody>
-            <a:bodyPr wrap="none">
-              <a:prstTxWarp prst="textNoShape">
-                <a:avLst/>
-              </a:prstTxWarp>
-              <a:spAutoFit/>
-            </a:bodyPr>
-            <a:lstStyle/>
-            <a:p>
-              <a:pPr algn="l"/>
-              <a:r>
-                <a:rPr lang="en-US" sz="1800">
-                  <a:latin typeface="Century Gothic" charset="0"/>
-                </a:rPr>
-                <a:t>Intuition</a:t>
-              </a:r>
-              <a:endParaRPr lang="en-US" sz="2400" b="1">
-                <a:latin typeface="Century Gothic" charset="0"/>
-              </a:endParaRPr>
-            </a:p>
-          </p:txBody>
-        </p:sp>
-        <p:grpSp>
-          <p:nvGrpSpPr>
-            <p:cNvPr id="82956" name="Group 12"/>
-            <p:cNvGrpSpPr>
-              <a:grpSpLocks/>
-            </p:cNvGrpSpPr>
-            <p:nvPr/>
-          </p:nvGrpSpPr>
-          <p:grpSpPr bwMode="auto">
-            <a:xfrm>
-              <a:off x="2160" y="3130"/>
-              <a:ext cx="3352" cy="470"/>
-              <a:chOff x="2160" y="3130"/>
-              <a:chExt cx="3352" cy="470"/>
-            </a:xfrm>
-          </p:grpSpPr>
-          <p:sp>
-            <p:nvSpPr>
-              <p:cNvPr id="82957" name="AutoShape 13"/>
-              <p:cNvSpPr>
-                <a:spLocks noChangeAspect="1" noChangeArrowheads="1"/>
-              </p:cNvSpPr>
-              <p:nvPr/>
-            </p:nvSpPr>
-            <p:spPr bwMode="auto">
-              <a:xfrm>
-                <a:off x="4235" y="3130"/>
-                <a:ext cx="1277" cy="470"/>
-              </a:xfrm>
-              <a:prstGeom prst="roundRect">
-                <a:avLst>
-                  <a:gd name="adj" fmla="val 16667"/>
-                </a:avLst>
-              </a:prstGeom>
-              <a:solidFill>
-                <a:srgbClr val="99FF33"/>
-              </a:solidFill>
-              <a:ln w="9525">
-                <a:noFill/>
-                <a:round/>
-                <a:headEnd/>
-                <a:tailEnd/>
-              </a:ln>
-              <a:effectLst/>
-            </p:spPr>
-            <p:txBody>
-              <a:bodyPr wrap="none" anchor="ctr">
-                <a:prstTxWarp prst="textNoShape">
-                  <a:avLst/>
-                </a:prstTxWarp>
-              </a:bodyPr>
-              <a:lstStyle/>
-              <a:p>
-                <a:r>
-                  <a:rPr lang="en-US" sz="1800" b="1">
-                    <a:latin typeface="Century Gothic" charset="0"/>
-                  </a:rPr>
-                  <a:t>Decisions</a:t>
-                </a:r>
-              </a:p>
-            </p:txBody>
-          </p:sp>
-          <p:sp>
-            <p:nvSpPr>
-              <p:cNvPr id="82958" name="Line 14"/>
-              <p:cNvSpPr>
-                <a:spLocks noChangeShapeType="1"/>
-              </p:cNvSpPr>
-              <p:nvPr/>
-            </p:nvSpPr>
-            <p:spPr bwMode="auto">
-              <a:xfrm>
-                <a:off x="2160" y="3422"/>
-                <a:ext cx="2064" cy="0"/>
-              </a:xfrm>
-              <a:prstGeom prst="line">
-                <a:avLst/>
-              </a:prstGeom>
-              <a:noFill/>
-              <a:ln w="38100">
-                <a:solidFill>
-                  <a:srgbClr val="9999FF"/>
-                </a:solidFill>
-                <a:round/>
-                <a:headEnd/>
-                <a:tailEnd type="triangle" w="med" len="med"/>
-              </a:ln>
-              <a:effectLst/>
-            </p:spPr>
-            <p:txBody>
-              <a:bodyPr wrap="none" anchor="ctr">
-                <a:prstTxWarp prst="textNoShape">
-                  <a:avLst/>
-                </a:prstTxWarp>
-              </a:bodyPr>
-              <a:lstStyle/>
-              <a:p>
-                <a:endParaRPr lang="en-US"/>
-              </a:p>
-            </p:txBody>
-          </p:sp>
-        </p:grpSp>
-      </p:grpSp>
-      <p:grpSp>
-        <p:nvGrpSpPr>
-          <p:cNvPr id="82959" name="Group 15"/>
-          <p:cNvGrpSpPr>
-            <a:grpSpLocks/>
-          </p:cNvGrpSpPr>
-          <p:nvPr/>
-        </p:nvGrpSpPr>
-        <p:grpSpPr bwMode="auto">
-          <a:xfrm>
-            <a:off x="2805113" y="2206625"/>
-            <a:ext cx="3684587" cy="617538"/>
-            <a:chOff x="2160" y="1210"/>
-            <a:chExt cx="3352" cy="509"/>
-          </a:xfrm>
-        </p:grpSpPr>
-        <p:sp>
-          <p:nvSpPr>
-            <p:cNvPr id="82960" name="AutoShape 16"/>
-            <p:cNvSpPr>
-              <a:spLocks noChangeAspect="1" noChangeArrowheads="1"/>
-            </p:cNvSpPr>
-            <p:nvPr/>
-          </p:nvSpPr>
-          <p:spPr bwMode="auto">
-            <a:xfrm>
-              <a:off x="4235" y="1248"/>
-              <a:ext cx="1277" cy="471"/>
-            </a:xfrm>
-            <a:prstGeom prst="roundRect">
-              <a:avLst>
-                <a:gd name="adj" fmla="val 16667"/>
-              </a:avLst>
-            </a:prstGeom>
-            <a:solidFill>
-              <a:srgbClr val="99FF33"/>
-            </a:solidFill>
-            <a:ln w="9525">
-              <a:noFill/>
-              <a:round/>
-              <a:headEnd/>
-              <a:tailEnd/>
-            </a:ln>
-            <a:effectLst/>
-          </p:spPr>
-          <p:txBody>
-            <a:bodyPr wrap="none" anchor="ctr">
-              <a:prstTxWarp prst="textNoShape">
-                <a:avLst/>
-              </a:prstTxWarp>
-            </a:bodyPr>
-            <a:lstStyle/>
-            <a:p>
-              <a:r>
-                <a:rPr lang="en-US" sz="1800" b="1">
-                  <a:latin typeface="Century Gothic" charset="0"/>
-                </a:rPr>
-                <a:t>Results</a:t>
-              </a:r>
-            </a:p>
-          </p:txBody>
-        </p:sp>
-        <p:sp>
-          <p:nvSpPr>
-            <p:cNvPr id="82961" name="Text Box 17"/>
-            <p:cNvSpPr txBox="1">
-              <a:spLocks noChangeAspect="1" noChangeArrowheads="1"/>
-            </p:cNvSpPr>
-            <p:nvPr/>
-          </p:nvSpPr>
-          <p:spPr bwMode="auto">
-            <a:xfrm>
-              <a:off x="2732" y="1210"/>
-              <a:ext cx="947" cy="302"/>
-            </a:xfrm>
-            <a:prstGeom prst="rect">
-              <a:avLst/>
-            </a:prstGeom>
-            <a:noFill/>
-            <a:ln w="9525">
-              <a:noFill/>
-              <a:miter lim="800000"/>
-              <a:headEnd/>
-              <a:tailEnd/>
-            </a:ln>
-            <a:effectLst/>
-          </p:spPr>
-          <p:txBody>
-            <a:bodyPr wrap="none">
-              <a:prstTxWarp prst="textNoShape">
-                <a:avLst/>
-              </a:prstTxWarp>
-              <a:spAutoFit/>
-            </a:bodyPr>
-            <a:lstStyle/>
-            <a:p>
-              <a:pPr algn="l"/>
-              <a:r>
-                <a:rPr lang="en-US" sz="1800">
-                  <a:latin typeface="Century Gothic" charset="0"/>
-                </a:rPr>
-                <a:t>Analysis</a:t>
-              </a:r>
-            </a:p>
-          </p:txBody>
-        </p:sp>
-        <p:sp>
-          <p:nvSpPr>
-            <p:cNvPr id="82962" name="Line 18"/>
-            <p:cNvSpPr>
-              <a:spLocks noChangeShapeType="1"/>
-            </p:cNvSpPr>
-            <p:nvPr/>
-          </p:nvSpPr>
-          <p:spPr bwMode="auto">
-            <a:xfrm>
-              <a:off x="2160" y="1550"/>
-              <a:ext cx="2064" cy="0"/>
-            </a:xfrm>
-            <a:prstGeom prst="line">
-              <a:avLst/>
-            </a:prstGeom>
-            <a:noFill/>
-            <a:ln w="38100">
-              <a:solidFill>
-                <a:srgbClr val="9999FF"/>
-              </a:solidFill>
-              <a:round/>
-              <a:headEnd/>
-              <a:tailEnd type="triangle" w="med" len="med"/>
-            </a:ln>
-            <a:effectLst/>
-          </p:spPr>
-          <p:txBody>
-            <a:bodyPr wrap="none" anchor="ctr">
-              <a:prstTxWarp prst="textNoShape">
-                <a:avLst/>
-              </a:prstTxWarp>
-            </a:bodyPr>
-            <a:lstStyle/>
-            <a:p>
-              <a:endParaRPr lang="en-US"/>
-            </a:p>
-          </p:txBody>
-        </p:sp>
-      </p:grpSp>
-      <p:sp>
-        <p:nvSpPr>
-          <p:cNvPr id="82964" name="AutoShape 20"/>
-          <p:cNvSpPr>
-            <a:spLocks noChangeAspect="1" noChangeArrowheads="1"/>
-          </p:cNvSpPr>
-          <p:nvPr/>
-        </p:nvSpPr>
-        <p:spPr bwMode="auto">
-          <a:xfrm>
-            <a:off x="1306513" y="2252663"/>
-            <a:ext cx="1403350" cy="571500"/>
-          </a:xfrm>
-          <a:prstGeom prst="roundRect">
-            <a:avLst>
-              <a:gd name="adj" fmla="val 16667"/>
-            </a:avLst>
-          </a:prstGeom>
-          <a:solidFill>
-            <a:srgbClr val="99FF33"/>
-          </a:solidFill>
-          <a:ln w="9525">
-            <a:noFill/>
-            <a:round/>
-            <a:headEnd/>
-            <a:tailEnd/>
-          </a:ln>
-          <a:effectLst/>
-        </p:spPr>
-        <p:txBody>
-          <a:bodyPr wrap="none" anchor="ctr">
-            <a:prstTxWarp prst="textNoShape">
-              <a:avLst/>
-            </a:prstTxWarp>
-          </a:bodyPr>
-          <a:lstStyle/>
-          <a:p>
-            <a:r>
-              <a:rPr lang="en-US" sz="1800" b="1">
-                <a:latin typeface="Century Gothic" charset="0"/>
-              </a:rPr>
-              <a:t>Model</a:t>
-            </a:r>
-          </a:p>
-        </p:txBody>
-      </p:sp>
-      <p:sp>
-        <p:nvSpPr>
-          <p:cNvPr id="82965" name="Text Box 21"/>
-          <p:cNvSpPr txBox="1">
-            <a:spLocks noChangeAspect="1" noChangeArrowheads="1"/>
-          </p:cNvSpPr>
-          <p:nvPr/>
-        </p:nvSpPr>
-        <p:spPr bwMode="auto">
-          <a:xfrm rot="-5400000">
-            <a:off x="1058863" y="3511550"/>
-            <a:ext cx="1449387" cy="366713"/>
-          </a:xfrm>
-          <a:prstGeom prst="rect">
-            <a:avLst/>
-          </a:prstGeom>
-          <a:noFill/>
-          <a:ln w="9525">
-            <a:noFill/>
-            <a:miter lim="800000"/>
-            <a:headEnd/>
-            <a:tailEnd/>
-          </a:ln>
-          <a:effectLst/>
-        </p:spPr>
-        <p:txBody>
-          <a:bodyPr wrap="none">
-            <a:prstTxWarp prst="textNoShape">
-              <a:avLst/>
-            </a:prstTxWarp>
-            <a:spAutoFit/>
-          </a:bodyPr>
-          <a:lstStyle/>
-          <a:p>
-            <a:pPr algn="l"/>
-            <a:r>
-              <a:rPr lang="en-US" sz="1800" b="1">
-                <a:latin typeface="Century Gothic" charset="0"/>
-              </a:rPr>
-              <a:t>Abstraction</a:t>
-            </a:r>
-          </a:p>
-        </p:txBody>
-      </p:sp>
-      <p:sp>
-        <p:nvSpPr>
-          <p:cNvPr id="82966" name="Line 22"/>
-          <p:cNvSpPr>
-            <a:spLocks noChangeShapeType="1"/>
-          </p:cNvSpPr>
-          <p:nvPr/>
-        </p:nvSpPr>
-        <p:spPr bwMode="auto">
-          <a:xfrm>
-            <a:off x="2014538" y="2852738"/>
-            <a:ext cx="0" cy="1690687"/>
-          </a:xfrm>
-          <a:prstGeom prst="line">
-            <a:avLst/>
-          </a:prstGeom>
-          <a:noFill/>
-          <a:ln w="38100">
-            <a:solidFill>
-              <a:srgbClr val="9999FF"/>
-            </a:solidFill>
-            <a:round/>
-            <a:headEnd type="triangle" w="med" len="med"/>
-            <a:tailEnd/>
-          </a:ln>
-          <a:effectLst/>
-        </p:spPr>
-        <p:txBody>
-          <a:bodyPr wrap="none" anchor="ctr">
-            <a:prstTxWarp prst="textNoShape">
-              <a:avLst/>
-            </a:prstTxWarp>
-          </a:bodyPr>
-          <a:lstStyle/>
-          <a:p>
-            <a:endParaRPr lang="en-US"/>
-          </a:p>
-        </p:txBody>
-      </p:sp>
-      <p:grpSp>
-        <p:nvGrpSpPr>
-          <p:cNvPr id="82967" name="Group 23"/>
-          <p:cNvGrpSpPr>
-            <a:grpSpLocks/>
-          </p:cNvGrpSpPr>
-          <p:nvPr/>
-        </p:nvGrpSpPr>
-        <p:grpSpPr bwMode="auto">
-          <a:xfrm>
-            <a:off x="322263" y="2903538"/>
-            <a:ext cx="1428750" cy="1341437"/>
-            <a:chOff x="-99" y="1242"/>
-            <a:chExt cx="1299" cy="1105"/>
-          </a:xfrm>
-        </p:grpSpPr>
-        <p:sp>
-          <p:nvSpPr>
-            <p:cNvPr id="82968" name="Text Box 24"/>
-            <p:cNvSpPr txBox="1">
-              <a:spLocks noChangeAspect="1" noChangeArrowheads="1"/>
-            </p:cNvSpPr>
-            <p:nvPr/>
-          </p:nvSpPr>
-          <p:spPr bwMode="auto">
-            <a:xfrm>
-              <a:off x="-99" y="1242"/>
-              <a:ext cx="1072" cy="528"/>
-            </a:xfrm>
-            <a:prstGeom prst="rect">
-              <a:avLst/>
-            </a:prstGeom>
-            <a:noFill/>
-            <a:ln w="9525">
-              <a:noFill/>
-              <a:miter lim="800000"/>
-              <a:headEnd/>
-              <a:tailEnd/>
-            </a:ln>
-            <a:effectLst/>
-          </p:spPr>
-          <p:txBody>
-            <a:bodyPr wrap="none" anchor="ctr">
-              <a:prstTxWarp prst="textNoShape">
-                <a:avLst/>
-              </a:prstTxWarp>
-              <a:spAutoFit/>
-            </a:bodyPr>
-            <a:lstStyle/>
-            <a:p>
-              <a:r>
-                <a:rPr lang="en-US" sz="1800">
-                  <a:latin typeface="Century Gothic" charset="0"/>
-                </a:rPr>
-                <a:t>Symbolic</a:t>
-              </a:r>
-            </a:p>
-            <a:p>
-              <a:r>
-                <a:rPr lang="en-US" sz="1800">
-                  <a:latin typeface="Century Gothic" charset="0"/>
-                </a:rPr>
-                <a:t>World</a:t>
-              </a:r>
-              <a:endParaRPr lang="en-US" sz="2400" b="1">
-                <a:latin typeface="Century Gothic" charset="0"/>
-              </a:endParaRPr>
-            </a:p>
-          </p:txBody>
-        </p:sp>
-        <p:sp>
-          <p:nvSpPr>
-            <p:cNvPr id="82969" name="Text Box 25"/>
-            <p:cNvSpPr txBox="1">
-              <a:spLocks noChangeAspect="1" noChangeArrowheads="1"/>
-            </p:cNvSpPr>
-            <p:nvPr/>
-          </p:nvSpPr>
-          <p:spPr bwMode="auto">
-            <a:xfrm>
-              <a:off x="69" y="1819"/>
-              <a:ext cx="750" cy="528"/>
-            </a:xfrm>
-            <a:prstGeom prst="rect">
-              <a:avLst/>
-            </a:prstGeom>
-            <a:noFill/>
-            <a:ln w="9525">
-              <a:noFill/>
-              <a:miter lim="800000"/>
-              <a:headEnd/>
-              <a:tailEnd/>
-            </a:ln>
-            <a:effectLst/>
-          </p:spPr>
-          <p:txBody>
-            <a:bodyPr wrap="none" anchor="ctr">
-              <a:prstTxWarp prst="textNoShape">
-                <a:avLst/>
-              </a:prstTxWarp>
-              <a:spAutoFit/>
-            </a:bodyPr>
-            <a:lstStyle/>
-            <a:p>
-              <a:r>
-                <a:rPr lang="en-US" sz="1800">
-                  <a:latin typeface="Century Gothic" charset="0"/>
-                </a:rPr>
-                <a:t>Real</a:t>
-              </a:r>
-            </a:p>
-            <a:p>
-              <a:r>
-                <a:rPr lang="en-US" sz="1800">
-                  <a:latin typeface="Century Gothic" charset="0"/>
-                </a:rPr>
-                <a:t>World</a:t>
-              </a:r>
-              <a:endParaRPr lang="en-US" sz="2400" b="1">
-                <a:latin typeface="Century Gothic" charset="0"/>
-              </a:endParaRPr>
-            </a:p>
-          </p:txBody>
-        </p:sp>
-        <p:sp>
-          <p:nvSpPr>
-            <p:cNvPr id="82970" name="Line 26"/>
-            <p:cNvSpPr>
-              <a:spLocks noChangeShapeType="1"/>
-            </p:cNvSpPr>
-            <p:nvPr/>
-          </p:nvSpPr>
-          <p:spPr bwMode="auto">
-            <a:xfrm>
-              <a:off x="96" y="1872"/>
-              <a:ext cx="1104" cy="0"/>
-            </a:xfrm>
-            <a:prstGeom prst="line">
-              <a:avLst/>
-            </a:prstGeom>
-            <a:noFill/>
-            <a:ln w="9525">
-              <a:solidFill>
-                <a:schemeClr val="tx1"/>
-              </a:solidFill>
-              <a:prstDash val="dash"/>
-              <a:round/>
-              <a:headEnd/>
-              <a:tailEnd/>
-            </a:ln>
-            <a:effectLst/>
-          </p:spPr>
-          <p:txBody>
-            <a:bodyPr wrap="none" anchor="ctr">
-              <a:prstTxWarp prst="textNoShape">
-                <a:avLst/>
-              </a:prstTxWarp>
-            </a:bodyPr>
-            <a:lstStyle/>
-            <a:p>
-              <a:endParaRPr lang="en-US"/>
-            </a:p>
-          </p:txBody>
-        </p:sp>
-      </p:grpSp>
-      <p:sp>
-        <p:nvSpPr>
-          <p:cNvPr id="82972" name="Text Box 28"/>
-          <p:cNvSpPr txBox="1">
-            <a:spLocks noChangeAspect="1" noChangeArrowheads="1"/>
-          </p:cNvSpPr>
-          <p:nvPr/>
-        </p:nvSpPr>
-        <p:spPr bwMode="auto">
-          <a:xfrm rot="5400000">
-            <a:off x="5231606" y="3471070"/>
-            <a:ext cx="1666875" cy="366712"/>
-          </a:xfrm>
-          <a:prstGeom prst="rect">
-            <a:avLst/>
-          </a:prstGeom>
-          <a:noFill/>
-          <a:ln w="9525">
-            <a:noFill/>
-            <a:miter lim="800000"/>
-            <a:headEnd/>
-            <a:tailEnd/>
-          </a:ln>
-          <a:effectLst/>
-        </p:spPr>
-        <p:txBody>
-          <a:bodyPr wrap="none">
-            <a:prstTxWarp prst="textNoShape">
-              <a:avLst/>
-            </a:prstTxWarp>
-            <a:spAutoFit/>
-          </a:bodyPr>
-          <a:lstStyle/>
-          <a:p>
-            <a:pPr algn="l"/>
-            <a:r>
-              <a:rPr lang="en-US" sz="1800" b="1">
-                <a:latin typeface="Century Gothic" charset="0"/>
-              </a:rPr>
-              <a:t>Interpretation</a:t>
-            </a:r>
-          </a:p>
-        </p:txBody>
-      </p:sp>
-      <p:sp>
-        <p:nvSpPr>
-          <p:cNvPr id="82973" name="Line 29"/>
-          <p:cNvSpPr>
-            <a:spLocks noChangeShapeType="1"/>
-          </p:cNvSpPr>
-          <p:nvPr/>
-        </p:nvSpPr>
-        <p:spPr bwMode="auto">
-          <a:xfrm>
-            <a:off x="5865813" y="2852738"/>
-            <a:ext cx="0" cy="1690687"/>
-          </a:xfrm>
-          <a:prstGeom prst="line">
-            <a:avLst/>
-          </a:prstGeom>
-          <a:noFill/>
-          <a:ln w="38100">
-            <a:solidFill>
-              <a:srgbClr val="9999FF"/>
-            </a:solidFill>
-            <a:round/>
-            <a:headEnd/>
-            <a:tailEnd type="triangle" w="med" len="med"/>
-          </a:ln>
-          <a:effectLst/>
-        </p:spPr>
-        <p:txBody>
-          <a:bodyPr wrap="none" anchor="ctr">
-            <a:prstTxWarp prst="textNoShape">
-              <a:avLst/>
-            </a:prstTxWarp>
-          </a:bodyPr>
-          <a:lstStyle/>
-          <a:p>
-            <a:endParaRPr lang="en-US"/>
-          </a:p>
-        </p:txBody>
-      </p:sp>
-      <p:grpSp>
-        <p:nvGrpSpPr>
-          <p:cNvPr id="82988" name="Group 44"/>
-          <p:cNvGrpSpPr>
-            <a:grpSpLocks/>
-          </p:cNvGrpSpPr>
-          <p:nvPr/>
-        </p:nvGrpSpPr>
-        <p:grpSpPr bwMode="auto">
-          <a:xfrm>
-            <a:off x="6400800" y="2667000"/>
-            <a:ext cx="2774950" cy="2209800"/>
-            <a:chOff x="4032" y="1680"/>
-            <a:chExt cx="1748" cy="1392"/>
-          </a:xfrm>
-        </p:grpSpPr>
-        <p:sp>
-          <p:nvSpPr>
-            <p:cNvPr id="82979" name="Text Box 35"/>
-            <p:cNvSpPr txBox="1">
-              <a:spLocks noChangeArrowheads="1"/>
-            </p:cNvSpPr>
-            <p:nvPr/>
-          </p:nvSpPr>
-          <p:spPr bwMode="auto">
-            <a:xfrm>
-              <a:off x="4032" y="1880"/>
-              <a:ext cx="1748" cy="712"/>
-            </a:xfrm>
-            <a:prstGeom prst="rect">
-              <a:avLst/>
-            </a:prstGeom>
-            <a:noFill/>
-            <a:ln w="9525">
-              <a:noFill/>
-              <a:miter lim="800000"/>
-              <a:headEnd/>
-              <a:tailEnd/>
-            </a:ln>
-            <a:effectLst/>
-          </p:spPr>
-          <p:txBody>
-            <a:bodyPr wrap="none" anchor="ctr">
-              <a:prstTxWarp prst="textNoShape">
-                <a:avLst/>
-              </a:prstTxWarp>
-              <a:spAutoFit/>
-            </a:bodyPr>
-            <a:lstStyle/>
-            <a:p>
-              <a:pPr algn="l"/>
-              <a:r>
-                <a:rPr lang="en-US" sz="1800" b="1">
-                  <a:solidFill>
-                    <a:schemeClr val="accent2"/>
-                  </a:solidFill>
-                  <a:latin typeface="Century Gothic" charset="0"/>
-                </a:rPr>
-                <a:t>Sensitivity Analysis</a:t>
-              </a:r>
-            </a:p>
-            <a:p>
-              <a:pPr algn="l">
-                <a:buFontTx/>
-                <a:buChar char="•"/>
-              </a:pPr>
-              <a:r>
-                <a:rPr lang="en-US" sz="1800">
-                  <a:solidFill>
-                    <a:schemeClr val="accent2"/>
-                  </a:solidFill>
-                  <a:latin typeface="Century Gothic" charset="0"/>
-                </a:rPr>
-                <a:t> </a:t>
-              </a:r>
-              <a:r>
-                <a:rPr lang="en-US">
-                  <a:solidFill>
-                    <a:schemeClr val="accent2"/>
-                  </a:solidFill>
-                  <a:latin typeface="Century Gothic" charset="0"/>
-                </a:rPr>
-                <a:t>Understand </a:t>
-              </a:r>
-              <a:r>
-                <a:rPr lang="en-US" b="1">
-                  <a:solidFill>
-                    <a:schemeClr val="accent2"/>
-                  </a:solidFill>
-                  <a:latin typeface="Century Gothic" charset="0"/>
-                </a:rPr>
-                <a:t>tradeoffs</a:t>
-              </a:r>
-              <a:r>
-                <a:rPr lang="en-US">
-                  <a:solidFill>
-                    <a:schemeClr val="accent2"/>
-                  </a:solidFill>
-                  <a:latin typeface="Century Gothic" charset="0"/>
-                </a:rPr>
-                <a:t> </a:t>
-              </a:r>
-            </a:p>
-            <a:p>
-              <a:pPr algn="l">
-                <a:buFontTx/>
-                <a:buChar char="•"/>
-              </a:pPr>
-              <a:r>
-                <a:rPr lang="en-US">
-                  <a:solidFill>
-                    <a:schemeClr val="accent2"/>
-                  </a:solidFill>
-                  <a:latin typeface="Century Gothic" charset="0"/>
-                </a:rPr>
-                <a:t> Make </a:t>
-              </a:r>
-              <a:r>
-                <a:rPr lang="en-US" b="1">
-                  <a:solidFill>
-                    <a:schemeClr val="accent2"/>
-                  </a:solidFill>
-                  <a:latin typeface="Century Gothic" charset="0"/>
-                </a:rPr>
-                <a:t>quick adjustments</a:t>
-              </a:r>
-            </a:p>
-            <a:p>
-              <a:pPr algn="l">
-                <a:buFontTx/>
-                <a:buChar char="•"/>
-              </a:pPr>
-              <a:r>
-                <a:rPr lang="en-US">
-                  <a:solidFill>
-                    <a:schemeClr val="accent2"/>
-                  </a:solidFill>
-                  <a:latin typeface="Century Gothic" charset="0"/>
-                </a:rPr>
-                <a:t> Build </a:t>
-              </a:r>
-              <a:r>
-                <a:rPr lang="en-US" b="1">
-                  <a:solidFill>
-                    <a:schemeClr val="accent2"/>
-                  </a:solidFill>
-                  <a:latin typeface="Century Gothic" charset="0"/>
-                </a:rPr>
-                <a:t>intuition</a:t>
-              </a:r>
-              <a:endParaRPr lang="en-US" sz="1800" b="1">
-                <a:solidFill>
-                  <a:schemeClr val="accent2"/>
-                </a:solidFill>
-                <a:latin typeface="Century Gothic" charset="0"/>
-              </a:endParaRPr>
-            </a:p>
-          </p:txBody>
-        </p:sp>
-        <p:sp>
-          <p:nvSpPr>
-            <p:cNvPr id="82982" name="Line 38"/>
-            <p:cNvSpPr>
-              <a:spLocks noChangeShapeType="1"/>
-            </p:cNvSpPr>
-            <p:nvPr/>
-          </p:nvSpPr>
-          <p:spPr bwMode="auto">
-            <a:xfrm flipH="1">
-              <a:off x="4128" y="2592"/>
-              <a:ext cx="432" cy="480"/>
-            </a:xfrm>
-            <a:prstGeom prst="line">
-              <a:avLst/>
-            </a:prstGeom>
-            <a:noFill/>
-            <a:ln w="28575">
-              <a:solidFill>
-                <a:srgbClr val="9900FF"/>
-              </a:solidFill>
-              <a:round/>
-              <a:headEnd/>
-              <a:tailEnd type="triangle" w="med" len="med"/>
-            </a:ln>
-            <a:effectLst/>
-          </p:spPr>
-          <p:txBody>
-            <a:bodyPr wrap="none" anchor="ctr">
-              <a:prstTxWarp prst="textNoShape">
-                <a:avLst/>
-              </a:prstTxWarp>
-            </a:bodyPr>
-            <a:lstStyle/>
-            <a:p>
-              <a:endParaRPr lang="en-US"/>
-            </a:p>
-          </p:txBody>
-        </p:sp>
-        <p:sp>
-          <p:nvSpPr>
-            <p:cNvPr id="82981" name="Line 37"/>
-            <p:cNvSpPr>
-              <a:spLocks noChangeShapeType="1"/>
-            </p:cNvSpPr>
-            <p:nvPr/>
-          </p:nvSpPr>
-          <p:spPr bwMode="auto">
-            <a:xfrm>
-              <a:off x="4128" y="1680"/>
-              <a:ext cx="384" cy="192"/>
-            </a:xfrm>
-            <a:prstGeom prst="line">
-              <a:avLst/>
-            </a:prstGeom>
-            <a:noFill/>
-            <a:ln w="28575">
-              <a:solidFill>
-                <a:srgbClr val="9900FF"/>
-              </a:solidFill>
-              <a:round/>
-              <a:headEnd/>
-              <a:tailEnd type="triangle" w="med" len="med"/>
-            </a:ln>
-            <a:effectLst/>
-          </p:spPr>
-          <p:txBody>
-            <a:bodyPr wrap="none" anchor="ctr">
-              <a:prstTxWarp prst="textNoShape">
-                <a:avLst/>
-              </a:prstTxWarp>
-            </a:bodyPr>
-            <a:lstStyle/>
-            <a:p>
-              <a:endParaRPr lang="en-US"/>
-            </a:p>
-          </p:txBody>
-        </p:sp>
-      </p:grpSp>
-      <p:sp>
-        <p:nvSpPr>
-          <p:cNvPr id="82987" name="Line 43"/>
-          <p:cNvSpPr>
-            <a:spLocks noChangeShapeType="1"/>
-          </p:cNvSpPr>
-          <p:nvPr/>
-        </p:nvSpPr>
-        <p:spPr bwMode="auto">
-          <a:xfrm>
-            <a:off x="6172200" y="3657600"/>
-            <a:ext cx="152400" cy="0"/>
-          </a:xfrm>
-          <a:prstGeom prst="line">
-            <a:avLst/>
-          </a:prstGeom>
-          <a:noFill/>
-          <a:ln w="9525">
-            <a:solidFill>
-              <a:schemeClr val="tx1"/>
-            </a:solidFill>
-            <a:prstDash val="dash"/>
-            <a:round/>
-            <a:headEnd/>
-            <a:tailEnd/>
-          </a:ln>
-          <a:effectLst/>
-        </p:spPr>
-        <p:txBody>
-          <a:bodyPr wrap="none" anchor="ctr">
-            <a:prstTxWarp prst="textNoShape">
-              <a:avLst/>
-            </a:prstTxWarp>
-          </a:bodyPr>
-          <a:lstStyle/>
-          <a:p>
-            <a:endParaRPr lang="en-US"/>
-          </a:p>
-        </p:txBody>
-      </p:sp>
-      <p:sp>
-        <p:nvSpPr>
-          <p:cNvPr id="36" name="Footer Placeholder 35"/>
-          <p:cNvSpPr>
-            <a:spLocks noGrp="1"/>
-          </p:cNvSpPr>
-          <p:nvPr>
-            <p:ph type="ftr" sz="quarter" idx="11"/>
-          </p:nvPr>
-        </p:nvSpPr>
-        <p:spPr/>
-        <p:txBody>
-          <a:bodyPr/>
-          <a:lstStyle/>
-          <a:p>
-            <a:r>
-              <a:rPr lang="en-US" smtClean="0"/>
-              <a:t>Professor Dong Washington University in St. Louis, MO</a:t>
-            </a:r>
-            <a:endParaRPr lang="en-US" dirty="0"/>
-          </a:p>
-        </p:txBody>
-      </p:sp>
-    </p:spTree>
-  </p:cSld>
-  <p:clrMapOvr>
-    <a:masterClrMapping/>
-  </p:clrMapOvr>
-  <p:transition>
-    <p:random/>
-  </p:transition>
-  <p:timing>
-    <p:tnLst>
-      <p:par>
-        <p:cTn id="1" dur="indefinite" restart="never" nodeType="tmRoot">
-          <p:childTnLst>
-            <p:seq concurrent="1" nextAc="seek">
-              <p:cTn id="2" dur="indefinite" nodeType="mainSeq">
-                <p:childTnLst>
-                  <p:par>
-                    <p:cTn id="3" fill="hold">
-                      <p:stCondLst>
-                        <p:cond delay="indefinite"/>
-                      </p:stCondLst>
-                      <p:childTnLst>
-                        <p:par>
-                          <p:cTn id="4" fill="hold">
-                            <p:stCondLst>
-                              <p:cond delay="0"/>
-                            </p:stCondLst>
-                            <p:childTnLst>
-                              <p:par>
-                                <p:cTn id="5" presetID="9" presetClass="entr" presetSubtype="0" fill="hold" nodeType="clickEffect">
-                                  <p:stCondLst>
-                                    <p:cond delay="0"/>
-                                  </p:stCondLst>
-                                  <p:childTnLst>
-                                    <p:set>
-                                      <p:cBhvr>
-                                        <p:cTn id="6" dur="1" fill="hold">
-                                          <p:stCondLst>
-                                            <p:cond delay="0"/>
-                                          </p:stCondLst>
-                                        </p:cTn>
-                                        <p:tgtEl>
-                                          <p:spTgt spid="82988"/>
-                                        </p:tgtEl>
-                                        <p:attrNameLst>
-                                          <p:attrName>style.visibility</p:attrName>
-                                        </p:attrNameLst>
-                                      </p:cBhvr>
-                                      <p:to>
-                                        <p:strVal val="visible"/>
-                                      </p:to>
-                                    </p:set>
-                                    <p:animEffect transition="in" filter="dissolve">
-                                      <p:cBhvr>
-                                        <p:cTn id="7" dur="500"/>
-                                        <p:tgtEl>
-                                          <p:spTgt spid="82988"/>
-                                        </p:tgtEl>
-                                      </p:cBhvr>
-                                    </p:animEffect>
-                                  </p:childTnLst>
-                                </p:cTn>
-                              </p:par>
-                            </p:childTnLst>
-                          </p:cTn>
-                        </p:par>
-                      </p:childTnLst>
-                    </p:cTn>
-                  </p:par>
-                </p:childTnLst>
-              </p:cTn>
-              <p:prevCondLst>
-                <p:cond evt="onPrev" delay="0">
-                  <p:tgtEl>
-                    <p:sldTgt/>
-                  </p:tgtEl>
-                </p:cond>
-              </p:prevCondLst>
-              <p:nextCondLst>
-                <p:cond evt="onNext" delay="0">
-                  <p:tgtEl>
-                    <p:sldTgt/>
-                  </p:tgtEl>
-                </p:cond>
-              </p:nextCondLst>
-            </p:seq>
-          </p:childTnLst>
-        </p:cTn>
-      </p:par>
-    </p:tnLst>
-  </p:timing>
-</p:sld>
-</file>
-
-<file path=ppt/slides/slide6.xml><?xml version="1.0" encoding="utf-8"?>
-<p:sld xmlns:a="http://schemas.openxmlformats.org/drawingml/2006/main" xmlns:r="http://schemas.openxmlformats.org/officeDocument/2006/relationships" xmlns:p="http://schemas.openxmlformats.org/presentationml/2006/main">
-  <p:cSld>
-    <p:spTree>
-      <p:nvGrpSpPr>
-        <p:cNvPr id="1" name=""/>
-        <p:cNvGrpSpPr/>
-        <p:nvPr/>
-      </p:nvGrpSpPr>
-      <p:grpSpPr>
-        <a:xfrm>
-          <a:off x="0" y="0"/>
-          <a:ext cx="0" cy="0"/>
-          <a:chOff x="0" y="0"/>
-          <a:chExt cx="0" cy="0"/>
-        </a:xfrm>
-      </p:grpSpPr>
-      <p:sp>
-        <p:nvSpPr>
           <p:cNvPr id="13" name="Slide Number Placeholder 5"/>
           <p:cNvSpPr>
             <a:spLocks noGrp="1"/>
@@ -19268,7 +20622,7 @@
             <a:fld id="{589731D4-688B-9947-83CD-1BD647DEC113}" type="slidenum">
               <a:rPr lang="en-US"/>
               <a:pPr/>
-              <a:t>6</a:t>
+              <a:t>8</a:t>
             </a:fld>
             <a:endParaRPr lang="en-US"/>
           </a:p>
@@ -20249,1872 +21603,15 @@
   <p:clrMapOvr>
     <a:masterClrMapping/>
   </p:clrMapOvr>
-  <p:transition>
+  <p:transition xmlns:p14="http://schemas.microsoft.com/office/powerpoint/2010/main">
     <p:random/>
   </p:transition>
   <p:timing>
     <p:tnLst>
       <p:par>
-        <p:cTn id="1" dur="indefinite" restart="never" nodeType="tmRoot"/>
+        <p:cTn xmlns:p14="http://schemas.microsoft.com/office/powerpoint/2010/main" id="1" dur="indefinite" restart="never" nodeType="tmRoot"/>
       </p:par>
     </p:tnLst>
-  </p:timing>
-</p:sld>
-</file>
-
-<file path=ppt/slides/slide7.xml><?xml version="1.0" encoding="utf-8"?>
-<p:sld xmlns:a="http://schemas.openxmlformats.org/drawingml/2006/main" xmlns:r="http://schemas.openxmlformats.org/officeDocument/2006/relationships" xmlns:p="http://schemas.openxmlformats.org/presentationml/2006/main">
-  <p:cSld>
-    <p:spTree>
-      <p:nvGrpSpPr>
-        <p:cNvPr id="1" name=""/>
-        <p:cNvGrpSpPr/>
-        <p:nvPr/>
-      </p:nvGrpSpPr>
-      <p:grpSpPr>
-        <a:xfrm>
-          <a:off x="0" y="0"/>
-          <a:ext cx="0" cy="0"/>
-          <a:chOff x="0" y="0"/>
-          <a:chExt cx="0" cy="0"/>
-        </a:xfrm>
-      </p:grpSpPr>
-      <p:sp>
-        <p:nvSpPr>
-          <p:cNvPr id="4" name="Date Placeholder 3"/>
-          <p:cNvSpPr>
-            <a:spLocks noGrp="1"/>
-          </p:cNvSpPr>
-          <p:nvPr>
-            <p:ph type="dt" sz="half" idx="10"/>
-          </p:nvPr>
-        </p:nvSpPr>
-        <p:spPr/>
-        <p:txBody>
-          <a:bodyPr/>
-          <a:lstStyle/>
-          <a:p>
-            <a:r>
-              <a:rPr lang="en-US" smtClean="0"/>
-              <a:t>9/23/2013,         9/25/2013</a:t>
-            </a:r>
-            <a:endParaRPr lang="en-US" dirty="0"/>
-          </a:p>
-        </p:txBody>
-      </p:sp>
-      <p:sp>
-        <p:nvSpPr>
-          <p:cNvPr id="6" name="Slide Number Placeholder 5"/>
-          <p:cNvSpPr>
-            <a:spLocks noGrp="1"/>
-          </p:cNvSpPr>
-          <p:nvPr>
-            <p:ph type="sldNum" sz="quarter" idx="12"/>
-          </p:nvPr>
-        </p:nvSpPr>
-        <p:spPr/>
-        <p:txBody>
-          <a:bodyPr/>
-          <a:lstStyle/>
-          <a:p>
-            <a:fld id="{B3310979-2EAF-054A-98F1-7CDA66331002}" type="slidenum">
-              <a:rPr lang="en-US"/>
-              <a:pPr/>
-              <a:t>7</a:t>
-            </a:fld>
-            <a:endParaRPr lang="en-US"/>
-          </a:p>
-        </p:txBody>
-      </p:sp>
-      <p:sp>
-        <p:nvSpPr>
-          <p:cNvPr id="80898" name="Rectangle 2"/>
-          <p:cNvSpPr>
-            <a:spLocks noGrp="1" noChangeArrowheads="1"/>
-          </p:cNvSpPr>
-          <p:nvPr>
-            <p:ph type="title"/>
-          </p:nvPr>
-        </p:nvSpPr>
-        <p:spPr/>
-        <p:txBody>
-          <a:bodyPr/>
-          <a:lstStyle/>
-          <a:p>
-            <a:r>
-              <a:rPr lang="en-US"/>
-              <a:t>Agenda</a:t>
-            </a:r>
-          </a:p>
-        </p:txBody>
-      </p:sp>
-      <p:sp>
-        <p:nvSpPr>
-          <p:cNvPr id="80899" name="Rectangle 3"/>
-          <p:cNvSpPr>
-            <a:spLocks noGrp="1" noChangeArrowheads="1"/>
-          </p:cNvSpPr>
-          <p:nvPr>
-            <p:ph type="body" idx="1"/>
-          </p:nvPr>
-        </p:nvSpPr>
-        <p:spPr/>
-        <p:txBody>
-          <a:bodyPr/>
-          <a:lstStyle/>
-          <a:p>
-            <a:r>
-              <a:rPr lang="en-US" dirty="0"/>
-              <a:t>Example: Par </a:t>
-            </a:r>
-            <a:r>
-              <a:rPr lang="en-US" dirty="0" err="1"/>
-              <a:t>Inc</a:t>
-            </a:r>
-            <a:endParaRPr lang="en-US" dirty="0"/>
-          </a:p>
-          <a:p>
-            <a:pPr lvl="1"/>
-            <a:r>
-              <a:rPr lang="en-US" b="1" dirty="0">
-                <a:solidFill>
-                  <a:srgbClr val="0000FF"/>
-                </a:solidFill>
-              </a:rPr>
-              <a:t>Objective function: Change in coefficient</a:t>
-            </a:r>
-          </a:p>
-          <a:p>
-            <a:pPr lvl="2"/>
-            <a:r>
-              <a:rPr lang="en-US" dirty="0"/>
-              <a:t>“allowable increase” and “allowable decrease”</a:t>
-            </a:r>
-          </a:p>
-          <a:p>
-            <a:pPr lvl="2"/>
-            <a:r>
-              <a:rPr lang="en-US" dirty="0"/>
-              <a:t>“reduced cost”</a:t>
-            </a:r>
-          </a:p>
-          <a:p>
-            <a:pPr lvl="1"/>
-            <a:r>
-              <a:rPr lang="en-US" b="1" dirty="0">
-                <a:solidFill>
-                  <a:schemeClr val="accent2">
-                    <a:lumMod val="60000"/>
-                    <a:lumOff val="40000"/>
-                  </a:schemeClr>
-                </a:solidFill>
-              </a:rPr>
-              <a:t>Constraints: Change in right-hand-side constants</a:t>
-            </a:r>
-          </a:p>
-          <a:p>
-            <a:pPr lvl="2"/>
-            <a:r>
-              <a:rPr lang="en-US" dirty="0"/>
-              <a:t>“shadow price”</a:t>
-            </a:r>
-          </a:p>
-          <a:p>
-            <a:pPr lvl="2"/>
-            <a:r>
-              <a:rPr lang="en-US" dirty="0"/>
-              <a:t>“allowable increase” and “allowable decrease”</a:t>
-            </a:r>
-          </a:p>
-          <a:p>
-            <a:pPr lvl="1"/>
-            <a:r>
-              <a:rPr lang="en-US" b="1" dirty="0"/>
-              <a:t>Simultaneous changes</a:t>
-            </a:r>
-          </a:p>
-          <a:p>
-            <a:pPr lvl="2"/>
-            <a:r>
-              <a:rPr lang="en-US" dirty="0"/>
-              <a:t>“100% rule”</a:t>
-            </a:r>
-          </a:p>
-          <a:p>
-            <a:pPr lvl="1"/>
-            <a:endParaRPr lang="en-US" dirty="0"/>
-          </a:p>
-          <a:p>
-            <a:r>
-              <a:rPr lang="en-US" dirty="0"/>
-              <a:t>Summary</a:t>
-            </a:r>
-          </a:p>
-        </p:txBody>
-      </p:sp>
-      <p:sp>
-        <p:nvSpPr>
-          <p:cNvPr id="7" name="Footer Placeholder 6"/>
-          <p:cNvSpPr>
-            <a:spLocks noGrp="1"/>
-          </p:cNvSpPr>
-          <p:nvPr>
-            <p:ph type="ftr" sz="quarter" idx="11"/>
-          </p:nvPr>
-        </p:nvSpPr>
-        <p:spPr/>
-        <p:txBody>
-          <a:bodyPr/>
-          <a:lstStyle/>
-          <a:p>
-            <a:r>
-              <a:rPr lang="en-US" smtClean="0"/>
-              <a:t>Professor Dong Washington University in St. Louis, MO</a:t>
-            </a:r>
-            <a:endParaRPr lang="en-US" dirty="0"/>
-          </a:p>
-        </p:txBody>
-      </p:sp>
-    </p:spTree>
-  </p:cSld>
-  <p:clrMapOvr>
-    <a:masterClrMapping/>
-  </p:clrMapOvr>
-  <p:transition>
-    <p:random/>
-  </p:transition>
-  <p:timing>
-    <p:tnLst>
-      <p:par>
-        <p:cTn id="1" dur="indefinite" restart="never" nodeType="tmRoot"/>
-      </p:par>
-    </p:tnLst>
-  </p:timing>
-</p:sld>
-</file>
-
-<file path=ppt/slides/slide8.xml><?xml version="1.0" encoding="utf-8"?>
-<p:sld xmlns:a="http://schemas.openxmlformats.org/drawingml/2006/main" xmlns:r="http://schemas.openxmlformats.org/officeDocument/2006/relationships" xmlns:p="http://schemas.openxmlformats.org/presentationml/2006/main">
-  <p:cSld>
-    <p:spTree>
-      <p:nvGrpSpPr>
-        <p:cNvPr id="1" name=""/>
-        <p:cNvGrpSpPr/>
-        <p:nvPr/>
-      </p:nvGrpSpPr>
-      <p:grpSpPr>
-        <a:xfrm>
-          <a:off x="0" y="0"/>
-          <a:ext cx="0" cy="0"/>
-          <a:chOff x="0" y="0"/>
-          <a:chExt cx="0" cy="0"/>
-        </a:xfrm>
-      </p:grpSpPr>
-      <p:sp>
-        <p:nvSpPr>
-          <p:cNvPr id="15" name="Slide Number Placeholder 5"/>
-          <p:cNvSpPr>
-            <a:spLocks noGrp="1"/>
-          </p:cNvSpPr>
-          <p:nvPr>
-            <p:ph type="sldNum" sz="quarter" idx="12"/>
-          </p:nvPr>
-        </p:nvSpPr>
-        <p:spPr/>
-        <p:txBody>
-          <a:bodyPr/>
-          <a:lstStyle/>
-          <a:p>
-            <a:fld id="{2B69D648-43A7-CA49-9480-734E3BCE3906}" type="slidenum">
-              <a:rPr lang="en-US"/>
-              <a:pPr/>
-              <a:t>8</a:t>
-            </a:fld>
-            <a:endParaRPr lang="en-US"/>
-          </a:p>
-        </p:txBody>
-      </p:sp>
-      <p:sp>
-        <p:nvSpPr>
-          <p:cNvPr id="84994" name="Rectangle 2"/>
-          <p:cNvSpPr>
-            <a:spLocks noGrp="1" noChangeArrowheads="1"/>
-          </p:cNvSpPr>
-          <p:nvPr>
-            <p:ph type="title"/>
-          </p:nvPr>
-        </p:nvSpPr>
-        <p:spPr/>
-        <p:txBody>
-          <a:bodyPr/>
-          <a:lstStyle/>
-          <a:p>
-            <a:r>
-              <a:rPr lang="en-US" sz="2800"/>
-              <a:t>Change in OBJ Function Coefficient</a:t>
-            </a:r>
-          </a:p>
-        </p:txBody>
-      </p:sp>
-      <p:sp>
-        <p:nvSpPr>
-          <p:cNvPr id="84996" name="Text Box 4"/>
-          <p:cNvSpPr txBox="1">
-            <a:spLocks noChangeArrowheads="1"/>
-          </p:cNvSpPr>
-          <p:nvPr/>
-        </p:nvSpPr>
-        <p:spPr bwMode="auto">
-          <a:xfrm>
-            <a:off x="2057400" y="1828800"/>
-            <a:ext cx="4921443" cy="1384995"/>
-          </a:xfrm>
-          <a:prstGeom prst="rect">
-            <a:avLst/>
-          </a:prstGeom>
-          <a:noFill/>
-          <a:ln w="9525">
-            <a:noFill/>
-            <a:miter lim="800000"/>
-            <a:headEnd/>
-            <a:tailEnd/>
-          </a:ln>
-          <a:effectLst/>
-        </p:spPr>
-        <p:txBody>
-          <a:bodyPr wrap="none" anchor="ctr">
-            <a:prstTxWarp prst="textNoShape">
-              <a:avLst/>
-            </a:prstTxWarp>
-            <a:spAutoFit/>
-          </a:bodyPr>
-          <a:lstStyle/>
-          <a:p>
-            <a:pPr algn="l"/>
-            <a:r>
-              <a:rPr lang="en-US" sz="1400" dirty="0">
-                <a:latin typeface="Lucida Sans" charset="0"/>
-              </a:rPr>
-              <a:t>                      Max</a:t>
-            </a:r>
-            <a:r>
-              <a:rPr lang="en-US" sz="1400" dirty="0">
-                <a:solidFill>
-                  <a:schemeClr val="accent2"/>
-                </a:solidFill>
-                <a:latin typeface="Lucida Sans" charset="0"/>
-              </a:rPr>
-              <a:t>                </a:t>
-            </a:r>
-            <a:r>
-              <a:rPr lang="en-US" sz="1400" b="1" i="1" dirty="0">
-                <a:solidFill>
-                  <a:schemeClr val="accent2"/>
-                </a:solidFill>
-                <a:latin typeface="Lucida Sans" charset="0"/>
-              </a:rPr>
-              <a:t>10 x</a:t>
-            </a:r>
-            <a:r>
-              <a:rPr lang="en-US" sz="1400" b="1" i="1" baseline="-25000" dirty="0">
-                <a:solidFill>
-                  <a:schemeClr val="accent2"/>
-                </a:solidFill>
-                <a:latin typeface="Lucida Sans" charset="0"/>
-              </a:rPr>
-              <a:t>1</a:t>
-            </a:r>
-            <a:r>
-              <a:rPr lang="en-US" sz="1400" b="1" i="1" dirty="0">
-                <a:solidFill>
-                  <a:schemeClr val="accent2"/>
-                </a:solidFill>
-                <a:latin typeface="Lucida Sans" charset="0"/>
-              </a:rPr>
-              <a:t> +    </a:t>
-            </a:r>
-            <a:r>
-              <a:rPr lang="en-US" sz="1400" b="1" i="1" dirty="0">
-                <a:solidFill>
-                  <a:srgbClr val="0000FF"/>
-                </a:solidFill>
-                <a:latin typeface="Lucida Sans" charset="0"/>
-              </a:rPr>
-              <a:t>9</a:t>
-            </a:r>
-            <a:r>
-              <a:rPr lang="en-US" sz="1400" b="1" i="1" dirty="0">
-                <a:solidFill>
-                  <a:schemeClr val="accent2"/>
-                </a:solidFill>
-                <a:latin typeface="Lucida Sans" charset="0"/>
-              </a:rPr>
-              <a:t>   x</a:t>
-            </a:r>
-            <a:r>
-              <a:rPr lang="en-US" sz="1400" b="1" i="1" baseline="-25000" dirty="0">
-                <a:solidFill>
-                  <a:schemeClr val="accent2"/>
-                </a:solidFill>
-                <a:latin typeface="Lucida Sans" charset="0"/>
-              </a:rPr>
-              <a:t>2</a:t>
-            </a:r>
-            <a:endParaRPr lang="en-US" sz="1400" dirty="0">
-              <a:latin typeface="Lucida Sans" charset="0"/>
-            </a:endParaRPr>
-          </a:p>
-          <a:p>
-            <a:pPr algn="l"/>
-            <a:r>
-              <a:rPr lang="en-US" sz="1400" dirty="0">
-                <a:latin typeface="Lucida Sans" charset="0"/>
-              </a:rPr>
-              <a:t>Cutting &amp; Dyeing 	    </a:t>
-            </a:r>
-            <a:r>
-              <a:rPr lang="en-US" sz="1400" i="1" dirty="0">
-                <a:solidFill>
-                  <a:schemeClr val="accent2"/>
-                </a:solidFill>
-                <a:latin typeface="Lucida Sans" charset="0"/>
-              </a:rPr>
-              <a:t>7/10 x</a:t>
-            </a:r>
-            <a:r>
-              <a:rPr lang="en-US" sz="1400" i="1" baseline="-25000" dirty="0">
-                <a:solidFill>
-                  <a:schemeClr val="accent2"/>
-                </a:solidFill>
-                <a:latin typeface="Lucida Sans" charset="0"/>
-              </a:rPr>
-              <a:t>1</a:t>
-            </a:r>
-            <a:r>
-              <a:rPr lang="en-US" sz="1400" i="1" dirty="0">
-                <a:solidFill>
-                  <a:schemeClr val="accent2"/>
-                </a:solidFill>
-                <a:latin typeface="Lucida Sans" charset="0"/>
-              </a:rPr>
-              <a:t>  +       x</a:t>
-            </a:r>
-            <a:r>
-              <a:rPr lang="en-US" sz="1400" i="1" baseline="-25000" dirty="0">
-                <a:solidFill>
-                  <a:schemeClr val="accent2"/>
-                </a:solidFill>
-                <a:latin typeface="Lucida Sans" charset="0"/>
-              </a:rPr>
-              <a:t>2</a:t>
-            </a:r>
-            <a:r>
-              <a:rPr lang="en-US" sz="1400" i="1" dirty="0">
-                <a:solidFill>
-                  <a:schemeClr val="accent2"/>
-                </a:solidFill>
-                <a:latin typeface="Lucida Sans" charset="0"/>
-              </a:rPr>
-              <a:t> </a:t>
-            </a:r>
-            <a:r>
-              <a:rPr lang="en-US" sz="1400" i="1" dirty="0" smtClean="0">
-                <a:solidFill>
-                  <a:schemeClr val="accent2"/>
-                </a:solidFill>
-                <a:latin typeface="Lucida Sans" charset="0"/>
-              </a:rPr>
-              <a:t> ≤</a:t>
-            </a:r>
-            <a:r>
-              <a:rPr lang="en-US" sz="1400" dirty="0" smtClean="0">
-                <a:solidFill>
-                  <a:schemeClr val="accent2"/>
-                </a:solidFill>
-                <a:latin typeface="Lucida Sans" charset="0"/>
-                <a:sym typeface="Symbol" charset="2"/>
-              </a:rPr>
-              <a:t>  </a:t>
-            </a:r>
-            <a:r>
-              <a:rPr lang="en-US" sz="1400" i="1" dirty="0">
-                <a:solidFill>
-                  <a:schemeClr val="accent2"/>
-                </a:solidFill>
-                <a:latin typeface="Lucida Sans" charset="0"/>
-                <a:sym typeface="Symbol" charset="2"/>
-              </a:rPr>
-              <a:t>630</a:t>
-            </a:r>
-            <a:endParaRPr lang="en-US" sz="1400" dirty="0">
-              <a:latin typeface="Lucida Sans" charset="0"/>
-              <a:sym typeface="Symbol" charset="2"/>
-            </a:endParaRPr>
-          </a:p>
-          <a:p>
-            <a:pPr algn="l"/>
-            <a:r>
-              <a:rPr lang="en-US" sz="1400" dirty="0">
-                <a:latin typeface="Lucida Sans" charset="0"/>
-                <a:sym typeface="Symbol" charset="2"/>
-              </a:rPr>
-              <a:t>Sewing                                  </a:t>
-            </a:r>
-            <a:r>
-              <a:rPr lang="en-US" sz="1400" i="1" dirty="0">
-                <a:solidFill>
-                  <a:schemeClr val="accent2"/>
-                </a:solidFill>
-                <a:latin typeface="Lucida Sans" charset="0"/>
-              </a:rPr>
-              <a:t>1/2 x</a:t>
-            </a:r>
-            <a:r>
-              <a:rPr lang="en-US" sz="1400" i="1" baseline="-25000" dirty="0">
-                <a:solidFill>
-                  <a:schemeClr val="accent2"/>
-                </a:solidFill>
-                <a:latin typeface="Lucida Sans" charset="0"/>
-              </a:rPr>
-              <a:t>1</a:t>
-            </a:r>
-            <a:r>
-              <a:rPr lang="en-US" sz="1400" i="1" dirty="0">
-                <a:solidFill>
-                  <a:schemeClr val="accent2"/>
-                </a:solidFill>
-                <a:latin typeface="Lucida Sans" charset="0"/>
-              </a:rPr>
-              <a:t>    + 5/6 x</a:t>
-            </a:r>
-            <a:r>
-              <a:rPr lang="en-US" sz="1400" i="1" baseline="-25000" dirty="0">
-                <a:solidFill>
-                  <a:schemeClr val="accent2"/>
-                </a:solidFill>
-                <a:latin typeface="Lucida Sans" charset="0"/>
-              </a:rPr>
-              <a:t>2</a:t>
-            </a:r>
-            <a:r>
-              <a:rPr lang="en-US" sz="1400" i="1" dirty="0" smtClean="0">
-                <a:solidFill>
-                  <a:schemeClr val="accent2"/>
-                </a:solidFill>
-                <a:latin typeface="Lucida Sans" charset="0"/>
-              </a:rPr>
-              <a:t> ≤</a:t>
-            </a:r>
-            <a:r>
-              <a:rPr lang="en-US" sz="1400" dirty="0" smtClean="0">
-                <a:solidFill>
-                  <a:schemeClr val="accent2"/>
-                </a:solidFill>
-                <a:latin typeface="Lucida Sans" charset="0"/>
-                <a:sym typeface="Symbol" charset="2"/>
-              </a:rPr>
-              <a:t> </a:t>
-            </a:r>
-            <a:r>
-              <a:rPr lang="en-US" sz="1400" i="1" dirty="0">
-                <a:solidFill>
-                  <a:schemeClr val="accent2"/>
-                </a:solidFill>
-                <a:latin typeface="Lucida Sans" charset="0"/>
-                <a:sym typeface="Symbol" charset="2"/>
-              </a:rPr>
-              <a:t>600</a:t>
-            </a:r>
-            <a:endParaRPr lang="en-US" sz="1400" i="1" dirty="0">
-              <a:latin typeface="Lucida Sans" charset="0"/>
-              <a:sym typeface="Symbol" charset="2"/>
-            </a:endParaRPr>
-          </a:p>
-          <a:p>
-            <a:pPr algn="l"/>
-            <a:r>
-              <a:rPr lang="en-US" sz="1400" dirty="0">
-                <a:latin typeface="Lucida Sans" charset="0"/>
-                <a:sym typeface="Symbol" charset="2"/>
-              </a:rPr>
-              <a:t>Finishing                        </a:t>
-            </a:r>
-            <a:r>
-              <a:rPr lang="en-US" sz="1400" dirty="0">
-                <a:latin typeface="Lucida Sans" charset="0"/>
-              </a:rPr>
-              <a:t>             </a:t>
-            </a:r>
-            <a:r>
-              <a:rPr lang="en-US" sz="1400" i="1" dirty="0">
-                <a:solidFill>
-                  <a:schemeClr val="accent2"/>
-                </a:solidFill>
-                <a:latin typeface="Lucida Sans" charset="0"/>
-              </a:rPr>
-              <a:t>x</a:t>
-            </a:r>
-            <a:r>
-              <a:rPr lang="en-US" sz="1400" i="1" baseline="-25000" dirty="0">
-                <a:solidFill>
-                  <a:schemeClr val="accent2"/>
-                </a:solidFill>
-                <a:latin typeface="Lucida Sans" charset="0"/>
-              </a:rPr>
-              <a:t>1</a:t>
-            </a:r>
-            <a:r>
-              <a:rPr lang="en-US" sz="1400" i="1" dirty="0">
-                <a:solidFill>
-                  <a:schemeClr val="accent2"/>
-                </a:solidFill>
-                <a:latin typeface="Lucida Sans" charset="0"/>
-              </a:rPr>
-              <a:t>    + 2/3 x</a:t>
-            </a:r>
-            <a:r>
-              <a:rPr lang="en-US" sz="1400" i="1" baseline="-25000" dirty="0">
-                <a:solidFill>
-                  <a:schemeClr val="accent2"/>
-                </a:solidFill>
-                <a:latin typeface="Lucida Sans" charset="0"/>
-              </a:rPr>
-              <a:t>2</a:t>
-            </a:r>
-            <a:r>
-              <a:rPr lang="en-US" sz="1400" i="1" dirty="0" smtClean="0">
-                <a:solidFill>
-                  <a:schemeClr val="accent2"/>
-                </a:solidFill>
-                <a:latin typeface="Lucida Sans" charset="0"/>
-              </a:rPr>
-              <a:t> ≤</a:t>
-            </a:r>
-            <a:r>
-              <a:rPr lang="en-US" sz="1400" dirty="0" smtClean="0">
-                <a:solidFill>
-                  <a:schemeClr val="accent2"/>
-                </a:solidFill>
-                <a:latin typeface="Lucida Sans" charset="0"/>
-                <a:sym typeface="Symbol" charset="2"/>
-              </a:rPr>
-              <a:t> </a:t>
-            </a:r>
-            <a:r>
-              <a:rPr lang="en-US" sz="1400" i="1" dirty="0">
-                <a:solidFill>
-                  <a:schemeClr val="accent2"/>
-                </a:solidFill>
-                <a:latin typeface="Lucida Sans" charset="0"/>
-                <a:sym typeface="Symbol" charset="2"/>
-              </a:rPr>
-              <a:t>708</a:t>
-            </a:r>
-            <a:endParaRPr lang="en-US" sz="1400" dirty="0">
-              <a:latin typeface="Lucida Sans" charset="0"/>
-              <a:sym typeface="Symbol" charset="2"/>
-            </a:endParaRPr>
-          </a:p>
-          <a:p>
-            <a:pPr algn="l"/>
-            <a:r>
-              <a:rPr lang="en-US" sz="1400" dirty="0">
-                <a:latin typeface="Lucida Sans" charset="0"/>
-                <a:sym typeface="Symbol" charset="2"/>
-              </a:rPr>
-              <a:t>Inspection &amp; Packaging      </a:t>
-            </a:r>
-            <a:r>
-              <a:rPr lang="en-US" sz="1400" i="1" dirty="0">
-                <a:solidFill>
-                  <a:schemeClr val="accent2"/>
-                </a:solidFill>
-                <a:latin typeface="Lucida Sans" charset="0"/>
-                <a:sym typeface="Symbol" charset="2"/>
-              </a:rPr>
-              <a:t>1</a:t>
-            </a:r>
-            <a:r>
-              <a:rPr lang="en-US" sz="1400" i="1" dirty="0">
-                <a:solidFill>
-                  <a:schemeClr val="accent2"/>
-                </a:solidFill>
-                <a:latin typeface="Lucida Sans" charset="0"/>
-              </a:rPr>
-              <a:t>/10 x</a:t>
-            </a:r>
-            <a:r>
-              <a:rPr lang="en-US" sz="1400" i="1" baseline="-25000" dirty="0">
-                <a:solidFill>
-                  <a:schemeClr val="accent2"/>
-                </a:solidFill>
-                <a:latin typeface="Lucida Sans" charset="0"/>
-              </a:rPr>
-              <a:t>1</a:t>
-            </a:r>
-            <a:r>
-              <a:rPr lang="en-US" sz="1400" i="1" dirty="0">
-                <a:solidFill>
-                  <a:schemeClr val="accent2"/>
-                </a:solidFill>
-                <a:latin typeface="Lucida Sans" charset="0"/>
-              </a:rPr>
-              <a:t>   + 1/4 x</a:t>
-            </a:r>
-            <a:r>
-              <a:rPr lang="en-US" sz="1400" i="1" baseline="-25000" dirty="0">
-                <a:solidFill>
-                  <a:schemeClr val="accent2"/>
-                </a:solidFill>
-                <a:latin typeface="Lucida Sans" charset="0"/>
-              </a:rPr>
-              <a:t>2</a:t>
-            </a:r>
-            <a:r>
-              <a:rPr lang="en-US" sz="1400" i="1" dirty="0" smtClean="0">
-                <a:solidFill>
-                  <a:schemeClr val="accent2"/>
-                </a:solidFill>
-                <a:latin typeface="Lucida Sans" charset="0"/>
-              </a:rPr>
-              <a:t> ≤</a:t>
-            </a:r>
-            <a:r>
-              <a:rPr lang="en-US" sz="1400" dirty="0" smtClean="0">
-                <a:solidFill>
-                  <a:schemeClr val="accent2"/>
-                </a:solidFill>
-                <a:latin typeface="Lucida Sans" charset="0"/>
-                <a:sym typeface="Symbol" charset="2"/>
-              </a:rPr>
-              <a:t> </a:t>
-            </a:r>
-            <a:r>
-              <a:rPr lang="en-US" sz="1400" i="1" dirty="0">
-                <a:solidFill>
-                  <a:schemeClr val="accent2"/>
-                </a:solidFill>
-                <a:latin typeface="Lucida Sans" charset="0"/>
-                <a:sym typeface="Symbol" charset="2"/>
-              </a:rPr>
-              <a:t>135</a:t>
-            </a:r>
-          </a:p>
-          <a:p>
-            <a:pPr algn="l"/>
-            <a:r>
-              <a:rPr lang="en-US" sz="1400" i="1" dirty="0">
-                <a:solidFill>
-                  <a:schemeClr val="accent2"/>
-                </a:solidFill>
-                <a:latin typeface="Lucida Sans" charset="0"/>
-                <a:sym typeface="Symbol" charset="2"/>
-              </a:rPr>
-              <a:t>                                               </a:t>
-            </a:r>
-            <a:r>
-              <a:rPr lang="en-US" sz="1400" i="1" dirty="0" smtClean="0">
-                <a:solidFill>
-                  <a:schemeClr val="accent2"/>
-                </a:solidFill>
-                <a:latin typeface="Lucida Sans" charset="0"/>
-                <a:sym typeface="Symbol" charset="2"/>
-              </a:rPr>
-              <a:t>x</a:t>
-            </a:r>
-            <a:r>
-              <a:rPr lang="en-US" sz="1400" i="1" baseline="-25000" dirty="0" smtClean="0">
-                <a:solidFill>
-                  <a:schemeClr val="accent2"/>
-                </a:solidFill>
-                <a:latin typeface="Lucida Sans" charset="0"/>
-                <a:sym typeface="Symbol" charset="2"/>
-              </a:rPr>
-              <a:t>1</a:t>
-            </a:r>
-            <a:r>
-              <a:rPr lang="en-US" sz="1400" i="1" dirty="0" smtClean="0">
-                <a:solidFill>
-                  <a:schemeClr val="accent2"/>
-                </a:solidFill>
-                <a:latin typeface="Lucida Sans" charset="0"/>
-                <a:sym typeface="Symbol" charset="2"/>
-              </a:rPr>
-              <a:t> ≥ 0</a:t>
-            </a:r>
-            <a:r>
-              <a:rPr lang="en-US" sz="1400" i="1" dirty="0">
-                <a:solidFill>
-                  <a:schemeClr val="accent2"/>
-                </a:solidFill>
-                <a:latin typeface="Lucida Sans" charset="0"/>
-                <a:sym typeface="Symbol" charset="2"/>
-              </a:rPr>
-              <a:t>,   </a:t>
-            </a:r>
-            <a:r>
-              <a:rPr lang="en-US" sz="1400" i="1" dirty="0" smtClean="0">
-                <a:solidFill>
-                  <a:schemeClr val="accent2"/>
-                </a:solidFill>
-                <a:latin typeface="Lucida Sans" charset="0"/>
-                <a:sym typeface="Symbol" charset="2"/>
-              </a:rPr>
-              <a:t>x</a:t>
-            </a:r>
-            <a:r>
-              <a:rPr lang="en-US" sz="1400" i="1" baseline="-25000" dirty="0" smtClean="0">
-                <a:solidFill>
-                  <a:schemeClr val="accent2"/>
-                </a:solidFill>
-                <a:latin typeface="Lucida Sans" charset="0"/>
-                <a:sym typeface="Symbol" charset="2"/>
-              </a:rPr>
-              <a:t>2</a:t>
-            </a:r>
-            <a:r>
-              <a:rPr lang="en-US" sz="1400" i="1" dirty="0">
-                <a:solidFill>
-                  <a:schemeClr val="accent2"/>
-                </a:solidFill>
-                <a:latin typeface="Lucida Sans" charset="0"/>
-                <a:sym typeface="Symbol" charset="2"/>
-              </a:rPr>
-              <a:t> </a:t>
-            </a:r>
-            <a:r>
-              <a:rPr lang="en-US" sz="1400" i="1" dirty="0" smtClean="0">
-                <a:solidFill>
-                  <a:schemeClr val="accent2"/>
-                </a:solidFill>
-                <a:latin typeface="Lucida Sans" charset="0"/>
-                <a:sym typeface="Symbol" charset="2"/>
-              </a:rPr>
-              <a:t>≥ 0</a:t>
-            </a:r>
-            <a:r>
-              <a:rPr lang="en-US" sz="1400" i="1" dirty="0">
-                <a:solidFill>
-                  <a:schemeClr val="accent2"/>
-                </a:solidFill>
-                <a:latin typeface="Lucida Sans" charset="0"/>
-                <a:sym typeface="Symbol" charset="2"/>
-              </a:rPr>
-              <a:t>, </a:t>
-            </a:r>
-          </a:p>
-        </p:txBody>
-      </p:sp>
-      <p:sp>
-        <p:nvSpPr>
-          <p:cNvPr id="84997" name="Text Box 5"/>
-          <p:cNvSpPr txBox="1">
-            <a:spLocks noChangeArrowheads="1"/>
-          </p:cNvSpPr>
-          <p:nvPr/>
-        </p:nvSpPr>
-        <p:spPr bwMode="auto">
-          <a:xfrm>
-            <a:off x="492125" y="1189038"/>
-            <a:ext cx="8040688" cy="606425"/>
-          </a:xfrm>
-          <a:prstGeom prst="rect">
-            <a:avLst/>
-          </a:prstGeom>
-          <a:noFill/>
-          <a:ln w="9525">
-            <a:noFill/>
-            <a:miter lim="800000"/>
-            <a:headEnd/>
-            <a:tailEnd/>
-          </a:ln>
-          <a:effectLst/>
-        </p:spPr>
-        <p:txBody>
-          <a:bodyPr wrap="none" anchor="ctr">
-            <a:prstTxWarp prst="textNoShape">
-              <a:avLst/>
-            </a:prstTxWarp>
-            <a:spAutoFit/>
-          </a:bodyPr>
-          <a:lstStyle/>
-          <a:p>
-            <a:pPr marL="457200" indent="-457200" algn="l"/>
-            <a:r>
-              <a:rPr lang="en-US" b="1">
-                <a:latin typeface="Century Gothic" charset="0"/>
-              </a:rPr>
-              <a:t>       Q1. What if the unit profit of the deluxe bag is $10  instead of $9?</a:t>
-            </a:r>
-          </a:p>
-          <a:p>
-            <a:pPr marL="457200" indent="-457200" algn="l">
-              <a:lnSpc>
-                <a:spcPct val="90000"/>
-              </a:lnSpc>
-              <a:spcBef>
-                <a:spcPct val="20000"/>
-              </a:spcBef>
-            </a:pPr>
-            <a:r>
-              <a:rPr lang="en-US" b="1">
-                <a:latin typeface="Century Gothic" charset="0"/>
-              </a:rPr>
-              <a:t>              What will happen to the optimal production plan and the optimal profit?</a:t>
-            </a:r>
-          </a:p>
-        </p:txBody>
-      </p:sp>
-      <p:grpSp>
-        <p:nvGrpSpPr>
-          <p:cNvPr id="85022" name="Group 30"/>
-          <p:cNvGrpSpPr>
-            <a:grpSpLocks/>
-          </p:cNvGrpSpPr>
-          <p:nvPr/>
-        </p:nvGrpSpPr>
-        <p:grpSpPr bwMode="auto">
-          <a:xfrm>
-            <a:off x="6234113" y="1828800"/>
-            <a:ext cx="1843087" cy="304800"/>
-            <a:chOff x="3840" y="1152"/>
-            <a:chExt cx="1161" cy="192"/>
-          </a:xfrm>
-        </p:grpSpPr>
-        <p:sp>
-          <p:nvSpPr>
-            <p:cNvPr id="85000" name="Text Box 8"/>
-            <p:cNvSpPr txBox="1">
-              <a:spLocks noChangeArrowheads="1"/>
-            </p:cNvSpPr>
-            <p:nvPr/>
-          </p:nvSpPr>
-          <p:spPr bwMode="auto">
-            <a:xfrm>
-              <a:off x="4052" y="1152"/>
-              <a:ext cx="949" cy="192"/>
-            </a:xfrm>
-            <a:prstGeom prst="rect">
-              <a:avLst/>
-            </a:prstGeom>
-            <a:noFill/>
-            <a:ln w="9525">
-              <a:noFill/>
-              <a:miter lim="800000"/>
-              <a:headEnd/>
-              <a:tailEnd/>
-            </a:ln>
-            <a:effectLst/>
-          </p:spPr>
-          <p:txBody>
-            <a:bodyPr wrap="none" anchor="ctr">
-              <a:prstTxWarp prst="textNoShape">
-                <a:avLst/>
-              </a:prstTxWarp>
-              <a:spAutoFit/>
-            </a:bodyPr>
-            <a:lstStyle/>
-            <a:p>
-              <a:r>
-                <a:rPr lang="en-US" sz="1400" b="1" i="1">
-                  <a:solidFill>
-                    <a:schemeClr val="accent2"/>
-                  </a:solidFill>
-                  <a:latin typeface="Lucida Sans" charset="0"/>
-                </a:rPr>
-                <a:t>10 x</a:t>
-              </a:r>
-              <a:r>
-                <a:rPr lang="en-US" sz="1400" b="1" i="1" baseline="-25000">
-                  <a:solidFill>
-                    <a:schemeClr val="accent2"/>
-                  </a:solidFill>
-                  <a:latin typeface="Lucida Sans" charset="0"/>
-                </a:rPr>
-                <a:t>1</a:t>
-              </a:r>
-              <a:r>
-                <a:rPr lang="en-US" sz="1400" b="1" i="1">
-                  <a:solidFill>
-                    <a:schemeClr val="accent2"/>
-                  </a:solidFill>
-                  <a:latin typeface="Lucida Sans" charset="0"/>
-                </a:rPr>
-                <a:t> + </a:t>
-              </a:r>
-              <a:r>
-                <a:rPr lang="en-US" sz="1400" b="1" i="1">
-                  <a:solidFill>
-                    <a:srgbClr val="FF3300"/>
-                  </a:solidFill>
-                  <a:latin typeface="Lucida Sans" charset="0"/>
-                </a:rPr>
-                <a:t>10  </a:t>
-              </a:r>
-              <a:r>
-                <a:rPr lang="en-US" sz="1400" b="1" i="1">
-                  <a:solidFill>
-                    <a:schemeClr val="hlink"/>
-                  </a:solidFill>
-                  <a:latin typeface="Lucida Sans" charset="0"/>
-                </a:rPr>
-                <a:t> </a:t>
-              </a:r>
-              <a:r>
-                <a:rPr lang="en-US" sz="1400" b="1" i="1">
-                  <a:solidFill>
-                    <a:schemeClr val="accent2"/>
-                  </a:solidFill>
-                  <a:latin typeface="Lucida Sans" charset="0"/>
-                </a:rPr>
-                <a:t>x</a:t>
-              </a:r>
-              <a:r>
-                <a:rPr lang="en-US" sz="1400" b="1" i="1" baseline="-25000">
-                  <a:solidFill>
-                    <a:schemeClr val="accent2"/>
-                  </a:solidFill>
-                  <a:latin typeface="Lucida Sans" charset="0"/>
-                </a:rPr>
-                <a:t>2</a:t>
-              </a:r>
-            </a:p>
-          </p:txBody>
-        </p:sp>
-        <p:sp>
-          <p:nvSpPr>
-            <p:cNvPr id="85001" name="Line 9"/>
-            <p:cNvSpPr>
-              <a:spLocks noChangeShapeType="1"/>
-            </p:cNvSpPr>
-            <p:nvPr/>
-          </p:nvSpPr>
-          <p:spPr bwMode="auto">
-            <a:xfrm>
-              <a:off x="3840" y="1248"/>
-              <a:ext cx="288" cy="0"/>
-            </a:xfrm>
-            <a:prstGeom prst="line">
-              <a:avLst/>
-            </a:prstGeom>
-            <a:noFill/>
-            <a:ln w="9525">
-              <a:solidFill>
-                <a:schemeClr val="tx1"/>
-              </a:solidFill>
-              <a:round/>
-              <a:headEnd/>
-              <a:tailEnd type="triangle" w="med" len="med"/>
-            </a:ln>
-            <a:effectLst/>
-          </p:spPr>
-          <p:txBody>
-            <a:bodyPr wrap="none" anchor="ctr">
-              <a:prstTxWarp prst="textNoShape">
-                <a:avLst/>
-              </a:prstTxWarp>
-            </a:bodyPr>
-            <a:lstStyle/>
-            <a:p>
-              <a:endParaRPr lang="en-US"/>
-            </a:p>
-          </p:txBody>
-        </p:sp>
-      </p:grpSp>
-      <p:sp>
-        <p:nvSpPr>
-          <p:cNvPr id="85005" name="Text Box 13"/>
-          <p:cNvSpPr txBox="1">
-            <a:spLocks noChangeArrowheads="1"/>
-          </p:cNvSpPr>
-          <p:nvPr/>
-        </p:nvSpPr>
-        <p:spPr bwMode="auto">
-          <a:xfrm>
-            <a:off x="1295400" y="5867400"/>
-            <a:ext cx="7007485" cy="923330"/>
-          </a:xfrm>
-          <a:prstGeom prst="rect">
-            <a:avLst/>
-          </a:prstGeom>
-          <a:solidFill>
-            <a:srgbClr val="FFFF00"/>
-          </a:solidFill>
-          <a:ln w="9525">
-            <a:solidFill>
-              <a:srgbClr val="FF3300"/>
-            </a:solidFill>
-            <a:miter lim="800000"/>
-            <a:headEnd/>
-            <a:tailEnd/>
-          </a:ln>
-          <a:effectLst>
-            <a:outerShdw blurRad="63500" dist="107763" dir="2700000" algn="ctr" rotWithShape="0">
-              <a:schemeClr val="bg2">
-                <a:alpha val="50000"/>
-              </a:schemeClr>
-            </a:outerShdw>
-          </a:effectLst>
-        </p:spPr>
-        <p:txBody>
-          <a:bodyPr wrap="none" anchor="ctr">
-            <a:prstTxWarp prst="textNoShape">
-              <a:avLst/>
-            </a:prstTxWarp>
-            <a:spAutoFit/>
-          </a:bodyPr>
-          <a:lstStyle/>
-          <a:p>
-            <a:pPr algn="l"/>
-            <a:r>
-              <a:rPr lang="en-US" sz="1800" b="1" dirty="0">
-                <a:solidFill>
-                  <a:schemeClr val="hlink"/>
-                </a:solidFill>
-                <a:latin typeface="Century Gothic" charset="0"/>
-                <a:sym typeface="Symbol" charset="2"/>
-              </a:rPr>
-              <a:t>10</a:t>
-            </a:r>
-            <a:r>
-              <a:rPr lang="en-US" sz="1800" b="1" dirty="0" smtClean="0">
-                <a:solidFill>
-                  <a:schemeClr val="hlink"/>
-                </a:solidFill>
-                <a:latin typeface="Century Gothic" charset="0"/>
-                <a:sym typeface="Symbol" charset="2"/>
-              </a:rPr>
-              <a:t> -9 ≤  </a:t>
-            </a:r>
-            <a:r>
-              <a:rPr lang="en-US" sz="1800" b="1" dirty="0">
-                <a:solidFill>
-                  <a:schemeClr val="hlink"/>
-                </a:solidFill>
-                <a:latin typeface="Century Gothic" charset="0"/>
-                <a:sym typeface="Symbol" charset="2"/>
-              </a:rPr>
-              <a:t>5.29 (the allowable increase of the coefficient of </a:t>
-            </a:r>
-            <a:r>
-              <a:rPr lang="en-US" sz="1800" b="1" i="1" dirty="0">
-                <a:solidFill>
-                  <a:schemeClr val="hlink"/>
-                </a:solidFill>
-                <a:latin typeface="Century Gothic" charset="0"/>
-                <a:sym typeface="Symbol" charset="2"/>
-              </a:rPr>
-              <a:t>x</a:t>
-            </a:r>
-            <a:r>
-              <a:rPr lang="en-US" sz="1800" b="1" i="1" baseline="-25000" dirty="0">
-                <a:solidFill>
-                  <a:schemeClr val="hlink"/>
-                </a:solidFill>
-                <a:latin typeface="Century Gothic" charset="0"/>
-                <a:sym typeface="Symbol" charset="2"/>
-              </a:rPr>
-              <a:t>2</a:t>
-            </a:r>
-            <a:r>
-              <a:rPr lang="en-US" sz="1800" b="1" dirty="0">
-                <a:solidFill>
-                  <a:schemeClr val="hlink"/>
-                </a:solidFill>
-                <a:latin typeface="Century Gothic" charset="0"/>
-                <a:sym typeface="Symbol" charset="2"/>
-              </a:rPr>
-              <a:t> ) </a:t>
-            </a:r>
-            <a:endParaRPr lang="en-US" sz="1800" b="1" dirty="0" smtClean="0">
-              <a:solidFill>
-                <a:schemeClr val="hlink"/>
-              </a:solidFill>
-              <a:latin typeface="Century Gothic" charset="0"/>
-              <a:sym typeface="Symbol" charset="2"/>
-            </a:endParaRPr>
-          </a:p>
-          <a:p>
-            <a:pPr algn="l"/>
-            <a:r>
-              <a:rPr lang="en-US" sz="1800" b="1" dirty="0" smtClean="0">
-                <a:solidFill>
-                  <a:schemeClr val="hlink"/>
-                </a:solidFill>
-                <a:latin typeface="Century Gothic" charset="0"/>
-                <a:sym typeface="Symbol" charset="2"/>
-              </a:rPr>
-              <a:t>=&gt;  </a:t>
-            </a:r>
-            <a:r>
-              <a:rPr lang="en-US" sz="1800" b="1" dirty="0">
-                <a:solidFill>
-                  <a:schemeClr val="hlink"/>
-                </a:solidFill>
-                <a:latin typeface="Century Gothic" charset="0"/>
-              </a:rPr>
-              <a:t>Solution (540, 252) does NOT change</a:t>
-            </a:r>
-          </a:p>
-          <a:p>
-            <a:pPr algn="l"/>
-            <a:r>
-              <a:rPr lang="en-US" sz="1800" b="1" dirty="0">
-                <a:solidFill>
-                  <a:schemeClr val="hlink"/>
-                </a:solidFill>
-                <a:latin typeface="Century Gothic" charset="0"/>
-              </a:rPr>
-              <a:t>New profit = old profit + (10-9</a:t>
-            </a:r>
-            <a:r>
-              <a:rPr lang="en-US" sz="1800" b="1" dirty="0" smtClean="0">
-                <a:solidFill>
-                  <a:schemeClr val="hlink"/>
-                </a:solidFill>
-                <a:latin typeface="Century Gothic" charset="0"/>
-              </a:rPr>
-              <a:t>)×252 </a:t>
-            </a:r>
-            <a:r>
-              <a:rPr lang="en-US" sz="1800" b="1" dirty="0">
-                <a:solidFill>
-                  <a:schemeClr val="hlink"/>
-                </a:solidFill>
-                <a:latin typeface="Century Gothic" charset="0"/>
-              </a:rPr>
-              <a:t>= 7668+252=7920</a:t>
-            </a:r>
-          </a:p>
-        </p:txBody>
-      </p:sp>
-      <p:pic>
-        <p:nvPicPr>
-          <p:cNvPr id="85021" name="Picture 29" descr="parsensitivity"/>
-          <p:cNvPicPr>
-            <a:picLocks noChangeAspect="1" noChangeArrowheads="1"/>
-          </p:cNvPicPr>
-          <p:nvPr/>
-        </p:nvPicPr>
-        <p:blipFill>
-          <a:blip r:embed="rId2"/>
-          <a:srcRect/>
-          <a:stretch>
-            <a:fillRect/>
-          </a:stretch>
-        </p:blipFill>
-        <p:spPr bwMode="auto">
-          <a:xfrm>
-            <a:off x="1295400" y="3162300"/>
-            <a:ext cx="7029450" cy="2628900"/>
-          </a:xfrm>
-          <a:prstGeom prst="rect">
-            <a:avLst/>
-          </a:prstGeom>
-          <a:noFill/>
-        </p:spPr>
-      </p:pic>
-      <p:sp>
-        <p:nvSpPr>
-          <p:cNvPr id="85025" name="AutoShape 33"/>
-          <p:cNvSpPr>
-            <a:spLocks noChangeArrowheads="1"/>
-          </p:cNvSpPr>
-          <p:nvPr/>
-        </p:nvSpPr>
-        <p:spPr bwMode="auto">
-          <a:xfrm>
-            <a:off x="5486400" y="1828800"/>
-            <a:ext cx="228600" cy="304800"/>
-          </a:xfrm>
-          <a:prstGeom prst="roundRect">
-            <a:avLst>
-              <a:gd name="adj" fmla="val 16667"/>
-            </a:avLst>
-          </a:prstGeom>
-          <a:noFill/>
-          <a:ln w="38100">
-            <a:solidFill>
-              <a:srgbClr val="FF0000"/>
-            </a:solidFill>
-            <a:round/>
-            <a:headEnd/>
-            <a:tailEnd/>
-          </a:ln>
-          <a:effectLst/>
-        </p:spPr>
-        <p:txBody>
-          <a:bodyPr wrap="none" anchor="ctr">
-            <a:prstTxWarp prst="textNoShape">
-              <a:avLst/>
-            </a:prstTxWarp>
-          </a:bodyPr>
-          <a:lstStyle/>
-          <a:p>
-            <a:endParaRPr lang="en-US"/>
-          </a:p>
-        </p:txBody>
-      </p:sp>
-      <p:sp>
-        <p:nvSpPr>
-          <p:cNvPr id="85026" name="AutoShape 34"/>
-          <p:cNvSpPr>
-            <a:spLocks noChangeArrowheads="1"/>
-          </p:cNvSpPr>
-          <p:nvPr/>
-        </p:nvSpPr>
-        <p:spPr bwMode="auto">
-          <a:xfrm>
-            <a:off x="7391400" y="1828800"/>
-            <a:ext cx="304800" cy="304800"/>
-          </a:xfrm>
-          <a:prstGeom prst="roundRect">
-            <a:avLst>
-              <a:gd name="adj" fmla="val 16667"/>
-            </a:avLst>
-          </a:prstGeom>
-          <a:noFill/>
-          <a:ln w="38100">
-            <a:solidFill>
-              <a:srgbClr val="FF0000"/>
-            </a:solidFill>
-            <a:round/>
-            <a:headEnd/>
-            <a:tailEnd/>
-          </a:ln>
-          <a:effectLst/>
-        </p:spPr>
-        <p:txBody>
-          <a:bodyPr wrap="none" anchor="ctr">
-            <a:prstTxWarp prst="textNoShape">
-              <a:avLst/>
-            </a:prstTxWarp>
-          </a:bodyPr>
-          <a:lstStyle/>
-          <a:p>
-            <a:endParaRPr lang="en-US"/>
-          </a:p>
-        </p:txBody>
-      </p:sp>
-      <p:sp>
-        <p:nvSpPr>
-          <p:cNvPr id="85027" name="AutoShape 35"/>
-          <p:cNvSpPr>
-            <a:spLocks noChangeArrowheads="1"/>
-          </p:cNvSpPr>
-          <p:nvPr/>
-        </p:nvSpPr>
-        <p:spPr bwMode="auto">
-          <a:xfrm>
-            <a:off x="6400800" y="3975100"/>
-            <a:ext cx="990600" cy="228600"/>
-          </a:xfrm>
-          <a:prstGeom prst="roundRect">
-            <a:avLst>
-              <a:gd name="adj" fmla="val 16667"/>
-            </a:avLst>
-          </a:prstGeom>
-          <a:noFill/>
-          <a:ln w="38100">
-            <a:solidFill>
-              <a:srgbClr val="FF0000"/>
-            </a:solidFill>
-            <a:round/>
-            <a:headEnd/>
-            <a:tailEnd/>
-          </a:ln>
-          <a:effectLst/>
-        </p:spPr>
-        <p:txBody>
-          <a:bodyPr wrap="none" anchor="ctr">
-            <a:prstTxWarp prst="textNoShape">
-              <a:avLst/>
-            </a:prstTxWarp>
-          </a:bodyPr>
-          <a:lstStyle/>
-          <a:p>
-            <a:endParaRPr lang="en-US"/>
-          </a:p>
-        </p:txBody>
-      </p:sp>
-    </p:spTree>
-  </p:cSld>
-  <p:clrMapOvr>
-    <a:masterClrMapping/>
-  </p:clrMapOvr>
-  <p:transition>
-    <p:random/>
-  </p:transition>
-  <p:timing>
-    <p:tnLst>
-      <p:par>
-        <p:cTn id="1" dur="indefinite" restart="never" nodeType="tmRoot">
-          <p:childTnLst>
-            <p:seq concurrent="1" nextAc="seek">
-              <p:cTn id="2" dur="indefinite" nodeType="mainSeq">
-                <p:childTnLst>
-                  <p:par>
-                    <p:cTn id="3" fill="hold">
-                      <p:stCondLst>
-                        <p:cond delay="indefinite"/>
-                      </p:stCondLst>
-                      <p:childTnLst>
-                        <p:par>
-                          <p:cTn id="4" fill="hold">
-                            <p:stCondLst>
-                              <p:cond delay="0"/>
-                            </p:stCondLst>
-                            <p:childTnLst>
-                              <p:par>
-                                <p:cTn id="5" presetID="23" presetClass="entr" presetSubtype="16" fill="hold" grpId="0" nodeType="clickEffect">
-                                  <p:stCondLst>
-                                    <p:cond delay="0"/>
-                                  </p:stCondLst>
-                                  <p:childTnLst>
-                                    <p:set>
-                                      <p:cBhvr>
-                                        <p:cTn id="6" dur="1" fill="hold">
-                                          <p:stCondLst>
-                                            <p:cond delay="0"/>
-                                          </p:stCondLst>
-                                        </p:cTn>
-                                        <p:tgtEl>
-                                          <p:spTgt spid="84994"/>
-                                        </p:tgtEl>
-                                        <p:attrNameLst>
-                                          <p:attrName>style.visibility</p:attrName>
-                                        </p:attrNameLst>
-                                      </p:cBhvr>
-                                      <p:to>
-                                        <p:strVal val="visible"/>
-                                      </p:to>
-                                    </p:set>
-                                    <p:anim calcmode="lin" valueType="num">
-                                      <p:cBhvr>
-                                        <p:cTn id="7" dur="500" fill="hold"/>
-                                        <p:tgtEl>
-                                          <p:spTgt spid="84994"/>
-                                        </p:tgtEl>
-                                        <p:attrNameLst>
-                                          <p:attrName>ppt_w</p:attrName>
-                                        </p:attrNameLst>
-                                      </p:cBhvr>
-                                      <p:tavLst>
-                                        <p:tav tm="0">
-                                          <p:val>
-                                            <p:fltVal val="0"/>
-                                          </p:val>
-                                        </p:tav>
-                                        <p:tav tm="100000">
-                                          <p:val>
-                                            <p:strVal val="#ppt_w"/>
-                                          </p:val>
-                                        </p:tav>
-                                      </p:tavLst>
-                                    </p:anim>
-                                    <p:anim calcmode="lin" valueType="num">
-                                      <p:cBhvr>
-                                        <p:cTn id="8" dur="500" fill="hold"/>
-                                        <p:tgtEl>
-                                          <p:spTgt spid="84994"/>
-                                        </p:tgtEl>
-                                        <p:attrNameLst>
-                                          <p:attrName>ppt_h</p:attrName>
-                                        </p:attrNameLst>
-                                      </p:cBhvr>
-                                      <p:tavLst>
-                                        <p:tav tm="0">
-                                          <p:val>
-                                            <p:fltVal val="0"/>
-                                          </p:val>
-                                        </p:tav>
-                                        <p:tav tm="100000">
-                                          <p:val>
-                                            <p:strVal val="#ppt_h"/>
-                                          </p:val>
-                                        </p:tav>
-                                      </p:tavLst>
-                                    </p:anim>
-                                  </p:childTnLst>
-                                </p:cTn>
-                              </p:par>
-                              <p:par>
-                                <p:cTn id="9" presetID="22" presetClass="entr" presetSubtype="8" fill="hold" nodeType="withEffect">
-                                  <p:stCondLst>
-                                    <p:cond delay="0"/>
-                                  </p:stCondLst>
-                                  <p:childTnLst>
-                                    <p:set>
-                                      <p:cBhvr>
-                                        <p:cTn id="10" dur="1" fill="hold">
-                                          <p:stCondLst>
-                                            <p:cond delay="0"/>
-                                          </p:stCondLst>
-                                        </p:cTn>
-                                        <p:tgtEl>
-                                          <p:spTgt spid="85022"/>
-                                        </p:tgtEl>
-                                        <p:attrNameLst>
-                                          <p:attrName>style.visibility</p:attrName>
-                                        </p:attrNameLst>
-                                      </p:cBhvr>
-                                      <p:to>
-                                        <p:strVal val="visible"/>
-                                      </p:to>
-                                    </p:set>
-                                    <p:animEffect transition="in" filter="wipe(left)">
-                                      <p:cBhvr>
-                                        <p:cTn id="11" dur="500"/>
-                                        <p:tgtEl>
-                                          <p:spTgt spid="85022"/>
-                                        </p:tgtEl>
-                                      </p:cBhvr>
-                                    </p:animEffect>
-                                  </p:childTnLst>
-                                </p:cTn>
-                              </p:par>
-                            </p:childTnLst>
-                          </p:cTn>
-                        </p:par>
-                      </p:childTnLst>
-                    </p:cTn>
-                  </p:par>
-                  <p:par>
-                    <p:cTn id="12" fill="hold">
-                      <p:stCondLst>
-                        <p:cond delay="indefinite"/>
-                      </p:stCondLst>
-                      <p:childTnLst>
-                        <p:par>
-                          <p:cTn id="13" fill="hold">
-                            <p:stCondLst>
-                              <p:cond delay="0"/>
-                            </p:stCondLst>
-                            <p:childTnLst>
-                              <p:par>
-                                <p:cTn id="14" presetID="23" presetClass="entr" presetSubtype="16" fill="hold" grpId="0" nodeType="clickEffect">
-                                  <p:stCondLst>
-                                    <p:cond delay="0"/>
-                                  </p:stCondLst>
-                                  <p:childTnLst>
-                                    <p:set>
-                                      <p:cBhvr>
-                                        <p:cTn id="15" dur="1" fill="hold">
-                                          <p:stCondLst>
-                                            <p:cond delay="0"/>
-                                          </p:stCondLst>
-                                        </p:cTn>
-                                        <p:tgtEl>
-                                          <p:spTgt spid="85025"/>
-                                        </p:tgtEl>
-                                        <p:attrNameLst>
-                                          <p:attrName>style.visibility</p:attrName>
-                                        </p:attrNameLst>
-                                      </p:cBhvr>
-                                      <p:to>
-                                        <p:strVal val="visible"/>
-                                      </p:to>
-                                    </p:set>
-                                    <p:anim calcmode="lin" valueType="num">
-                                      <p:cBhvr>
-                                        <p:cTn id="16" dur="500" fill="hold"/>
-                                        <p:tgtEl>
-                                          <p:spTgt spid="85025"/>
-                                        </p:tgtEl>
-                                        <p:attrNameLst>
-                                          <p:attrName>ppt_w</p:attrName>
-                                        </p:attrNameLst>
-                                      </p:cBhvr>
-                                      <p:tavLst>
-                                        <p:tav tm="0">
-                                          <p:val>
-                                            <p:fltVal val="0"/>
-                                          </p:val>
-                                        </p:tav>
-                                        <p:tav tm="100000">
-                                          <p:val>
-                                            <p:strVal val="#ppt_w"/>
-                                          </p:val>
-                                        </p:tav>
-                                      </p:tavLst>
-                                    </p:anim>
-                                    <p:anim calcmode="lin" valueType="num">
-                                      <p:cBhvr>
-                                        <p:cTn id="17" dur="500" fill="hold"/>
-                                        <p:tgtEl>
-                                          <p:spTgt spid="85025"/>
-                                        </p:tgtEl>
-                                        <p:attrNameLst>
-                                          <p:attrName>ppt_h</p:attrName>
-                                        </p:attrNameLst>
-                                      </p:cBhvr>
-                                      <p:tavLst>
-                                        <p:tav tm="0">
-                                          <p:val>
-                                            <p:fltVal val="0"/>
-                                          </p:val>
-                                        </p:tav>
-                                        <p:tav tm="100000">
-                                          <p:val>
-                                            <p:strVal val="#ppt_h"/>
-                                          </p:val>
-                                        </p:tav>
-                                      </p:tavLst>
-                                    </p:anim>
-                                  </p:childTnLst>
-                                </p:cTn>
-                              </p:par>
-                              <p:par>
-                                <p:cTn id="18" presetID="23" presetClass="entr" presetSubtype="16" fill="hold" grpId="0" nodeType="withEffect">
-                                  <p:stCondLst>
-                                    <p:cond delay="0"/>
-                                  </p:stCondLst>
-                                  <p:childTnLst>
-                                    <p:set>
-                                      <p:cBhvr>
-                                        <p:cTn id="19" dur="1" fill="hold">
-                                          <p:stCondLst>
-                                            <p:cond delay="0"/>
-                                          </p:stCondLst>
-                                        </p:cTn>
-                                        <p:tgtEl>
-                                          <p:spTgt spid="85026"/>
-                                        </p:tgtEl>
-                                        <p:attrNameLst>
-                                          <p:attrName>style.visibility</p:attrName>
-                                        </p:attrNameLst>
-                                      </p:cBhvr>
-                                      <p:to>
-                                        <p:strVal val="visible"/>
-                                      </p:to>
-                                    </p:set>
-                                    <p:anim calcmode="lin" valueType="num">
-                                      <p:cBhvr>
-                                        <p:cTn id="20" dur="500" fill="hold"/>
-                                        <p:tgtEl>
-                                          <p:spTgt spid="85026"/>
-                                        </p:tgtEl>
-                                        <p:attrNameLst>
-                                          <p:attrName>ppt_w</p:attrName>
-                                        </p:attrNameLst>
-                                      </p:cBhvr>
-                                      <p:tavLst>
-                                        <p:tav tm="0">
-                                          <p:val>
-                                            <p:fltVal val="0"/>
-                                          </p:val>
-                                        </p:tav>
-                                        <p:tav tm="100000">
-                                          <p:val>
-                                            <p:strVal val="#ppt_w"/>
-                                          </p:val>
-                                        </p:tav>
-                                      </p:tavLst>
-                                    </p:anim>
-                                    <p:anim calcmode="lin" valueType="num">
-                                      <p:cBhvr>
-                                        <p:cTn id="21" dur="500" fill="hold"/>
-                                        <p:tgtEl>
-                                          <p:spTgt spid="85026"/>
-                                        </p:tgtEl>
-                                        <p:attrNameLst>
-                                          <p:attrName>ppt_h</p:attrName>
-                                        </p:attrNameLst>
-                                      </p:cBhvr>
-                                      <p:tavLst>
-                                        <p:tav tm="0">
-                                          <p:val>
-                                            <p:fltVal val="0"/>
-                                          </p:val>
-                                        </p:tav>
-                                        <p:tav tm="100000">
-                                          <p:val>
-                                            <p:strVal val="#ppt_h"/>
-                                          </p:val>
-                                        </p:tav>
-                                      </p:tavLst>
-                                    </p:anim>
-                                  </p:childTnLst>
-                                </p:cTn>
-                              </p:par>
-                            </p:childTnLst>
-                          </p:cTn>
-                        </p:par>
-                      </p:childTnLst>
-                    </p:cTn>
-                  </p:par>
-                  <p:par>
-                    <p:cTn id="22" fill="hold">
-                      <p:stCondLst>
-                        <p:cond delay="indefinite"/>
-                      </p:stCondLst>
-                      <p:childTnLst>
-                        <p:par>
-                          <p:cTn id="23" fill="hold">
-                            <p:stCondLst>
-                              <p:cond delay="0"/>
-                            </p:stCondLst>
-                            <p:childTnLst>
-                              <p:par>
-                                <p:cTn id="24" presetID="23" presetClass="entr" presetSubtype="16" fill="hold" grpId="0" nodeType="clickEffect">
-                                  <p:stCondLst>
-                                    <p:cond delay="0"/>
-                                  </p:stCondLst>
-                                  <p:childTnLst>
-                                    <p:set>
-                                      <p:cBhvr>
-                                        <p:cTn id="25" dur="1" fill="hold">
-                                          <p:stCondLst>
-                                            <p:cond delay="0"/>
-                                          </p:stCondLst>
-                                        </p:cTn>
-                                        <p:tgtEl>
-                                          <p:spTgt spid="85027"/>
-                                        </p:tgtEl>
-                                        <p:attrNameLst>
-                                          <p:attrName>style.visibility</p:attrName>
-                                        </p:attrNameLst>
-                                      </p:cBhvr>
-                                      <p:to>
-                                        <p:strVal val="visible"/>
-                                      </p:to>
-                                    </p:set>
-                                    <p:anim calcmode="lin" valueType="num">
-                                      <p:cBhvr>
-                                        <p:cTn id="26" dur="500" fill="hold"/>
-                                        <p:tgtEl>
-                                          <p:spTgt spid="85027"/>
-                                        </p:tgtEl>
-                                        <p:attrNameLst>
-                                          <p:attrName>ppt_w</p:attrName>
-                                        </p:attrNameLst>
-                                      </p:cBhvr>
-                                      <p:tavLst>
-                                        <p:tav tm="0">
-                                          <p:val>
-                                            <p:fltVal val="0"/>
-                                          </p:val>
-                                        </p:tav>
-                                        <p:tav tm="100000">
-                                          <p:val>
-                                            <p:strVal val="#ppt_w"/>
-                                          </p:val>
-                                        </p:tav>
-                                      </p:tavLst>
-                                    </p:anim>
-                                    <p:anim calcmode="lin" valueType="num">
-                                      <p:cBhvr>
-                                        <p:cTn id="27" dur="500" fill="hold"/>
-                                        <p:tgtEl>
-                                          <p:spTgt spid="85027"/>
-                                        </p:tgtEl>
-                                        <p:attrNameLst>
-                                          <p:attrName>ppt_h</p:attrName>
-                                        </p:attrNameLst>
-                                      </p:cBhvr>
-                                      <p:tavLst>
-                                        <p:tav tm="0">
-                                          <p:val>
-                                            <p:fltVal val="0"/>
-                                          </p:val>
-                                        </p:tav>
-                                        <p:tav tm="100000">
-                                          <p:val>
-                                            <p:strVal val="#ppt_h"/>
-                                          </p:val>
-                                        </p:tav>
-                                      </p:tavLst>
-                                    </p:anim>
-                                  </p:childTnLst>
-                                </p:cTn>
-                              </p:par>
-                            </p:childTnLst>
-                          </p:cTn>
-                        </p:par>
-                      </p:childTnLst>
-                    </p:cTn>
-                  </p:par>
-                  <p:par>
-                    <p:cTn id="28" fill="hold">
-                      <p:stCondLst>
-                        <p:cond delay="indefinite"/>
-                      </p:stCondLst>
-                      <p:childTnLst>
-                        <p:par>
-                          <p:cTn id="29" fill="hold">
-                            <p:stCondLst>
-                              <p:cond delay="0"/>
-                            </p:stCondLst>
-                            <p:childTnLst>
-                              <p:par>
-                                <p:cTn id="30" presetID="22" presetClass="entr" presetSubtype="8" fill="hold" grpId="0" nodeType="clickEffect">
-                                  <p:stCondLst>
-                                    <p:cond delay="0"/>
-                                  </p:stCondLst>
-                                  <p:childTnLst>
-                                    <p:set>
-                                      <p:cBhvr>
-                                        <p:cTn id="31" dur="1" fill="hold">
-                                          <p:stCondLst>
-                                            <p:cond delay="0"/>
-                                          </p:stCondLst>
-                                        </p:cTn>
-                                        <p:tgtEl>
-                                          <p:spTgt spid="85005"/>
-                                        </p:tgtEl>
-                                        <p:attrNameLst>
-                                          <p:attrName>style.visibility</p:attrName>
-                                        </p:attrNameLst>
-                                      </p:cBhvr>
-                                      <p:to>
-                                        <p:strVal val="visible"/>
-                                      </p:to>
-                                    </p:set>
-                                    <p:animEffect transition="in" filter="wipe(left)">
-                                      <p:cBhvr>
-                                        <p:cTn id="32" dur="500"/>
-                                        <p:tgtEl>
-                                          <p:spTgt spid="85005"/>
-                                        </p:tgtEl>
-                                      </p:cBhvr>
-                                    </p:animEffect>
-                                  </p:childTnLst>
-                                </p:cTn>
-                              </p:par>
-                            </p:childTnLst>
-                          </p:cTn>
-                        </p:par>
-                      </p:childTnLst>
-                    </p:cTn>
-                  </p:par>
-                </p:childTnLst>
-              </p:cTn>
-              <p:prevCondLst>
-                <p:cond evt="onPrev" delay="0">
-                  <p:tgtEl>
-                    <p:sldTgt/>
-                  </p:tgtEl>
-                </p:cond>
-              </p:prevCondLst>
-              <p:nextCondLst>
-                <p:cond evt="onNext" delay="0">
-                  <p:tgtEl>
-                    <p:sldTgt/>
-                  </p:tgtEl>
-                </p:cond>
-              </p:nextCondLst>
-            </p:seq>
-          </p:childTnLst>
-        </p:cTn>
-      </p:par>
-    </p:tnLst>
-    <p:bldLst>
-      <p:bldP spid="84994" grpId="0"/>
-      <p:bldP spid="85005" grpId="0" animBg="1" autoUpdateAnimBg="0"/>
-      <p:bldP spid="85025" grpId="0" animBg="1"/>
-      <p:bldP spid="85026" grpId="0" animBg="1"/>
-      <p:bldP spid="85027" grpId="0" animBg="1"/>
-    </p:bldLst>
   </p:timing>
 </p:sld>
 </file>
@@ -22138,7 +21635,7 @@
       </p:grpSpPr>
       <p:sp>
         <p:nvSpPr>
-          <p:cNvPr id="7" name="Date Placeholder 3"/>
+          <p:cNvPr id="4" name="Date Placeholder 3"/>
           <p:cNvSpPr>
             <a:spLocks noGrp="1"/>
           </p:cNvSpPr>
@@ -22161,7 +21658,7 @@
       </p:sp>
       <p:sp>
         <p:nvSpPr>
-          <p:cNvPr id="9" name="Slide Number Placeholder 5"/>
+          <p:cNvPr id="6" name="Slide Number Placeholder 5"/>
           <p:cNvSpPr>
             <a:spLocks noGrp="1"/>
           </p:cNvSpPr>
@@ -22174,18 +21671,18 @@
           <a:bodyPr/>
           <a:lstStyle/>
           <a:p>
-            <a:fld id="{77CB5C25-6CFA-434F-ABF0-5AB179A89595}" type="slidenum">
+            <a:fld id="{B3310979-2EAF-054A-98F1-7CDA66331002}" type="slidenum">
               <a:rPr lang="en-US"/>
               <a:pPr/>
               <a:t>9</a:t>
             </a:fld>
-            <a:endParaRPr lang="en-US" dirty="0"/>
+            <a:endParaRPr lang="en-US"/>
           </a:p>
         </p:txBody>
       </p:sp>
       <p:sp>
         <p:nvSpPr>
-          <p:cNvPr id="120834" name="Rectangle 2"/>
+          <p:cNvPr id="80898" name="Rectangle 2"/>
           <p:cNvSpPr>
             <a:spLocks noGrp="1" noChangeArrowheads="1"/>
           </p:cNvSpPr>
@@ -22199,22 +21696,15 @@
           <a:lstStyle/>
           <a:p>
             <a:r>
-              <a:rPr lang="en-US" sz="2400"/>
-              <a:t>“Allowable Increase” and </a:t>
-            </a:r>
-            <a:br>
-              <a:rPr lang="en-US" sz="2400"/>
-            </a:br>
-            <a:r>
-              <a:rPr lang="en-US" sz="2400"/>
-              <a:t>“Allowable Decrease” in the “Adjustable Cells”</a:t>
+              <a:rPr lang="en-US"/>
+              <a:t>Agenda</a:t>
             </a:r>
           </a:p>
         </p:txBody>
       </p:sp>
       <p:sp>
         <p:nvSpPr>
-          <p:cNvPr id="120835" name="Rectangle 3"/>
+          <p:cNvPr id="80899" name="Rectangle 3"/>
           <p:cNvSpPr>
             <a:spLocks noGrp="1" noChangeArrowheads="1"/>
           </p:cNvSpPr>
@@ -22222,666 +21712,103 @@
             <p:ph type="body" idx="1"/>
           </p:nvPr>
         </p:nvSpPr>
-        <p:spPr>
-          <a:xfrm>
-            <a:off x="609600" y="1371600"/>
-            <a:ext cx="8229600" cy="4800600"/>
-          </a:xfrm>
-          <a:noFill/>
-        </p:spPr>
+        <p:spPr/>
         <p:txBody>
           <a:bodyPr/>
           <a:lstStyle/>
           <a:p>
-            <a:pPr>
-              <a:buFontTx/>
-              <a:buNone/>
-            </a:pPr>
-            <a:r>
-              <a:rPr lang="en-US" sz="2000" dirty="0"/>
-              <a:t> Suppose                                Let     </a:t>
-            </a:r>
-          </a:p>
-          <a:p>
-            <a:endParaRPr lang="en-US" sz="2000" u="sng" dirty="0"/>
-          </a:p>
-          <a:p>
-            <a:r>
-              <a:rPr lang="en-US" sz="2000" dirty="0"/>
-              <a:t>“</a:t>
-            </a:r>
-            <a:r>
-              <a:rPr lang="en-US" sz="2000" b="1" dirty="0"/>
-              <a:t>Allowable” ranges</a:t>
-            </a:r>
-            <a:r>
-              <a:rPr lang="en-US" sz="1800" dirty="0"/>
-              <a:t> </a:t>
-            </a:r>
-            <a:r>
-              <a:rPr lang="en-US" sz="2000" dirty="0"/>
-              <a:t>tell you how much the </a:t>
-            </a:r>
-            <a:r>
-              <a:rPr lang="en-US" sz="2000" b="1" dirty="0"/>
-              <a:t>coefficient of a given decision variable</a:t>
-            </a:r>
-            <a:r>
-              <a:rPr lang="en-US" sz="2000" dirty="0"/>
-              <a:t> in the objective function </a:t>
-            </a:r>
-            <a:r>
-              <a:rPr lang="en-US" sz="2000" b="1" dirty="0"/>
-              <a:t>may be increased or decreased </a:t>
-            </a:r>
-            <a:r>
-              <a:rPr lang="en-US" sz="2000" b="1" u="sng" dirty="0"/>
-              <a:t>without changing the optimal solution</a:t>
-            </a:r>
-            <a:r>
-              <a:rPr lang="en-US" sz="2000" u="sng" dirty="0"/>
-              <a:t> </a:t>
-            </a:r>
-            <a:r>
-              <a:rPr lang="en-US" sz="2000" dirty="0"/>
-              <a:t>(the value of the decision </a:t>
-            </a:r>
-            <a:r>
-              <a:rPr lang="en-US" sz="2000" dirty="0" smtClean="0"/>
-              <a:t>variables x</a:t>
-            </a:r>
-            <a:r>
-              <a:rPr lang="en-US" sz="2000" baseline="-25000" dirty="0" smtClean="0"/>
-              <a:t>i</a:t>
-            </a:r>
-            <a:r>
-              <a:rPr lang="en-US" sz="2000" dirty="0" smtClean="0"/>
-              <a:t>*), </a:t>
-            </a:r>
-            <a:r>
-              <a:rPr lang="en-US" sz="2000" dirty="0"/>
-              <a:t>where all other data are assumed to be fixed</a:t>
-            </a:r>
-            <a:r>
-              <a:rPr lang="en-US" sz="2000" dirty="0" smtClean="0"/>
-              <a:t>. </a:t>
-            </a:r>
-          </a:p>
-          <a:p>
-            <a:endParaRPr lang="en-US" sz="2000" dirty="0"/>
-          </a:p>
-          <a:p>
-            <a:r>
-              <a:rPr lang="en-US" sz="2000" b="1" dirty="0"/>
-              <a:t>Calculate the new Objective Function Value (</a:t>
-            </a:r>
-            <a:r>
-              <a:rPr lang="en-US" sz="2000" b="1" dirty="0" err="1"/>
-              <a:t>OV</a:t>
-            </a:r>
-            <a:r>
-              <a:rPr lang="en-US" sz="2000" b="1" baseline="-25000" dirty="0" err="1"/>
-              <a:t>new</a:t>
-            </a:r>
-            <a:r>
-              <a:rPr lang="en-US" sz="2000" b="1" dirty="0"/>
-              <a:t>)</a:t>
-            </a:r>
-            <a:endParaRPr lang="en-US" sz="2000" b="1" dirty="0">
-              <a:solidFill>
-                <a:schemeClr val="hlink"/>
-              </a:solidFill>
-            </a:endParaRPr>
+            <a:r>
+              <a:rPr lang="en-US" dirty="0"/>
+              <a:t>Example: Par </a:t>
+            </a:r>
+            <a:r>
+              <a:rPr lang="en-US" dirty="0" err="1"/>
+              <a:t>Inc</a:t>
+            </a:r>
+            <a:endParaRPr lang="en-US" dirty="0"/>
           </a:p>
           <a:p>
             <a:pPr lvl="1"/>
             <a:r>
-              <a:rPr lang="en-US" sz="1800" b="1" dirty="0" smtClean="0">
-                <a:solidFill>
-                  <a:srgbClr val="FF0000"/>
-                </a:solidFill>
-              </a:rPr>
-              <a:t>When </a:t>
-            </a:r>
-            <a:r>
-              <a:rPr lang="en-US" sz="1800" b="1" dirty="0" smtClean="0">
-                <a:solidFill>
-                  <a:srgbClr val="FF0000"/>
-                </a:solidFill>
-                <a:sym typeface="Symbol"/>
-              </a:rPr>
-              <a:t></a:t>
-            </a:r>
-            <a:r>
-              <a:rPr lang="en-US" sz="1800" b="1" dirty="0" err="1" smtClean="0">
-                <a:solidFill>
-                  <a:srgbClr val="FF0000"/>
-                </a:solidFill>
-                <a:sym typeface="Symbol"/>
-              </a:rPr>
-              <a:t>C</a:t>
-            </a:r>
-            <a:r>
-              <a:rPr lang="en-US" sz="1800" b="1" baseline="-25000" dirty="0" err="1" smtClean="0">
-                <a:solidFill>
-                  <a:srgbClr val="FF0000"/>
-                </a:solidFill>
-                <a:sym typeface="Symbol"/>
-              </a:rPr>
-              <a:t>i</a:t>
-            </a:r>
-            <a:r>
-              <a:rPr lang="en-US" sz="1800" b="1" dirty="0" smtClean="0">
-                <a:solidFill>
-                  <a:srgbClr val="FF0000"/>
-                </a:solidFill>
-                <a:sym typeface="Symbol"/>
-              </a:rPr>
-              <a:t> </a:t>
-            </a:r>
-            <a:r>
-              <a:rPr lang="en-US" sz="1800" b="1" dirty="0" smtClean="0">
-                <a:solidFill>
-                  <a:schemeClr val="hlink"/>
-                </a:solidFill>
-                <a:sym typeface="Symbol"/>
-              </a:rPr>
-              <a:t>is </a:t>
-            </a:r>
-            <a:r>
-              <a:rPr lang="en-US" sz="1800" b="1" u="sng" dirty="0" smtClean="0">
-                <a:solidFill>
-                  <a:schemeClr val="hlink"/>
-                </a:solidFill>
-              </a:rPr>
-              <a:t>within</a:t>
-            </a:r>
-            <a:r>
-              <a:rPr lang="en-US" sz="1800" b="1" dirty="0" smtClean="0">
-                <a:solidFill>
-                  <a:schemeClr val="hlink"/>
-                </a:solidFill>
-              </a:rPr>
-              <a:t> </a:t>
-            </a:r>
-            <a:r>
-              <a:rPr lang="en-US" sz="1800" b="1" dirty="0">
-                <a:solidFill>
-                  <a:schemeClr val="hlink"/>
-                </a:solidFill>
-              </a:rPr>
-              <a:t>the “Allowable” range</a:t>
-            </a:r>
-            <a:r>
-              <a:rPr lang="en-US" sz="1800" dirty="0">
-                <a:solidFill>
-                  <a:schemeClr val="hlink"/>
-                </a:solidFill>
-              </a:rPr>
-              <a:t>:   </a:t>
-            </a:r>
-            <a:r>
-              <a:rPr lang="en-US" sz="1800" b="1" dirty="0" err="1">
-                <a:solidFill>
-                  <a:schemeClr val="hlink"/>
-                </a:solidFill>
-              </a:rPr>
-              <a:t>x</a:t>
-            </a:r>
-            <a:r>
-              <a:rPr lang="en-US" sz="1800" b="1" baseline="-25000" dirty="0" err="1">
-                <a:solidFill>
-                  <a:schemeClr val="hlink"/>
-                </a:solidFill>
-              </a:rPr>
-              <a:t>new</a:t>
-            </a:r>
-            <a:r>
-              <a:rPr lang="en-US" sz="1800" b="1" baseline="30000" dirty="0">
-                <a:solidFill>
-                  <a:schemeClr val="hlink"/>
-                </a:solidFill>
-              </a:rPr>
-              <a:t>* </a:t>
-            </a:r>
-            <a:r>
-              <a:rPr lang="en-US" sz="1800" b="1" dirty="0">
-                <a:solidFill>
-                  <a:schemeClr val="hlink"/>
-                </a:solidFill>
-              </a:rPr>
-              <a:t>=</a:t>
-            </a:r>
-            <a:r>
-              <a:rPr lang="en-US" sz="1800" b="1" dirty="0" err="1">
-                <a:solidFill>
-                  <a:schemeClr val="hlink"/>
-                </a:solidFill>
-              </a:rPr>
-              <a:t>x</a:t>
-            </a:r>
-            <a:r>
-              <a:rPr lang="en-US" sz="1800" b="1" baseline="-25000" dirty="0" err="1">
-                <a:solidFill>
-                  <a:schemeClr val="hlink"/>
-                </a:solidFill>
-              </a:rPr>
-              <a:t>old</a:t>
-            </a:r>
-            <a:r>
-              <a:rPr lang="en-US" sz="1800" b="1" baseline="30000" dirty="0">
-                <a:solidFill>
-                  <a:schemeClr val="hlink"/>
-                </a:solidFill>
-              </a:rPr>
-              <a:t>*</a:t>
+              <a:rPr lang="en-US" b="1" dirty="0">
+                <a:solidFill>
+                  <a:srgbClr val="0000FF"/>
+                </a:solidFill>
+              </a:rPr>
+              <a:t>Objective function: Change in coefficient</a:t>
+            </a:r>
+          </a:p>
+          <a:p>
+            <a:pPr lvl="2"/>
+            <a:r>
+              <a:rPr lang="en-US" dirty="0"/>
+              <a:t>“allowable increase” and “allowable decrease”</a:t>
+            </a:r>
+          </a:p>
+          <a:p>
+            <a:pPr lvl="2"/>
+            <a:r>
+              <a:rPr lang="en-US" dirty="0"/>
+              <a:t>“reduced cost”</a:t>
             </a:r>
           </a:p>
           <a:p>
             <a:pPr lvl="1"/>
-            <a:endParaRPr lang="en-US" sz="1800" b="1" baseline="30000" dirty="0">
-              <a:solidFill>
-                <a:schemeClr val="hlink"/>
-              </a:solidFill>
-            </a:endParaRPr>
+            <a:r>
+              <a:rPr lang="en-US" b="1" dirty="0">
+                <a:solidFill>
+                  <a:schemeClr val="accent2">
+                    <a:lumMod val="60000"/>
+                    <a:lumOff val="40000"/>
+                  </a:schemeClr>
+                </a:solidFill>
+              </a:rPr>
+              <a:t>Constraints: Change in right-hand-side constants</a:t>
+            </a:r>
+          </a:p>
+          <a:p>
+            <a:pPr lvl="2"/>
+            <a:r>
+              <a:rPr lang="en-US" dirty="0"/>
+              <a:t>“shadow price”</a:t>
+            </a:r>
+          </a:p>
+          <a:p>
+            <a:pPr lvl="2"/>
+            <a:r>
+              <a:rPr lang="en-US" dirty="0"/>
+              <a:t>“allowable increase” and “allowable decrease”</a:t>
+            </a:r>
           </a:p>
           <a:p>
             <a:pPr lvl="1"/>
-            <a:endParaRPr lang="en-US" sz="1800" baseline="30000" dirty="0">
-              <a:solidFill>
-                <a:schemeClr val="hlink"/>
-              </a:solidFill>
-            </a:endParaRPr>
-          </a:p>
-          <a:p>
-            <a:pPr>
-              <a:buFontTx/>
-              <a:buNone/>
-            </a:pPr>
-            <a:r>
-              <a:rPr lang="en-US" sz="2000" baseline="30000" dirty="0">
-                <a:solidFill>
-                  <a:schemeClr val="hlink"/>
-                </a:solidFill>
-              </a:rPr>
-              <a:t> </a:t>
+            <a:r>
+              <a:rPr lang="en-US" b="1" dirty="0"/>
+              <a:t>Simultaneous changes</a:t>
+            </a:r>
+          </a:p>
+          <a:p>
+            <a:pPr lvl="2"/>
+            <a:r>
+              <a:rPr lang="en-US" dirty="0"/>
+              <a:t>“100% rule”</a:t>
             </a:r>
           </a:p>
           <a:p>
             <a:pPr lvl="1"/>
-            <a:r>
-              <a:rPr lang="en-US" sz="1800" b="1" dirty="0">
-                <a:solidFill>
-                  <a:srgbClr val="FF0000"/>
-                </a:solidFill>
-              </a:rPr>
-              <a:t>When </a:t>
-            </a:r>
-            <a:r>
-              <a:rPr lang="en-US" sz="1800" b="1" dirty="0">
-                <a:solidFill>
-                  <a:srgbClr val="FF0000"/>
-                </a:solidFill>
-                <a:sym typeface="Symbol"/>
-              </a:rPr>
-              <a:t></a:t>
-            </a:r>
-            <a:r>
-              <a:rPr lang="en-US" sz="1800" b="1" dirty="0" err="1">
-                <a:solidFill>
-                  <a:srgbClr val="FF0000"/>
-                </a:solidFill>
-                <a:sym typeface="Symbol"/>
-              </a:rPr>
-              <a:t>C</a:t>
-            </a:r>
-            <a:r>
-              <a:rPr lang="en-US" sz="1800" b="1" baseline="-25000" dirty="0" err="1">
-                <a:solidFill>
-                  <a:srgbClr val="FF0000"/>
-                </a:solidFill>
-                <a:sym typeface="Symbol"/>
-              </a:rPr>
-              <a:t>i</a:t>
-            </a:r>
-            <a:r>
-              <a:rPr lang="en-US" sz="1800" b="1" dirty="0">
-                <a:solidFill>
-                  <a:srgbClr val="FF0000"/>
-                </a:solidFill>
-                <a:sym typeface="Symbol"/>
-              </a:rPr>
-              <a:t> </a:t>
-            </a:r>
-            <a:r>
-              <a:rPr lang="en-US" sz="1800" b="1" dirty="0">
-                <a:solidFill>
-                  <a:schemeClr val="hlink"/>
-                </a:solidFill>
-                <a:sym typeface="Symbol"/>
-              </a:rPr>
-              <a:t>is </a:t>
-            </a:r>
-            <a:r>
-              <a:rPr lang="en-US" sz="1800" b="1" u="sng" dirty="0" smtClean="0">
-                <a:solidFill>
-                  <a:schemeClr val="hlink"/>
-                </a:solidFill>
-              </a:rPr>
-              <a:t>outside</a:t>
-            </a:r>
-            <a:r>
-              <a:rPr lang="en-US" sz="1800" b="1" dirty="0" smtClean="0">
-                <a:solidFill>
-                  <a:schemeClr val="hlink"/>
-                </a:solidFill>
-              </a:rPr>
-              <a:t> </a:t>
-            </a:r>
-            <a:r>
-              <a:rPr lang="en-US" sz="1800" b="1" dirty="0">
-                <a:solidFill>
-                  <a:schemeClr val="hlink"/>
-                </a:solidFill>
-              </a:rPr>
-              <a:t>the “Allowable” range</a:t>
-            </a:r>
-            <a:r>
-              <a:rPr lang="en-US" sz="1800" dirty="0">
-                <a:solidFill>
-                  <a:schemeClr val="hlink"/>
-                </a:solidFill>
-              </a:rPr>
-              <a:t>: </a:t>
-            </a:r>
-            <a:r>
-              <a:rPr lang="en-US" sz="1800" dirty="0" err="1">
-                <a:solidFill>
-                  <a:schemeClr val="hlink"/>
-                </a:solidFill>
-              </a:rPr>
-              <a:t>x</a:t>
-            </a:r>
-            <a:r>
-              <a:rPr lang="en-US" sz="1800" baseline="-25000" dirty="0" err="1">
-                <a:solidFill>
-                  <a:schemeClr val="hlink"/>
-                </a:solidFill>
-              </a:rPr>
-              <a:t>new</a:t>
-            </a:r>
-            <a:r>
-              <a:rPr lang="en-US" sz="1800" baseline="30000" dirty="0">
-                <a:solidFill>
-                  <a:schemeClr val="hlink"/>
-                </a:solidFill>
-              </a:rPr>
-              <a:t>* </a:t>
-            </a:r>
-            <a:r>
-              <a:rPr lang="en-US" sz="1800" dirty="0">
-                <a:solidFill>
-                  <a:schemeClr val="hlink"/>
-                </a:solidFill>
-              </a:rPr>
-              <a:t> ≠ </a:t>
-            </a:r>
-            <a:r>
-              <a:rPr lang="en-US" sz="1800" dirty="0" err="1">
-                <a:solidFill>
-                  <a:schemeClr val="hlink"/>
-                </a:solidFill>
-              </a:rPr>
-              <a:t>x</a:t>
-            </a:r>
-            <a:r>
-              <a:rPr lang="en-US" sz="1800" baseline="-25000" dirty="0" err="1">
-                <a:solidFill>
-                  <a:schemeClr val="hlink"/>
-                </a:solidFill>
-              </a:rPr>
-              <a:t>old</a:t>
-            </a:r>
-            <a:r>
-              <a:rPr lang="en-US" sz="1800" baseline="30000" dirty="0">
-                <a:solidFill>
-                  <a:schemeClr val="hlink"/>
-                </a:solidFill>
-              </a:rPr>
-              <a:t>*, </a:t>
-            </a:r>
-            <a:r>
-              <a:rPr lang="en-US" sz="1800" b="1" dirty="0">
-                <a:solidFill>
-                  <a:schemeClr val="hlink"/>
-                </a:solidFill>
-              </a:rPr>
-              <a:t>re-formulate LP and resolve</a:t>
-            </a:r>
-            <a:r>
-              <a:rPr lang="en-US" sz="1800" dirty="0">
-                <a:solidFill>
-                  <a:schemeClr val="hlink"/>
-                </a:solidFill>
-              </a:rPr>
-              <a:t>!</a:t>
+            <a:endParaRPr lang="en-US" dirty="0"/>
+          </a:p>
+          <a:p>
+            <a:r>
+              <a:rPr lang="en-US" dirty="0"/>
+              <a:t>Summary</a:t>
             </a:r>
           </a:p>
         </p:txBody>
       </p:sp>
-      <p:graphicFrame>
-        <p:nvGraphicFramePr>
-          <p:cNvPr id="120836" name="Object 4"/>
-          <p:cNvGraphicFramePr>
-            <a:graphicFrameLocks noChangeAspect="1"/>
-          </p:cNvGraphicFramePr>
-          <p:nvPr/>
-        </p:nvGraphicFramePr>
-        <p:xfrm>
-          <a:off x="2133600" y="4800600"/>
-          <a:ext cx="3505200" cy="609600"/>
-        </p:xfrm>
-        <a:graphic>
-          <a:graphicData uri="http://schemas.openxmlformats.org/presentationml/2006/ole">
-            <mc:AlternateContent xmlns:mc="http://schemas.openxmlformats.org/markup-compatibility/2006">
-              <mc:Choice xmlns:v="urn:schemas-microsoft-com:vml" Requires="v">
-                <p:oleObj spid="_x0000_s120885" name="Equation" r:id="rId3" imgW="1460160" imgH="253800" progId="Equation.DSMT4">
-                  <p:embed/>
-                </p:oleObj>
-              </mc:Choice>
-              <mc:Fallback>
-                <p:oleObj name="Equation" r:id="rId3" imgW="1460160" imgH="253800" progId="Equation.DSMT4">
-                  <p:embed/>
-                  <p:pic>
-                    <p:nvPicPr>
-                      <p:cNvPr id="0" name="Picture 4"/>
-                      <p:cNvPicPr>
-                        <a:picLocks noChangeAspect="1" noChangeArrowheads="1"/>
-                      </p:cNvPicPr>
-                      <p:nvPr/>
-                    </p:nvPicPr>
-                    <p:blipFill>
-                      <a:blip r:embed="rId4">
-                        <a:extLst>
-                          <a:ext uri="{28A0092B-C50C-407E-A947-70E740481C1C}">
-                            <a14:useLocalDpi xmlns:a14="http://schemas.microsoft.com/office/drawing/2010/main" val="0"/>
-                          </a:ext>
-                        </a:extLst>
-                      </a:blip>
-                      <a:srcRect/>
-                      <a:stretch>
-                        <a:fillRect/>
-                      </a:stretch>
-                    </p:blipFill>
-                    <p:spPr bwMode="auto">
-                      <a:xfrm>
-                        <a:off x="2133600" y="4800600"/>
-                        <a:ext cx="3505200" cy="609600"/>
-                      </a:xfrm>
-                      <a:prstGeom prst="rect">
-                        <a:avLst/>
-                      </a:prstGeom>
-                      <a:noFill/>
-                      <a:extLst>
-                        <a:ext uri="{909E8E84-426E-40DD-AFC4-6F175D3DCCD1}">
-                          <a14:hiddenFill xmlns:a14="http://schemas.microsoft.com/office/drawing/2010/main">
-                            <a:solidFill>
-                              <a:srgbClr val="FFFFFF"/>
-                            </a:solidFill>
-                          </a14:hiddenFill>
-                        </a:ext>
-                      </a:extLst>
-                    </p:spPr>
-                  </p:pic>
-                </p:oleObj>
-              </mc:Fallback>
-            </mc:AlternateContent>
-          </a:graphicData>
-        </a:graphic>
-      </p:graphicFrame>
-      <p:graphicFrame>
-        <p:nvGraphicFramePr>
-          <p:cNvPr id="120838" name="Object 6"/>
-          <p:cNvGraphicFramePr>
-            <a:graphicFrameLocks noChangeAspect="1"/>
-          </p:cNvGraphicFramePr>
-          <p:nvPr/>
-        </p:nvGraphicFramePr>
-        <p:xfrm>
-          <a:off x="1828800" y="1295400"/>
-          <a:ext cx="1981200" cy="533400"/>
-        </p:xfrm>
-        <a:graphic>
-          <a:graphicData uri="http://schemas.openxmlformats.org/presentationml/2006/ole">
-            <mc:AlternateContent xmlns:mc="http://schemas.openxmlformats.org/markup-compatibility/2006">
-              <mc:Choice xmlns:v="urn:schemas-microsoft-com:vml" Requires="v">
-                <p:oleObj spid="_x0000_s120886" name="Equation" r:id="rId5" imgW="749160" imgH="228600" progId="Equation.DSMT4">
-                  <p:embed/>
-                </p:oleObj>
-              </mc:Choice>
-              <mc:Fallback>
-                <p:oleObj name="Equation" r:id="rId5" imgW="749160" imgH="228600" progId="Equation.DSMT4">
-                  <p:embed/>
-                  <p:pic>
-                    <p:nvPicPr>
-                      <p:cNvPr id="0" name="Picture 6"/>
-                      <p:cNvPicPr>
-                        <a:picLocks noChangeAspect="1" noChangeArrowheads="1"/>
-                      </p:cNvPicPr>
-                      <p:nvPr/>
-                    </p:nvPicPr>
-                    <p:blipFill>
-                      <a:blip r:embed="rId6">
-                        <a:extLst>
-                          <a:ext uri="{28A0092B-C50C-407E-A947-70E740481C1C}">
-                            <a14:useLocalDpi xmlns:a14="http://schemas.microsoft.com/office/drawing/2010/main" val="0"/>
-                          </a:ext>
-                        </a:extLst>
-                      </a:blip>
-                      <a:srcRect/>
-                      <a:stretch>
-                        <a:fillRect/>
-                      </a:stretch>
-                    </p:blipFill>
-                    <p:spPr bwMode="auto">
-                      <a:xfrm>
-                        <a:off x="1828800" y="1295400"/>
-                        <a:ext cx="1981200" cy="533400"/>
-                      </a:xfrm>
-                      <a:prstGeom prst="rect">
-                        <a:avLst/>
-                      </a:prstGeom>
-                      <a:noFill/>
-                      <a:extLst>
-                        <a:ext uri="{909E8E84-426E-40DD-AFC4-6F175D3DCCD1}">
-                          <a14:hiddenFill xmlns:a14="http://schemas.microsoft.com/office/drawing/2010/main">
-                            <a:solidFill>
-                              <a:srgbClr val="FFFFFF"/>
-                            </a:solidFill>
-                          </a14:hiddenFill>
-                        </a:ext>
-                      </a:extLst>
-                    </p:spPr>
-                  </p:pic>
-                </p:oleObj>
-              </mc:Fallback>
-            </mc:AlternateContent>
-          </a:graphicData>
-        </a:graphic>
-      </p:graphicFrame>
-      <p:graphicFrame>
-        <p:nvGraphicFramePr>
-          <p:cNvPr id="120839" name="Object 7"/>
-          <p:cNvGraphicFramePr>
-            <a:graphicFrameLocks noChangeAspect="1"/>
-          </p:cNvGraphicFramePr>
-          <p:nvPr/>
-        </p:nvGraphicFramePr>
-        <p:xfrm>
-          <a:off x="4572000" y="1362075"/>
-          <a:ext cx="2438400" cy="542925"/>
-        </p:xfrm>
-        <a:graphic>
-          <a:graphicData uri="http://schemas.openxmlformats.org/presentationml/2006/ole">
-            <mc:AlternateContent xmlns:mc="http://schemas.openxmlformats.org/markup-compatibility/2006">
-              <mc:Choice xmlns:v="urn:schemas-microsoft-com:vml" Requires="v">
-                <p:oleObj spid="_x0000_s120887" name="Equation" r:id="rId7" imgW="1028520" imgH="228600" progId="Equation.DSMT4">
-                  <p:embed/>
-                </p:oleObj>
-              </mc:Choice>
-              <mc:Fallback>
-                <p:oleObj name="Equation" r:id="rId7" imgW="1028520" imgH="228600" progId="Equation.DSMT4">
-                  <p:embed/>
-                  <p:pic>
-                    <p:nvPicPr>
-                      <p:cNvPr id="0" name="Picture 7"/>
-                      <p:cNvPicPr>
-                        <a:picLocks noChangeAspect="1" noChangeArrowheads="1"/>
-                      </p:cNvPicPr>
-                      <p:nvPr/>
-                    </p:nvPicPr>
-                    <p:blipFill>
-                      <a:blip r:embed="rId8">
-                        <a:extLst>
-                          <a:ext uri="{28A0092B-C50C-407E-A947-70E740481C1C}">
-                            <a14:useLocalDpi xmlns:a14="http://schemas.microsoft.com/office/drawing/2010/main" val="0"/>
-                          </a:ext>
-                        </a:extLst>
-                      </a:blip>
-                      <a:srcRect/>
-                      <a:stretch>
-                        <a:fillRect/>
-                      </a:stretch>
-                    </p:blipFill>
-                    <p:spPr bwMode="auto">
-                      <a:xfrm>
-                        <a:off x="4572000" y="1362075"/>
-                        <a:ext cx="2438400" cy="542925"/>
-                      </a:xfrm>
-                      <a:prstGeom prst="rect">
-                        <a:avLst/>
-                      </a:prstGeom>
-                      <a:noFill/>
-                      <a:extLst>
-                        <a:ext uri="{909E8E84-426E-40DD-AFC4-6F175D3DCCD1}">
-                          <a14:hiddenFill xmlns:a14="http://schemas.microsoft.com/office/drawing/2010/main">
-                            <a:solidFill>
-                              <a:srgbClr val="FFFFFF"/>
-                            </a:solidFill>
-                          </a14:hiddenFill>
-                        </a:ext>
-                      </a:extLst>
-                    </p:spPr>
-                  </p:pic>
-                </p:oleObj>
-              </mc:Fallback>
-            </mc:AlternateContent>
-          </a:graphicData>
-        </a:graphic>
-      </p:graphicFrame>
-      <p:sp>
-        <p:nvSpPr>
-          <p:cNvPr id="10" name="Footer Placeholder 9"/>
+      <p:sp>
+        <p:nvSpPr>
+          <p:cNvPr id="7" name="Footer Placeholder 6"/>
           <p:cNvSpPr>
             <a:spLocks noGrp="1"/>
           </p:cNvSpPr>
@@ -22907,13 +21834,13 @@
   <p:clrMapOvr>
     <a:masterClrMapping/>
   </p:clrMapOvr>
-  <p:transition>
+  <p:transition xmlns:p14="http://schemas.microsoft.com/office/powerpoint/2010/main">
     <p:random/>
   </p:transition>
   <p:timing>
     <p:tnLst>
       <p:par>
-        <p:cTn id="1" dur="indefinite" restart="never" nodeType="tmRoot"/>
+        <p:cTn xmlns:p14="http://schemas.microsoft.com/office/powerpoint/2010/main" id="1" dur="indefinite" restart="never" nodeType="tmRoot"/>
       </p:par>
     </p:tnLst>
   </p:timing>
